--- a/docs/source.pptx
+++ b/docs/source.pptx
@@ -201,7 +201,7 @@
           <a:p>
             <a:fld id="{F2AFE6A1-2F39-4B01-97AE-169630C5A3E5}" type="datetimeFigureOut">
               <a:rPr lang="zh-CN" altLang="en-US" smtClean="0"/>
-              <a:t>2019-12-10</a:t>
+              <a:t>2019-12-11</a:t>
             </a:fld>
             <a:endParaRPr lang="zh-CN" altLang="en-US"/>
           </a:p>
@@ -681,7 +681,7 @@
           <a:p>
             <a:fld id="{1371499B-6999-409F-9FD6-0E57C3931DBB}" type="datetimeFigureOut">
               <a:rPr lang="zh-CN" altLang="en-US" smtClean="0"/>
-              <a:t>2019-12-10</a:t>
+              <a:t>2019-12-11</a:t>
             </a:fld>
             <a:endParaRPr lang="zh-CN" altLang="en-US"/>
           </a:p>
@@ -849,7 +849,7 @@
           <a:p>
             <a:fld id="{1371499B-6999-409F-9FD6-0E57C3931DBB}" type="datetimeFigureOut">
               <a:rPr lang="zh-CN" altLang="en-US" smtClean="0"/>
-              <a:t>2019-12-10</a:t>
+              <a:t>2019-12-11</a:t>
             </a:fld>
             <a:endParaRPr lang="zh-CN" altLang="en-US"/>
           </a:p>
@@ -1027,7 +1027,7 @@
           <a:p>
             <a:fld id="{1371499B-6999-409F-9FD6-0E57C3931DBB}" type="datetimeFigureOut">
               <a:rPr lang="zh-CN" altLang="en-US" smtClean="0"/>
-              <a:t>2019-12-10</a:t>
+              <a:t>2019-12-11</a:t>
             </a:fld>
             <a:endParaRPr lang="zh-CN" altLang="en-US"/>
           </a:p>
@@ -1195,7 +1195,7 @@
           <a:p>
             <a:fld id="{1371499B-6999-409F-9FD6-0E57C3931DBB}" type="datetimeFigureOut">
               <a:rPr lang="zh-CN" altLang="en-US" smtClean="0"/>
-              <a:t>2019-12-10</a:t>
+              <a:t>2019-12-11</a:t>
             </a:fld>
             <a:endParaRPr lang="zh-CN" altLang="en-US"/>
           </a:p>
@@ -1440,7 +1440,7 @@
           <a:p>
             <a:fld id="{1371499B-6999-409F-9FD6-0E57C3931DBB}" type="datetimeFigureOut">
               <a:rPr lang="zh-CN" altLang="en-US" smtClean="0"/>
-              <a:t>2019-12-10</a:t>
+              <a:t>2019-12-11</a:t>
             </a:fld>
             <a:endParaRPr lang="zh-CN" altLang="en-US"/>
           </a:p>
@@ -1669,7 +1669,7 @@
           <a:p>
             <a:fld id="{1371499B-6999-409F-9FD6-0E57C3931DBB}" type="datetimeFigureOut">
               <a:rPr lang="zh-CN" altLang="en-US" smtClean="0"/>
-              <a:t>2019-12-10</a:t>
+              <a:t>2019-12-11</a:t>
             </a:fld>
             <a:endParaRPr lang="zh-CN" altLang="en-US"/>
           </a:p>
@@ -2033,7 +2033,7 @@
           <a:p>
             <a:fld id="{1371499B-6999-409F-9FD6-0E57C3931DBB}" type="datetimeFigureOut">
               <a:rPr lang="zh-CN" altLang="en-US" smtClean="0"/>
-              <a:t>2019-12-10</a:t>
+              <a:t>2019-12-11</a:t>
             </a:fld>
             <a:endParaRPr lang="zh-CN" altLang="en-US"/>
           </a:p>
@@ -2150,7 +2150,7 @@
           <a:p>
             <a:fld id="{1371499B-6999-409F-9FD6-0E57C3931DBB}" type="datetimeFigureOut">
               <a:rPr lang="zh-CN" altLang="en-US" smtClean="0"/>
-              <a:t>2019-12-10</a:t>
+              <a:t>2019-12-11</a:t>
             </a:fld>
             <a:endParaRPr lang="zh-CN" altLang="en-US"/>
           </a:p>
@@ -2245,7 +2245,7 @@
           <a:p>
             <a:fld id="{1371499B-6999-409F-9FD6-0E57C3931DBB}" type="datetimeFigureOut">
               <a:rPr lang="zh-CN" altLang="en-US" smtClean="0"/>
-              <a:t>2019-12-10</a:t>
+              <a:t>2019-12-11</a:t>
             </a:fld>
             <a:endParaRPr lang="zh-CN" altLang="en-US"/>
           </a:p>
@@ -2520,7 +2520,7 @@
           <a:p>
             <a:fld id="{1371499B-6999-409F-9FD6-0E57C3931DBB}" type="datetimeFigureOut">
               <a:rPr lang="zh-CN" altLang="en-US" smtClean="0"/>
-              <a:t>2019-12-10</a:t>
+              <a:t>2019-12-11</a:t>
             </a:fld>
             <a:endParaRPr lang="zh-CN" altLang="en-US"/>
           </a:p>
@@ -2772,7 +2772,7 @@
           <a:p>
             <a:fld id="{1371499B-6999-409F-9FD6-0E57C3931DBB}" type="datetimeFigureOut">
               <a:rPr lang="zh-CN" altLang="en-US" smtClean="0"/>
-              <a:t>2019-12-10</a:t>
+              <a:t>2019-12-11</a:t>
             </a:fld>
             <a:endParaRPr lang="zh-CN" altLang="en-US"/>
           </a:p>
@@ -2983,7 +2983,7 @@
           <a:p>
             <a:fld id="{1371499B-6999-409F-9FD6-0E57C3931DBB}" type="datetimeFigureOut">
               <a:rPr lang="zh-CN" altLang="en-US" smtClean="0"/>
-              <a:t>2019-12-10</a:t>
+              <a:t>2019-12-11</a:t>
             </a:fld>
             <a:endParaRPr lang="zh-CN" altLang="en-US"/>
           </a:p>
@@ -3396,7 +3396,7 @@
         </p:nvSpPr>
         <p:spPr>
           <a:xfrm>
-            <a:off x="3796579" y="4986398"/>
+            <a:off x="3222755" y="4819310"/>
             <a:ext cx="476033" cy="243425"/>
           </a:xfrm>
           <a:prstGeom prst="can">
@@ -3454,7 +3454,7 @@
         </p:nvSpPr>
         <p:spPr>
           <a:xfrm>
-            <a:off x="4777991" y="4986398"/>
+            <a:off x="4009428" y="4819310"/>
             <a:ext cx="476033" cy="243425"/>
           </a:xfrm>
           <a:prstGeom prst="can">
@@ -3512,7 +3512,7 @@
         </p:nvSpPr>
         <p:spPr>
           <a:xfrm>
-            <a:off x="5759403" y="4986398"/>
+            <a:off x="4787637" y="4819310"/>
             <a:ext cx="476033" cy="243425"/>
           </a:xfrm>
           <a:prstGeom prst="can">
@@ -3570,7 +3570,7 @@
         </p:nvSpPr>
         <p:spPr>
           <a:xfrm>
-            <a:off x="6740815" y="4986398"/>
+            <a:off x="5506580" y="4819310"/>
             <a:ext cx="476033" cy="243425"/>
           </a:xfrm>
           <a:prstGeom prst="can">
@@ -3628,7 +3628,7 @@
         </p:nvSpPr>
         <p:spPr>
           <a:xfrm>
-            <a:off x="7722227" y="4986398"/>
+            <a:off x="6242456" y="4819310"/>
             <a:ext cx="476033" cy="243425"/>
           </a:xfrm>
           <a:prstGeom prst="can">
@@ -3686,7 +3686,7 @@
         </p:nvSpPr>
         <p:spPr>
           <a:xfrm>
-            <a:off x="4387573" y="5829978"/>
+            <a:off x="3415807" y="5662890"/>
             <a:ext cx="417102" cy="230832"/>
           </a:xfrm>
           <a:prstGeom prst="rect">
@@ -3734,7 +3734,7 @@
         </p:nvGrpSpPr>
         <p:grpSpPr>
           <a:xfrm>
-            <a:off x="4386299" y="5597490"/>
+            <a:off x="3414533" y="5430402"/>
             <a:ext cx="406569" cy="242211"/>
             <a:chOff x="2857287" y="3434440"/>
             <a:chExt cx="492645" cy="370115"/>
@@ -4004,7 +4004,7 @@
         </p:nvSpPr>
         <p:spPr>
           <a:xfrm>
-            <a:off x="4864119" y="5829978"/>
+            <a:off x="3892353" y="5662890"/>
             <a:ext cx="906018" cy="230832"/>
           </a:xfrm>
           <a:prstGeom prst="rect">
@@ -4019,7 +4019,7 @@
           <a:p>
             <a:pPr algn="ctr"/>
             <a:r>
-              <a:rPr lang="en-US" altLang="zh-CN" sz="900" dirty="0" err="1">
+              <a:rPr lang="en-US" altLang="zh-CN" sz="900" dirty="0">
                 <a:solidFill>
                   <a:schemeClr val="tx1">
                     <a:lumMod val="65000"/>
@@ -4052,7 +4052,7 @@
         </p:nvSpPr>
         <p:spPr>
           <a:xfrm>
-            <a:off x="5832150" y="5832484"/>
+            <a:off x="4860384" y="5665396"/>
             <a:ext cx="768160" cy="230832"/>
           </a:xfrm>
           <a:prstGeom prst="rect">
@@ -4067,7 +4067,7 @@
           <a:p>
             <a:pPr algn="ctr"/>
             <a:r>
-              <a:rPr lang="en-US" altLang="zh-CN" sz="900" dirty="0" err="1">
+              <a:rPr lang="en-US" altLang="zh-CN" sz="900" dirty="0">
                 <a:solidFill>
                   <a:schemeClr val="tx1">
                     <a:lumMod val="65000"/>
@@ -4100,7 +4100,7 @@
         </p:nvSpPr>
         <p:spPr>
           <a:xfrm>
-            <a:off x="4255033" y="5509570"/>
+            <a:off x="3283267" y="5342482"/>
             <a:ext cx="2500867" cy="541537"/>
           </a:xfrm>
           <a:prstGeom prst="roundRect">
@@ -4158,8 +4158,8 @@
         </p:nvCxnSpPr>
         <p:spPr>
           <a:xfrm rot="16200000" flipV="1">
-            <a:off x="5120865" y="5124967"/>
-            <a:ext cx="279747" cy="489459"/>
+            <a:off x="4250700" y="5059481"/>
+            <a:ext cx="279747" cy="286256"/>
           </a:xfrm>
           <a:prstGeom prst="bentConnector3">
             <a:avLst/>
@@ -4200,7 +4200,7 @@
         </p:nvCxnSpPr>
         <p:spPr>
           <a:xfrm rot="5400000" flipH="1" flipV="1">
-            <a:off x="5611570" y="5123721"/>
+            <a:off x="4639804" y="4956633"/>
             <a:ext cx="279747" cy="491953"/>
           </a:xfrm>
           <a:prstGeom prst="bentConnector3">
@@ -4239,7 +4239,7 @@
         </p:nvSpPr>
         <p:spPr>
           <a:xfrm>
-            <a:off x="5666057" y="4131532"/>
+            <a:off x="4694291" y="3964444"/>
             <a:ext cx="918841" cy="230832"/>
           </a:xfrm>
           <a:prstGeom prst="rect">
@@ -4254,7 +4254,7 @@
           <a:p>
             <a:pPr algn="ctr"/>
             <a:r>
-              <a:rPr lang="en-US" altLang="zh-CN" sz="900" dirty="0" err="1">
+              <a:rPr lang="en-US" altLang="zh-CN" sz="900" dirty="0">
                 <a:solidFill>
                   <a:schemeClr val="tx1">
                     <a:lumMod val="65000"/>
@@ -4287,7 +4287,7 @@
         </p:nvSpPr>
         <p:spPr>
           <a:xfrm>
-            <a:off x="6500637" y="4134038"/>
+            <a:off x="5528871" y="3966950"/>
             <a:ext cx="843501" cy="230832"/>
           </a:xfrm>
           <a:prstGeom prst="rect">
@@ -4302,7 +4302,7 @@
           <a:p>
             <a:pPr algn="ctr"/>
             <a:r>
-              <a:rPr lang="en-US" altLang="zh-CN" sz="900" dirty="0" err="1">
+              <a:rPr lang="en-US" altLang="zh-CN" sz="900" dirty="0">
                 <a:solidFill>
                   <a:schemeClr val="tx1">
                     <a:lumMod val="65000"/>
@@ -4335,7 +4335,7 @@
         </p:nvSpPr>
         <p:spPr>
           <a:xfrm>
-            <a:off x="5702469" y="4142992"/>
+            <a:off x="4730703" y="3975904"/>
             <a:ext cx="1590546" cy="524302"/>
           </a:xfrm>
           <a:prstGeom prst="roundRect">
@@ -4393,8 +4393,8 @@
         </p:nvCxnSpPr>
         <p:spPr>
           <a:xfrm rot="5400000">
-            <a:off x="5597323" y="4085979"/>
-            <a:ext cx="319104" cy="1481734"/>
+            <a:off x="4727159" y="4020493"/>
+            <a:ext cx="319104" cy="1278531"/>
           </a:xfrm>
           <a:prstGeom prst="bentConnector3">
             <a:avLst>
@@ -4437,7 +4437,7 @@
         </p:nvCxnSpPr>
         <p:spPr>
           <a:xfrm rot="5400000">
-            <a:off x="6088029" y="4576685"/>
+            <a:off x="5116263" y="4409597"/>
             <a:ext cx="319104" cy="500322"/>
           </a:xfrm>
           <a:prstGeom prst="bentConnector3">
@@ -4481,8 +4481,8 @@
         </p:nvCxnSpPr>
         <p:spPr>
           <a:xfrm rot="16200000" flipH="1">
-            <a:off x="6578735" y="4586301"/>
-            <a:ext cx="319104" cy="481090"/>
+            <a:off x="5475734" y="4550447"/>
+            <a:ext cx="319104" cy="218621"/>
           </a:xfrm>
           <a:prstGeom prst="bentConnector3">
             <a:avLst>
@@ -4525,8 +4525,8 @@
         </p:nvCxnSpPr>
         <p:spPr>
           <a:xfrm rot="16200000" flipH="1">
-            <a:off x="7069441" y="4095595"/>
-            <a:ext cx="319104" cy="1462502"/>
+            <a:off x="5843672" y="4182509"/>
+            <a:ext cx="319104" cy="954497"/>
           </a:xfrm>
           <a:prstGeom prst="bentConnector3">
             <a:avLst>
@@ -4566,7 +4566,7 @@
         </p:nvSpPr>
         <p:spPr>
           <a:xfrm>
-            <a:off x="5017947" y="3480716"/>
+            <a:off x="4046181" y="3313628"/>
             <a:ext cx="1992039" cy="363894"/>
           </a:xfrm>
           <a:prstGeom prst="roundRect">
@@ -4630,8 +4630,8 @@
         </p:nvSpPr>
         <p:spPr>
           <a:xfrm>
-            <a:off x="3685592" y="4084877"/>
-            <a:ext cx="4655975" cy="2040668"/>
+            <a:off x="3093044" y="3917789"/>
+            <a:ext cx="3758391" cy="2040668"/>
           </a:xfrm>
           <a:prstGeom prst="roundRect">
             <a:avLst>
@@ -4641,10 +4641,7 @@
           <a:noFill/>
           <a:ln w="6350">
             <a:solidFill>
-              <a:schemeClr val="tx1">
-                <a:lumMod val="65000"/>
-                <a:lumOff val="35000"/>
-              </a:schemeClr>
+              <a:srgbClr val="3399FF"/>
             </a:solidFill>
             <a:prstDash val="sysDash"/>
           </a:ln>
@@ -4679,48 +4676,6 @@
           </a:p>
         </p:txBody>
       </p:sp>
-      <p:cxnSp>
-        <p:nvCxnSpPr>
-          <p:cNvPr id="15" name="Connector: Elbow 14"/>
-          <p:cNvCxnSpPr>
-            <a:stCxn id="2" idx="2"/>
-            <a:endCxn id="3" idx="0"/>
-          </p:cNvCxnSpPr>
-          <p:nvPr/>
-        </p:nvCxnSpPr>
-        <p:spPr>
-          <a:xfrm rot="5400000">
-            <a:off x="5893641" y="3964550"/>
-            <a:ext cx="240267" cy="387"/>
-          </a:xfrm>
-          <a:prstGeom prst="bentConnector3">
-            <a:avLst/>
-          </a:prstGeom>
-          <a:ln w="12700">
-            <a:solidFill>
-              <a:srgbClr val="0000FF">
-                <a:alpha val="70000"/>
-              </a:srgbClr>
-            </a:solidFill>
-            <a:headEnd type="stealth"/>
-            <a:tailEnd type="stealth"/>
-          </a:ln>
-        </p:spPr>
-        <p:style>
-          <a:lnRef idx="1">
-            <a:schemeClr val="accent1"/>
-          </a:lnRef>
-          <a:fillRef idx="0">
-            <a:schemeClr val="accent1"/>
-          </a:fillRef>
-          <a:effectRef idx="0">
-            <a:schemeClr val="accent1"/>
-          </a:effectRef>
-          <a:fontRef idx="minor">
-            <a:schemeClr val="tx1"/>
-          </a:fontRef>
-        </p:style>
-      </p:cxnSp>
       <p:sp>
         <p:nvSpPr>
           <p:cNvPr id="16" name="Oval 15"/>
@@ -4729,7 +4684,7 @@
         </p:nvSpPr>
         <p:spPr>
           <a:xfrm>
-            <a:off x="4075552" y="2783541"/>
+            <a:off x="3306994" y="2616453"/>
             <a:ext cx="849532" cy="381000"/>
           </a:xfrm>
           <a:prstGeom prst="ellipse">
@@ -4791,7 +4746,7 @@
         </p:nvSpPr>
         <p:spPr>
           <a:xfrm>
-            <a:off x="5273291" y="2783541"/>
+            <a:off x="4411596" y="2616453"/>
             <a:ext cx="849532" cy="381000"/>
           </a:xfrm>
           <a:prstGeom prst="ellipse">
@@ -4853,7 +4808,7 @@
         </p:nvSpPr>
         <p:spPr>
           <a:xfrm>
-            <a:off x="7058966" y="2781434"/>
+            <a:off x="5765467" y="2614346"/>
             <a:ext cx="849532" cy="381000"/>
           </a:xfrm>
           <a:prstGeom prst="ellipse">
@@ -4919,7 +4874,7 @@
         </p:nvSpPr>
         <p:spPr>
           <a:xfrm>
-            <a:off x="6163876" y="2272657"/>
+            <a:off x="5200579" y="2105569"/>
             <a:ext cx="849532" cy="381000"/>
           </a:xfrm>
           <a:prstGeom prst="ellipse">
@@ -4989,17 +4944,15 @@
         </p:nvCxnSpPr>
         <p:spPr>
           <a:xfrm flipH="1">
-            <a:off x="4800673" y="2463157"/>
-            <a:ext cx="1363203" cy="376180"/>
+            <a:off x="4032115" y="2296069"/>
+            <a:ext cx="1168464" cy="376180"/>
           </a:xfrm>
           <a:prstGeom prst="straightConnector1">
             <a:avLst/>
           </a:prstGeom>
           <a:ln>
             <a:solidFill>
-              <a:schemeClr val="bg1">
-                <a:lumMod val="65000"/>
-              </a:schemeClr>
+              <a:schemeClr val="accent6"/>
             </a:solidFill>
             <a:prstDash val="dash"/>
             <a:tailEnd type="arrow"/>
@@ -5032,17 +4985,15 @@
         </p:nvCxnSpPr>
         <p:spPr>
           <a:xfrm flipH="1">
-            <a:off x="5998412" y="2597861"/>
-            <a:ext cx="289875" cy="241476"/>
+            <a:off x="5136717" y="2430773"/>
+            <a:ext cx="188273" cy="241476"/>
           </a:xfrm>
           <a:prstGeom prst="straightConnector1">
             <a:avLst/>
           </a:prstGeom>
           <a:ln>
             <a:solidFill>
-              <a:schemeClr val="bg1">
-                <a:lumMod val="65000"/>
-              </a:schemeClr>
+              <a:schemeClr val="accent6"/>
             </a:solidFill>
             <a:prstDash val="dash"/>
             <a:tailEnd type="arrow"/>
@@ -5075,17 +5026,15 @@
         </p:nvCxnSpPr>
         <p:spPr>
           <a:xfrm flipH="1">
-            <a:off x="5992376" y="2653657"/>
-            <a:ext cx="596266" cy="823102"/>
+            <a:off x="5020610" y="2486569"/>
+            <a:ext cx="604735" cy="823102"/>
           </a:xfrm>
           <a:prstGeom prst="straightConnector1">
             <a:avLst/>
           </a:prstGeom>
           <a:ln>
             <a:solidFill>
-              <a:schemeClr val="bg1">
-                <a:lumMod val="65000"/>
-              </a:schemeClr>
+              <a:schemeClr val="accent6"/>
             </a:solidFill>
             <a:prstDash val="dash"/>
             <a:tailEnd type="arrow"/>
@@ -5118,17 +5067,15 @@
         </p:nvCxnSpPr>
         <p:spPr>
           <a:xfrm flipH="1">
-            <a:off x="6190496" y="3106638"/>
-            <a:ext cx="992881" cy="370121"/>
+            <a:off x="5218730" y="2939550"/>
+            <a:ext cx="671148" cy="370121"/>
           </a:xfrm>
           <a:prstGeom prst="straightConnector1">
             <a:avLst/>
           </a:prstGeom>
           <a:ln>
             <a:solidFill>
-              <a:schemeClr val="bg1">
-                <a:lumMod val="65000"/>
-              </a:schemeClr>
+              <a:schemeClr val="accent6"/>
             </a:solidFill>
             <a:prstDash val="dash"/>
             <a:tailEnd type="arrow"/>
@@ -5157,7 +5104,7 @@
         </p:nvSpPr>
         <p:spPr>
           <a:xfrm>
-            <a:off x="5868799" y="3456672"/>
+            <a:off x="4897033" y="3289584"/>
             <a:ext cx="144780" cy="137160"/>
           </a:xfrm>
           <a:prstGeom prst="ellipse">
@@ -5201,7 +5148,7 @@
         </p:nvSpPr>
         <p:spPr>
           <a:xfrm>
-            <a:off x="6066919" y="3456672"/>
+            <a:off x="5095153" y="3289584"/>
             <a:ext cx="144780" cy="137160"/>
           </a:xfrm>
           <a:prstGeom prst="ellipse">
@@ -5245,7 +5192,7 @@
         </p:nvSpPr>
         <p:spPr>
           <a:xfrm>
-            <a:off x="3700746" y="4094510"/>
+            <a:off x="3093044" y="3927422"/>
             <a:ext cx="641522" cy="246221"/>
           </a:xfrm>
           <a:prstGeom prst="rect">
@@ -5257,19 +5204,26 @@
           <a:bodyPr wrap="none" rtlCol="0">
             <a:spAutoFit/>
           </a:bodyPr>
-          <a:lstStyle/>
-          <a:p>
-            <a:r>
-              <a:rPr lang="en-US" altLang="zh-CN" sz="1000" b="1" dirty="0">
+          <a:lstStyle>
+            <a:defPPr>
+              <a:defRPr lang="zh-CN"/>
+            </a:defPPr>
+            <a:lvl1pPr>
+              <a:defRPr sz="900" b="1">
+                <a:solidFill>
+                  <a:srgbClr val="3399FF"/>
+                </a:solidFill>
                 <a:latin typeface="微软雅黑" panose="020B0503020204020204" pitchFamily="34" charset="-122"/>
                 <a:ea typeface="微软雅黑" panose="020B0503020204020204" pitchFamily="34" charset="-122"/>
-              </a:rPr>
+              </a:defRPr>
+            </a:lvl1pPr>
+          </a:lstStyle>
+          <a:p>
+            <a:r>
+              <a:rPr lang="en-US" altLang="zh-CN" sz="1000" dirty="0"/>
               <a:t>MySQL</a:t>
             </a:r>
-            <a:endParaRPr lang="en-US" sz="1000" b="1" dirty="0">
-              <a:latin typeface="微软雅黑" panose="020B0503020204020204" pitchFamily="34" charset="-122"/>
-              <a:ea typeface="微软雅黑" panose="020B0503020204020204" pitchFamily="34" charset="-122"/>
-            </a:endParaRPr>
+            <a:endParaRPr lang="en-US" sz="1000" dirty="0"/>
           </a:p>
         </p:txBody>
       </p:sp>
@@ -5281,7 +5235,7 @@
         </p:nvSpPr>
         <p:spPr>
           <a:xfrm>
-            <a:off x="6908633" y="5232440"/>
+            <a:off x="5487278" y="5048581"/>
             <a:ext cx="1285929" cy="230832"/>
           </a:xfrm>
           <a:prstGeom prst="rect">
@@ -5323,7 +5277,7 @@
         </p:nvSpPr>
         <p:spPr>
           <a:xfrm>
-            <a:off x="6713174" y="5709314"/>
+            <a:off x="5372565" y="5440525"/>
             <a:ext cx="1002197" cy="230832"/>
           </a:xfrm>
           <a:prstGeom prst="rect">
@@ -5367,7 +5321,7 @@
         </p:nvSpPr>
         <p:spPr>
           <a:xfrm>
-            <a:off x="7247766" y="4347848"/>
+            <a:off x="4000331" y="4179653"/>
             <a:ext cx="1002197" cy="230832"/>
           </a:xfrm>
           <a:prstGeom prst="rect">
@@ -5397,10 +5351,9 @@
           </a:lstStyle>
           <a:p>
             <a:r>
-              <a:rPr lang="en-US" b="1"/>
+              <a:rPr lang="en-US" b="1" dirty="0"/>
               <a:t>Logical Tables</a:t>
             </a:r>
-            <a:endParaRPr lang="en-US" b="1" dirty="0"/>
           </a:p>
         </p:txBody>
       </p:sp>
@@ -5412,8 +5365,8 @@
         </p:nvSpPr>
         <p:spPr>
           <a:xfrm>
-            <a:off x="3914775" y="2145590"/>
-            <a:ext cx="4143375" cy="1140827"/>
+            <a:off x="3093044" y="1978502"/>
+            <a:ext cx="3758392" cy="1140827"/>
           </a:xfrm>
           <a:prstGeom prst="roundRect">
             <a:avLst>
@@ -5423,10 +5376,7 @@
           <a:noFill/>
           <a:ln w="6350">
             <a:solidFill>
-              <a:schemeClr val="tx1">
-                <a:lumMod val="65000"/>
-                <a:lumOff val="35000"/>
-              </a:schemeClr>
+              <a:schemeClr val="accent6"/>
             </a:solidFill>
             <a:prstDash val="sysDash"/>
           </a:ln>
@@ -5464,7 +5414,7 @@
         </p:nvSpPr>
         <p:spPr>
           <a:xfrm>
-            <a:off x="3914775" y="2161801"/>
+            <a:off x="3095415" y="1994713"/>
             <a:ext cx="1184940" cy="246221"/>
           </a:xfrm>
           <a:prstGeom prst="rect">
@@ -5479,20 +5429,19 @@
           <a:lstStyle/>
           <a:p>
             <a:r>
-              <a:rPr lang="en-US" altLang="zh-CN" sz="1000" b="1" dirty="0" err="1">
+              <a:rPr lang="en-US" altLang="zh-CN" sz="1000" b="1" dirty="0">
+                <a:solidFill>
+                  <a:schemeClr val="accent6"/>
+                </a:solidFill>
                 <a:latin typeface="微软雅黑" panose="020B0503020204020204" pitchFamily="34" charset="-122"/>
                 <a:ea typeface="微软雅黑" panose="020B0503020204020204" pitchFamily="34" charset="-122"/>
               </a:rPr>
-              <a:t>Dubbo</a:t>
-            </a:r>
-            <a:r>
-              <a:rPr lang="en-US" altLang="zh-CN" sz="1000" b="1" dirty="0">
-                <a:latin typeface="微软雅黑" panose="020B0503020204020204" pitchFamily="34" charset="-122"/>
-                <a:ea typeface="微软雅黑" panose="020B0503020204020204" pitchFamily="34" charset="-122"/>
-              </a:rPr>
-              <a:t> Services</a:t>
+              <a:t>Dubbo Services</a:t>
             </a:r>
             <a:endParaRPr lang="en-US" sz="1000" b="1" dirty="0">
+              <a:solidFill>
+                <a:schemeClr val="accent6"/>
+              </a:solidFill>
               <a:latin typeface="微软雅黑" panose="020B0503020204020204" pitchFamily="34" charset="-122"/>
               <a:ea typeface="微软雅黑" panose="020B0503020204020204" pitchFamily="34" charset="-122"/>
             </a:endParaRPr>
@@ -5507,7 +5456,7 @@
         </p:nvSpPr>
         <p:spPr>
           <a:xfrm>
-            <a:off x="5560748" y="1506443"/>
+            <a:off x="4546647" y="1339355"/>
             <a:ext cx="849532" cy="381000"/>
           </a:xfrm>
           <a:prstGeom prst="ellipse">
@@ -5579,17 +5528,17 @@
         </p:nvCxnSpPr>
         <p:spPr>
           <a:xfrm rot="16200000" flipH="1">
-            <a:off x="5856915" y="2016041"/>
-            <a:ext cx="258147" cy="949"/>
+            <a:off x="4842753" y="1849014"/>
+            <a:ext cx="258147" cy="827"/>
           </a:xfrm>
           <a:prstGeom prst="bentConnector3">
             <a:avLst/>
           </a:prstGeom>
           <a:ln w="12700">
             <a:solidFill>
-              <a:srgbClr val="0000FF">
+              <a:schemeClr val="tx1">
                 <a:alpha val="70000"/>
-              </a:srgbClr>
+              </a:schemeClr>
             </a:solidFill>
             <a:headEnd type="stealth"/>
             <a:tailEnd type="stealth"/>
@@ -5618,7 +5567,7 @@
         </p:nvCxnSpPr>
         <p:spPr>
           <a:xfrm rot="5400000">
-            <a:off x="6055566" y="3964550"/>
+            <a:off x="5083800" y="3797462"/>
             <a:ext cx="240267" cy="387"/>
           </a:xfrm>
           <a:prstGeom prst="bentConnector3">
@@ -5626,9 +5575,9 @@
           </a:prstGeom>
           <a:ln w="12700">
             <a:solidFill>
-              <a:srgbClr val="0000FF">
+              <a:schemeClr val="tx1">
                 <a:alpha val="70000"/>
-              </a:srgbClr>
+              </a:schemeClr>
             </a:solidFill>
             <a:headEnd type="stealth"/>
             <a:tailEnd type="stealth"/>
@@ -5657,7 +5606,7 @@
         </p:nvCxnSpPr>
         <p:spPr>
           <a:xfrm rot="5400000">
-            <a:off x="5731716" y="3964550"/>
+            <a:off x="4759950" y="3797462"/>
             <a:ext cx="240267" cy="387"/>
           </a:xfrm>
           <a:prstGeom prst="bentConnector3">
@@ -5665,9 +5614,9 @@
           </a:prstGeom>
           <a:ln w="12700">
             <a:solidFill>
-              <a:srgbClr val="0000FF">
+              <a:schemeClr val="tx1">
                 <a:alpha val="70000"/>
-              </a:srgbClr>
+              </a:schemeClr>
             </a:solidFill>
             <a:headEnd type="stealth"/>
             <a:tailEnd type="stealth"/>
@@ -5696,7 +5645,7 @@
         </p:nvGrpSpPr>
         <p:grpSpPr>
           <a:xfrm>
-            <a:off x="5145556" y="5597733"/>
+            <a:off x="4173790" y="5430645"/>
             <a:ext cx="406569" cy="242211"/>
             <a:chOff x="2857287" y="3434440"/>
             <a:chExt cx="492645" cy="370115"/>
@@ -5966,7 +5915,7 @@
         </p:nvGrpSpPr>
         <p:grpSpPr>
           <a:xfrm>
-            <a:off x="5974124" y="5597733"/>
+            <a:off x="5002358" y="5430645"/>
             <a:ext cx="406569" cy="242211"/>
             <a:chOff x="2857287" y="3434440"/>
             <a:chExt cx="492645" cy="370115"/>
@@ -6236,7 +6185,7 @@
         </p:nvGrpSpPr>
         <p:grpSpPr>
           <a:xfrm>
-            <a:off x="5923969" y="4349178"/>
+            <a:off x="4952203" y="4182090"/>
             <a:ext cx="406569" cy="242211"/>
             <a:chOff x="2857287" y="3434440"/>
             <a:chExt cx="492645" cy="370115"/>
@@ -6506,7 +6455,7 @@
         </p:nvGrpSpPr>
         <p:grpSpPr>
           <a:xfrm>
-            <a:off x="6701251" y="4349178"/>
+            <a:off x="5729485" y="4182090"/>
             <a:ext cx="406569" cy="242211"/>
             <a:chOff x="2857287" y="3434440"/>
             <a:chExt cx="492645" cy="370115"/>
@@ -6768,6 +6717,949 @@
           </p:txBody>
         </p:sp>
       </p:grpSp>
+      <p:sp>
+        <p:nvSpPr>
+          <p:cNvPr id="74" name="圆柱形 7"/>
+          <p:cNvSpPr/>
+          <p:nvPr/>
+        </p:nvSpPr>
+        <p:spPr>
+          <a:xfrm>
+            <a:off x="8072914" y="2836129"/>
+            <a:ext cx="523636" cy="258929"/>
+          </a:xfrm>
+          <a:prstGeom prst="can">
+            <a:avLst/>
+          </a:prstGeom>
+          <a:solidFill>
+            <a:srgbClr val="3399FF"/>
+          </a:solidFill>
+          <a:ln w="6350">
+            <a:solidFill>
+              <a:schemeClr val="bg1"/>
+            </a:solidFill>
+          </a:ln>
+        </p:spPr>
+        <p:style>
+          <a:lnRef idx="2">
+            <a:schemeClr val="accent1">
+              <a:shade val="50000"/>
+            </a:schemeClr>
+          </a:lnRef>
+          <a:fillRef idx="1">
+            <a:schemeClr val="accent1"/>
+          </a:fillRef>
+          <a:effectRef idx="0">
+            <a:schemeClr val="accent1"/>
+          </a:effectRef>
+          <a:fontRef idx="minor">
+            <a:schemeClr val="lt1"/>
+          </a:fontRef>
+        </p:style>
+        <p:txBody>
+          <a:bodyPr lIns="0" tIns="0" rIns="0" bIns="0" rtlCol="0" anchor="ctr"/>
+          <a:lstStyle/>
+          <a:p>
+            <a:pPr algn="ctr"/>
+            <a:r>
+              <a:rPr lang="en-US" altLang="zh-CN" sz="900" dirty="0">
+                <a:latin typeface="微软雅黑" panose="020B0503020204020204" pitchFamily="34" charset="-122"/>
+                <a:ea typeface="微软雅黑" panose="020B0503020204020204" pitchFamily="34" charset="-122"/>
+              </a:rPr>
+              <a:t>Storage</a:t>
+            </a:r>
+          </a:p>
+        </p:txBody>
+      </p:sp>
+      <p:sp>
+        <p:nvSpPr>
+          <p:cNvPr id="75" name="Rectangle: Rounded Corners 74"/>
+          <p:cNvSpPr/>
+          <p:nvPr/>
+        </p:nvSpPr>
+        <p:spPr>
+          <a:xfrm>
+            <a:off x="7188693" y="1841629"/>
+            <a:ext cx="2197909" cy="1370502"/>
+          </a:xfrm>
+          <a:prstGeom prst="roundRect">
+            <a:avLst>
+              <a:gd name="adj" fmla="val 5465"/>
+            </a:avLst>
+          </a:prstGeom>
+          <a:noFill/>
+          <a:ln w="6350">
+            <a:solidFill>
+              <a:schemeClr val="accent2"/>
+            </a:solidFill>
+            <a:prstDash val="sysDash"/>
+          </a:ln>
+        </p:spPr>
+        <p:style>
+          <a:lnRef idx="2">
+            <a:schemeClr val="accent1">
+              <a:shade val="50000"/>
+            </a:schemeClr>
+          </a:lnRef>
+          <a:fillRef idx="1">
+            <a:schemeClr val="accent1"/>
+          </a:fillRef>
+          <a:effectRef idx="0">
+            <a:schemeClr val="accent1"/>
+          </a:effectRef>
+          <a:fontRef idx="minor">
+            <a:schemeClr val="lt1"/>
+          </a:fontRef>
+        </p:style>
+        <p:txBody>
+          <a:bodyPr rtlCol="0" anchor="ctr"/>
+          <a:lstStyle/>
+          <a:p>
+            <a:pPr algn="ctr"/>
+            <a:endParaRPr lang="en-US"/>
+          </a:p>
+        </p:txBody>
+      </p:sp>
+      <p:cxnSp>
+        <p:nvCxnSpPr>
+          <p:cNvPr id="77" name="Connector: Elbow 76"/>
+          <p:cNvCxnSpPr/>
+          <p:nvPr/>
+        </p:nvCxnSpPr>
+        <p:spPr>
+          <a:xfrm rot="5400000">
+            <a:off x="4914470" y="3797458"/>
+            <a:ext cx="240267" cy="387"/>
+          </a:xfrm>
+          <a:prstGeom prst="bentConnector3">
+            <a:avLst/>
+          </a:prstGeom>
+          <a:ln w="12700">
+            <a:solidFill>
+              <a:schemeClr val="tx1">
+                <a:alpha val="70000"/>
+              </a:schemeClr>
+            </a:solidFill>
+            <a:headEnd type="stealth"/>
+            <a:tailEnd type="stealth"/>
+          </a:ln>
+        </p:spPr>
+        <p:style>
+          <a:lnRef idx="1">
+            <a:schemeClr val="accent1"/>
+          </a:lnRef>
+          <a:fillRef idx="0">
+            <a:schemeClr val="accent1"/>
+          </a:fillRef>
+          <a:effectRef idx="0">
+            <a:schemeClr val="accent1"/>
+          </a:effectRef>
+          <a:fontRef idx="minor">
+            <a:schemeClr val="tx1"/>
+          </a:fontRef>
+        </p:style>
+      </p:cxnSp>
+      <p:sp>
+        <p:nvSpPr>
+          <p:cNvPr id="81" name="Oval 80"/>
+          <p:cNvSpPr/>
+          <p:nvPr/>
+        </p:nvSpPr>
+        <p:spPr>
+          <a:xfrm>
+            <a:off x="7356937" y="2101453"/>
+            <a:ext cx="849532" cy="381000"/>
+          </a:xfrm>
+          <a:prstGeom prst="ellipse">
+            <a:avLst/>
+          </a:prstGeom>
+          <a:solidFill>
+            <a:schemeClr val="accent2"/>
+          </a:solidFill>
+          <a:ln>
+            <a:noFill/>
+          </a:ln>
+        </p:spPr>
+        <p:style>
+          <a:lnRef idx="2">
+            <a:schemeClr val="accent1">
+              <a:shade val="50000"/>
+            </a:schemeClr>
+          </a:lnRef>
+          <a:fillRef idx="1">
+            <a:schemeClr val="accent1"/>
+          </a:fillRef>
+          <a:effectRef idx="0">
+            <a:schemeClr val="accent1"/>
+          </a:effectRef>
+          <a:fontRef idx="minor">
+            <a:schemeClr val="lt1"/>
+          </a:fontRef>
+        </p:style>
+        <p:txBody>
+          <a:bodyPr lIns="0" tIns="0" rIns="0" bIns="0" rtlCol="0" anchor="ctr"/>
+          <a:lstStyle/>
+          <a:p>
+            <a:pPr algn="ctr"/>
+            <a:r>
+              <a:rPr lang="en-US" sz="900" b="1">
+                <a:solidFill>
+                  <a:schemeClr val="bg1"/>
+                </a:solidFill>
+                <a:latin typeface="微软雅黑" panose="020B0503020204020204" pitchFamily="34" charset="-122"/>
+                <a:ea typeface="微软雅黑" panose="020B0503020204020204" pitchFamily="34" charset="-122"/>
+              </a:rPr>
+              <a:t>Backend</a:t>
+            </a:r>
+            <a:endParaRPr lang="en-US" sz="900" b="1" dirty="0">
+              <a:solidFill>
+                <a:schemeClr val="bg1"/>
+              </a:solidFill>
+              <a:latin typeface="微软雅黑" panose="020B0503020204020204" pitchFamily="34" charset="-122"/>
+              <a:ea typeface="微软雅黑" panose="020B0503020204020204" pitchFamily="34" charset="-122"/>
+            </a:endParaRPr>
+          </a:p>
+        </p:txBody>
+      </p:sp>
+      <p:sp>
+        <p:nvSpPr>
+          <p:cNvPr id="82" name="Oval 81"/>
+          <p:cNvSpPr/>
+          <p:nvPr/>
+        </p:nvSpPr>
+        <p:spPr>
+          <a:xfrm>
+            <a:off x="8412597" y="2103834"/>
+            <a:ext cx="849532" cy="381000"/>
+          </a:xfrm>
+          <a:prstGeom prst="ellipse">
+            <a:avLst/>
+          </a:prstGeom>
+          <a:solidFill>
+            <a:schemeClr val="accent2"/>
+          </a:solidFill>
+          <a:ln>
+            <a:noFill/>
+          </a:ln>
+        </p:spPr>
+        <p:style>
+          <a:lnRef idx="2">
+            <a:schemeClr val="accent1">
+              <a:shade val="50000"/>
+            </a:schemeClr>
+          </a:lnRef>
+          <a:fillRef idx="1">
+            <a:schemeClr val="accent1"/>
+          </a:fillRef>
+          <a:effectRef idx="0">
+            <a:schemeClr val="accent1"/>
+          </a:effectRef>
+          <a:fontRef idx="minor">
+            <a:schemeClr val="lt1"/>
+          </a:fontRef>
+        </p:style>
+        <p:txBody>
+          <a:bodyPr lIns="0" tIns="0" rIns="0" bIns="0" rtlCol="0" anchor="ctr"/>
+          <a:lstStyle/>
+          <a:p>
+            <a:pPr algn="ctr"/>
+            <a:r>
+              <a:rPr lang="en-US" sz="900" b="1" dirty="0">
+                <a:solidFill>
+                  <a:schemeClr val="bg1"/>
+                </a:solidFill>
+                <a:latin typeface="微软雅黑" panose="020B0503020204020204" pitchFamily="34" charset="-122"/>
+                <a:ea typeface="微软雅黑" panose="020B0503020204020204" pitchFamily="34" charset="-122"/>
+              </a:rPr>
+              <a:t>UI</a:t>
+            </a:r>
+          </a:p>
+        </p:txBody>
+      </p:sp>
+      <p:sp>
+        <p:nvSpPr>
+          <p:cNvPr id="83" name="Oval 82"/>
+          <p:cNvSpPr/>
+          <p:nvPr/>
+        </p:nvSpPr>
+        <p:spPr>
+          <a:xfrm>
+            <a:off x="5299350" y="1442233"/>
+            <a:ext cx="144000" cy="144000"/>
+          </a:xfrm>
+          <a:prstGeom prst="ellipse">
+            <a:avLst/>
+          </a:prstGeom>
+          <a:solidFill>
+            <a:schemeClr val="accent2"/>
+          </a:solidFill>
+          <a:ln>
+            <a:noFill/>
+          </a:ln>
+        </p:spPr>
+        <p:style>
+          <a:lnRef idx="2">
+            <a:schemeClr val="accent1">
+              <a:shade val="50000"/>
+            </a:schemeClr>
+          </a:lnRef>
+          <a:fillRef idx="1">
+            <a:schemeClr val="accent1"/>
+          </a:fillRef>
+          <a:effectRef idx="0">
+            <a:schemeClr val="accent1"/>
+          </a:effectRef>
+          <a:fontRef idx="minor">
+            <a:schemeClr val="lt1"/>
+          </a:fontRef>
+        </p:style>
+        <p:txBody>
+          <a:bodyPr lIns="0" tIns="0" rIns="0" bIns="0" rtlCol="0" anchor="ctr"/>
+          <a:lstStyle/>
+          <a:p>
+            <a:pPr algn="ctr"/>
+            <a:endParaRPr lang="en-US" sz="900" b="1" dirty="0">
+              <a:solidFill>
+                <a:schemeClr val="bg1"/>
+              </a:solidFill>
+              <a:latin typeface="微软雅黑" panose="020B0503020204020204" pitchFamily="34" charset="-122"/>
+              <a:ea typeface="微软雅黑" panose="020B0503020204020204" pitchFamily="34" charset="-122"/>
+            </a:endParaRPr>
+          </a:p>
+        </p:txBody>
+      </p:sp>
+      <p:sp>
+        <p:nvSpPr>
+          <p:cNvPr id="88" name="Oval 87"/>
+          <p:cNvSpPr/>
+          <p:nvPr/>
+        </p:nvSpPr>
+        <p:spPr>
+          <a:xfrm>
+            <a:off x="4041662" y="2730050"/>
+            <a:ext cx="144000" cy="144000"/>
+          </a:xfrm>
+          <a:prstGeom prst="ellipse">
+            <a:avLst/>
+          </a:prstGeom>
+          <a:solidFill>
+            <a:schemeClr val="accent2"/>
+          </a:solidFill>
+          <a:ln>
+            <a:noFill/>
+          </a:ln>
+        </p:spPr>
+        <p:style>
+          <a:lnRef idx="2">
+            <a:schemeClr val="accent1">
+              <a:shade val="50000"/>
+            </a:schemeClr>
+          </a:lnRef>
+          <a:fillRef idx="1">
+            <a:schemeClr val="accent1"/>
+          </a:fillRef>
+          <a:effectRef idx="0">
+            <a:schemeClr val="accent1"/>
+          </a:effectRef>
+          <a:fontRef idx="minor">
+            <a:schemeClr val="lt1"/>
+          </a:fontRef>
+        </p:style>
+        <p:txBody>
+          <a:bodyPr lIns="0" tIns="0" rIns="0" bIns="0" rtlCol="0" anchor="ctr"/>
+          <a:lstStyle/>
+          <a:p>
+            <a:pPr algn="ctr"/>
+            <a:endParaRPr lang="en-US" sz="900" b="1" dirty="0">
+              <a:solidFill>
+                <a:schemeClr val="bg1"/>
+              </a:solidFill>
+              <a:latin typeface="微软雅黑" panose="020B0503020204020204" pitchFamily="34" charset="-122"/>
+              <a:ea typeface="微软雅黑" panose="020B0503020204020204" pitchFamily="34" charset="-122"/>
+            </a:endParaRPr>
+          </a:p>
+        </p:txBody>
+      </p:sp>
+      <p:sp>
+        <p:nvSpPr>
+          <p:cNvPr id="89" name="Oval 88"/>
+          <p:cNvSpPr/>
+          <p:nvPr/>
+        </p:nvSpPr>
+        <p:spPr>
+          <a:xfrm>
+            <a:off x="5155495" y="2725259"/>
+            <a:ext cx="144000" cy="144000"/>
+          </a:xfrm>
+          <a:prstGeom prst="ellipse">
+            <a:avLst/>
+          </a:prstGeom>
+          <a:solidFill>
+            <a:schemeClr val="accent2"/>
+          </a:solidFill>
+          <a:ln>
+            <a:noFill/>
+          </a:ln>
+        </p:spPr>
+        <p:style>
+          <a:lnRef idx="2">
+            <a:schemeClr val="accent1">
+              <a:shade val="50000"/>
+            </a:schemeClr>
+          </a:lnRef>
+          <a:fillRef idx="1">
+            <a:schemeClr val="accent1"/>
+          </a:fillRef>
+          <a:effectRef idx="0">
+            <a:schemeClr val="accent1"/>
+          </a:effectRef>
+          <a:fontRef idx="minor">
+            <a:schemeClr val="lt1"/>
+          </a:fontRef>
+        </p:style>
+        <p:txBody>
+          <a:bodyPr lIns="0" tIns="0" rIns="0" bIns="0" rtlCol="0" anchor="ctr"/>
+          <a:lstStyle/>
+          <a:p>
+            <a:pPr algn="ctr"/>
+            <a:endParaRPr lang="en-US" sz="900" b="1" dirty="0">
+              <a:solidFill>
+                <a:schemeClr val="bg1"/>
+              </a:solidFill>
+              <a:latin typeface="微软雅黑" panose="020B0503020204020204" pitchFamily="34" charset="-122"/>
+              <a:ea typeface="微软雅黑" panose="020B0503020204020204" pitchFamily="34" charset="-122"/>
+            </a:endParaRPr>
+          </a:p>
+        </p:txBody>
+      </p:sp>
+      <p:sp>
+        <p:nvSpPr>
+          <p:cNvPr id="91" name="Oval 90"/>
+          <p:cNvSpPr/>
+          <p:nvPr/>
+        </p:nvSpPr>
+        <p:spPr>
+          <a:xfrm>
+            <a:off x="6504516" y="2725259"/>
+            <a:ext cx="144000" cy="144000"/>
+          </a:xfrm>
+          <a:prstGeom prst="ellipse">
+            <a:avLst/>
+          </a:prstGeom>
+          <a:solidFill>
+            <a:schemeClr val="accent2"/>
+          </a:solidFill>
+          <a:ln>
+            <a:noFill/>
+          </a:ln>
+        </p:spPr>
+        <p:style>
+          <a:lnRef idx="2">
+            <a:schemeClr val="accent1">
+              <a:shade val="50000"/>
+            </a:schemeClr>
+          </a:lnRef>
+          <a:fillRef idx="1">
+            <a:schemeClr val="accent1"/>
+          </a:fillRef>
+          <a:effectRef idx="0">
+            <a:schemeClr val="accent1"/>
+          </a:effectRef>
+          <a:fontRef idx="minor">
+            <a:schemeClr val="lt1"/>
+          </a:fontRef>
+        </p:style>
+        <p:txBody>
+          <a:bodyPr lIns="0" tIns="0" rIns="0" bIns="0" rtlCol="0" anchor="ctr"/>
+          <a:lstStyle/>
+          <a:p>
+            <a:pPr algn="ctr"/>
+            <a:endParaRPr lang="en-US" sz="900" b="1" dirty="0">
+              <a:solidFill>
+                <a:schemeClr val="bg1"/>
+              </a:solidFill>
+              <a:latin typeface="微软雅黑" panose="020B0503020204020204" pitchFamily="34" charset="-122"/>
+              <a:ea typeface="微软雅黑" panose="020B0503020204020204" pitchFamily="34" charset="-122"/>
+            </a:endParaRPr>
+          </a:p>
+        </p:txBody>
+      </p:sp>
+      <p:sp>
+        <p:nvSpPr>
+          <p:cNvPr id="97" name="Oval 96"/>
+          <p:cNvSpPr/>
+          <p:nvPr/>
+        </p:nvSpPr>
+        <p:spPr>
+          <a:xfrm>
+            <a:off x="5950042" y="2222272"/>
+            <a:ext cx="144000" cy="144000"/>
+          </a:xfrm>
+          <a:prstGeom prst="ellipse">
+            <a:avLst/>
+          </a:prstGeom>
+          <a:solidFill>
+            <a:schemeClr val="accent2"/>
+          </a:solidFill>
+          <a:ln>
+            <a:noFill/>
+          </a:ln>
+        </p:spPr>
+        <p:style>
+          <a:lnRef idx="2">
+            <a:schemeClr val="accent1">
+              <a:shade val="50000"/>
+            </a:schemeClr>
+          </a:lnRef>
+          <a:fillRef idx="1">
+            <a:schemeClr val="accent1"/>
+          </a:fillRef>
+          <a:effectRef idx="0">
+            <a:schemeClr val="accent1"/>
+          </a:effectRef>
+          <a:fontRef idx="minor">
+            <a:schemeClr val="lt1"/>
+          </a:fontRef>
+        </p:style>
+        <p:txBody>
+          <a:bodyPr lIns="0" tIns="0" rIns="0" bIns="0" rtlCol="0" anchor="ctr"/>
+          <a:lstStyle/>
+          <a:p>
+            <a:pPr algn="ctr"/>
+            <a:endParaRPr lang="en-US" sz="900" b="1" dirty="0">
+              <a:solidFill>
+                <a:schemeClr val="bg1"/>
+              </a:solidFill>
+              <a:latin typeface="微软雅黑" panose="020B0503020204020204" pitchFamily="34" charset="-122"/>
+              <a:ea typeface="微软雅黑" panose="020B0503020204020204" pitchFamily="34" charset="-122"/>
+            </a:endParaRPr>
+          </a:p>
+        </p:txBody>
+      </p:sp>
+      <p:cxnSp>
+        <p:nvCxnSpPr>
+          <p:cNvPr id="99" name="肘形连接符 100"/>
+          <p:cNvCxnSpPr>
+            <a:cxnSpLocks/>
+            <a:stCxn id="83" idx="6"/>
+            <a:endCxn id="81" idx="2"/>
+          </p:cNvCxnSpPr>
+          <p:nvPr/>
+        </p:nvCxnSpPr>
+        <p:spPr>
+          <a:xfrm>
+            <a:off x="5443350" y="1514233"/>
+            <a:ext cx="1913587" cy="777720"/>
+          </a:xfrm>
+          <a:prstGeom prst="bentConnector3">
+            <a:avLst>
+              <a:gd name="adj1" fmla="val 81525"/>
+            </a:avLst>
+          </a:prstGeom>
+          <a:ln>
+            <a:solidFill>
+              <a:schemeClr val="accent2"/>
+            </a:solidFill>
+            <a:prstDash val="dash"/>
+            <a:tailEnd type="arrow"/>
+          </a:ln>
+        </p:spPr>
+        <p:style>
+          <a:lnRef idx="1">
+            <a:schemeClr val="accent1"/>
+          </a:lnRef>
+          <a:fillRef idx="0">
+            <a:schemeClr val="accent1"/>
+          </a:fillRef>
+          <a:effectRef idx="0">
+            <a:schemeClr val="accent1"/>
+          </a:effectRef>
+          <a:fontRef idx="minor">
+            <a:schemeClr val="tx1"/>
+          </a:fontRef>
+        </p:style>
+      </p:cxnSp>
+      <p:cxnSp>
+        <p:nvCxnSpPr>
+          <p:cNvPr id="104" name="肘形连接符 100"/>
+          <p:cNvCxnSpPr>
+            <a:cxnSpLocks/>
+            <a:stCxn id="97" idx="6"/>
+            <a:endCxn id="81" idx="2"/>
+          </p:cNvCxnSpPr>
+          <p:nvPr/>
+        </p:nvCxnSpPr>
+        <p:spPr>
+          <a:xfrm flipV="1">
+            <a:off x="6094042" y="2291953"/>
+            <a:ext cx="1262895" cy="2319"/>
+          </a:xfrm>
+          <a:prstGeom prst="bentConnector3">
+            <a:avLst>
+              <a:gd name="adj1" fmla="val 50000"/>
+            </a:avLst>
+          </a:prstGeom>
+          <a:ln>
+            <a:solidFill>
+              <a:schemeClr val="accent2"/>
+            </a:solidFill>
+            <a:prstDash val="dash"/>
+            <a:tailEnd type="arrow"/>
+          </a:ln>
+        </p:spPr>
+        <p:style>
+          <a:lnRef idx="1">
+            <a:schemeClr val="accent1"/>
+          </a:lnRef>
+          <a:fillRef idx="0">
+            <a:schemeClr val="accent1"/>
+          </a:fillRef>
+          <a:effectRef idx="0">
+            <a:schemeClr val="accent1"/>
+          </a:effectRef>
+          <a:fontRef idx="minor">
+            <a:schemeClr val="tx1"/>
+          </a:fontRef>
+        </p:style>
+      </p:cxnSp>
+      <p:cxnSp>
+        <p:nvCxnSpPr>
+          <p:cNvPr id="131" name="肘形连接符 100"/>
+          <p:cNvCxnSpPr>
+            <a:cxnSpLocks/>
+            <a:stCxn id="91" idx="6"/>
+            <a:endCxn id="81" idx="2"/>
+          </p:cNvCxnSpPr>
+          <p:nvPr/>
+        </p:nvCxnSpPr>
+        <p:spPr>
+          <a:xfrm flipV="1">
+            <a:off x="6648516" y="2291953"/>
+            <a:ext cx="708421" cy="505306"/>
+          </a:xfrm>
+          <a:prstGeom prst="bentConnector3">
+            <a:avLst>
+              <a:gd name="adj1" fmla="val 50000"/>
+            </a:avLst>
+          </a:prstGeom>
+          <a:ln>
+            <a:solidFill>
+              <a:schemeClr val="accent2"/>
+            </a:solidFill>
+            <a:prstDash val="dash"/>
+            <a:tailEnd type="arrow"/>
+          </a:ln>
+        </p:spPr>
+        <p:style>
+          <a:lnRef idx="1">
+            <a:schemeClr val="accent1"/>
+          </a:lnRef>
+          <a:fillRef idx="0">
+            <a:schemeClr val="accent1"/>
+          </a:fillRef>
+          <a:effectRef idx="0">
+            <a:schemeClr val="accent1"/>
+          </a:effectRef>
+          <a:fontRef idx="minor">
+            <a:schemeClr val="tx1"/>
+          </a:fontRef>
+        </p:style>
+      </p:cxnSp>
+      <p:sp>
+        <p:nvSpPr>
+          <p:cNvPr id="132" name="TextBox 131"/>
+          <p:cNvSpPr txBox="1"/>
+          <p:nvPr/>
+        </p:nvSpPr>
+        <p:spPr>
+          <a:xfrm>
+            <a:off x="7193918" y="1847453"/>
+            <a:ext cx="946093" cy="246221"/>
+          </a:xfrm>
+          <a:prstGeom prst="rect">
+            <a:avLst/>
+          </a:prstGeom>
+          <a:noFill/>
+        </p:spPr>
+        <p:txBody>
+          <a:bodyPr wrap="none" rtlCol="0">
+            <a:spAutoFit/>
+          </a:bodyPr>
+          <a:lstStyle/>
+          <a:p>
+            <a:r>
+              <a:rPr lang="en-US" sz="1000" b="1" dirty="0">
+                <a:solidFill>
+                  <a:schemeClr val="accent2"/>
+                </a:solidFill>
+                <a:latin typeface="微软雅黑" panose="020B0503020204020204" pitchFamily="34" charset="-122"/>
+                <a:ea typeface="微软雅黑" panose="020B0503020204020204" pitchFamily="34" charset="-122"/>
+              </a:rPr>
+              <a:t>SkyWalking</a:t>
+            </a:r>
+          </a:p>
+        </p:txBody>
+      </p:sp>
+      <p:cxnSp>
+        <p:nvCxnSpPr>
+          <p:cNvPr id="133" name="肘形连接符 100"/>
+          <p:cNvCxnSpPr>
+            <a:cxnSpLocks/>
+            <a:stCxn id="81" idx="4"/>
+            <a:endCxn id="74" idx="1"/>
+          </p:cNvCxnSpPr>
+          <p:nvPr/>
+        </p:nvCxnSpPr>
+        <p:spPr>
+          <a:xfrm rot="16200000" flipH="1">
+            <a:off x="7881379" y="2382776"/>
+            <a:ext cx="353676" cy="553029"/>
+          </a:xfrm>
+          <a:prstGeom prst="bentConnector3">
+            <a:avLst>
+              <a:gd name="adj1" fmla="val 50000"/>
+            </a:avLst>
+          </a:prstGeom>
+          <a:ln>
+            <a:solidFill>
+              <a:schemeClr val="accent2"/>
+            </a:solidFill>
+            <a:prstDash val="dash"/>
+            <a:tailEnd type="arrow"/>
+          </a:ln>
+        </p:spPr>
+        <p:style>
+          <a:lnRef idx="1">
+            <a:schemeClr val="accent1"/>
+          </a:lnRef>
+          <a:fillRef idx="0">
+            <a:schemeClr val="accent1"/>
+          </a:fillRef>
+          <a:effectRef idx="0">
+            <a:schemeClr val="accent1"/>
+          </a:effectRef>
+          <a:fontRef idx="minor">
+            <a:schemeClr val="tx1"/>
+          </a:fontRef>
+        </p:style>
+      </p:cxnSp>
+      <p:cxnSp>
+        <p:nvCxnSpPr>
+          <p:cNvPr id="134" name="肘形连接符 100"/>
+          <p:cNvCxnSpPr>
+            <a:cxnSpLocks/>
+            <a:stCxn id="82" idx="4"/>
+            <a:endCxn id="74" idx="1"/>
+          </p:cNvCxnSpPr>
+          <p:nvPr/>
+        </p:nvCxnSpPr>
+        <p:spPr>
+          <a:xfrm rot="5400000">
+            <a:off x="8410401" y="2409166"/>
+            <a:ext cx="351295" cy="502631"/>
+          </a:xfrm>
+          <a:prstGeom prst="bentConnector3">
+            <a:avLst>
+              <a:gd name="adj1" fmla="val 50000"/>
+            </a:avLst>
+          </a:prstGeom>
+          <a:ln>
+            <a:solidFill>
+              <a:schemeClr val="accent2"/>
+            </a:solidFill>
+            <a:prstDash val="dash"/>
+            <a:tailEnd type="arrow"/>
+          </a:ln>
+        </p:spPr>
+        <p:style>
+          <a:lnRef idx="1">
+            <a:schemeClr val="accent1"/>
+          </a:lnRef>
+          <a:fillRef idx="0">
+            <a:schemeClr val="accent1"/>
+          </a:fillRef>
+          <a:effectRef idx="0">
+            <a:schemeClr val="accent1"/>
+          </a:effectRef>
+          <a:fontRef idx="minor">
+            <a:schemeClr val="tx1"/>
+          </a:fontRef>
+        </p:style>
+      </p:cxnSp>
+      <p:sp>
+        <p:nvSpPr>
+          <p:cNvPr id="48" name="Rectangle 47"/>
+          <p:cNvSpPr/>
+          <p:nvPr/>
+        </p:nvSpPr>
+        <p:spPr>
+          <a:xfrm>
+            <a:off x="8547860" y="2874789"/>
+            <a:ext cx="579005" cy="230832"/>
+          </a:xfrm>
+          <a:prstGeom prst="rect">
+            <a:avLst/>
+          </a:prstGeom>
+        </p:spPr>
+        <p:txBody>
+          <a:bodyPr wrap="none">
+            <a:spAutoFit/>
+          </a:bodyPr>
+          <a:lstStyle/>
+          <a:p>
+            <a:pPr algn="ctr"/>
+            <a:r>
+              <a:rPr lang="en-US" altLang="zh-CN" sz="900" dirty="0">
+                <a:solidFill>
+                  <a:schemeClr val="tx1">
+                    <a:lumMod val="65000"/>
+                    <a:lumOff val="35000"/>
+                  </a:schemeClr>
+                </a:solidFill>
+                <a:latin typeface="微软雅黑" panose="020B0503020204020204" pitchFamily="34" charset="-122"/>
+                <a:ea typeface="微软雅黑" panose="020B0503020204020204" pitchFamily="34" charset="-122"/>
+              </a:rPr>
+              <a:t>MySQL</a:t>
+            </a:r>
+            <a:endParaRPr lang="en-US" sz="900" dirty="0">
+              <a:solidFill>
+                <a:schemeClr val="tx1">
+                  <a:lumMod val="65000"/>
+                  <a:lumOff val="35000"/>
+                </a:schemeClr>
+              </a:solidFill>
+              <a:latin typeface="微软雅黑" panose="020B0503020204020204" pitchFamily="34" charset="-122"/>
+              <a:ea typeface="微软雅黑" panose="020B0503020204020204" pitchFamily="34" charset="-122"/>
+            </a:endParaRPr>
+          </a:p>
+        </p:txBody>
+      </p:sp>
+      <p:sp>
+        <p:nvSpPr>
+          <p:cNvPr id="135" name="Rectangle 134"/>
+          <p:cNvSpPr/>
+          <p:nvPr/>
+        </p:nvSpPr>
+        <p:spPr>
+          <a:xfrm>
+            <a:off x="5362101" y="1311128"/>
+            <a:ext cx="502061" cy="230832"/>
+          </a:xfrm>
+          <a:prstGeom prst="rect">
+            <a:avLst/>
+          </a:prstGeom>
+        </p:spPr>
+        <p:txBody>
+          <a:bodyPr wrap="none">
+            <a:spAutoFit/>
+          </a:bodyPr>
+          <a:lstStyle/>
+          <a:p>
+            <a:pPr algn="ctr"/>
+            <a:r>
+              <a:rPr lang="en-US" altLang="zh-CN" sz="900" dirty="0">
+                <a:solidFill>
+                  <a:schemeClr val="accent2"/>
+                </a:solidFill>
+                <a:latin typeface="微软雅黑" panose="020B0503020204020204" pitchFamily="34" charset="-122"/>
+                <a:ea typeface="微软雅黑" panose="020B0503020204020204" pitchFamily="34" charset="-122"/>
+              </a:rPr>
+              <a:t>agent</a:t>
+            </a:r>
+            <a:endParaRPr lang="en-US" sz="900" dirty="0">
+              <a:solidFill>
+                <a:schemeClr val="accent2"/>
+              </a:solidFill>
+              <a:latin typeface="微软雅黑" panose="020B0503020204020204" pitchFamily="34" charset="-122"/>
+              <a:ea typeface="微软雅黑" panose="020B0503020204020204" pitchFamily="34" charset="-122"/>
+            </a:endParaRPr>
+          </a:p>
+        </p:txBody>
+      </p:sp>
+      <p:sp>
+        <p:nvSpPr>
+          <p:cNvPr id="136" name="Rectangle 135"/>
+          <p:cNvSpPr/>
+          <p:nvPr/>
+        </p:nvSpPr>
+        <p:spPr>
+          <a:xfrm>
+            <a:off x="5997333" y="2083348"/>
+            <a:ext cx="502061" cy="230832"/>
+          </a:xfrm>
+          <a:prstGeom prst="rect">
+            <a:avLst/>
+          </a:prstGeom>
+        </p:spPr>
+        <p:txBody>
+          <a:bodyPr wrap="none">
+            <a:spAutoFit/>
+          </a:bodyPr>
+          <a:lstStyle/>
+          <a:p>
+            <a:pPr algn="ctr"/>
+            <a:r>
+              <a:rPr lang="en-US" altLang="zh-CN" sz="900" dirty="0">
+                <a:solidFill>
+                  <a:schemeClr val="accent2"/>
+                </a:solidFill>
+                <a:latin typeface="微软雅黑" panose="020B0503020204020204" pitchFamily="34" charset="-122"/>
+                <a:ea typeface="微软雅黑" panose="020B0503020204020204" pitchFamily="34" charset="-122"/>
+              </a:rPr>
+              <a:t>agent</a:t>
+            </a:r>
+            <a:endParaRPr lang="en-US" sz="900" dirty="0">
+              <a:solidFill>
+                <a:schemeClr val="accent2"/>
+              </a:solidFill>
+              <a:latin typeface="微软雅黑" panose="020B0503020204020204" pitchFamily="34" charset="-122"/>
+              <a:ea typeface="微软雅黑" panose="020B0503020204020204" pitchFamily="34" charset="-122"/>
+            </a:endParaRPr>
+          </a:p>
+        </p:txBody>
+      </p:sp>
+      <p:sp>
+        <p:nvSpPr>
+          <p:cNvPr id="137" name="Rectangle 136"/>
+          <p:cNvSpPr/>
+          <p:nvPr/>
+        </p:nvSpPr>
+        <p:spPr>
+          <a:xfrm>
+            <a:off x="6419436" y="2525587"/>
+            <a:ext cx="502061" cy="230832"/>
+          </a:xfrm>
+          <a:prstGeom prst="rect">
+            <a:avLst/>
+          </a:prstGeom>
+        </p:spPr>
+        <p:txBody>
+          <a:bodyPr wrap="none">
+            <a:spAutoFit/>
+          </a:bodyPr>
+          <a:lstStyle/>
+          <a:p>
+            <a:pPr algn="ctr"/>
+            <a:r>
+              <a:rPr lang="en-US" altLang="zh-CN" sz="900" dirty="0">
+                <a:solidFill>
+                  <a:schemeClr val="accent2"/>
+                </a:solidFill>
+                <a:latin typeface="微软雅黑" panose="020B0503020204020204" pitchFamily="34" charset="-122"/>
+                <a:ea typeface="微软雅黑" panose="020B0503020204020204" pitchFamily="34" charset="-122"/>
+              </a:rPr>
+              <a:t>agent</a:t>
+            </a:r>
+            <a:endParaRPr lang="en-US" sz="900" dirty="0">
+              <a:solidFill>
+                <a:schemeClr val="accent2"/>
+              </a:solidFill>
+              <a:latin typeface="微软雅黑" panose="020B0503020204020204" pitchFamily="34" charset="-122"/>
+              <a:ea typeface="微软雅黑" panose="020B0503020204020204" pitchFamily="34" charset="-122"/>
+            </a:endParaRPr>
+          </a:p>
+        </p:txBody>
+      </p:sp>
     </p:spTree>
     <p:extLst>
       <p:ext uri="{BB962C8B-B14F-4D97-AF65-F5344CB8AC3E}">

--- a/docs/source.pptx
+++ b/docs/source.pptx
@@ -201,7 +201,7 @@
           <a:p>
             <a:fld id="{F2AFE6A1-2F39-4B01-97AE-169630C5A3E5}" type="datetimeFigureOut">
               <a:rPr lang="zh-CN" altLang="en-US" smtClean="0"/>
-              <a:t>2019-12-11</a:t>
+              <a:t>2019-12-16</a:t>
             </a:fld>
             <a:endParaRPr lang="zh-CN" altLang="en-US"/>
           </a:p>
@@ -681,7 +681,7 @@
           <a:p>
             <a:fld id="{1371499B-6999-409F-9FD6-0E57C3931DBB}" type="datetimeFigureOut">
               <a:rPr lang="zh-CN" altLang="en-US" smtClean="0"/>
-              <a:t>2019-12-11</a:t>
+              <a:t>2019-12-16</a:t>
             </a:fld>
             <a:endParaRPr lang="zh-CN" altLang="en-US"/>
           </a:p>
@@ -849,7 +849,7 @@
           <a:p>
             <a:fld id="{1371499B-6999-409F-9FD6-0E57C3931DBB}" type="datetimeFigureOut">
               <a:rPr lang="zh-CN" altLang="en-US" smtClean="0"/>
-              <a:t>2019-12-11</a:t>
+              <a:t>2019-12-16</a:t>
             </a:fld>
             <a:endParaRPr lang="zh-CN" altLang="en-US"/>
           </a:p>
@@ -1027,7 +1027,7 @@
           <a:p>
             <a:fld id="{1371499B-6999-409F-9FD6-0E57C3931DBB}" type="datetimeFigureOut">
               <a:rPr lang="zh-CN" altLang="en-US" smtClean="0"/>
-              <a:t>2019-12-11</a:t>
+              <a:t>2019-12-16</a:t>
             </a:fld>
             <a:endParaRPr lang="zh-CN" altLang="en-US"/>
           </a:p>
@@ -1195,7 +1195,7 @@
           <a:p>
             <a:fld id="{1371499B-6999-409F-9FD6-0E57C3931DBB}" type="datetimeFigureOut">
               <a:rPr lang="zh-CN" altLang="en-US" smtClean="0"/>
-              <a:t>2019-12-11</a:t>
+              <a:t>2019-12-16</a:t>
             </a:fld>
             <a:endParaRPr lang="zh-CN" altLang="en-US"/>
           </a:p>
@@ -1440,7 +1440,7 @@
           <a:p>
             <a:fld id="{1371499B-6999-409F-9FD6-0E57C3931DBB}" type="datetimeFigureOut">
               <a:rPr lang="zh-CN" altLang="en-US" smtClean="0"/>
-              <a:t>2019-12-11</a:t>
+              <a:t>2019-12-16</a:t>
             </a:fld>
             <a:endParaRPr lang="zh-CN" altLang="en-US"/>
           </a:p>
@@ -1669,7 +1669,7 @@
           <a:p>
             <a:fld id="{1371499B-6999-409F-9FD6-0E57C3931DBB}" type="datetimeFigureOut">
               <a:rPr lang="zh-CN" altLang="en-US" smtClean="0"/>
-              <a:t>2019-12-11</a:t>
+              <a:t>2019-12-16</a:t>
             </a:fld>
             <a:endParaRPr lang="zh-CN" altLang="en-US"/>
           </a:p>
@@ -2033,7 +2033,7 @@
           <a:p>
             <a:fld id="{1371499B-6999-409F-9FD6-0E57C3931DBB}" type="datetimeFigureOut">
               <a:rPr lang="zh-CN" altLang="en-US" smtClean="0"/>
-              <a:t>2019-12-11</a:t>
+              <a:t>2019-12-16</a:t>
             </a:fld>
             <a:endParaRPr lang="zh-CN" altLang="en-US"/>
           </a:p>
@@ -2150,7 +2150,7 @@
           <a:p>
             <a:fld id="{1371499B-6999-409F-9FD6-0E57C3931DBB}" type="datetimeFigureOut">
               <a:rPr lang="zh-CN" altLang="en-US" smtClean="0"/>
-              <a:t>2019-12-11</a:t>
+              <a:t>2019-12-16</a:t>
             </a:fld>
             <a:endParaRPr lang="zh-CN" altLang="en-US"/>
           </a:p>
@@ -2245,7 +2245,7 @@
           <a:p>
             <a:fld id="{1371499B-6999-409F-9FD6-0E57C3931DBB}" type="datetimeFigureOut">
               <a:rPr lang="zh-CN" altLang="en-US" smtClean="0"/>
-              <a:t>2019-12-11</a:t>
+              <a:t>2019-12-16</a:t>
             </a:fld>
             <a:endParaRPr lang="zh-CN" altLang="en-US"/>
           </a:p>
@@ -2520,7 +2520,7 @@
           <a:p>
             <a:fld id="{1371499B-6999-409F-9FD6-0E57C3931DBB}" type="datetimeFigureOut">
               <a:rPr lang="zh-CN" altLang="en-US" smtClean="0"/>
-              <a:t>2019-12-11</a:t>
+              <a:t>2019-12-16</a:t>
             </a:fld>
             <a:endParaRPr lang="zh-CN" altLang="en-US"/>
           </a:p>
@@ -2772,7 +2772,7 @@
           <a:p>
             <a:fld id="{1371499B-6999-409F-9FD6-0E57C3931DBB}" type="datetimeFigureOut">
               <a:rPr lang="zh-CN" altLang="en-US" smtClean="0"/>
-              <a:t>2019-12-11</a:t>
+              <a:t>2019-12-16</a:t>
             </a:fld>
             <a:endParaRPr lang="zh-CN" altLang="en-US"/>
           </a:p>
@@ -2983,7 +2983,7 @@
           <a:p>
             <a:fld id="{1371499B-6999-409F-9FD6-0E57C3931DBB}" type="datetimeFigureOut">
               <a:rPr lang="zh-CN" altLang="en-US" smtClean="0"/>
-              <a:t>2019-12-11</a:t>
+              <a:t>2019-12-16</a:t>
             </a:fld>
             <a:endParaRPr lang="zh-CN" altLang="en-US"/>
           </a:p>
@@ -5498,7 +5498,7 @@
                 <a:latin typeface="微软雅黑" panose="020B0503020204020204" pitchFamily="34" charset="-122"/>
                 <a:ea typeface="微软雅黑" panose="020B0503020204020204" pitchFamily="34" charset="-122"/>
               </a:rPr>
-              <a:t>Test</a:t>
+              <a:t>Shop</a:t>
             </a:r>
           </a:p>
           <a:p>
@@ -5511,7 +5511,7 @@
                 <a:latin typeface="微软雅黑" panose="020B0503020204020204" pitchFamily="34" charset="-122"/>
                 <a:ea typeface="微软雅黑" panose="020B0503020204020204" pitchFamily="34" charset="-122"/>
               </a:rPr>
-              <a:t>App</a:t>
+              <a:t>Web</a:t>
             </a:r>
           </a:p>
         </p:txBody>
@@ -6779,8 +6779,8 @@
         </p:nvSpPr>
         <p:spPr>
           <a:xfrm>
-            <a:off x="7188693" y="1841629"/>
-            <a:ext cx="2197909" cy="1370502"/>
+            <a:off x="7197161" y="1841629"/>
+            <a:ext cx="2395574" cy="1370502"/>
           </a:xfrm>
           <a:prstGeom prst="roundRect">
             <a:avLst>
@@ -6902,22 +6902,15 @@
           <a:p>
             <a:pPr algn="ctr"/>
             <a:r>
-              <a:rPr lang="en-US" sz="900" b="1">
+              <a:rPr lang="en-US" sz="900" b="1" dirty="0">
                 <a:solidFill>
                   <a:schemeClr val="bg1"/>
                 </a:solidFill>
                 <a:latin typeface="微软雅黑" panose="020B0503020204020204" pitchFamily="34" charset="-122"/>
                 <a:ea typeface="微软雅黑" panose="020B0503020204020204" pitchFamily="34" charset="-122"/>
               </a:rPr>
-              <a:t>Backend</a:t>
-            </a:r>
-            <a:endParaRPr lang="en-US" sz="900" b="1" dirty="0">
-              <a:solidFill>
-                <a:schemeClr val="bg1"/>
-              </a:solidFill>
-              <a:latin typeface="微软雅黑" panose="020B0503020204020204" pitchFamily="34" charset="-122"/>
-              <a:ea typeface="微软雅黑" panose="020B0503020204020204" pitchFamily="34" charset="-122"/>
-            </a:endParaRPr>
+              <a:t>Collector</a:t>
+            </a:r>
           </a:p>
         </p:txBody>
       </p:sp>
@@ -7374,7 +7367,7 @@
         <p:spPr>
           <a:xfrm>
             <a:off x="7193918" y="1847453"/>
-            <a:ext cx="946093" cy="246221"/>
+            <a:ext cx="2036135" cy="246221"/>
           </a:xfrm>
           <a:prstGeom prst="rect">
             <a:avLst/>
@@ -7395,7 +7388,7 @@
                 <a:latin typeface="微软雅黑" panose="020B0503020204020204" pitchFamily="34" charset="-122"/>
                 <a:ea typeface="微软雅黑" panose="020B0503020204020204" pitchFamily="34" charset="-122"/>
               </a:rPr>
-              <a:t>SkyWalking</a:t>
+              <a:t>SkyWalking/PinPiont/ZipKin</a:t>
             </a:r>
           </a:p>
         </p:txBody>
@@ -7494,8 +7487,8 @@
         </p:nvSpPr>
         <p:spPr>
           <a:xfrm>
-            <a:off x="8547860" y="2874789"/>
-            <a:ext cx="579005" cy="230832"/>
+            <a:off x="8553897" y="2874789"/>
+            <a:ext cx="973343" cy="230832"/>
           </a:xfrm>
           <a:prstGeom prst="rect">
             <a:avLst/>
@@ -7519,7 +7512,7 @@
                 <a:latin typeface="微软雅黑" panose="020B0503020204020204" pitchFamily="34" charset="-122"/>
                 <a:ea typeface="微软雅黑" panose="020B0503020204020204" pitchFamily="34" charset="-122"/>
               </a:rPr>
-              <a:t>MySQL</a:t>
+              <a:t>MySQL/HBase</a:t>
             </a:r>
             <a:endParaRPr lang="en-US" sz="900" dirty="0">
               <a:solidFill>
@@ -7542,8 +7535,8 @@
         </p:nvSpPr>
         <p:spPr>
           <a:xfrm>
-            <a:off x="5362101" y="1311128"/>
-            <a:ext cx="502061" cy="230832"/>
+            <a:off x="5379039" y="1311128"/>
+            <a:ext cx="502062" cy="230832"/>
           </a:xfrm>
           <a:prstGeom prst="rect">
             <a:avLst/>
@@ -7653,6 +7646,174 @@
             <a:endParaRPr lang="en-US" sz="900" dirty="0">
               <a:solidFill>
                 <a:schemeClr val="accent2"/>
+              </a:solidFill>
+              <a:latin typeface="微软雅黑" panose="020B0503020204020204" pitchFamily="34" charset="-122"/>
+              <a:ea typeface="微软雅黑" panose="020B0503020204020204" pitchFamily="34" charset="-122"/>
+            </a:endParaRPr>
+          </a:p>
+        </p:txBody>
+      </p:sp>
+      <p:sp>
+        <p:nvSpPr>
+          <p:cNvPr id="138" name="TextBox 137"/>
+          <p:cNvSpPr txBox="1"/>
+          <p:nvPr/>
+        </p:nvSpPr>
+        <p:spPr>
+          <a:xfrm>
+            <a:off x="7188401" y="1589839"/>
+            <a:ext cx="825867" cy="246221"/>
+          </a:xfrm>
+          <a:prstGeom prst="rect">
+            <a:avLst/>
+          </a:prstGeom>
+          <a:noFill/>
+        </p:spPr>
+        <p:txBody>
+          <a:bodyPr wrap="none" rtlCol="0">
+            <a:spAutoFit/>
+          </a:bodyPr>
+          <a:lstStyle/>
+          <a:p>
+            <a:r>
+              <a:rPr lang="zh-CN" altLang="en-US" sz="1000" b="1" dirty="0">
+                <a:solidFill>
+                  <a:schemeClr val="accent2"/>
+                </a:solidFill>
+                <a:latin typeface="微软雅黑" panose="020B0503020204020204" pitchFamily="34" charset="-122"/>
+                <a:ea typeface="微软雅黑" panose="020B0503020204020204" pitchFamily="34" charset="-122"/>
+              </a:rPr>
+              <a:t>全链路跟踪</a:t>
+            </a:r>
+            <a:endParaRPr lang="en-US" sz="1000" b="1" dirty="0">
+              <a:solidFill>
+                <a:schemeClr val="accent2"/>
+              </a:solidFill>
+              <a:latin typeface="微软雅黑" panose="020B0503020204020204" pitchFamily="34" charset="-122"/>
+              <a:ea typeface="微软雅黑" panose="020B0503020204020204" pitchFamily="34" charset="-122"/>
+            </a:endParaRPr>
+          </a:p>
+        </p:txBody>
+      </p:sp>
+      <p:sp>
+        <p:nvSpPr>
+          <p:cNvPr id="139" name="TextBox 138"/>
+          <p:cNvSpPr txBox="1"/>
+          <p:nvPr/>
+        </p:nvSpPr>
+        <p:spPr>
+          <a:xfrm>
+            <a:off x="3042224" y="3380194"/>
+            <a:ext cx="1082348" cy="246221"/>
+          </a:xfrm>
+          <a:prstGeom prst="rect">
+            <a:avLst/>
+          </a:prstGeom>
+          <a:noFill/>
+        </p:spPr>
+        <p:txBody>
+          <a:bodyPr wrap="none" rtlCol="0">
+            <a:spAutoFit/>
+          </a:bodyPr>
+          <a:lstStyle/>
+          <a:p>
+            <a:r>
+              <a:rPr lang="zh-CN" altLang="en-US" sz="1000" b="1" dirty="0">
+                <a:solidFill>
+                  <a:schemeClr val="accent4"/>
+                </a:solidFill>
+                <a:latin typeface="微软雅黑" panose="020B0503020204020204" pitchFamily="34" charset="-122"/>
+                <a:ea typeface="微软雅黑" panose="020B0503020204020204" pitchFamily="34" charset="-122"/>
+              </a:rPr>
+              <a:t>数据库水平拆分</a:t>
+            </a:r>
+            <a:endParaRPr lang="en-US" sz="1000" b="1" dirty="0">
+              <a:solidFill>
+                <a:schemeClr val="accent4"/>
+              </a:solidFill>
+              <a:latin typeface="微软雅黑" panose="020B0503020204020204" pitchFamily="34" charset="-122"/>
+              <a:ea typeface="微软雅黑" panose="020B0503020204020204" pitchFamily="34" charset="-122"/>
+            </a:endParaRPr>
+          </a:p>
+        </p:txBody>
+      </p:sp>
+      <p:sp>
+        <p:nvSpPr>
+          <p:cNvPr id="140" name="TextBox 139"/>
+          <p:cNvSpPr txBox="1"/>
+          <p:nvPr/>
+        </p:nvSpPr>
+        <p:spPr>
+          <a:xfrm>
+            <a:off x="3083184" y="1731332"/>
+            <a:ext cx="569387" cy="246221"/>
+          </a:xfrm>
+          <a:prstGeom prst="rect">
+            <a:avLst/>
+          </a:prstGeom>
+          <a:noFill/>
+        </p:spPr>
+        <p:txBody>
+          <a:bodyPr wrap="none" rtlCol="0">
+            <a:spAutoFit/>
+          </a:bodyPr>
+          <a:lstStyle/>
+          <a:p>
+            <a:r>
+              <a:rPr lang="zh-CN" altLang="en-US" sz="1000" b="1" dirty="0">
+                <a:solidFill>
+                  <a:schemeClr val="accent6"/>
+                </a:solidFill>
+                <a:latin typeface="微软雅黑" panose="020B0503020204020204" pitchFamily="34" charset="-122"/>
+                <a:ea typeface="微软雅黑" panose="020B0503020204020204" pitchFamily="34" charset="-122"/>
+              </a:rPr>
+              <a:t>微服务</a:t>
+            </a:r>
+            <a:endParaRPr lang="en-US" sz="1000" b="1" dirty="0">
+              <a:solidFill>
+                <a:schemeClr val="accent6"/>
+              </a:solidFill>
+              <a:latin typeface="微软雅黑" panose="020B0503020204020204" pitchFamily="34" charset="-122"/>
+              <a:ea typeface="微软雅黑" panose="020B0503020204020204" pitchFamily="34" charset="-122"/>
+            </a:endParaRPr>
+          </a:p>
+        </p:txBody>
+      </p:sp>
+      <p:sp>
+        <p:nvSpPr>
+          <p:cNvPr id="141" name="TextBox 140"/>
+          <p:cNvSpPr txBox="1"/>
+          <p:nvPr/>
+        </p:nvSpPr>
+        <p:spPr>
+          <a:xfrm>
+            <a:off x="4557135" y="1070558"/>
+            <a:ext cx="825867" cy="246221"/>
+          </a:xfrm>
+          <a:prstGeom prst="rect">
+            <a:avLst/>
+          </a:prstGeom>
+          <a:noFill/>
+        </p:spPr>
+        <p:txBody>
+          <a:bodyPr wrap="none" rtlCol="0">
+            <a:spAutoFit/>
+          </a:bodyPr>
+          <a:lstStyle/>
+          <a:p>
+            <a:r>
+              <a:rPr lang="zh-CN" altLang="en-US" sz="1000" b="1" dirty="0">
+                <a:solidFill>
+                  <a:schemeClr val="tx2"/>
+                </a:solidFill>
+                <a:latin typeface="微软雅黑" panose="020B0503020204020204" pitchFamily="34" charset="-122"/>
+                <a:ea typeface="微软雅黑" panose="020B0503020204020204" pitchFamily="34" charset="-122"/>
+              </a:rPr>
+              <a:t>客户端应用</a:t>
+            </a:r>
+            <a:endParaRPr lang="en-US" sz="1000" b="1" dirty="0">
+              <a:solidFill>
+                <a:schemeClr val="tx2"/>
               </a:solidFill>
               <a:latin typeface="微软雅黑" panose="020B0503020204020204" pitchFamily="34" charset="-122"/>
               <a:ea typeface="微软雅黑" panose="020B0503020204020204" pitchFamily="34" charset="-122"/>

--- a/docs/source.pptx
+++ b/docs/source.pptx
@@ -201,7 +201,7 @@
           <a:p>
             <a:fld id="{F2AFE6A1-2F39-4B01-97AE-169630C5A3E5}" type="datetimeFigureOut">
               <a:rPr lang="zh-CN" altLang="en-US" smtClean="0"/>
-              <a:t>2019-12-16</a:t>
+              <a:t>2019-12-17</a:t>
             </a:fld>
             <a:endParaRPr lang="zh-CN" altLang="en-US"/>
           </a:p>
@@ -681,7 +681,7 @@
           <a:p>
             <a:fld id="{1371499B-6999-409F-9FD6-0E57C3931DBB}" type="datetimeFigureOut">
               <a:rPr lang="zh-CN" altLang="en-US" smtClean="0"/>
-              <a:t>2019-12-16</a:t>
+              <a:t>2019-12-17</a:t>
             </a:fld>
             <a:endParaRPr lang="zh-CN" altLang="en-US"/>
           </a:p>
@@ -849,7 +849,7 @@
           <a:p>
             <a:fld id="{1371499B-6999-409F-9FD6-0E57C3931DBB}" type="datetimeFigureOut">
               <a:rPr lang="zh-CN" altLang="en-US" smtClean="0"/>
-              <a:t>2019-12-16</a:t>
+              <a:t>2019-12-17</a:t>
             </a:fld>
             <a:endParaRPr lang="zh-CN" altLang="en-US"/>
           </a:p>
@@ -1027,7 +1027,7 @@
           <a:p>
             <a:fld id="{1371499B-6999-409F-9FD6-0E57C3931DBB}" type="datetimeFigureOut">
               <a:rPr lang="zh-CN" altLang="en-US" smtClean="0"/>
-              <a:t>2019-12-16</a:t>
+              <a:t>2019-12-17</a:t>
             </a:fld>
             <a:endParaRPr lang="zh-CN" altLang="en-US"/>
           </a:p>
@@ -1195,7 +1195,7 @@
           <a:p>
             <a:fld id="{1371499B-6999-409F-9FD6-0E57C3931DBB}" type="datetimeFigureOut">
               <a:rPr lang="zh-CN" altLang="en-US" smtClean="0"/>
-              <a:t>2019-12-16</a:t>
+              <a:t>2019-12-17</a:t>
             </a:fld>
             <a:endParaRPr lang="zh-CN" altLang="en-US"/>
           </a:p>
@@ -1440,7 +1440,7 @@
           <a:p>
             <a:fld id="{1371499B-6999-409F-9FD6-0E57C3931DBB}" type="datetimeFigureOut">
               <a:rPr lang="zh-CN" altLang="en-US" smtClean="0"/>
-              <a:t>2019-12-16</a:t>
+              <a:t>2019-12-17</a:t>
             </a:fld>
             <a:endParaRPr lang="zh-CN" altLang="en-US"/>
           </a:p>
@@ -1669,7 +1669,7 @@
           <a:p>
             <a:fld id="{1371499B-6999-409F-9FD6-0E57C3931DBB}" type="datetimeFigureOut">
               <a:rPr lang="zh-CN" altLang="en-US" smtClean="0"/>
-              <a:t>2019-12-16</a:t>
+              <a:t>2019-12-17</a:t>
             </a:fld>
             <a:endParaRPr lang="zh-CN" altLang="en-US"/>
           </a:p>
@@ -2033,7 +2033,7 @@
           <a:p>
             <a:fld id="{1371499B-6999-409F-9FD6-0E57C3931DBB}" type="datetimeFigureOut">
               <a:rPr lang="zh-CN" altLang="en-US" smtClean="0"/>
-              <a:t>2019-12-16</a:t>
+              <a:t>2019-12-17</a:t>
             </a:fld>
             <a:endParaRPr lang="zh-CN" altLang="en-US"/>
           </a:p>
@@ -2150,7 +2150,7 @@
           <a:p>
             <a:fld id="{1371499B-6999-409F-9FD6-0E57C3931DBB}" type="datetimeFigureOut">
               <a:rPr lang="zh-CN" altLang="en-US" smtClean="0"/>
-              <a:t>2019-12-16</a:t>
+              <a:t>2019-12-17</a:t>
             </a:fld>
             <a:endParaRPr lang="zh-CN" altLang="en-US"/>
           </a:p>
@@ -2245,7 +2245,7 @@
           <a:p>
             <a:fld id="{1371499B-6999-409F-9FD6-0E57C3931DBB}" type="datetimeFigureOut">
               <a:rPr lang="zh-CN" altLang="en-US" smtClean="0"/>
-              <a:t>2019-12-16</a:t>
+              <a:t>2019-12-17</a:t>
             </a:fld>
             <a:endParaRPr lang="zh-CN" altLang="en-US"/>
           </a:p>
@@ -2520,7 +2520,7 @@
           <a:p>
             <a:fld id="{1371499B-6999-409F-9FD6-0E57C3931DBB}" type="datetimeFigureOut">
               <a:rPr lang="zh-CN" altLang="en-US" smtClean="0"/>
-              <a:t>2019-12-16</a:t>
+              <a:t>2019-12-17</a:t>
             </a:fld>
             <a:endParaRPr lang="zh-CN" altLang="en-US"/>
           </a:p>
@@ -2772,7 +2772,7 @@
           <a:p>
             <a:fld id="{1371499B-6999-409F-9FD6-0E57C3931DBB}" type="datetimeFigureOut">
               <a:rPr lang="zh-CN" altLang="en-US" smtClean="0"/>
-              <a:t>2019-12-16</a:t>
+              <a:t>2019-12-17</a:t>
             </a:fld>
             <a:endParaRPr lang="zh-CN" altLang="en-US"/>
           </a:p>
@@ -2983,7 +2983,7 @@
           <a:p>
             <a:fld id="{1371499B-6999-409F-9FD6-0E57C3931DBB}" type="datetimeFigureOut">
               <a:rPr lang="zh-CN" altLang="en-US" smtClean="0"/>
-              <a:t>2019-12-16</a:t>
+              <a:t>2019-12-17</a:t>
             </a:fld>
             <a:endParaRPr lang="zh-CN" altLang="en-US"/>
           </a:p>
@@ -3396,7 +3396,7 @@
         </p:nvSpPr>
         <p:spPr>
           <a:xfrm>
-            <a:off x="3222755" y="4819310"/>
+            <a:off x="3222755" y="4854482"/>
             <a:ext cx="476033" cy="243425"/>
           </a:xfrm>
           <a:prstGeom prst="can">
@@ -3454,7 +3454,7 @@
         </p:nvSpPr>
         <p:spPr>
           <a:xfrm>
-            <a:off x="4009428" y="4819310"/>
+            <a:off x="4009428" y="4854482"/>
             <a:ext cx="476033" cy="243425"/>
           </a:xfrm>
           <a:prstGeom prst="can">
@@ -3512,7 +3512,7 @@
         </p:nvSpPr>
         <p:spPr>
           <a:xfrm>
-            <a:off x="4787637" y="4819310"/>
+            <a:off x="4787637" y="4854482"/>
             <a:ext cx="476033" cy="243425"/>
           </a:xfrm>
           <a:prstGeom prst="can">
@@ -3570,7 +3570,7 @@
         </p:nvSpPr>
         <p:spPr>
           <a:xfrm>
-            <a:off x="5506580" y="4819310"/>
+            <a:off x="5506580" y="4854482"/>
             <a:ext cx="476033" cy="243425"/>
           </a:xfrm>
           <a:prstGeom prst="can">
@@ -3628,7 +3628,7 @@
         </p:nvSpPr>
         <p:spPr>
           <a:xfrm>
-            <a:off x="6242456" y="4819310"/>
+            <a:off x="6242456" y="4854482"/>
             <a:ext cx="476033" cy="243425"/>
           </a:xfrm>
           <a:prstGeom prst="can">
@@ -3686,8 +3686,8 @@
         </p:nvSpPr>
         <p:spPr>
           <a:xfrm>
-            <a:off x="3415807" y="5662890"/>
-            <a:ext cx="417102" cy="230832"/>
+            <a:off x="3881847" y="5698062"/>
+            <a:ext cx="587020" cy="215444"/>
           </a:xfrm>
           <a:prstGeom prst="rect">
             <a:avLst/>
@@ -3701,7 +3701,7 @@
           <a:p>
             <a:pPr algn="ctr"/>
             <a:r>
-              <a:rPr lang="en-US" altLang="zh-CN" sz="900" dirty="0">
+              <a:rPr lang="en-US" altLang="zh-CN" sz="800" dirty="0">
                 <a:solidFill>
                   <a:schemeClr val="tx1">
                     <a:lumMod val="65000"/>
@@ -3711,9 +3711,9 @@
                 <a:latin typeface="微软雅黑" panose="020B0503020204020204" pitchFamily="34" charset="-122"/>
                 <a:ea typeface="微软雅黑" panose="020B0503020204020204" pitchFamily="34" charset="-122"/>
               </a:rPr>
-              <a:t>user</a:t>
-            </a:r>
-            <a:endParaRPr lang="zh-CN" altLang="en-US" sz="900" dirty="0">
+              <a:t>usr_user</a:t>
+            </a:r>
+            <a:endParaRPr lang="zh-CN" altLang="en-US" sz="800" dirty="0">
               <a:solidFill>
                 <a:schemeClr val="tx1">
                   <a:lumMod val="65000"/>
@@ -3734,7 +3734,7 @@
         </p:nvGrpSpPr>
         <p:grpSpPr>
           <a:xfrm>
-            <a:off x="3414533" y="5430402"/>
+            <a:off x="3965531" y="5465574"/>
             <a:ext cx="406569" cy="242211"/>
             <a:chOff x="2857287" y="3434440"/>
             <a:chExt cx="492645" cy="370115"/>
@@ -4004,8 +4004,8 @@
         </p:nvSpPr>
         <p:spPr>
           <a:xfrm>
-            <a:off x="3892353" y="5662890"/>
-            <a:ext cx="906018" cy="230832"/>
+            <a:off x="4338746" y="5698062"/>
+            <a:ext cx="1021434" cy="215444"/>
           </a:xfrm>
           <a:prstGeom prst="rect">
             <a:avLst/>
@@ -4019,7 +4019,7 @@
           <a:p>
             <a:pPr algn="ctr"/>
             <a:r>
-              <a:rPr lang="en-US" altLang="zh-CN" sz="900" dirty="0">
+              <a:rPr lang="en-US" altLang="zh-CN" sz="800" dirty="0">
                 <a:solidFill>
                   <a:schemeClr val="tx1">
                     <a:lumMod val="65000"/>
@@ -4029,9 +4029,9 @@
                 <a:latin typeface="微软雅黑" panose="020B0503020204020204" pitchFamily="34" charset="-122"/>
                 <a:ea typeface="微软雅黑" panose="020B0503020204020204" pitchFamily="34" charset="-122"/>
               </a:rPr>
-              <a:t>user_account</a:t>
-            </a:r>
-            <a:endParaRPr lang="zh-CN" altLang="en-US" sz="900" dirty="0">
+              <a:t>usr_user_account</a:t>
+            </a:r>
+            <a:endParaRPr lang="zh-CN" altLang="en-US" sz="800" dirty="0">
               <a:solidFill>
                 <a:schemeClr val="tx1">
                   <a:lumMod val="65000"/>
@@ -4052,8 +4052,8 @@
         </p:nvSpPr>
         <p:spPr>
           <a:xfrm>
-            <a:off x="4860384" y="5665396"/>
-            <a:ext cx="768160" cy="230832"/>
+            <a:off x="5833660" y="4000044"/>
+            <a:ext cx="920444" cy="215444"/>
           </a:xfrm>
           <a:prstGeom prst="rect">
             <a:avLst/>
@@ -4067,7 +4067,7 @@
           <a:p>
             <a:pPr algn="ctr"/>
             <a:r>
-              <a:rPr lang="en-US" altLang="zh-CN" sz="900" dirty="0">
+              <a:rPr lang="en-US" altLang="zh-CN" sz="800" dirty="0">
                 <a:solidFill>
                   <a:schemeClr val="tx1">
                     <a:lumMod val="65000"/>
@@ -4077,9 +4077,9 @@
                 <a:latin typeface="微软雅黑" panose="020B0503020204020204" pitchFamily="34" charset="-122"/>
                 <a:ea typeface="微软雅黑" panose="020B0503020204020204" pitchFamily="34" charset="-122"/>
               </a:rPr>
-              <a:t>user_order</a:t>
-            </a:r>
-            <a:endParaRPr lang="zh-CN" altLang="en-US" sz="900" dirty="0">
+              <a:t>ord_user_order</a:t>
+            </a:r>
+            <a:endParaRPr lang="zh-CN" altLang="en-US" sz="800" dirty="0">
               <a:solidFill>
                 <a:schemeClr val="tx1">
                   <a:lumMod val="65000"/>
@@ -4100,8 +4100,8 @@
         </p:nvSpPr>
         <p:spPr>
           <a:xfrm>
-            <a:off x="3283267" y="5342482"/>
-            <a:ext cx="2500867" cy="541537"/>
+            <a:off x="3845169" y="5377654"/>
+            <a:ext cx="1464952" cy="541537"/>
           </a:xfrm>
           <a:prstGeom prst="roundRect">
             <a:avLst>
@@ -4151,6 +4151,7 @@
         <p:nvCxnSpPr>
           <p:cNvPr id="57" name="肘形连接符 56"/>
           <p:cNvCxnSpPr>
+            <a:cxnSpLocks/>
             <a:stCxn id="54" idx="0"/>
             <a:endCxn id="5" idx="3"/>
           </p:cNvCxnSpPr>
@@ -4158,8 +4159,8 @@
         </p:nvCxnSpPr>
         <p:spPr>
           <a:xfrm rot="16200000" flipV="1">
-            <a:off x="4250700" y="5059481"/>
-            <a:ext cx="279747" cy="286256"/>
+            <a:off x="4272672" y="5072681"/>
+            <a:ext cx="279747" cy="330200"/>
           </a:xfrm>
           <a:prstGeom prst="bentConnector3">
             <a:avLst/>
@@ -4193,6 +4194,7 @@
         <p:nvCxnSpPr>
           <p:cNvPr id="58" name="肘形连接符 57"/>
           <p:cNvCxnSpPr>
+            <a:cxnSpLocks/>
             <a:stCxn id="54" idx="0"/>
             <a:endCxn id="6" idx="3"/>
           </p:cNvCxnSpPr>
@@ -4200,8 +4202,8 @@
         </p:nvCxnSpPr>
         <p:spPr>
           <a:xfrm rot="5400000" flipH="1" flipV="1">
-            <a:off x="4639804" y="4956633"/>
-            <a:ext cx="279747" cy="491953"/>
+            <a:off x="4661776" y="5013777"/>
+            <a:ext cx="279747" cy="448009"/>
           </a:xfrm>
           <a:prstGeom prst="bentConnector3">
             <a:avLst/>
@@ -4239,8 +4241,8 @@
         </p:nvSpPr>
         <p:spPr>
           <a:xfrm>
-            <a:off x="4694291" y="3964444"/>
-            <a:ext cx="918841" cy="230832"/>
+            <a:off x="4333636" y="3999616"/>
+            <a:ext cx="667170" cy="215444"/>
           </a:xfrm>
           <a:prstGeom prst="rect">
             <a:avLst/>
@@ -4254,7 +4256,7 @@
           <a:p>
             <a:pPr algn="ctr"/>
             <a:r>
-              <a:rPr lang="en-US" altLang="zh-CN" sz="900" dirty="0">
+              <a:rPr lang="en-US" altLang="zh-CN" sz="800" dirty="0">
                 <a:solidFill>
                   <a:schemeClr val="tx1">
                     <a:lumMod val="65000"/>
@@ -4264,9 +4266,9 @@
                 <a:latin typeface="微软雅黑" panose="020B0503020204020204" pitchFamily="34" charset="-122"/>
                 <a:ea typeface="微软雅黑" panose="020B0503020204020204" pitchFamily="34" charset="-122"/>
               </a:rPr>
-              <a:t>order_header</a:t>
-            </a:r>
-            <a:endParaRPr lang="zh-CN" altLang="en-US" sz="900" dirty="0">
+              <a:t>ord_order</a:t>
+            </a:r>
+            <a:endParaRPr lang="zh-CN" altLang="en-US" sz="800" dirty="0">
               <a:solidFill>
                 <a:schemeClr val="tx1">
                   <a:lumMod val="65000"/>
@@ -4287,8 +4289,8 @@
         </p:nvSpPr>
         <p:spPr>
           <a:xfrm>
-            <a:off x="5528871" y="3966950"/>
-            <a:ext cx="843501" cy="230832"/>
+            <a:off x="5003336" y="3996260"/>
+            <a:ext cx="933268" cy="215444"/>
           </a:xfrm>
           <a:prstGeom prst="rect">
             <a:avLst/>
@@ -4302,7 +4304,7 @@
           <a:p>
             <a:pPr algn="ctr"/>
             <a:r>
-              <a:rPr lang="en-US" altLang="zh-CN" sz="900" dirty="0">
+              <a:rPr lang="en-US" altLang="zh-CN" sz="800" dirty="0">
                 <a:solidFill>
                   <a:schemeClr val="tx1">
                     <a:lumMod val="65000"/>
@@ -4312,9 +4314,9 @@
                 <a:latin typeface="微软雅黑" panose="020B0503020204020204" pitchFamily="34" charset="-122"/>
                 <a:ea typeface="微软雅黑" panose="020B0503020204020204" pitchFamily="34" charset="-122"/>
               </a:rPr>
-              <a:t>order_detail</a:t>
-            </a:r>
-            <a:endParaRPr lang="zh-CN" altLang="en-US" sz="900" dirty="0">
+              <a:t>ord_order_item</a:t>
+            </a:r>
+            <a:endParaRPr lang="zh-CN" altLang="en-US" sz="800" dirty="0">
               <a:solidFill>
                 <a:schemeClr val="tx1">
                   <a:lumMod val="65000"/>
@@ -4335,8 +4337,8 @@
         </p:nvSpPr>
         <p:spPr>
           <a:xfrm>
-            <a:off x="4730703" y="3975904"/>
-            <a:ext cx="1590546" cy="524302"/>
+            <a:off x="4333636" y="4011076"/>
+            <a:ext cx="2420468" cy="524302"/>
           </a:xfrm>
           <a:prstGeom prst="roundRect">
             <a:avLst>
@@ -4386,6 +4388,7 @@
         <p:nvCxnSpPr>
           <p:cNvPr id="90" name="肘形连接符 89"/>
           <p:cNvCxnSpPr>
+            <a:cxnSpLocks/>
             <a:stCxn id="73" idx="2"/>
             <a:endCxn id="5" idx="1"/>
           </p:cNvCxnSpPr>
@@ -4393,8 +4396,8 @@
         </p:nvCxnSpPr>
         <p:spPr>
           <a:xfrm rot="5400000">
-            <a:off x="4727159" y="4020493"/>
-            <a:ext cx="319104" cy="1278531"/>
+            <a:off x="4736106" y="4046718"/>
+            <a:ext cx="319104" cy="1296425"/>
           </a:xfrm>
           <a:prstGeom prst="bentConnector3">
             <a:avLst>
@@ -4430,6 +4433,7 @@
         <p:nvCxnSpPr>
           <p:cNvPr id="95" name="肘形连接符 94"/>
           <p:cNvCxnSpPr>
+            <a:cxnSpLocks/>
             <a:stCxn id="73" idx="2"/>
             <a:endCxn id="6" idx="1"/>
           </p:cNvCxnSpPr>
@@ -4437,8 +4441,8 @@
         </p:nvCxnSpPr>
         <p:spPr>
           <a:xfrm rot="5400000">
-            <a:off x="5116263" y="4409597"/>
-            <a:ext cx="319104" cy="500322"/>
+            <a:off x="5125210" y="4435822"/>
+            <a:ext cx="319104" cy="518216"/>
           </a:xfrm>
           <a:prstGeom prst="bentConnector3">
             <a:avLst>
@@ -4474,6 +4478,7 @@
         <p:nvCxnSpPr>
           <p:cNvPr id="98" name="肘形连接符 97"/>
           <p:cNvCxnSpPr>
+            <a:cxnSpLocks/>
             <a:stCxn id="73" idx="2"/>
             <a:endCxn id="7" idx="1"/>
           </p:cNvCxnSpPr>
@@ -4481,8 +4486,8 @@
         </p:nvCxnSpPr>
         <p:spPr>
           <a:xfrm rot="16200000" flipH="1">
-            <a:off x="5475734" y="4550447"/>
-            <a:ext cx="319104" cy="218621"/>
+            <a:off x="5484681" y="4594566"/>
+            <a:ext cx="319104" cy="200727"/>
           </a:xfrm>
           <a:prstGeom prst="bentConnector3">
             <a:avLst>
@@ -4518,6 +4523,7 @@
         <p:nvCxnSpPr>
           <p:cNvPr id="101" name="肘形连接符 100"/>
           <p:cNvCxnSpPr>
+            <a:cxnSpLocks/>
             <a:stCxn id="73" idx="2"/>
             <a:endCxn id="8" idx="1"/>
           </p:cNvCxnSpPr>
@@ -4525,8 +4531,8 @@
         </p:nvCxnSpPr>
         <p:spPr>
           <a:xfrm rot="16200000" flipH="1">
-            <a:off x="5843672" y="4182509"/>
-            <a:ext cx="319104" cy="954497"/>
+            <a:off x="5852619" y="4226628"/>
+            <a:ext cx="319104" cy="936603"/>
           </a:xfrm>
           <a:prstGeom prst="bentConnector3">
             <a:avLst>
@@ -4603,7 +4609,7 @@
           <a:p>
             <a:pPr algn="ctr"/>
             <a:r>
-              <a:rPr lang="en-US" sz="1000" b="1" dirty="0" err="1">
+              <a:rPr lang="en-US" sz="1000" b="1" dirty="0">
                 <a:solidFill>
                   <a:schemeClr val="tx1"/>
                 </a:solidFill>
@@ -4612,13 +4618,6 @@
               </a:rPr>
               <a:t>MyCat</a:t>
             </a:r>
-            <a:endParaRPr lang="en-US" sz="1000" b="1" dirty="0">
-              <a:solidFill>
-                <a:schemeClr val="tx1"/>
-              </a:solidFill>
-              <a:latin typeface="微软雅黑" panose="020B0503020204020204" pitchFamily="34" charset="-122"/>
-              <a:ea typeface="微软雅黑" panose="020B0503020204020204" pitchFamily="34" charset="-122"/>
-            </a:endParaRPr>
           </a:p>
         </p:txBody>
       </p:sp>
@@ -4630,7 +4629,7 @@
         </p:nvSpPr>
         <p:spPr>
           <a:xfrm>
-            <a:off x="3093044" y="3917789"/>
+            <a:off x="3093044" y="3952961"/>
             <a:ext cx="3758391" cy="2040668"/>
           </a:xfrm>
           <a:prstGeom prst="roundRect">
@@ -5192,7 +5191,7 @@
         </p:nvSpPr>
         <p:spPr>
           <a:xfrm>
-            <a:off x="3093044" y="3927422"/>
+            <a:off x="3093044" y="3962594"/>
             <a:ext cx="641522" cy="246221"/>
           </a:xfrm>
           <a:prstGeom prst="rect">
@@ -5235,7 +5234,7 @@
         </p:nvSpPr>
         <p:spPr>
           <a:xfrm>
-            <a:off x="5487278" y="5048581"/>
+            <a:off x="5487278" y="5083753"/>
             <a:ext cx="1285929" cy="230832"/>
           </a:xfrm>
           <a:prstGeom prst="rect">
@@ -5277,28 +5276,26 @@
         </p:nvSpPr>
         <p:spPr>
           <a:xfrm>
-            <a:off x="5372565" y="5440525"/>
-            <a:ext cx="1002197" cy="230832"/>
+            <a:off x="5265761" y="5469835"/>
+            <a:ext cx="981359" cy="338554"/>
           </a:xfrm>
           <a:prstGeom prst="rect">
             <a:avLst/>
           </a:prstGeom>
-        </p:spPr>
-        <p:txBody>
-          <a:bodyPr wrap="none">
+          <a:noFill/>
+        </p:spPr>
+        <p:txBody>
+          <a:bodyPr wrap="none" rtlCol="0">
             <a:spAutoFit/>
           </a:bodyPr>
           <a:lstStyle>
             <a:defPPr>
               <a:defRPr lang="zh-CN"/>
             </a:defPPr>
-            <a:lvl1pPr algn="ctr">
-              <a:defRPr sz="900">
+            <a:lvl1pPr algn="r">
+              <a:defRPr sz="800" b="0">
                 <a:solidFill>
-                  <a:schemeClr val="tx1">
-                    <a:lumMod val="65000"/>
-                    <a:lumOff val="35000"/>
-                  </a:schemeClr>
+                  <a:srgbClr val="3399FF"/>
                 </a:solidFill>
                 <a:latin typeface="微软雅黑" panose="020B0503020204020204" pitchFamily="34" charset="-122"/>
                 <a:ea typeface="微软雅黑" panose="020B0503020204020204" pitchFamily="34" charset="-122"/>
@@ -5306,9 +5303,17 @@
             </a:lvl1pPr>
           </a:lstStyle>
           <a:p>
-            <a:r>
-              <a:rPr lang="en-US" b="1" dirty="0"/>
-              <a:t>Logical Tables</a:t>
+            <a:pPr algn="l"/>
+            <a:r>
+              <a:rPr lang="en-US" dirty="0"/>
+              <a:t>Logical Schema</a:t>
+            </a:r>
+          </a:p>
+          <a:p>
+            <a:pPr algn="l"/>
+            <a:r>
+              <a:rPr lang="en-US" dirty="0"/>
+              <a:t>db_user</a:t>
             </a:r>
           </a:p>
         </p:txBody>
@@ -5321,28 +5326,26 @@
         </p:nvSpPr>
         <p:spPr>
           <a:xfrm>
-            <a:off x="4000331" y="4179653"/>
-            <a:ext cx="1002197" cy="230832"/>
+            <a:off x="3407014" y="4173791"/>
+            <a:ext cx="981359" cy="338554"/>
           </a:xfrm>
           <a:prstGeom prst="rect">
             <a:avLst/>
           </a:prstGeom>
-        </p:spPr>
-        <p:txBody>
-          <a:bodyPr wrap="none">
+          <a:noFill/>
+        </p:spPr>
+        <p:txBody>
+          <a:bodyPr wrap="none" rtlCol="0">
             <a:spAutoFit/>
           </a:bodyPr>
           <a:lstStyle>
             <a:defPPr>
               <a:defRPr lang="zh-CN"/>
             </a:defPPr>
-            <a:lvl1pPr algn="ctr">
-              <a:defRPr sz="900">
+            <a:lvl1pPr>
+              <a:defRPr sz="900" b="1">
                 <a:solidFill>
-                  <a:schemeClr val="tx1">
-                    <a:lumMod val="65000"/>
-                    <a:lumOff val="35000"/>
-                  </a:schemeClr>
+                  <a:srgbClr val="3399FF"/>
                 </a:solidFill>
                 <a:latin typeface="微软雅黑" panose="020B0503020204020204" pitchFamily="34" charset="-122"/>
                 <a:ea typeface="微软雅黑" panose="020B0503020204020204" pitchFamily="34" charset="-122"/>
@@ -5350,9 +5353,17 @@
             </a:lvl1pPr>
           </a:lstStyle>
           <a:p>
-            <a:r>
-              <a:rPr lang="en-US" b="1" dirty="0"/>
-              <a:t>Logical Tables</a:t>
+            <a:pPr algn="r"/>
+            <a:r>
+              <a:rPr lang="en-US" sz="800" b="0" dirty="0"/>
+              <a:t>Logical Schema</a:t>
+            </a:r>
+          </a:p>
+          <a:p>
+            <a:pPr algn="r"/>
+            <a:r>
+              <a:rPr lang="en-US" sz="800" b="0" dirty="0"/>
+              <a:t>db_order</a:t>
             </a:r>
           </a:p>
         </p:txBody>
@@ -5567,7 +5578,7 @@
         </p:nvCxnSpPr>
         <p:spPr>
           <a:xfrm rot="5400000">
-            <a:off x="5083800" y="3797462"/>
+            <a:off x="5083800" y="3809186"/>
             <a:ext cx="240267" cy="387"/>
           </a:xfrm>
           <a:prstGeom prst="bentConnector3">
@@ -5606,7 +5617,7 @@
         </p:nvCxnSpPr>
         <p:spPr>
           <a:xfrm rot="5400000">
-            <a:off x="4759950" y="3797462"/>
+            <a:off x="4759950" y="3809186"/>
             <a:ext cx="240267" cy="387"/>
           </a:xfrm>
           <a:prstGeom prst="bentConnector3">
@@ -5645,7 +5656,7 @@
         </p:nvGrpSpPr>
         <p:grpSpPr>
           <a:xfrm>
-            <a:off x="4173790" y="5430645"/>
+            <a:off x="4677892" y="5465817"/>
             <a:ext cx="406569" cy="242211"/>
             <a:chOff x="2857287" y="3434440"/>
             <a:chExt cx="492645" cy="370115"/>
@@ -5915,7 +5926,7 @@
         </p:nvGrpSpPr>
         <p:grpSpPr>
           <a:xfrm>
-            <a:off x="5002358" y="5430645"/>
+            <a:off x="6051776" y="4210778"/>
             <a:ext cx="406569" cy="242211"/>
             <a:chOff x="2857287" y="3434440"/>
             <a:chExt cx="492645" cy="370115"/>
@@ -6185,7 +6196,7 @@
         </p:nvGrpSpPr>
         <p:grpSpPr>
           <a:xfrm>
-            <a:off x="4952203" y="4182090"/>
+            <a:off x="4471576" y="4217262"/>
             <a:ext cx="406569" cy="242211"/>
             <a:chOff x="2857287" y="3434440"/>
             <a:chExt cx="492645" cy="370115"/>
@@ -6455,7 +6466,7 @@
         </p:nvGrpSpPr>
         <p:grpSpPr>
           <a:xfrm>
-            <a:off x="5729485" y="4182090"/>
+            <a:off x="5248831" y="4211400"/>
             <a:ext cx="406569" cy="242211"/>
             <a:chOff x="2857287" y="3434440"/>
             <a:chExt cx="492645" cy="370115"/>
@@ -6828,7 +6839,7 @@
         </p:nvCxnSpPr>
         <p:spPr>
           <a:xfrm rot="5400000">
-            <a:off x="4914470" y="3797458"/>
+            <a:off x="4914470" y="3809182"/>
             <a:ext cx="240267" cy="387"/>
           </a:xfrm>
           <a:prstGeom prst="bentConnector3">

--- a/docs/source.pptx
+++ b/docs/source.pptx
@@ -201,7 +201,7 @@
           <a:p>
             <a:fld id="{F2AFE6A1-2F39-4B01-97AE-169630C5A3E5}" type="datetimeFigureOut">
               <a:rPr lang="zh-CN" altLang="en-US" smtClean="0"/>
-              <a:t>2019-12-17</a:t>
+              <a:t>2019-12-19</a:t>
             </a:fld>
             <a:endParaRPr lang="zh-CN" altLang="en-US"/>
           </a:p>
@@ -681,7 +681,7 @@
           <a:p>
             <a:fld id="{1371499B-6999-409F-9FD6-0E57C3931DBB}" type="datetimeFigureOut">
               <a:rPr lang="zh-CN" altLang="en-US" smtClean="0"/>
-              <a:t>2019-12-17</a:t>
+              <a:t>2019-12-19</a:t>
             </a:fld>
             <a:endParaRPr lang="zh-CN" altLang="en-US"/>
           </a:p>
@@ -849,7 +849,7 @@
           <a:p>
             <a:fld id="{1371499B-6999-409F-9FD6-0E57C3931DBB}" type="datetimeFigureOut">
               <a:rPr lang="zh-CN" altLang="en-US" smtClean="0"/>
-              <a:t>2019-12-17</a:t>
+              <a:t>2019-12-19</a:t>
             </a:fld>
             <a:endParaRPr lang="zh-CN" altLang="en-US"/>
           </a:p>
@@ -1027,7 +1027,7 @@
           <a:p>
             <a:fld id="{1371499B-6999-409F-9FD6-0E57C3931DBB}" type="datetimeFigureOut">
               <a:rPr lang="zh-CN" altLang="en-US" smtClean="0"/>
-              <a:t>2019-12-17</a:t>
+              <a:t>2019-12-19</a:t>
             </a:fld>
             <a:endParaRPr lang="zh-CN" altLang="en-US"/>
           </a:p>
@@ -1195,7 +1195,7 @@
           <a:p>
             <a:fld id="{1371499B-6999-409F-9FD6-0E57C3931DBB}" type="datetimeFigureOut">
               <a:rPr lang="zh-CN" altLang="en-US" smtClean="0"/>
-              <a:t>2019-12-17</a:t>
+              <a:t>2019-12-19</a:t>
             </a:fld>
             <a:endParaRPr lang="zh-CN" altLang="en-US"/>
           </a:p>
@@ -1440,7 +1440,7 @@
           <a:p>
             <a:fld id="{1371499B-6999-409F-9FD6-0E57C3931DBB}" type="datetimeFigureOut">
               <a:rPr lang="zh-CN" altLang="en-US" smtClean="0"/>
-              <a:t>2019-12-17</a:t>
+              <a:t>2019-12-19</a:t>
             </a:fld>
             <a:endParaRPr lang="zh-CN" altLang="en-US"/>
           </a:p>
@@ -1669,7 +1669,7 @@
           <a:p>
             <a:fld id="{1371499B-6999-409F-9FD6-0E57C3931DBB}" type="datetimeFigureOut">
               <a:rPr lang="zh-CN" altLang="en-US" smtClean="0"/>
-              <a:t>2019-12-17</a:t>
+              <a:t>2019-12-19</a:t>
             </a:fld>
             <a:endParaRPr lang="zh-CN" altLang="en-US"/>
           </a:p>
@@ -2033,7 +2033,7 @@
           <a:p>
             <a:fld id="{1371499B-6999-409F-9FD6-0E57C3931DBB}" type="datetimeFigureOut">
               <a:rPr lang="zh-CN" altLang="en-US" smtClean="0"/>
-              <a:t>2019-12-17</a:t>
+              <a:t>2019-12-19</a:t>
             </a:fld>
             <a:endParaRPr lang="zh-CN" altLang="en-US"/>
           </a:p>
@@ -2150,7 +2150,7 @@
           <a:p>
             <a:fld id="{1371499B-6999-409F-9FD6-0E57C3931DBB}" type="datetimeFigureOut">
               <a:rPr lang="zh-CN" altLang="en-US" smtClean="0"/>
-              <a:t>2019-12-17</a:t>
+              <a:t>2019-12-19</a:t>
             </a:fld>
             <a:endParaRPr lang="zh-CN" altLang="en-US"/>
           </a:p>
@@ -2245,7 +2245,7 @@
           <a:p>
             <a:fld id="{1371499B-6999-409F-9FD6-0E57C3931DBB}" type="datetimeFigureOut">
               <a:rPr lang="zh-CN" altLang="en-US" smtClean="0"/>
-              <a:t>2019-12-17</a:t>
+              <a:t>2019-12-19</a:t>
             </a:fld>
             <a:endParaRPr lang="zh-CN" altLang="en-US"/>
           </a:p>
@@ -2520,7 +2520,7 @@
           <a:p>
             <a:fld id="{1371499B-6999-409F-9FD6-0E57C3931DBB}" type="datetimeFigureOut">
               <a:rPr lang="zh-CN" altLang="en-US" smtClean="0"/>
-              <a:t>2019-12-17</a:t>
+              <a:t>2019-12-19</a:t>
             </a:fld>
             <a:endParaRPr lang="zh-CN" altLang="en-US"/>
           </a:p>
@@ -2772,7 +2772,7 @@
           <a:p>
             <a:fld id="{1371499B-6999-409F-9FD6-0E57C3931DBB}" type="datetimeFigureOut">
               <a:rPr lang="zh-CN" altLang="en-US" smtClean="0"/>
-              <a:t>2019-12-17</a:t>
+              <a:t>2019-12-19</a:t>
             </a:fld>
             <a:endParaRPr lang="zh-CN" altLang="en-US"/>
           </a:p>
@@ -2983,7 +2983,7 @@
           <a:p>
             <a:fld id="{1371499B-6999-409F-9FD6-0E57C3931DBB}" type="datetimeFigureOut">
               <a:rPr lang="zh-CN" altLang="en-US" smtClean="0"/>
-              <a:t>2019-12-17</a:t>
+              <a:t>2019-12-19</a:t>
             </a:fld>
             <a:endParaRPr lang="zh-CN" altLang="en-US"/>
           </a:p>
@@ -4616,8 +4616,25 @@
                 <a:latin typeface="微软雅黑" panose="020B0503020204020204" pitchFamily="34" charset="-122"/>
                 <a:ea typeface="微软雅黑" panose="020B0503020204020204" pitchFamily="34" charset="-122"/>
               </a:rPr>
-              <a:t>MyCat</a:t>
-            </a:r>
+              <a:t>MyCat/Sharding</a:t>
+            </a:r>
+            <a:r>
+              <a:rPr lang="en-US" altLang="zh-CN" sz="1000" b="1" dirty="0">
+                <a:solidFill>
+                  <a:schemeClr val="tx1"/>
+                </a:solidFill>
+                <a:latin typeface="微软雅黑" panose="020B0503020204020204" pitchFamily="34" charset="-122"/>
+                <a:ea typeface="微软雅黑" panose="020B0503020204020204" pitchFamily="34" charset="-122"/>
+              </a:rPr>
+              <a:t>-Proxy</a:t>
+            </a:r>
+            <a:endParaRPr lang="en-US" sz="1000" b="1" dirty="0">
+              <a:solidFill>
+                <a:schemeClr val="tx1"/>
+              </a:solidFill>
+              <a:latin typeface="微软雅黑" panose="020B0503020204020204" pitchFamily="34" charset="-122"/>
+              <a:ea typeface="微软雅黑" panose="020B0503020204020204" pitchFamily="34" charset="-122"/>
+            </a:endParaRPr>
           </a:p>
         </p:txBody>
       </p:sp>

--- a/docs/source.pptx
+++ b/docs/source.pptx
@@ -5,10 +5,11 @@
     <p:sldMasterId id="2147483648" r:id="rId1"/>
   </p:sldMasterIdLst>
   <p:notesMasterIdLst>
-    <p:notesMasterId r:id="rId3"/>
+    <p:notesMasterId r:id="rId4"/>
   </p:notesMasterIdLst>
   <p:sldIdLst>
     <p:sldId id="256" r:id="rId2"/>
+    <p:sldId id="257" r:id="rId3"/>
   </p:sldIdLst>
   <p:sldSz cx="12192000" cy="6858000"/>
   <p:notesSz cx="6858000" cy="9144000"/>
@@ -201,7 +202,7 @@
           <a:p>
             <a:fld id="{F2AFE6A1-2F39-4B01-97AE-169630C5A3E5}" type="datetimeFigureOut">
               <a:rPr lang="zh-CN" altLang="en-US" smtClean="0"/>
-              <a:t>2019-12-19</a:t>
+              <a:t>2019-12-24</a:t>
             </a:fld>
             <a:endParaRPr lang="zh-CN" altLang="en-US"/>
           </a:p>
@@ -552,6 +553,90 @@
 </p:notes>
 </file>
 
+<file path=ppt/notesSlides/notesSlide2.xml><?xml version="1.0" encoding="utf-8"?>
+<p:notes xmlns:a="http://schemas.openxmlformats.org/drawingml/2006/main" xmlns:r="http://schemas.openxmlformats.org/officeDocument/2006/relationships" xmlns:p="http://schemas.openxmlformats.org/presentationml/2006/main">
+  <p:cSld>
+    <p:spTree>
+      <p:nvGrpSpPr>
+        <p:cNvPr id="1" name=""/>
+        <p:cNvGrpSpPr/>
+        <p:nvPr/>
+      </p:nvGrpSpPr>
+      <p:grpSpPr>
+        <a:xfrm>
+          <a:off x="0" y="0"/>
+          <a:ext cx="0" cy="0"/>
+          <a:chOff x="0" y="0"/>
+          <a:chExt cx="0" cy="0"/>
+        </a:xfrm>
+      </p:grpSpPr>
+      <p:sp>
+        <p:nvSpPr>
+          <p:cNvPr id="2" name="幻灯片图像占位符 1"/>
+          <p:cNvSpPr>
+            <a:spLocks noGrp="1" noRot="1" noChangeAspect="1"/>
+          </p:cNvSpPr>
+          <p:nvPr>
+            <p:ph type="sldImg"/>
+          </p:nvPr>
+        </p:nvSpPr>
+        <p:spPr/>
+      </p:sp>
+      <p:sp>
+        <p:nvSpPr>
+          <p:cNvPr id="3" name="备注占位符 2"/>
+          <p:cNvSpPr>
+            <a:spLocks noGrp="1"/>
+          </p:cNvSpPr>
+          <p:nvPr>
+            <p:ph type="body" idx="1"/>
+          </p:nvPr>
+        </p:nvSpPr>
+        <p:spPr/>
+        <p:txBody>
+          <a:bodyPr/>
+          <a:lstStyle/>
+          <a:p>
+            <a:endParaRPr lang="zh-CN" altLang="en-US" dirty="0"/>
+          </a:p>
+        </p:txBody>
+      </p:sp>
+      <p:sp>
+        <p:nvSpPr>
+          <p:cNvPr id="4" name="灯片编号占位符 3"/>
+          <p:cNvSpPr>
+            <a:spLocks noGrp="1"/>
+          </p:cNvSpPr>
+          <p:nvPr>
+            <p:ph type="sldNum" sz="quarter" idx="10"/>
+          </p:nvPr>
+        </p:nvSpPr>
+        <p:spPr/>
+        <p:txBody>
+          <a:bodyPr/>
+          <a:lstStyle/>
+          <a:p>
+            <a:fld id="{90D39E60-1BE2-4068-BCB9-5991C7F74FDA}" type="slidenum">
+              <a:rPr lang="zh-CN" altLang="en-US" smtClean="0"/>
+              <a:t>2</a:t>
+            </a:fld>
+            <a:endParaRPr lang="zh-CN" altLang="en-US"/>
+          </a:p>
+        </p:txBody>
+      </p:sp>
+    </p:spTree>
+    <p:extLst>
+      <p:ext uri="{BB962C8B-B14F-4D97-AF65-F5344CB8AC3E}">
+        <p14:creationId xmlns:p14="http://schemas.microsoft.com/office/powerpoint/2010/main" val="3428119981"/>
+      </p:ext>
+    </p:extLst>
+  </p:cSld>
+  <p:clrMapOvr>
+    <a:masterClrMapping/>
+  </p:clrMapOvr>
+</p:notes>
+</file>
+
 <file path=ppt/slideLayouts/slideLayout1.xml><?xml version="1.0" encoding="utf-8"?>
 <p:sldLayout xmlns:a="http://schemas.openxmlformats.org/drawingml/2006/main" xmlns:r="http://schemas.openxmlformats.org/officeDocument/2006/relationships" xmlns:p="http://schemas.openxmlformats.org/presentationml/2006/main" type="title" preserve="1">
   <p:cSld name="标题幻灯片">
@@ -681,7 +766,7 @@
           <a:p>
             <a:fld id="{1371499B-6999-409F-9FD6-0E57C3931DBB}" type="datetimeFigureOut">
               <a:rPr lang="zh-CN" altLang="en-US" smtClean="0"/>
-              <a:t>2019-12-19</a:t>
+              <a:t>2019-12-24</a:t>
             </a:fld>
             <a:endParaRPr lang="zh-CN" altLang="en-US"/>
           </a:p>
@@ -849,7 +934,7 @@
           <a:p>
             <a:fld id="{1371499B-6999-409F-9FD6-0E57C3931DBB}" type="datetimeFigureOut">
               <a:rPr lang="zh-CN" altLang="en-US" smtClean="0"/>
-              <a:t>2019-12-19</a:t>
+              <a:t>2019-12-24</a:t>
             </a:fld>
             <a:endParaRPr lang="zh-CN" altLang="en-US"/>
           </a:p>
@@ -1027,7 +1112,7 @@
           <a:p>
             <a:fld id="{1371499B-6999-409F-9FD6-0E57C3931DBB}" type="datetimeFigureOut">
               <a:rPr lang="zh-CN" altLang="en-US" smtClean="0"/>
-              <a:t>2019-12-19</a:t>
+              <a:t>2019-12-24</a:t>
             </a:fld>
             <a:endParaRPr lang="zh-CN" altLang="en-US"/>
           </a:p>
@@ -1195,7 +1280,7 @@
           <a:p>
             <a:fld id="{1371499B-6999-409F-9FD6-0E57C3931DBB}" type="datetimeFigureOut">
               <a:rPr lang="zh-CN" altLang="en-US" smtClean="0"/>
-              <a:t>2019-12-19</a:t>
+              <a:t>2019-12-24</a:t>
             </a:fld>
             <a:endParaRPr lang="zh-CN" altLang="en-US"/>
           </a:p>
@@ -1440,7 +1525,7 @@
           <a:p>
             <a:fld id="{1371499B-6999-409F-9FD6-0E57C3931DBB}" type="datetimeFigureOut">
               <a:rPr lang="zh-CN" altLang="en-US" smtClean="0"/>
-              <a:t>2019-12-19</a:t>
+              <a:t>2019-12-24</a:t>
             </a:fld>
             <a:endParaRPr lang="zh-CN" altLang="en-US"/>
           </a:p>
@@ -1669,7 +1754,7 @@
           <a:p>
             <a:fld id="{1371499B-6999-409F-9FD6-0E57C3931DBB}" type="datetimeFigureOut">
               <a:rPr lang="zh-CN" altLang="en-US" smtClean="0"/>
-              <a:t>2019-12-19</a:t>
+              <a:t>2019-12-24</a:t>
             </a:fld>
             <a:endParaRPr lang="zh-CN" altLang="en-US"/>
           </a:p>
@@ -2033,7 +2118,7 @@
           <a:p>
             <a:fld id="{1371499B-6999-409F-9FD6-0E57C3931DBB}" type="datetimeFigureOut">
               <a:rPr lang="zh-CN" altLang="en-US" smtClean="0"/>
-              <a:t>2019-12-19</a:t>
+              <a:t>2019-12-24</a:t>
             </a:fld>
             <a:endParaRPr lang="zh-CN" altLang="en-US"/>
           </a:p>
@@ -2150,7 +2235,7 @@
           <a:p>
             <a:fld id="{1371499B-6999-409F-9FD6-0E57C3931DBB}" type="datetimeFigureOut">
               <a:rPr lang="zh-CN" altLang="en-US" smtClean="0"/>
-              <a:t>2019-12-19</a:t>
+              <a:t>2019-12-24</a:t>
             </a:fld>
             <a:endParaRPr lang="zh-CN" altLang="en-US"/>
           </a:p>
@@ -2245,7 +2330,7 @@
           <a:p>
             <a:fld id="{1371499B-6999-409F-9FD6-0E57C3931DBB}" type="datetimeFigureOut">
               <a:rPr lang="zh-CN" altLang="en-US" smtClean="0"/>
-              <a:t>2019-12-19</a:t>
+              <a:t>2019-12-24</a:t>
             </a:fld>
             <a:endParaRPr lang="zh-CN" altLang="en-US"/>
           </a:p>
@@ -2520,7 +2605,7 @@
           <a:p>
             <a:fld id="{1371499B-6999-409F-9FD6-0E57C3931DBB}" type="datetimeFigureOut">
               <a:rPr lang="zh-CN" altLang="en-US" smtClean="0"/>
-              <a:t>2019-12-19</a:t>
+              <a:t>2019-12-24</a:t>
             </a:fld>
             <a:endParaRPr lang="zh-CN" altLang="en-US"/>
           </a:p>
@@ -2772,7 +2857,7 @@
           <a:p>
             <a:fld id="{1371499B-6999-409F-9FD6-0E57C3931DBB}" type="datetimeFigureOut">
               <a:rPr lang="zh-CN" altLang="en-US" smtClean="0"/>
-              <a:t>2019-12-19</a:t>
+              <a:t>2019-12-24</a:t>
             </a:fld>
             <a:endParaRPr lang="zh-CN" altLang="en-US"/>
           </a:p>
@@ -2983,7 +3068,7 @@
           <a:p>
             <a:fld id="{1371499B-6999-409F-9FD6-0E57C3931DBB}" type="datetimeFigureOut">
               <a:rPr lang="zh-CN" altLang="en-US" smtClean="0"/>
-              <a:t>2019-12-19</a:t>
+              <a:t>2019-12-24</a:t>
             </a:fld>
             <a:endParaRPr lang="zh-CN" altLang="en-US"/>
           </a:p>
@@ -5329,9 +5414,10 @@
           <a:p>
             <a:pPr algn="l"/>
             <a:r>
-              <a:rPr lang="en-US" dirty="0"/>
+              <a:rPr lang="en-US" dirty="0" err="1"/>
               <a:t>db_user</a:t>
             </a:r>
+            <a:endParaRPr lang="en-US" dirty="0"/>
           </a:p>
         </p:txBody>
       </p:sp>
@@ -5379,9 +5465,10 @@
           <a:p>
             <a:pPr algn="r"/>
             <a:r>
-              <a:rPr lang="en-US" sz="800" b="0" dirty="0"/>
+              <a:rPr lang="en-US" sz="800" b="0" dirty="0" err="1"/>
               <a:t>db_order</a:t>
             </a:r>
+            <a:endParaRPr lang="en-US" sz="800" b="0" dirty="0"/>
           </a:p>
         </p:txBody>
       </p:sp>
@@ -7853,6 +7940,2165 @@
     <p:extLst>
       <p:ext uri="{BB962C8B-B14F-4D97-AF65-F5344CB8AC3E}">
         <p14:creationId xmlns:p14="http://schemas.microsoft.com/office/powerpoint/2010/main" val="234975821"/>
+      </p:ext>
+    </p:extLst>
+  </p:cSld>
+  <p:clrMapOvr>
+    <a:masterClrMapping/>
+  </p:clrMapOvr>
+</p:sld>
+</file>
+
+<file path=ppt/slides/slide2.xml><?xml version="1.0" encoding="utf-8"?>
+<p:sld xmlns:a="http://schemas.openxmlformats.org/drawingml/2006/main" xmlns:r="http://schemas.openxmlformats.org/officeDocument/2006/relationships" xmlns:p="http://schemas.openxmlformats.org/presentationml/2006/main">
+  <p:cSld>
+    <p:spTree>
+      <p:nvGrpSpPr>
+        <p:cNvPr id="1" name=""/>
+        <p:cNvGrpSpPr/>
+        <p:nvPr/>
+      </p:nvGrpSpPr>
+      <p:grpSpPr>
+        <a:xfrm>
+          <a:off x="0" y="0"/>
+          <a:ext cx="0" cy="0"/>
+          <a:chOff x="0" y="0"/>
+          <a:chExt cx="0" cy="0"/>
+        </a:xfrm>
+      </p:grpSpPr>
+      <p:sp>
+        <p:nvSpPr>
+          <p:cNvPr id="177" name="Oval 176"/>
+          <p:cNvSpPr/>
+          <p:nvPr/>
+        </p:nvSpPr>
+        <p:spPr>
+          <a:xfrm>
+            <a:off x="4293225" y="3701077"/>
+            <a:ext cx="674152" cy="933521"/>
+          </a:xfrm>
+          <a:prstGeom prst="ellipse">
+            <a:avLst/>
+          </a:prstGeom>
+          <a:solidFill>
+            <a:schemeClr val="tx1">
+              <a:lumMod val="65000"/>
+              <a:lumOff val="35000"/>
+              <a:alpha val="20000"/>
+            </a:schemeClr>
+          </a:solidFill>
+          <a:ln>
+            <a:noFill/>
+          </a:ln>
+        </p:spPr>
+        <p:style>
+          <a:lnRef idx="2">
+            <a:schemeClr val="accent1">
+              <a:shade val="50000"/>
+            </a:schemeClr>
+          </a:lnRef>
+          <a:fillRef idx="1">
+            <a:schemeClr val="accent1"/>
+          </a:fillRef>
+          <a:effectRef idx="0">
+            <a:schemeClr val="accent1"/>
+          </a:effectRef>
+          <a:fontRef idx="minor">
+            <a:schemeClr val="lt1"/>
+          </a:fontRef>
+        </p:style>
+        <p:txBody>
+          <a:bodyPr rtlCol="0" anchor="ctr"/>
+          <a:lstStyle/>
+          <a:p>
+            <a:pPr algn="ctr"/>
+            <a:endParaRPr lang="en-US"/>
+          </a:p>
+        </p:txBody>
+      </p:sp>
+      <p:sp>
+        <p:nvSpPr>
+          <p:cNvPr id="178" name="Oval 177"/>
+          <p:cNvSpPr/>
+          <p:nvPr/>
+        </p:nvSpPr>
+        <p:spPr>
+          <a:xfrm>
+            <a:off x="6517974" y="3701077"/>
+            <a:ext cx="674152" cy="933521"/>
+          </a:xfrm>
+          <a:prstGeom prst="ellipse">
+            <a:avLst/>
+          </a:prstGeom>
+          <a:solidFill>
+            <a:schemeClr val="tx1">
+              <a:lumMod val="65000"/>
+              <a:lumOff val="35000"/>
+              <a:alpha val="20000"/>
+            </a:schemeClr>
+          </a:solidFill>
+          <a:ln>
+            <a:noFill/>
+          </a:ln>
+        </p:spPr>
+        <p:style>
+          <a:lnRef idx="2">
+            <a:schemeClr val="accent1">
+              <a:shade val="50000"/>
+            </a:schemeClr>
+          </a:lnRef>
+          <a:fillRef idx="1">
+            <a:schemeClr val="accent1"/>
+          </a:fillRef>
+          <a:effectRef idx="0">
+            <a:schemeClr val="accent1"/>
+          </a:effectRef>
+          <a:fontRef idx="minor">
+            <a:schemeClr val="lt1"/>
+          </a:fontRef>
+        </p:style>
+        <p:txBody>
+          <a:bodyPr rot="0" spcFirstLastPara="0" vertOverflow="overflow" horzOverflow="overflow" vert="horz" wrap="square" lIns="91440" tIns="45720" rIns="91440" bIns="45720" numCol="1" spcCol="0" rtlCol="0" fromWordArt="0" anchor="ctr" anchorCtr="0" forceAA="0" compatLnSpc="1">
+            <a:prstTxWarp prst="textNoShape">
+              <a:avLst/>
+            </a:prstTxWarp>
+            <a:noAutofit/>
+          </a:bodyPr>
+          <a:lstStyle/>
+          <a:p>
+            <a:pPr algn="ctr"/>
+            <a:endParaRPr lang="en-US"/>
+          </a:p>
+        </p:txBody>
+      </p:sp>
+      <p:sp>
+        <p:nvSpPr>
+          <p:cNvPr id="182" name="Oval 181"/>
+          <p:cNvSpPr/>
+          <p:nvPr/>
+        </p:nvSpPr>
+        <p:spPr>
+          <a:xfrm rot="648898">
+            <a:off x="4393306" y="2687216"/>
+            <a:ext cx="2551437" cy="679903"/>
+          </a:xfrm>
+          <a:prstGeom prst="ellipse">
+            <a:avLst/>
+          </a:prstGeom>
+          <a:solidFill>
+            <a:schemeClr val="tx1">
+              <a:lumMod val="65000"/>
+              <a:lumOff val="35000"/>
+              <a:alpha val="20000"/>
+            </a:schemeClr>
+          </a:solidFill>
+          <a:ln>
+            <a:noFill/>
+          </a:ln>
+        </p:spPr>
+        <p:style>
+          <a:lnRef idx="2">
+            <a:schemeClr val="accent1">
+              <a:shade val="50000"/>
+            </a:schemeClr>
+          </a:lnRef>
+          <a:fillRef idx="1">
+            <a:schemeClr val="accent1"/>
+          </a:fillRef>
+          <a:effectRef idx="0">
+            <a:schemeClr val="accent1"/>
+          </a:effectRef>
+          <a:fontRef idx="minor">
+            <a:schemeClr val="lt1"/>
+          </a:fontRef>
+        </p:style>
+        <p:txBody>
+          <a:bodyPr rot="0" spcFirstLastPara="0" vertOverflow="overflow" horzOverflow="overflow" vert="horz" wrap="square" lIns="91440" tIns="45720" rIns="91440" bIns="45720" numCol="1" spcCol="0" rtlCol="0" fromWordArt="0" anchor="ctr" anchorCtr="0" forceAA="0" compatLnSpc="1">
+            <a:prstTxWarp prst="textNoShape">
+              <a:avLst/>
+            </a:prstTxWarp>
+            <a:noAutofit/>
+          </a:bodyPr>
+          <a:lstStyle/>
+          <a:p>
+            <a:pPr algn="ctr"/>
+            <a:endParaRPr lang="en-US"/>
+          </a:p>
+        </p:txBody>
+      </p:sp>
+      <p:sp>
+        <p:nvSpPr>
+          <p:cNvPr id="53" name="Oval 52"/>
+          <p:cNvSpPr/>
+          <p:nvPr/>
+        </p:nvSpPr>
+        <p:spPr>
+          <a:xfrm>
+            <a:off x="5423173" y="3701077"/>
+            <a:ext cx="674152" cy="933521"/>
+          </a:xfrm>
+          <a:prstGeom prst="ellipse">
+            <a:avLst/>
+          </a:prstGeom>
+          <a:solidFill>
+            <a:schemeClr val="tx1">
+              <a:lumMod val="65000"/>
+              <a:lumOff val="35000"/>
+              <a:alpha val="20000"/>
+            </a:schemeClr>
+          </a:solidFill>
+          <a:ln>
+            <a:noFill/>
+          </a:ln>
+        </p:spPr>
+        <p:style>
+          <a:lnRef idx="2">
+            <a:schemeClr val="accent1">
+              <a:shade val="50000"/>
+            </a:schemeClr>
+          </a:lnRef>
+          <a:fillRef idx="1">
+            <a:schemeClr val="accent1"/>
+          </a:fillRef>
+          <a:effectRef idx="0">
+            <a:schemeClr val="accent1"/>
+          </a:effectRef>
+          <a:fontRef idx="minor">
+            <a:schemeClr val="lt1"/>
+          </a:fontRef>
+        </p:style>
+        <p:txBody>
+          <a:bodyPr rot="0" spcFirstLastPara="0" vertOverflow="overflow" horzOverflow="overflow" vert="horz" wrap="square" lIns="91440" tIns="45720" rIns="91440" bIns="45720" numCol="1" spcCol="0" rtlCol="0" fromWordArt="0" anchor="ctr" anchorCtr="0" forceAA="0" compatLnSpc="1">
+            <a:prstTxWarp prst="textNoShape">
+              <a:avLst/>
+            </a:prstTxWarp>
+            <a:noAutofit/>
+          </a:bodyPr>
+          <a:lstStyle/>
+          <a:p>
+            <a:pPr algn="ctr"/>
+            <a:endParaRPr lang="en-US"/>
+          </a:p>
+        </p:txBody>
+      </p:sp>
+      <p:sp>
+        <p:nvSpPr>
+          <p:cNvPr id="64" name="Oval 63"/>
+          <p:cNvSpPr/>
+          <p:nvPr/>
+        </p:nvSpPr>
+        <p:spPr>
+          <a:xfrm>
+            <a:off x="5451598" y="3086911"/>
+            <a:ext cx="638266" cy="314876"/>
+          </a:xfrm>
+          <a:prstGeom prst="ellipse">
+            <a:avLst/>
+          </a:prstGeom>
+          <a:solidFill>
+            <a:schemeClr val="accent6"/>
+          </a:solidFill>
+          <a:ln>
+            <a:noFill/>
+          </a:ln>
+        </p:spPr>
+        <p:style>
+          <a:lnRef idx="2">
+            <a:schemeClr val="accent1">
+              <a:shade val="50000"/>
+            </a:schemeClr>
+          </a:lnRef>
+          <a:fillRef idx="1">
+            <a:schemeClr val="accent1"/>
+          </a:fillRef>
+          <a:effectRef idx="0">
+            <a:schemeClr val="accent1"/>
+          </a:effectRef>
+          <a:fontRef idx="minor">
+            <a:schemeClr val="lt1"/>
+          </a:fontRef>
+        </p:style>
+        <p:txBody>
+          <a:bodyPr lIns="0" tIns="0" rIns="0" bIns="0" rtlCol="0" anchor="ctr"/>
+          <a:lstStyle/>
+          <a:p>
+            <a:pPr algn="ctr"/>
+            <a:r>
+              <a:rPr lang="en-US" sz="800" b="1" dirty="0">
+                <a:latin typeface="微软雅黑" panose="020B0503020204020204" pitchFamily="34" charset="-122"/>
+                <a:ea typeface="微软雅黑" panose="020B0503020204020204" pitchFamily="34" charset="-122"/>
+              </a:rPr>
+              <a:t>Stock</a:t>
+            </a:r>
+          </a:p>
+          <a:p>
+            <a:pPr algn="ctr"/>
+            <a:r>
+              <a:rPr lang="en-US" sz="800" b="1" dirty="0">
+                <a:latin typeface="微软雅黑" panose="020B0503020204020204" pitchFamily="34" charset="-122"/>
+                <a:ea typeface="微软雅黑" panose="020B0503020204020204" pitchFamily="34" charset="-122"/>
+              </a:rPr>
+              <a:t>Service</a:t>
+            </a:r>
+          </a:p>
+        </p:txBody>
+      </p:sp>
+      <p:sp>
+        <p:nvSpPr>
+          <p:cNvPr id="2" name="Rectangle: Rounded Corners 1"/>
+          <p:cNvSpPr/>
+          <p:nvPr/>
+        </p:nvSpPr>
+        <p:spPr>
+          <a:xfrm>
+            <a:off x="4331676" y="3628249"/>
+            <a:ext cx="634725" cy="205409"/>
+          </a:xfrm>
+          <a:prstGeom prst="roundRect">
+            <a:avLst/>
+          </a:prstGeom>
+          <a:solidFill>
+            <a:schemeClr val="accent4">
+              <a:alpha val="50000"/>
+            </a:schemeClr>
+          </a:solidFill>
+          <a:ln>
+            <a:noFill/>
+          </a:ln>
+        </p:spPr>
+        <p:style>
+          <a:lnRef idx="2">
+            <a:schemeClr val="accent1">
+              <a:shade val="50000"/>
+            </a:schemeClr>
+          </a:lnRef>
+          <a:fillRef idx="1">
+            <a:schemeClr val="accent1"/>
+          </a:fillRef>
+          <a:effectRef idx="0">
+            <a:schemeClr val="accent1"/>
+          </a:effectRef>
+          <a:fontRef idx="minor">
+            <a:schemeClr val="lt1"/>
+          </a:fontRef>
+        </p:style>
+        <p:txBody>
+          <a:bodyPr lIns="0" tIns="0" rIns="0" bIns="0" rtlCol="0" anchor="ctr"/>
+          <a:lstStyle/>
+          <a:p>
+            <a:pPr algn="ctr"/>
+            <a:r>
+              <a:rPr lang="en-US" sz="800" b="1" dirty="0">
+                <a:solidFill>
+                  <a:schemeClr val="tx1"/>
+                </a:solidFill>
+                <a:latin typeface="微软雅黑" panose="020B0503020204020204" pitchFamily="34" charset="-122"/>
+                <a:ea typeface="微软雅黑" panose="020B0503020204020204" pitchFamily="34" charset="-122"/>
+              </a:rPr>
+              <a:t>Mycat</a:t>
+            </a:r>
+          </a:p>
+        </p:txBody>
+      </p:sp>
+      <p:sp>
+        <p:nvSpPr>
+          <p:cNvPr id="4" name="圆柱形 3"/>
+          <p:cNvSpPr/>
+          <p:nvPr/>
+        </p:nvSpPr>
+        <p:spPr>
+          <a:xfrm>
+            <a:off x="4204441" y="4192698"/>
+            <a:ext cx="230260" cy="123326"/>
+          </a:xfrm>
+          <a:prstGeom prst="can">
+            <a:avLst/>
+          </a:prstGeom>
+          <a:solidFill>
+            <a:srgbClr val="3399FF"/>
+          </a:solidFill>
+          <a:ln w="6350">
+            <a:solidFill>
+              <a:schemeClr val="bg1"/>
+            </a:solidFill>
+          </a:ln>
+        </p:spPr>
+        <p:style>
+          <a:lnRef idx="2">
+            <a:schemeClr val="accent1">
+              <a:shade val="50000"/>
+            </a:schemeClr>
+          </a:lnRef>
+          <a:fillRef idx="1">
+            <a:schemeClr val="accent1"/>
+          </a:fillRef>
+          <a:effectRef idx="0">
+            <a:schemeClr val="accent1"/>
+          </a:effectRef>
+          <a:fontRef idx="minor">
+            <a:schemeClr val="lt1"/>
+          </a:fontRef>
+        </p:style>
+        <p:txBody>
+          <a:bodyPr rtlCol="0" anchor="ctr"/>
+          <a:lstStyle/>
+          <a:p>
+            <a:pPr algn="ctr"/>
+            <a:endParaRPr lang="zh-CN" altLang="en-US" sz="900" dirty="0">
+              <a:latin typeface="微软雅黑" panose="020B0503020204020204" pitchFamily="34" charset="-122"/>
+              <a:ea typeface="微软雅黑" panose="020B0503020204020204" pitchFamily="34" charset="-122"/>
+            </a:endParaRPr>
+          </a:p>
+        </p:txBody>
+      </p:sp>
+      <p:sp>
+        <p:nvSpPr>
+          <p:cNvPr id="5" name="圆柱形 4"/>
+          <p:cNvSpPr/>
+          <p:nvPr/>
+        </p:nvSpPr>
+        <p:spPr>
+          <a:xfrm>
+            <a:off x="4533908" y="4192698"/>
+            <a:ext cx="230260" cy="123326"/>
+          </a:xfrm>
+          <a:prstGeom prst="can">
+            <a:avLst/>
+          </a:prstGeom>
+          <a:solidFill>
+            <a:srgbClr val="3399FF"/>
+          </a:solidFill>
+          <a:ln w="6350">
+            <a:solidFill>
+              <a:schemeClr val="bg1"/>
+            </a:solidFill>
+          </a:ln>
+        </p:spPr>
+        <p:style>
+          <a:lnRef idx="2">
+            <a:schemeClr val="accent1">
+              <a:shade val="50000"/>
+            </a:schemeClr>
+          </a:lnRef>
+          <a:fillRef idx="1">
+            <a:schemeClr val="accent1"/>
+          </a:fillRef>
+          <a:effectRef idx="0">
+            <a:schemeClr val="accent1"/>
+          </a:effectRef>
+          <a:fontRef idx="minor">
+            <a:schemeClr val="lt1"/>
+          </a:fontRef>
+        </p:style>
+        <p:txBody>
+          <a:bodyPr rtlCol="0" anchor="ctr"/>
+          <a:lstStyle/>
+          <a:p>
+            <a:pPr algn="ctr"/>
+            <a:endParaRPr lang="zh-CN" altLang="en-US" sz="900" dirty="0">
+              <a:latin typeface="微软雅黑" panose="020B0503020204020204" pitchFamily="34" charset="-122"/>
+              <a:ea typeface="微软雅黑" panose="020B0503020204020204" pitchFamily="34" charset="-122"/>
+            </a:endParaRPr>
+          </a:p>
+        </p:txBody>
+      </p:sp>
+      <p:sp>
+        <p:nvSpPr>
+          <p:cNvPr id="6" name="圆柱形 5"/>
+          <p:cNvSpPr/>
+          <p:nvPr/>
+        </p:nvSpPr>
+        <p:spPr>
+          <a:xfrm>
+            <a:off x="4837331" y="4192698"/>
+            <a:ext cx="230260" cy="123326"/>
+          </a:xfrm>
+          <a:prstGeom prst="can">
+            <a:avLst/>
+          </a:prstGeom>
+          <a:solidFill>
+            <a:srgbClr val="3399FF"/>
+          </a:solidFill>
+          <a:ln w="6350">
+            <a:solidFill>
+              <a:schemeClr val="bg1"/>
+            </a:solidFill>
+          </a:ln>
+        </p:spPr>
+        <p:style>
+          <a:lnRef idx="2">
+            <a:schemeClr val="accent1">
+              <a:shade val="50000"/>
+            </a:schemeClr>
+          </a:lnRef>
+          <a:fillRef idx="1">
+            <a:schemeClr val="accent1"/>
+          </a:fillRef>
+          <a:effectRef idx="0">
+            <a:schemeClr val="accent1"/>
+          </a:effectRef>
+          <a:fontRef idx="minor">
+            <a:schemeClr val="lt1"/>
+          </a:fontRef>
+        </p:style>
+        <p:txBody>
+          <a:bodyPr rtlCol="0" anchor="ctr"/>
+          <a:lstStyle/>
+          <a:p>
+            <a:pPr algn="ctr"/>
+            <a:endParaRPr lang="zh-CN" altLang="en-US" sz="900" dirty="0">
+              <a:latin typeface="微软雅黑" panose="020B0503020204020204" pitchFamily="34" charset="-122"/>
+              <a:ea typeface="微软雅黑" panose="020B0503020204020204" pitchFamily="34" charset="-122"/>
+            </a:endParaRPr>
+          </a:p>
+        </p:txBody>
+      </p:sp>
+      <p:sp>
+        <p:nvSpPr>
+          <p:cNvPr id="3" name="Rectangle: Rounded Corners 2"/>
+          <p:cNvSpPr/>
+          <p:nvPr/>
+        </p:nvSpPr>
+        <p:spPr>
+          <a:xfrm>
+            <a:off x="4140434" y="4061530"/>
+            <a:ext cx="989703" cy="322116"/>
+          </a:xfrm>
+          <a:prstGeom prst="roundRect">
+            <a:avLst>
+              <a:gd name="adj" fmla="val 4065"/>
+            </a:avLst>
+          </a:prstGeom>
+          <a:noFill/>
+          <a:ln w="6350">
+            <a:solidFill>
+              <a:srgbClr val="3399FF"/>
+            </a:solidFill>
+            <a:prstDash val="sysDash"/>
+          </a:ln>
+        </p:spPr>
+        <p:style>
+          <a:lnRef idx="2">
+            <a:schemeClr val="accent1">
+              <a:shade val="50000"/>
+            </a:schemeClr>
+          </a:lnRef>
+          <a:fillRef idx="1">
+            <a:schemeClr val="accent1"/>
+          </a:fillRef>
+          <a:effectRef idx="0">
+            <a:schemeClr val="accent1"/>
+          </a:effectRef>
+          <a:fontRef idx="minor">
+            <a:schemeClr val="lt1"/>
+          </a:fontRef>
+        </p:style>
+        <p:txBody>
+          <a:bodyPr rot="0" spcFirstLastPara="0" vertOverflow="overflow" horzOverflow="overflow" vert="horz" wrap="square" lIns="91440" tIns="45720" rIns="91440" bIns="45720" numCol="1" spcCol="0" rtlCol="0" fromWordArt="0" anchor="ctr" anchorCtr="0" forceAA="0" compatLnSpc="1">
+            <a:prstTxWarp prst="textNoShape">
+              <a:avLst/>
+            </a:prstTxWarp>
+            <a:noAutofit/>
+          </a:bodyPr>
+          <a:lstStyle/>
+          <a:p>
+            <a:pPr algn="ctr"/>
+            <a:endParaRPr lang="en-US"/>
+          </a:p>
+        </p:txBody>
+      </p:sp>
+      <p:sp>
+        <p:nvSpPr>
+          <p:cNvPr id="62" name="TextBox 61"/>
+          <p:cNvSpPr txBox="1"/>
+          <p:nvPr/>
+        </p:nvSpPr>
+        <p:spPr>
+          <a:xfrm>
+            <a:off x="4336034" y="4356383"/>
+            <a:ext cx="649537" cy="215444"/>
+          </a:xfrm>
+          <a:prstGeom prst="rect">
+            <a:avLst/>
+          </a:prstGeom>
+          <a:noFill/>
+        </p:spPr>
+        <p:txBody>
+          <a:bodyPr wrap="none" rtlCol="0">
+            <a:spAutoFit/>
+          </a:bodyPr>
+          <a:lstStyle>
+            <a:defPPr>
+              <a:defRPr lang="zh-CN"/>
+            </a:defPPr>
+            <a:lvl1pPr>
+              <a:defRPr sz="900" b="1">
+                <a:solidFill>
+                  <a:srgbClr val="3399FF"/>
+                </a:solidFill>
+                <a:latin typeface="微软雅黑" panose="020B0503020204020204" pitchFamily="34" charset="-122"/>
+                <a:ea typeface="微软雅黑" panose="020B0503020204020204" pitchFamily="34" charset="-122"/>
+              </a:defRPr>
+            </a:lvl1pPr>
+          </a:lstStyle>
+          <a:p>
+            <a:r>
+              <a:rPr lang="en-US" sz="800" dirty="0"/>
+              <a:t>order-db</a:t>
+            </a:r>
+          </a:p>
+        </p:txBody>
+      </p:sp>
+      <p:sp>
+        <p:nvSpPr>
+          <p:cNvPr id="102" name="Oval 101"/>
+          <p:cNvSpPr/>
+          <p:nvPr/>
+        </p:nvSpPr>
+        <p:spPr>
+          <a:xfrm>
+            <a:off x="4300372" y="1947933"/>
+            <a:ext cx="702093" cy="346364"/>
+          </a:xfrm>
+          <a:prstGeom prst="ellipse">
+            <a:avLst/>
+          </a:prstGeom>
+          <a:solidFill>
+            <a:schemeClr val="tx2"/>
+          </a:solidFill>
+          <a:ln>
+            <a:noFill/>
+          </a:ln>
+        </p:spPr>
+        <p:style>
+          <a:lnRef idx="2">
+            <a:schemeClr val="accent1">
+              <a:shade val="50000"/>
+            </a:schemeClr>
+          </a:lnRef>
+          <a:fillRef idx="1">
+            <a:schemeClr val="accent1"/>
+          </a:fillRef>
+          <a:effectRef idx="0">
+            <a:schemeClr val="accent1"/>
+          </a:effectRef>
+          <a:fontRef idx="minor">
+            <a:schemeClr val="lt1"/>
+          </a:fontRef>
+        </p:style>
+        <p:txBody>
+          <a:bodyPr lIns="0" tIns="0" rIns="0" bIns="0" rtlCol="0" anchor="ctr"/>
+          <a:lstStyle/>
+          <a:p>
+            <a:pPr algn="ctr"/>
+            <a:r>
+              <a:rPr lang="en-US" sz="800" b="1" dirty="0">
+                <a:solidFill>
+                  <a:schemeClr val="bg1"/>
+                </a:solidFill>
+                <a:latin typeface="微软雅黑" panose="020B0503020204020204" pitchFamily="34" charset="-122"/>
+                <a:ea typeface="微软雅黑" panose="020B0503020204020204" pitchFamily="34" charset="-122"/>
+              </a:rPr>
+              <a:t>Shop</a:t>
+            </a:r>
+          </a:p>
+          <a:p>
+            <a:pPr algn="ctr"/>
+            <a:r>
+              <a:rPr lang="en-US" sz="800" b="1" dirty="0">
+                <a:solidFill>
+                  <a:schemeClr val="bg1"/>
+                </a:solidFill>
+                <a:latin typeface="微软雅黑" panose="020B0503020204020204" pitchFamily="34" charset="-122"/>
+                <a:ea typeface="微软雅黑" panose="020B0503020204020204" pitchFamily="34" charset="-122"/>
+              </a:rPr>
+              <a:t>Web</a:t>
+            </a:r>
+          </a:p>
+        </p:txBody>
+      </p:sp>
+      <p:sp>
+        <p:nvSpPr>
+          <p:cNvPr id="143" name="圆柱形 3"/>
+          <p:cNvSpPr/>
+          <p:nvPr/>
+        </p:nvSpPr>
+        <p:spPr>
+          <a:xfrm>
+            <a:off x="5327467" y="4186531"/>
+            <a:ext cx="230260" cy="123326"/>
+          </a:xfrm>
+          <a:prstGeom prst="can">
+            <a:avLst/>
+          </a:prstGeom>
+          <a:solidFill>
+            <a:srgbClr val="3399FF"/>
+          </a:solidFill>
+          <a:ln w="6350">
+            <a:solidFill>
+              <a:schemeClr val="bg1"/>
+            </a:solidFill>
+          </a:ln>
+        </p:spPr>
+        <p:style>
+          <a:lnRef idx="2">
+            <a:schemeClr val="accent1">
+              <a:shade val="50000"/>
+            </a:schemeClr>
+          </a:lnRef>
+          <a:fillRef idx="1">
+            <a:schemeClr val="accent1"/>
+          </a:fillRef>
+          <a:effectRef idx="0">
+            <a:schemeClr val="accent1"/>
+          </a:effectRef>
+          <a:fontRef idx="minor">
+            <a:schemeClr val="lt1"/>
+          </a:fontRef>
+        </p:style>
+        <p:txBody>
+          <a:bodyPr rtlCol="0" anchor="ctr"/>
+          <a:lstStyle/>
+          <a:p>
+            <a:pPr algn="ctr"/>
+            <a:endParaRPr lang="zh-CN" altLang="en-US" sz="900" dirty="0">
+              <a:latin typeface="微软雅黑" panose="020B0503020204020204" pitchFamily="34" charset="-122"/>
+              <a:ea typeface="微软雅黑" panose="020B0503020204020204" pitchFamily="34" charset="-122"/>
+            </a:endParaRPr>
+          </a:p>
+        </p:txBody>
+      </p:sp>
+      <p:sp>
+        <p:nvSpPr>
+          <p:cNvPr id="144" name="圆柱形 4"/>
+          <p:cNvSpPr/>
+          <p:nvPr/>
+        </p:nvSpPr>
+        <p:spPr>
+          <a:xfrm>
+            <a:off x="5656934" y="4186531"/>
+            <a:ext cx="230260" cy="123326"/>
+          </a:xfrm>
+          <a:prstGeom prst="can">
+            <a:avLst/>
+          </a:prstGeom>
+          <a:solidFill>
+            <a:srgbClr val="3399FF"/>
+          </a:solidFill>
+          <a:ln w="6350">
+            <a:solidFill>
+              <a:schemeClr val="bg1"/>
+            </a:solidFill>
+          </a:ln>
+        </p:spPr>
+        <p:style>
+          <a:lnRef idx="2">
+            <a:schemeClr val="accent1">
+              <a:shade val="50000"/>
+            </a:schemeClr>
+          </a:lnRef>
+          <a:fillRef idx="1">
+            <a:schemeClr val="accent1"/>
+          </a:fillRef>
+          <a:effectRef idx="0">
+            <a:schemeClr val="accent1"/>
+          </a:effectRef>
+          <a:fontRef idx="minor">
+            <a:schemeClr val="lt1"/>
+          </a:fontRef>
+        </p:style>
+        <p:txBody>
+          <a:bodyPr rtlCol="0" anchor="ctr"/>
+          <a:lstStyle/>
+          <a:p>
+            <a:pPr algn="ctr"/>
+            <a:endParaRPr lang="zh-CN" altLang="en-US" sz="900" dirty="0">
+              <a:latin typeface="微软雅黑" panose="020B0503020204020204" pitchFamily="34" charset="-122"/>
+              <a:ea typeface="微软雅黑" panose="020B0503020204020204" pitchFamily="34" charset="-122"/>
+            </a:endParaRPr>
+          </a:p>
+        </p:txBody>
+      </p:sp>
+      <p:sp>
+        <p:nvSpPr>
+          <p:cNvPr id="145" name="圆柱形 5"/>
+          <p:cNvSpPr/>
+          <p:nvPr/>
+        </p:nvSpPr>
+        <p:spPr>
+          <a:xfrm>
+            <a:off x="5960357" y="4186531"/>
+            <a:ext cx="230260" cy="123326"/>
+          </a:xfrm>
+          <a:prstGeom prst="can">
+            <a:avLst/>
+          </a:prstGeom>
+          <a:solidFill>
+            <a:srgbClr val="3399FF"/>
+          </a:solidFill>
+          <a:ln w="6350">
+            <a:solidFill>
+              <a:schemeClr val="bg1"/>
+            </a:solidFill>
+          </a:ln>
+        </p:spPr>
+        <p:style>
+          <a:lnRef idx="2">
+            <a:schemeClr val="accent1">
+              <a:shade val="50000"/>
+            </a:schemeClr>
+          </a:lnRef>
+          <a:fillRef idx="1">
+            <a:schemeClr val="accent1"/>
+          </a:fillRef>
+          <a:effectRef idx="0">
+            <a:schemeClr val="accent1"/>
+          </a:effectRef>
+          <a:fontRef idx="minor">
+            <a:schemeClr val="lt1"/>
+          </a:fontRef>
+        </p:style>
+        <p:txBody>
+          <a:bodyPr rtlCol="0" anchor="ctr"/>
+          <a:lstStyle/>
+          <a:p>
+            <a:pPr algn="ctr"/>
+            <a:endParaRPr lang="zh-CN" altLang="en-US" sz="900" dirty="0">
+              <a:latin typeface="微软雅黑" panose="020B0503020204020204" pitchFamily="34" charset="-122"/>
+              <a:ea typeface="微软雅黑" panose="020B0503020204020204" pitchFamily="34" charset="-122"/>
+            </a:endParaRPr>
+          </a:p>
+        </p:txBody>
+      </p:sp>
+      <p:sp>
+        <p:nvSpPr>
+          <p:cNvPr id="146" name="Rectangle: Rounded Corners 145"/>
+          <p:cNvSpPr/>
+          <p:nvPr/>
+        </p:nvSpPr>
+        <p:spPr>
+          <a:xfrm>
+            <a:off x="5263460" y="4055363"/>
+            <a:ext cx="989703" cy="322116"/>
+          </a:xfrm>
+          <a:prstGeom prst="roundRect">
+            <a:avLst>
+              <a:gd name="adj" fmla="val 4065"/>
+            </a:avLst>
+          </a:prstGeom>
+          <a:noFill/>
+          <a:ln w="6350">
+            <a:solidFill>
+              <a:srgbClr val="3399FF"/>
+            </a:solidFill>
+            <a:prstDash val="sysDash"/>
+          </a:ln>
+        </p:spPr>
+        <p:style>
+          <a:lnRef idx="2">
+            <a:schemeClr val="accent1">
+              <a:shade val="50000"/>
+            </a:schemeClr>
+          </a:lnRef>
+          <a:fillRef idx="1">
+            <a:schemeClr val="accent1"/>
+          </a:fillRef>
+          <a:effectRef idx="0">
+            <a:schemeClr val="accent1"/>
+          </a:effectRef>
+          <a:fontRef idx="minor">
+            <a:schemeClr val="lt1"/>
+          </a:fontRef>
+        </p:style>
+        <p:txBody>
+          <a:bodyPr rot="0" spcFirstLastPara="0" vertOverflow="overflow" horzOverflow="overflow" vert="horz" wrap="square" lIns="91440" tIns="45720" rIns="91440" bIns="45720" numCol="1" spcCol="0" rtlCol="0" fromWordArt="0" anchor="ctr" anchorCtr="0" forceAA="0" compatLnSpc="1">
+            <a:prstTxWarp prst="textNoShape">
+              <a:avLst/>
+            </a:prstTxWarp>
+            <a:noAutofit/>
+          </a:bodyPr>
+          <a:lstStyle/>
+          <a:p>
+            <a:pPr algn="ctr"/>
+            <a:endParaRPr lang="en-US"/>
+          </a:p>
+        </p:txBody>
+      </p:sp>
+      <p:sp>
+        <p:nvSpPr>
+          <p:cNvPr id="147" name="TextBox 146"/>
+          <p:cNvSpPr txBox="1"/>
+          <p:nvPr/>
+        </p:nvSpPr>
+        <p:spPr>
+          <a:xfrm>
+            <a:off x="5464922" y="4344354"/>
+            <a:ext cx="643125" cy="215444"/>
+          </a:xfrm>
+          <a:prstGeom prst="rect">
+            <a:avLst/>
+          </a:prstGeom>
+          <a:noFill/>
+        </p:spPr>
+        <p:txBody>
+          <a:bodyPr wrap="none" rtlCol="0">
+            <a:spAutoFit/>
+          </a:bodyPr>
+          <a:lstStyle>
+            <a:defPPr>
+              <a:defRPr lang="zh-CN"/>
+            </a:defPPr>
+            <a:lvl1pPr>
+              <a:defRPr sz="900" b="1">
+                <a:solidFill>
+                  <a:srgbClr val="3399FF"/>
+                </a:solidFill>
+                <a:latin typeface="微软雅黑" panose="020B0503020204020204" pitchFamily="34" charset="-122"/>
+                <a:ea typeface="微软雅黑" panose="020B0503020204020204" pitchFamily="34" charset="-122"/>
+              </a:defRPr>
+            </a:lvl1pPr>
+          </a:lstStyle>
+          <a:p>
+            <a:r>
+              <a:rPr lang="en-US" sz="800" dirty="0"/>
+              <a:t>stock-db</a:t>
+            </a:r>
+          </a:p>
+        </p:txBody>
+      </p:sp>
+      <p:sp>
+        <p:nvSpPr>
+          <p:cNvPr id="149" name="圆柱形 3"/>
+          <p:cNvSpPr/>
+          <p:nvPr/>
+        </p:nvSpPr>
+        <p:spPr>
+          <a:xfrm>
+            <a:off x="6452945" y="4186226"/>
+            <a:ext cx="230260" cy="123326"/>
+          </a:xfrm>
+          <a:prstGeom prst="can">
+            <a:avLst/>
+          </a:prstGeom>
+          <a:solidFill>
+            <a:srgbClr val="3399FF"/>
+          </a:solidFill>
+          <a:ln w="6350">
+            <a:solidFill>
+              <a:schemeClr val="bg1"/>
+            </a:solidFill>
+          </a:ln>
+        </p:spPr>
+        <p:style>
+          <a:lnRef idx="2">
+            <a:schemeClr val="accent1">
+              <a:shade val="50000"/>
+            </a:schemeClr>
+          </a:lnRef>
+          <a:fillRef idx="1">
+            <a:schemeClr val="accent1"/>
+          </a:fillRef>
+          <a:effectRef idx="0">
+            <a:schemeClr val="accent1"/>
+          </a:effectRef>
+          <a:fontRef idx="minor">
+            <a:schemeClr val="lt1"/>
+          </a:fontRef>
+        </p:style>
+        <p:txBody>
+          <a:bodyPr rtlCol="0" anchor="ctr"/>
+          <a:lstStyle/>
+          <a:p>
+            <a:pPr algn="ctr"/>
+            <a:endParaRPr lang="zh-CN" altLang="en-US" sz="900" dirty="0">
+              <a:latin typeface="微软雅黑" panose="020B0503020204020204" pitchFamily="34" charset="-122"/>
+              <a:ea typeface="微软雅黑" panose="020B0503020204020204" pitchFamily="34" charset="-122"/>
+            </a:endParaRPr>
+          </a:p>
+        </p:txBody>
+      </p:sp>
+      <p:sp>
+        <p:nvSpPr>
+          <p:cNvPr id="150" name="圆柱形 4"/>
+          <p:cNvSpPr/>
+          <p:nvPr/>
+        </p:nvSpPr>
+        <p:spPr>
+          <a:xfrm>
+            <a:off x="6782412" y="4186226"/>
+            <a:ext cx="230260" cy="123326"/>
+          </a:xfrm>
+          <a:prstGeom prst="can">
+            <a:avLst/>
+          </a:prstGeom>
+          <a:solidFill>
+            <a:srgbClr val="3399FF"/>
+          </a:solidFill>
+          <a:ln w="6350">
+            <a:solidFill>
+              <a:schemeClr val="bg1"/>
+            </a:solidFill>
+          </a:ln>
+        </p:spPr>
+        <p:style>
+          <a:lnRef idx="2">
+            <a:schemeClr val="accent1">
+              <a:shade val="50000"/>
+            </a:schemeClr>
+          </a:lnRef>
+          <a:fillRef idx="1">
+            <a:schemeClr val="accent1"/>
+          </a:fillRef>
+          <a:effectRef idx="0">
+            <a:schemeClr val="accent1"/>
+          </a:effectRef>
+          <a:fontRef idx="minor">
+            <a:schemeClr val="lt1"/>
+          </a:fontRef>
+        </p:style>
+        <p:txBody>
+          <a:bodyPr rtlCol="0" anchor="ctr"/>
+          <a:lstStyle/>
+          <a:p>
+            <a:pPr algn="ctr"/>
+            <a:endParaRPr lang="zh-CN" altLang="en-US" sz="900" dirty="0">
+              <a:latin typeface="微软雅黑" panose="020B0503020204020204" pitchFamily="34" charset="-122"/>
+              <a:ea typeface="微软雅黑" panose="020B0503020204020204" pitchFamily="34" charset="-122"/>
+            </a:endParaRPr>
+          </a:p>
+        </p:txBody>
+      </p:sp>
+      <p:sp>
+        <p:nvSpPr>
+          <p:cNvPr id="151" name="圆柱形 5"/>
+          <p:cNvSpPr/>
+          <p:nvPr/>
+        </p:nvSpPr>
+        <p:spPr>
+          <a:xfrm>
+            <a:off x="7085835" y="4186226"/>
+            <a:ext cx="230260" cy="123326"/>
+          </a:xfrm>
+          <a:prstGeom prst="can">
+            <a:avLst/>
+          </a:prstGeom>
+          <a:solidFill>
+            <a:srgbClr val="3399FF"/>
+          </a:solidFill>
+          <a:ln w="6350">
+            <a:solidFill>
+              <a:schemeClr val="bg1"/>
+            </a:solidFill>
+          </a:ln>
+        </p:spPr>
+        <p:style>
+          <a:lnRef idx="2">
+            <a:schemeClr val="accent1">
+              <a:shade val="50000"/>
+            </a:schemeClr>
+          </a:lnRef>
+          <a:fillRef idx="1">
+            <a:schemeClr val="accent1"/>
+          </a:fillRef>
+          <a:effectRef idx="0">
+            <a:schemeClr val="accent1"/>
+          </a:effectRef>
+          <a:fontRef idx="minor">
+            <a:schemeClr val="lt1"/>
+          </a:fontRef>
+        </p:style>
+        <p:txBody>
+          <a:bodyPr rtlCol="0" anchor="ctr"/>
+          <a:lstStyle/>
+          <a:p>
+            <a:pPr algn="ctr"/>
+            <a:endParaRPr lang="zh-CN" altLang="en-US" sz="900" dirty="0">
+              <a:latin typeface="微软雅黑" panose="020B0503020204020204" pitchFamily="34" charset="-122"/>
+              <a:ea typeface="微软雅黑" panose="020B0503020204020204" pitchFamily="34" charset="-122"/>
+            </a:endParaRPr>
+          </a:p>
+        </p:txBody>
+      </p:sp>
+      <p:sp>
+        <p:nvSpPr>
+          <p:cNvPr id="152" name="Rectangle: Rounded Corners 151"/>
+          <p:cNvSpPr/>
+          <p:nvPr/>
+        </p:nvSpPr>
+        <p:spPr>
+          <a:xfrm>
+            <a:off x="6388938" y="4055058"/>
+            <a:ext cx="989703" cy="322116"/>
+          </a:xfrm>
+          <a:prstGeom prst="roundRect">
+            <a:avLst>
+              <a:gd name="adj" fmla="val 4065"/>
+            </a:avLst>
+          </a:prstGeom>
+          <a:noFill/>
+          <a:ln w="6350">
+            <a:solidFill>
+              <a:srgbClr val="3399FF"/>
+            </a:solidFill>
+            <a:prstDash val="sysDash"/>
+          </a:ln>
+        </p:spPr>
+        <p:style>
+          <a:lnRef idx="2">
+            <a:schemeClr val="accent1">
+              <a:shade val="50000"/>
+            </a:schemeClr>
+          </a:lnRef>
+          <a:fillRef idx="1">
+            <a:schemeClr val="accent1"/>
+          </a:fillRef>
+          <a:effectRef idx="0">
+            <a:schemeClr val="accent1"/>
+          </a:effectRef>
+          <a:fontRef idx="minor">
+            <a:schemeClr val="lt1"/>
+          </a:fontRef>
+        </p:style>
+        <p:txBody>
+          <a:bodyPr rot="0" spcFirstLastPara="0" vertOverflow="overflow" horzOverflow="overflow" vert="horz" wrap="square" lIns="91440" tIns="45720" rIns="91440" bIns="45720" numCol="1" spcCol="0" rtlCol="0" fromWordArt="0" anchor="ctr" anchorCtr="0" forceAA="0" compatLnSpc="1">
+            <a:prstTxWarp prst="textNoShape">
+              <a:avLst/>
+            </a:prstTxWarp>
+            <a:noAutofit/>
+          </a:bodyPr>
+          <a:lstStyle/>
+          <a:p>
+            <a:pPr algn="ctr"/>
+            <a:endParaRPr lang="en-US"/>
+          </a:p>
+        </p:txBody>
+      </p:sp>
+      <p:sp>
+        <p:nvSpPr>
+          <p:cNvPr id="153" name="TextBox 152"/>
+          <p:cNvSpPr txBox="1"/>
+          <p:nvPr/>
+        </p:nvSpPr>
+        <p:spPr>
+          <a:xfrm>
+            <a:off x="6613681" y="4345029"/>
+            <a:ext cx="587020" cy="215444"/>
+          </a:xfrm>
+          <a:prstGeom prst="rect">
+            <a:avLst/>
+          </a:prstGeom>
+          <a:noFill/>
+        </p:spPr>
+        <p:txBody>
+          <a:bodyPr wrap="none" rtlCol="0">
+            <a:spAutoFit/>
+          </a:bodyPr>
+          <a:lstStyle>
+            <a:defPPr>
+              <a:defRPr lang="zh-CN"/>
+            </a:defPPr>
+            <a:lvl1pPr>
+              <a:defRPr sz="900" b="1">
+                <a:solidFill>
+                  <a:srgbClr val="3399FF"/>
+                </a:solidFill>
+                <a:latin typeface="微软雅黑" panose="020B0503020204020204" pitchFamily="34" charset="-122"/>
+                <a:ea typeface="微软雅黑" panose="020B0503020204020204" pitchFamily="34" charset="-122"/>
+              </a:defRPr>
+            </a:lvl1pPr>
+          </a:lstStyle>
+          <a:p>
+            <a:r>
+              <a:rPr lang="en-US" sz="800" dirty="0"/>
+              <a:t>user-db</a:t>
+            </a:r>
+          </a:p>
+        </p:txBody>
+      </p:sp>
+      <p:cxnSp>
+        <p:nvCxnSpPr>
+          <p:cNvPr id="154" name="肘形连接符 89"/>
+          <p:cNvCxnSpPr>
+            <a:cxnSpLocks/>
+            <a:stCxn id="2" idx="2"/>
+            <a:endCxn id="4" idx="1"/>
+          </p:cNvCxnSpPr>
+          <p:nvPr/>
+        </p:nvCxnSpPr>
+        <p:spPr>
+          <a:xfrm rot="5400000">
+            <a:off x="4304785" y="3848444"/>
+            <a:ext cx="359040" cy="329468"/>
+          </a:xfrm>
+          <a:prstGeom prst="bentConnector3">
+            <a:avLst>
+              <a:gd name="adj1" fmla="val 37620"/>
+            </a:avLst>
+          </a:prstGeom>
+          <a:ln w="6350">
+            <a:solidFill>
+              <a:srgbClr val="3399FF"/>
+            </a:solidFill>
+            <a:prstDash val="dash"/>
+            <a:tailEnd type="arrow"/>
+          </a:ln>
+        </p:spPr>
+        <p:style>
+          <a:lnRef idx="1">
+            <a:schemeClr val="accent1"/>
+          </a:lnRef>
+          <a:fillRef idx="0">
+            <a:schemeClr val="accent1"/>
+          </a:fillRef>
+          <a:effectRef idx="0">
+            <a:schemeClr val="accent1"/>
+          </a:effectRef>
+          <a:fontRef idx="minor">
+            <a:schemeClr val="tx1"/>
+          </a:fontRef>
+        </p:style>
+      </p:cxnSp>
+      <p:sp>
+        <p:nvSpPr>
+          <p:cNvPr id="156" name="Rectangle: Rounded Corners 155"/>
+          <p:cNvSpPr/>
+          <p:nvPr/>
+        </p:nvSpPr>
+        <p:spPr>
+          <a:xfrm>
+            <a:off x="5453756" y="3623872"/>
+            <a:ext cx="634725" cy="205409"/>
+          </a:xfrm>
+          <a:prstGeom prst="roundRect">
+            <a:avLst/>
+          </a:prstGeom>
+          <a:solidFill>
+            <a:schemeClr val="accent4">
+              <a:alpha val="50000"/>
+            </a:schemeClr>
+          </a:solidFill>
+          <a:ln>
+            <a:noFill/>
+          </a:ln>
+        </p:spPr>
+        <p:style>
+          <a:lnRef idx="2">
+            <a:schemeClr val="accent1">
+              <a:shade val="50000"/>
+            </a:schemeClr>
+          </a:lnRef>
+          <a:fillRef idx="1">
+            <a:schemeClr val="accent1"/>
+          </a:fillRef>
+          <a:effectRef idx="0">
+            <a:schemeClr val="accent1"/>
+          </a:effectRef>
+          <a:fontRef idx="minor">
+            <a:schemeClr val="lt1"/>
+          </a:fontRef>
+        </p:style>
+        <p:txBody>
+          <a:bodyPr lIns="0" tIns="0" rIns="0" bIns="0" rtlCol="0" anchor="ctr"/>
+          <a:lstStyle/>
+          <a:p>
+            <a:pPr algn="ctr"/>
+            <a:r>
+              <a:rPr lang="en-US" sz="800" b="1" dirty="0">
+                <a:solidFill>
+                  <a:schemeClr val="tx1"/>
+                </a:solidFill>
+                <a:latin typeface="微软雅黑" panose="020B0503020204020204" pitchFamily="34" charset="-122"/>
+                <a:ea typeface="微软雅黑" panose="020B0503020204020204" pitchFamily="34" charset="-122"/>
+              </a:rPr>
+              <a:t>Mycat</a:t>
+            </a:r>
+          </a:p>
+        </p:txBody>
+      </p:sp>
+      <p:cxnSp>
+        <p:nvCxnSpPr>
+          <p:cNvPr id="159" name="肘形连接符 89"/>
+          <p:cNvCxnSpPr>
+            <a:cxnSpLocks/>
+            <a:stCxn id="156" idx="2"/>
+            <a:endCxn id="143" idx="1"/>
+          </p:cNvCxnSpPr>
+          <p:nvPr/>
+        </p:nvCxnSpPr>
+        <p:spPr>
+          <a:xfrm rot="5400000">
+            <a:off x="5428233" y="3843645"/>
+            <a:ext cx="357250" cy="328522"/>
+          </a:xfrm>
+          <a:prstGeom prst="bentConnector3">
+            <a:avLst>
+              <a:gd name="adj1" fmla="val 41113"/>
+            </a:avLst>
+          </a:prstGeom>
+          <a:ln w="6350">
+            <a:solidFill>
+              <a:srgbClr val="3399FF"/>
+            </a:solidFill>
+            <a:prstDash val="dash"/>
+            <a:tailEnd type="arrow"/>
+          </a:ln>
+        </p:spPr>
+        <p:style>
+          <a:lnRef idx="1">
+            <a:schemeClr val="accent1"/>
+          </a:lnRef>
+          <a:fillRef idx="0">
+            <a:schemeClr val="accent1"/>
+          </a:fillRef>
+          <a:effectRef idx="0">
+            <a:schemeClr val="accent1"/>
+          </a:effectRef>
+          <a:fontRef idx="minor">
+            <a:schemeClr val="tx1"/>
+          </a:fontRef>
+        </p:style>
+      </p:cxnSp>
+      <p:cxnSp>
+        <p:nvCxnSpPr>
+          <p:cNvPr id="160" name="肘形连接符 89"/>
+          <p:cNvCxnSpPr>
+            <a:cxnSpLocks/>
+            <a:stCxn id="156" idx="2"/>
+            <a:endCxn id="144" idx="1"/>
+          </p:cNvCxnSpPr>
+          <p:nvPr/>
+        </p:nvCxnSpPr>
+        <p:spPr>
+          <a:xfrm rot="16200000" flipH="1">
+            <a:off x="5592966" y="4007433"/>
+            <a:ext cx="357250" cy="945"/>
+          </a:xfrm>
+          <a:prstGeom prst="bentConnector3">
+            <a:avLst>
+              <a:gd name="adj1" fmla="val 50000"/>
+            </a:avLst>
+          </a:prstGeom>
+          <a:ln w="6350">
+            <a:solidFill>
+              <a:srgbClr val="3399FF"/>
+            </a:solidFill>
+            <a:prstDash val="dash"/>
+            <a:tailEnd type="arrow"/>
+          </a:ln>
+        </p:spPr>
+        <p:style>
+          <a:lnRef idx="1">
+            <a:schemeClr val="accent1"/>
+          </a:lnRef>
+          <a:fillRef idx="0">
+            <a:schemeClr val="accent1"/>
+          </a:fillRef>
+          <a:effectRef idx="0">
+            <a:schemeClr val="accent1"/>
+          </a:effectRef>
+          <a:fontRef idx="minor">
+            <a:schemeClr val="tx1"/>
+          </a:fontRef>
+        </p:style>
+      </p:cxnSp>
+      <p:sp>
+        <p:nvSpPr>
+          <p:cNvPr id="162" name="Rectangle: Rounded Corners 161"/>
+          <p:cNvSpPr/>
+          <p:nvPr/>
+        </p:nvSpPr>
+        <p:spPr>
+          <a:xfrm>
+            <a:off x="6541953" y="3631433"/>
+            <a:ext cx="634725" cy="205409"/>
+          </a:xfrm>
+          <a:prstGeom prst="roundRect">
+            <a:avLst/>
+          </a:prstGeom>
+          <a:solidFill>
+            <a:schemeClr val="accent4">
+              <a:alpha val="50000"/>
+            </a:schemeClr>
+          </a:solidFill>
+          <a:ln>
+            <a:noFill/>
+          </a:ln>
+        </p:spPr>
+        <p:style>
+          <a:lnRef idx="2">
+            <a:schemeClr val="accent1">
+              <a:shade val="50000"/>
+            </a:schemeClr>
+          </a:lnRef>
+          <a:fillRef idx="1">
+            <a:schemeClr val="accent1"/>
+          </a:fillRef>
+          <a:effectRef idx="0">
+            <a:schemeClr val="accent1"/>
+          </a:effectRef>
+          <a:fontRef idx="minor">
+            <a:schemeClr val="lt1"/>
+          </a:fontRef>
+        </p:style>
+        <p:txBody>
+          <a:bodyPr lIns="0" tIns="0" rIns="0" bIns="0" rtlCol="0" anchor="ctr"/>
+          <a:lstStyle/>
+          <a:p>
+            <a:pPr algn="ctr"/>
+            <a:r>
+              <a:rPr lang="en-US" sz="800" b="1" dirty="0">
+                <a:solidFill>
+                  <a:schemeClr val="tx1"/>
+                </a:solidFill>
+                <a:latin typeface="微软雅黑" panose="020B0503020204020204" pitchFamily="34" charset="-122"/>
+                <a:ea typeface="微软雅黑" panose="020B0503020204020204" pitchFamily="34" charset="-122"/>
+              </a:rPr>
+              <a:t>Mycat</a:t>
+            </a:r>
+          </a:p>
+        </p:txBody>
+      </p:sp>
+      <p:cxnSp>
+        <p:nvCxnSpPr>
+          <p:cNvPr id="165" name="肘形连接符 89"/>
+          <p:cNvCxnSpPr>
+            <a:cxnSpLocks/>
+            <a:stCxn id="162" idx="2"/>
+            <a:endCxn id="151" idx="1"/>
+          </p:cNvCxnSpPr>
+          <p:nvPr/>
+        </p:nvCxnSpPr>
+        <p:spPr>
+          <a:xfrm rot="16200000" flipH="1">
+            <a:off x="6855448" y="3840709"/>
+            <a:ext cx="349384" cy="341649"/>
+          </a:xfrm>
+          <a:prstGeom prst="bentConnector3">
+            <a:avLst>
+              <a:gd name="adj1" fmla="val 39095"/>
+            </a:avLst>
+          </a:prstGeom>
+          <a:ln w="6350">
+            <a:solidFill>
+              <a:srgbClr val="3399FF"/>
+            </a:solidFill>
+            <a:prstDash val="dash"/>
+            <a:tailEnd type="arrow"/>
+          </a:ln>
+        </p:spPr>
+        <p:style>
+          <a:lnRef idx="1">
+            <a:schemeClr val="accent1"/>
+          </a:lnRef>
+          <a:fillRef idx="0">
+            <a:schemeClr val="accent1"/>
+          </a:fillRef>
+          <a:effectRef idx="0">
+            <a:schemeClr val="accent1"/>
+          </a:effectRef>
+          <a:fontRef idx="minor">
+            <a:schemeClr val="tx1"/>
+          </a:fontRef>
+        </p:style>
+      </p:cxnSp>
+      <p:sp>
+        <p:nvSpPr>
+          <p:cNvPr id="166" name="Oval 165"/>
+          <p:cNvSpPr/>
+          <p:nvPr/>
+        </p:nvSpPr>
+        <p:spPr>
+          <a:xfrm>
+            <a:off x="6539483" y="3086911"/>
+            <a:ext cx="638266" cy="314876"/>
+          </a:xfrm>
+          <a:prstGeom prst="ellipse">
+            <a:avLst/>
+          </a:prstGeom>
+          <a:solidFill>
+            <a:schemeClr val="accent6"/>
+          </a:solidFill>
+          <a:ln>
+            <a:noFill/>
+          </a:ln>
+        </p:spPr>
+        <p:style>
+          <a:lnRef idx="2">
+            <a:schemeClr val="accent1">
+              <a:shade val="50000"/>
+            </a:schemeClr>
+          </a:lnRef>
+          <a:fillRef idx="1">
+            <a:schemeClr val="accent1"/>
+          </a:fillRef>
+          <a:effectRef idx="0">
+            <a:schemeClr val="accent1"/>
+          </a:effectRef>
+          <a:fontRef idx="minor">
+            <a:schemeClr val="lt1"/>
+          </a:fontRef>
+        </p:style>
+        <p:txBody>
+          <a:bodyPr lIns="0" tIns="0" rIns="0" bIns="0" rtlCol="0" anchor="ctr"/>
+          <a:lstStyle/>
+          <a:p>
+            <a:pPr algn="ctr"/>
+            <a:r>
+              <a:rPr lang="en-US" sz="800" b="1" dirty="0">
+                <a:latin typeface="微软雅黑" panose="020B0503020204020204" pitchFamily="34" charset="-122"/>
+                <a:ea typeface="微软雅黑" panose="020B0503020204020204" pitchFamily="34" charset="-122"/>
+              </a:rPr>
+              <a:t>User</a:t>
+            </a:r>
+          </a:p>
+          <a:p>
+            <a:pPr algn="ctr"/>
+            <a:r>
+              <a:rPr lang="en-US" sz="800" b="1" dirty="0">
+                <a:latin typeface="微软雅黑" panose="020B0503020204020204" pitchFamily="34" charset="-122"/>
+                <a:ea typeface="微软雅黑" panose="020B0503020204020204" pitchFamily="34" charset="-122"/>
+              </a:rPr>
+              <a:t>Service</a:t>
+            </a:r>
+          </a:p>
+        </p:txBody>
+      </p:sp>
+      <p:cxnSp>
+        <p:nvCxnSpPr>
+          <p:cNvPr id="167" name="肘形连接符 100"/>
+          <p:cNvCxnSpPr>
+            <a:cxnSpLocks/>
+            <a:stCxn id="166" idx="4"/>
+            <a:endCxn id="162" idx="0"/>
+          </p:cNvCxnSpPr>
+          <p:nvPr/>
+        </p:nvCxnSpPr>
+        <p:spPr>
+          <a:xfrm>
+            <a:off x="6858616" y="3401787"/>
+            <a:ext cx="700" cy="229646"/>
+          </a:xfrm>
+          <a:prstGeom prst="straightConnector1">
+            <a:avLst/>
+          </a:prstGeom>
+          <a:ln w="6350">
+            <a:solidFill>
+              <a:schemeClr val="accent6">
+                <a:lumMod val="75000"/>
+              </a:schemeClr>
+            </a:solidFill>
+            <a:prstDash val="dash"/>
+            <a:tailEnd type="arrow"/>
+          </a:ln>
+        </p:spPr>
+        <p:style>
+          <a:lnRef idx="1">
+            <a:schemeClr val="accent1"/>
+          </a:lnRef>
+          <a:fillRef idx="0">
+            <a:schemeClr val="accent1"/>
+          </a:fillRef>
+          <a:effectRef idx="0">
+            <a:schemeClr val="accent1"/>
+          </a:effectRef>
+          <a:fontRef idx="minor">
+            <a:schemeClr val="tx1"/>
+          </a:fontRef>
+        </p:style>
+      </p:cxnSp>
+      <p:cxnSp>
+        <p:nvCxnSpPr>
+          <p:cNvPr id="168" name="肘形连接符 100"/>
+          <p:cNvCxnSpPr>
+            <a:cxnSpLocks/>
+            <a:stCxn id="64" idx="4"/>
+            <a:endCxn id="156" idx="0"/>
+          </p:cNvCxnSpPr>
+          <p:nvPr/>
+        </p:nvCxnSpPr>
+        <p:spPr>
+          <a:xfrm>
+            <a:off x="5770731" y="3401787"/>
+            <a:ext cx="388" cy="222085"/>
+          </a:xfrm>
+          <a:prstGeom prst="straightConnector1">
+            <a:avLst/>
+          </a:prstGeom>
+          <a:ln w="6350">
+            <a:solidFill>
+              <a:schemeClr val="accent6">
+                <a:lumMod val="75000"/>
+              </a:schemeClr>
+            </a:solidFill>
+            <a:prstDash val="dash"/>
+            <a:tailEnd type="arrow"/>
+          </a:ln>
+        </p:spPr>
+        <p:style>
+          <a:lnRef idx="1">
+            <a:schemeClr val="accent1"/>
+          </a:lnRef>
+          <a:fillRef idx="0">
+            <a:schemeClr val="accent1"/>
+          </a:fillRef>
+          <a:effectRef idx="0">
+            <a:schemeClr val="accent1"/>
+          </a:effectRef>
+          <a:fontRef idx="minor">
+            <a:schemeClr val="tx1"/>
+          </a:fontRef>
+        </p:style>
+      </p:cxnSp>
+      <p:sp>
+        <p:nvSpPr>
+          <p:cNvPr id="169" name="Oval 168"/>
+          <p:cNvSpPr/>
+          <p:nvPr/>
+        </p:nvSpPr>
+        <p:spPr>
+          <a:xfrm>
+            <a:off x="4333334" y="2710474"/>
+            <a:ext cx="638266" cy="314876"/>
+          </a:xfrm>
+          <a:prstGeom prst="ellipse">
+            <a:avLst/>
+          </a:prstGeom>
+          <a:solidFill>
+            <a:schemeClr val="accent6"/>
+          </a:solidFill>
+          <a:ln>
+            <a:noFill/>
+          </a:ln>
+        </p:spPr>
+        <p:style>
+          <a:lnRef idx="2">
+            <a:schemeClr val="accent1">
+              <a:shade val="50000"/>
+            </a:schemeClr>
+          </a:lnRef>
+          <a:fillRef idx="1">
+            <a:schemeClr val="accent1"/>
+          </a:fillRef>
+          <a:effectRef idx="0">
+            <a:schemeClr val="accent1"/>
+          </a:effectRef>
+          <a:fontRef idx="minor">
+            <a:schemeClr val="lt1"/>
+          </a:fontRef>
+        </p:style>
+        <p:txBody>
+          <a:bodyPr lIns="0" tIns="0" rIns="0" bIns="0" rtlCol="0" anchor="ctr"/>
+          <a:lstStyle/>
+          <a:p>
+            <a:pPr algn="ctr"/>
+            <a:r>
+              <a:rPr lang="en-US" sz="800" b="1" dirty="0">
+                <a:latin typeface="微软雅黑" panose="020B0503020204020204" pitchFamily="34" charset="-122"/>
+                <a:ea typeface="微软雅黑" panose="020B0503020204020204" pitchFamily="34" charset="-122"/>
+              </a:rPr>
+              <a:t>Stock</a:t>
+            </a:r>
+          </a:p>
+          <a:p>
+            <a:pPr algn="ctr"/>
+            <a:r>
+              <a:rPr lang="en-US" sz="800" b="1" dirty="0">
+                <a:latin typeface="微软雅黑" panose="020B0503020204020204" pitchFamily="34" charset="-122"/>
+                <a:ea typeface="微软雅黑" panose="020B0503020204020204" pitchFamily="34" charset="-122"/>
+              </a:rPr>
+              <a:t>Service</a:t>
+            </a:r>
+          </a:p>
+        </p:txBody>
+      </p:sp>
+      <p:cxnSp>
+        <p:nvCxnSpPr>
+          <p:cNvPr id="170" name="肘形连接符 100"/>
+          <p:cNvCxnSpPr>
+            <a:cxnSpLocks/>
+            <a:stCxn id="169" idx="4"/>
+            <a:endCxn id="2" idx="0"/>
+          </p:cNvCxnSpPr>
+          <p:nvPr/>
+        </p:nvCxnSpPr>
+        <p:spPr>
+          <a:xfrm flipH="1">
+            <a:off x="4649039" y="3025350"/>
+            <a:ext cx="3428" cy="602899"/>
+          </a:xfrm>
+          <a:prstGeom prst="straightConnector1">
+            <a:avLst/>
+          </a:prstGeom>
+          <a:ln w="6350">
+            <a:solidFill>
+              <a:schemeClr val="accent6">
+                <a:lumMod val="75000"/>
+              </a:schemeClr>
+            </a:solidFill>
+            <a:prstDash val="dash"/>
+            <a:tailEnd type="arrow"/>
+          </a:ln>
+        </p:spPr>
+        <p:style>
+          <a:lnRef idx="1">
+            <a:schemeClr val="accent1"/>
+          </a:lnRef>
+          <a:fillRef idx="0">
+            <a:schemeClr val="accent1"/>
+          </a:fillRef>
+          <a:effectRef idx="0">
+            <a:schemeClr val="accent1"/>
+          </a:effectRef>
+          <a:fontRef idx="minor">
+            <a:schemeClr val="tx1"/>
+          </a:fontRef>
+        </p:style>
+      </p:cxnSp>
+      <p:cxnSp>
+        <p:nvCxnSpPr>
+          <p:cNvPr id="171" name="肘形连接符 100"/>
+          <p:cNvCxnSpPr>
+            <a:cxnSpLocks/>
+            <a:stCxn id="169" idx="6"/>
+            <a:endCxn id="64" idx="0"/>
+          </p:cNvCxnSpPr>
+          <p:nvPr/>
+        </p:nvCxnSpPr>
+        <p:spPr>
+          <a:xfrm>
+            <a:off x="4971600" y="2867912"/>
+            <a:ext cx="799131" cy="218999"/>
+          </a:xfrm>
+          <a:prstGeom prst="bentConnector2">
+            <a:avLst/>
+          </a:prstGeom>
+          <a:ln w="6350">
+            <a:solidFill>
+              <a:schemeClr val="accent6">
+                <a:lumMod val="75000"/>
+              </a:schemeClr>
+            </a:solidFill>
+            <a:prstDash val="dash"/>
+            <a:tailEnd type="arrow"/>
+          </a:ln>
+        </p:spPr>
+        <p:style>
+          <a:lnRef idx="1">
+            <a:schemeClr val="accent1"/>
+          </a:lnRef>
+          <a:fillRef idx="0">
+            <a:schemeClr val="accent1"/>
+          </a:fillRef>
+          <a:effectRef idx="0">
+            <a:schemeClr val="accent1"/>
+          </a:effectRef>
+          <a:fontRef idx="minor">
+            <a:schemeClr val="tx1"/>
+          </a:fontRef>
+        </p:style>
+      </p:cxnSp>
+      <p:cxnSp>
+        <p:nvCxnSpPr>
+          <p:cNvPr id="172" name="肘形连接符 100"/>
+          <p:cNvCxnSpPr>
+            <a:cxnSpLocks/>
+            <a:stCxn id="169" idx="6"/>
+            <a:endCxn id="166" idx="0"/>
+          </p:cNvCxnSpPr>
+          <p:nvPr/>
+        </p:nvCxnSpPr>
+        <p:spPr>
+          <a:xfrm>
+            <a:off x="4971600" y="2867912"/>
+            <a:ext cx="1887016" cy="218999"/>
+          </a:xfrm>
+          <a:prstGeom prst="bentConnector2">
+            <a:avLst/>
+          </a:prstGeom>
+          <a:ln w="6350">
+            <a:solidFill>
+              <a:schemeClr val="accent6">
+                <a:lumMod val="75000"/>
+              </a:schemeClr>
+            </a:solidFill>
+            <a:prstDash val="dash"/>
+            <a:tailEnd type="arrow"/>
+          </a:ln>
+        </p:spPr>
+        <p:style>
+          <a:lnRef idx="1">
+            <a:schemeClr val="accent1"/>
+          </a:lnRef>
+          <a:fillRef idx="0">
+            <a:schemeClr val="accent1"/>
+          </a:fillRef>
+          <a:effectRef idx="0">
+            <a:schemeClr val="accent1"/>
+          </a:effectRef>
+          <a:fontRef idx="minor">
+            <a:schemeClr val="tx1"/>
+          </a:fontRef>
+        </p:style>
+      </p:cxnSp>
+      <p:sp>
+        <p:nvSpPr>
+          <p:cNvPr id="173" name="Rectangle: Rounded Corners 172"/>
+          <p:cNvSpPr/>
+          <p:nvPr/>
+        </p:nvSpPr>
+        <p:spPr>
+          <a:xfrm>
+            <a:off x="4085886" y="2510614"/>
+            <a:ext cx="3367032" cy="981406"/>
+          </a:xfrm>
+          <a:prstGeom prst="roundRect">
+            <a:avLst>
+              <a:gd name="adj" fmla="val 5465"/>
+            </a:avLst>
+          </a:prstGeom>
+          <a:noFill/>
+          <a:ln w="6350">
+            <a:solidFill>
+              <a:schemeClr val="accent6"/>
+            </a:solidFill>
+            <a:prstDash val="sysDash"/>
+          </a:ln>
+        </p:spPr>
+        <p:style>
+          <a:lnRef idx="2">
+            <a:schemeClr val="accent1">
+              <a:shade val="50000"/>
+            </a:schemeClr>
+          </a:lnRef>
+          <a:fillRef idx="1">
+            <a:schemeClr val="accent1"/>
+          </a:fillRef>
+          <a:effectRef idx="0">
+            <a:schemeClr val="accent1"/>
+          </a:effectRef>
+          <a:fontRef idx="minor">
+            <a:schemeClr val="lt1"/>
+          </a:fontRef>
+        </p:style>
+        <p:txBody>
+          <a:bodyPr rtlCol="0" anchor="ctr"/>
+          <a:lstStyle/>
+          <a:p>
+            <a:pPr algn="ctr"/>
+            <a:endParaRPr lang="en-US"/>
+          </a:p>
+        </p:txBody>
+      </p:sp>
+      <p:cxnSp>
+        <p:nvCxnSpPr>
+          <p:cNvPr id="174" name="肘形连接符 100"/>
+          <p:cNvCxnSpPr>
+            <a:cxnSpLocks/>
+            <a:stCxn id="102" idx="4"/>
+            <a:endCxn id="169" idx="0"/>
+          </p:cNvCxnSpPr>
+          <p:nvPr/>
+        </p:nvCxnSpPr>
+        <p:spPr>
+          <a:xfrm rot="16200000" flipH="1">
+            <a:off x="4443855" y="2501861"/>
+            <a:ext cx="416177" cy="1048"/>
+          </a:xfrm>
+          <a:prstGeom prst="bentConnector3">
+            <a:avLst>
+              <a:gd name="adj1" fmla="val 50000"/>
+            </a:avLst>
+          </a:prstGeom>
+          <a:ln w="6350">
+            <a:solidFill>
+              <a:schemeClr val="tx2"/>
+            </a:solidFill>
+            <a:prstDash val="dash"/>
+            <a:tailEnd type="arrow"/>
+          </a:ln>
+        </p:spPr>
+        <p:style>
+          <a:lnRef idx="1">
+            <a:schemeClr val="accent1"/>
+          </a:lnRef>
+          <a:fillRef idx="0">
+            <a:schemeClr val="accent1"/>
+          </a:fillRef>
+          <a:effectRef idx="0">
+            <a:schemeClr val="accent1"/>
+          </a:effectRef>
+          <a:fontRef idx="minor">
+            <a:schemeClr val="tx1"/>
+          </a:fontRef>
+        </p:style>
+      </p:cxnSp>
+      <p:cxnSp>
+        <p:nvCxnSpPr>
+          <p:cNvPr id="175" name="肘形连接符 89"/>
+          <p:cNvCxnSpPr>
+            <a:cxnSpLocks/>
+            <a:stCxn id="53" idx="4"/>
+            <a:endCxn id="176" idx="0"/>
+          </p:cNvCxnSpPr>
+          <p:nvPr/>
+        </p:nvCxnSpPr>
+        <p:spPr>
+          <a:xfrm rot="5400000">
+            <a:off x="5648273" y="4746186"/>
+            <a:ext cx="223564" cy="388"/>
+          </a:xfrm>
+          <a:prstGeom prst="bentConnector3">
+            <a:avLst>
+              <a:gd name="adj1" fmla="val 50000"/>
+            </a:avLst>
+          </a:prstGeom>
+          <a:ln w="3175">
+            <a:solidFill>
+              <a:srgbClr val="FF0000">
+                <a:alpha val="60000"/>
+              </a:srgbClr>
+            </a:solidFill>
+            <a:prstDash val="solid"/>
+            <a:tailEnd type="arrow"/>
+          </a:ln>
+        </p:spPr>
+        <p:style>
+          <a:lnRef idx="1">
+            <a:schemeClr val="accent1"/>
+          </a:lnRef>
+          <a:fillRef idx="0">
+            <a:schemeClr val="accent1"/>
+          </a:fillRef>
+          <a:effectRef idx="0">
+            <a:schemeClr val="accent1"/>
+          </a:effectRef>
+          <a:fontRef idx="minor">
+            <a:schemeClr val="tx1"/>
+          </a:fontRef>
+        </p:style>
+      </p:cxnSp>
+      <p:sp>
+        <p:nvSpPr>
+          <p:cNvPr id="176" name="TextBox 175"/>
+          <p:cNvSpPr txBox="1"/>
+          <p:nvPr/>
+        </p:nvSpPr>
+        <p:spPr>
+          <a:xfrm>
+            <a:off x="5387804" y="4858162"/>
+            <a:ext cx="744114" cy="230832"/>
+          </a:xfrm>
+          <a:prstGeom prst="rect">
+            <a:avLst/>
+          </a:prstGeom>
+          <a:noFill/>
+        </p:spPr>
+        <p:txBody>
+          <a:bodyPr wrap="none" rtlCol="0">
+            <a:spAutoFit/>
+          </a:bodyPr>
+          <a:lstStyle/>
+          <a:p>
+            <a:r>
+              <a:rPr lang="en-US" altLang="zh-CN" sz="900" b="1" dirty="0">
+                <a:solidFill>
+                  <a:srgbClr val="FF4B4B"/>
+                </a:solidFill>
+                <a:latin typeface="微软雅黑" panose="020B0503020204020204" pitchFamily="34" charset="-122"/>
+                <a:ea typeface="微软雅黑" panose="020B0503020204020204" pitchFamily="34" charset="-122"/>
+              </a:rPr>
+              <a:t>Mycat XA</a:t>
+            </a:r>
+            <a:endParaRPr lang="en-US" sz="900" b="1" dirty="0">
+              <a:solidFill>
+                <a:srgbClr val="FF4B4B"/>
+              </a:solidFill>
+              <a:latin typeface="微软雅黑" panose="020B0503020204020204" pitchFamily="34" charset="-122"/>
+              <a:ea typeface="微软雅黑" panose="020B0503020204020204" pitchFamily="34" charset="-122"/>
+            </a:endParaRPr>
+          </a:p>
+        </p:txBody>
+      </p:sp>
+      <p:cxnSp>
+        <p:nvCxnSpPr>
+          <p:cNvPr id="179" name="肘形连接符 89"/>
+          <p:cNvCxnSpPr>
+            <a:cxnSpLocks/>
+            <a:stCxn id="178" idx="4"/>
+            <a:endCxn id="176" idx="0"/>
+          </p:cNvCxnSpPr>
+          <p:nvPr/>
+        </p:nvCxnSpPr>
+        <p:spPr>
+          <a:xfrm rot="5400000">
+            <a:off x="6195674" y="4198786"/>
+            <a:ext cx="223564" cy="1095189"/>
+          </a:xfrm>
+          <a:prstGeom prst="bentConnector3">
+            <a:avLst>
+              <a:gd name="adj1" fmla="val 50000"/>
+            </a:avLst>
+          </a:prstGeom>
+          <a:ln w="3175">
+            <a:solidFill>
+              <a:srgbClr val="FF0000">
+                <a:alpha val="60000"/>
+              </a:srgbClr>
+            </a:solidFill>
+            <a:prstDash val="solid"/>
+            <a:tailEnd type="arrow"/>
+          </a:ln>
+        </p:spPr>
+        <p:style>
+          <a:lnRef idx="1">
+            <a:schemeClr val="accent1"/>
+          </a:lnRef>
+          <a:fillRef idx="0">
+            <a:schemeClr val="accent1"/>
+          </a:fillRef>
+          <a:effectRef idx="0">
+            <a:schemeClr val="accent1"/>
+          </a:effectRef>
+          <a:fontRef idx="minor">
+            <a:schemeClr val="tx1"/>
+          </a:fontRef>
+        </p:style>
+      </p:cxnSp>
+      <p:cxnSp>
+        <p:nvCxnSpPr>
+          <p:cNvPr id="180" name="肘形连接符 89"/>
+          <p:cNvCxnSpPr>
+            <a:cxnSpLocks/>
+            <a:stCxn id="177" idx="4"/>
+            <a:endCxn id="176" idx="0"/>
+          </p:cNvCxnSpPr>
+          <p:nvPr/>
+        </p:nvCxnSpPr>
+        <p:spPr>
+          <a:xfrm rot="16200000" flipH="1">
+            <a:off x="5083299" y="4181600"/>
+            <a:ext cx="223564" cy="1129560"/>
+          </a:xfrm>
+          <a:prstGeom prst="bentConnector3">
+            <a:avLst>
+              <a:gd name="adj1" fmla="val 50000"/>
+            </a:avLst>
+          </a:prstGeom>
+          <a:ln w="3175">
+            <a:solidFill>
+              <a:srgbClr val="FF0000">
+                <a:alpha val="60000"/>
+              </a:srgbClr>
+            </a:solidFill>
+            <a:prstDash val="solid"/>
+            <a:tailEnd type="arrow"/>
+          </a:ln>
+        </p:spPr>
+        <p:style>
+          <a:lnRef idx="1">
+            <a:schemeClr val="accent1"/>
+          </a:lnRef>
+          <a:fillRef idx="0">
+            <a:schemeClr val="accent1"/>
+          </a:fillRef>
+          <a:effectRef idx="0">
+            <a:schemeClr val="accent1"/>
+          </a:effectRef>
+          <a:fontRef idx="minor">
+            <a:schemeClr val="tx1"/>
+          </a:fontRef>
+        </p:style>
+      </p:cxnSp>
+      <p:cxnSp>
+        <p:nvCxnSpPr>
+          <p:cNvPr id="185" name="肘形连接符 89"/>
+          <p:cNvCxnSpPr>
+            <a:cxnSpLocks/>
+            <a:stCxn id="182" idx="7"/>
+            <a:endCxn id="188" idx="2"/>
+          </p:cNvCxnSpPr>
+          <p:nvPr/>
+        </p:nvCxnSpPr>
+        <p:spPr>
+          <a:xfrm flipV="1">
+            <a:off x="6600177" y="2741446"/>
+            <a:ext cx="145851" cy="218871"/>
+          </a:xfrm>
+          <a:prstGeom prst="straightConnector1">
+            <a:avLst/>
+          </a:prstGeom>
+          <a:ln w="3175">
+            <a:solidFill>
+              <a:srgbClr val="FF0000">
+                <a:alpha val="60000"/>
+              </a:srgbClr>
+            </a:solidFill>
+            <a:prstDash val="solid"/>
+            <a:tailEnd type="arrow"/>
+          </a:ln>
+        </p:spPr>
+        <p:style>
+          <a:lnRef idx="1">
+            <a:schemeClr val="accent1"/>
+          </a:lnRef>
+          <a:fillRef idx="0">
+            <a:schemeClr val="accent1"/>
+          </a:fillRef>
+          <a:effectRef idx="0">
+            <a:schemeClr val="accent1"/>
+          </a:effectRef>
+          <a:fontRef idx="minor">
+            <a:schemeClr val="tx1"/>
+          </a:fontRef>
+        </p:style>
+      </p:cxnSp>
+      <p:sp>
+        <p:nvSpPr>
+          <p:cNvPr id="188" name="TextBox 187"/>
+          <p:cNvSpPr txBox="1"/>
+          <p:nvPr/>
+        </p:nvSpPr>
+        <p:spPr>
+          <a:xfrm>
+            <a:off x="6203251" y="2510614"/>
+            <a:ext cx="1085554" cy="230832"/>
+          </a:xfrm>
+          <a:prstGeom prst="rect">
+            <a:avLst/>
+          </a:prstGeom>
+          <a:noFill/>
+        </p:spPr>
+        <p:txBody>
+          <a:bodyPr wrap="none" rtlCol="0">
+            <a:spAutoFit/>
+          </a:bodyPr>
+          <a:lstStyle>
+            <a:defPPr>
+              <a:defRPr lang="zh-CN"/>
+            </a:defPPr>
+            <a:lvl1pPr>
+              <a:defRPr sz="900" b="1">
+                <a:solidFill>
+                  <a:srgbClr val="FF4B4B"/>
+                </a:solidFill>
+                <a:latin typeface="微软雅黑" panose="020B0503020204020204" pitchFamily="34" charset="-122"/>
+                <a:ea typeface="微软雅黑" panose="020B0503020204020204" pitchFamily="34" charset="-122"/>
+              </a:defRPr>
+            </a:lvl1pPr>
+          </a:lstStyle>
+          <a:p>
+            <a:r>
+              <a:rPr lang="en-US" altLang="zh-CN" dirty="0"/>
+              <a:t>Seata Global Tx</a:t>
+            </a:r>
+            <a:endParaRPr lang="en-US" dirty="0"/>
+          </a:p>
+        </p:txBody>
+      </p:sp>
+    </p:spTree>
+    <p:extLst>
+      <p:ext uri="{BB962C8B-B14F-4D97-AF65-F5344CB8AC3E}">
+        <p14:creationId xmlns:p14="http://schemas.microsoft.com/office/powerpoint/2010/main" val="3424705216"/>
       </p:ext>
     </p:extLst>
   </p:cSld>

--- a/docs/source.pptx
+++ b/docs/source.pptx
@@ -202,7 +202,7 @@
           <a:p>
             <a:fld id="{F2AFE6A1-2F39-4B01-97AE-169630C5A3E5}" type="datetimeFigureOut">
               <a:rPr lang="zh-CN" altLang="en-US" smtClean="0"/>
-              <a:t>2019-12-24</a:t>
+              <a:t>2019-12-26</a:t>
             </a:fld>
             <a:endParaRPr lang="zh-CN" altLang="en-US"/>
           </a:p>
@@ -766,7 +766,7 @@
           <a:p>
             <a:fld id="{1371499B-6999-409F-9FD6-0E57C3931DBB}" type="datetimeFigureOut">
               <a:rPr lang="zh-CN" altLang="en-US" smtClean="0"/>
-              <a:t>2019-12-24</a:t>
+              <a:t>2019-12-26</a:t>
             </a:fld>
             <a:endParaRPr lang="zh-CN" altLang="en-US"/>
           </a:p>
@@ -934,7 +934,7 @@
           <a:p>
             <a:fld id="{1371499B-6999-409F-9FD6-0E57C3931DBB}" type="datetimeFigureOut">
               <a:rPr lang="zh-CN" altLang="en-US" smtClean="0"/>
-              <a:t>2019-12-24</a:t>
+              <a:t>2019-12-26</a:t>
             </a:fld>
             <a:endParaRPr lang="zh-CN" altLang="en-US"/>
           </a:p>
@@ -1112,7 +1112,7 @@
           <a:p>
             <a:fld id="{1371499B-6999-409F-9FD6-0E57C3931DBB}" type="datetimeFigureOut">
               <a:rPr lang="zh-CN" altLang="en-US" smtClean="0"/>
-              <a:t>2019-12-24</a:t>
+              <a:t>2019-12-26</a:t>
             </a:fld>
             <a:endParaRPr lang="zh-CN" altLang="en-US"/>
           </a:p>
@@ -1280,7 +1280,7 @@
           <a:p>
             <a:fld id="{1371499B-6999-409F-9FD6-0E57C3931DBB}" type="datetimeFigureOut">
               <a:rPr lang="zh-CN" altLang="en-US" smtClean="0"/>
-              <a:t>2019-12-24</a:t>
+              <a:t>2019-12-26</a:t>
             </a:fld>
             <a:endParaRPr lang="zh-CN" altLang="en-US"/>
           </a:p>
@@ -1525,7 +1525,7 @@
           <a:p>
             <a:fld id="{1371499B-6999-409F-9FD6-0E57C3931DBB}" type="datetimeFigureOut">
               <a:rPr lang="zh-CN" altLang="en-US" smtClean="0"/>
-              <a:t>2019-12-24</a:t>
+              <a:t>2019-12-26</a:t>
             </a:fld>
             <a:endParaRPr lang="zh-CN" altLang="en-US"/>
           </a:p>
@@ -1754,7 +1754,7 @@
           <a:p>
             <a:fld id="{1371499B-6999-409F-9FD6-0E57C3931DBB}" type="datetimeFigureOut">
               <a:rPr lang="zh-CN" altLang="en-US" smtClean="0"/>
-              <a:t>2019-12-24</a:t>
+              <a:t>2019-12-26</a:t>
             </a:fld>
             <a:endParaRPr lang="zh-CN" altLang="en-US"/>
           </a:p>
@@ -2118,7 +2118,7 @@
           <a:p>
             <a:fld id="{1371499B-6999-409F-9FD6-0E57C3931DBB}" type="datetimeFigureOut">
               <a:rPr lang="zh-CN" altLang="en-US" smtClean="0"/>
-              <a:t>2019-12-24</a:t>
+              <a:t>2019-12-26</a:t>
             </a:fld>
             <a:endParaRPr lang="zh-CN" altLang="en-US"/>
           </a:p>
@@ -2235,7 +2235,7 @@
           <a:p>
             <a:fld id="{1371499B-6999-409F-9FD6-0E57C3931DBB}" type="datetimeFigureOut">
               <a:rPr lang="zh-CN" altLang="en-US" smtClean="0"/>
-              <a:t>2019-12-24</a:t>
+              <a:t>2019-12-26</a:t>
             </a:fld>
             <a:endParaRPr lang="zh-CN" altLang="en-US"/>
           </a:p>
@@ -2330,7 +2330,7 @@
           <a:p>
             <a:fld id="{1371499B-6999-409F-9FD6-0E57C3931DBB}" type="datetimeFigureOut">
               <a:rPr lang="zh-CN" altLang="en-US" smtClean="0"/>
-              <a:t>2019-12-24</a:t>
+              <a:t>2019-12-26</a:t>
             </a:fld>
             <a:endParaRPr lang="zh-CN" altLang="en-US"/>
           </a:p>
@@ -2605,7 +2605,7 @@
           <a:p>
             <a:fld id="{1371499B-6999-409F-9FD6-0E57C3931DBB}" type="datetimeFigureOut">
               <a:rPr lang="zh-CN" altLang="en-US" smtClean="0"/>
-              <a:t>2019-12-24</a:t>
+              <a:t>2019-12-26</a:t>
             </a:fld>
             <a:endParaRPr lang="zh-CN" altLang="en-US"/>
           </a:p>
@@ -2857,7 +2857,7 @@
           <a:p>
             <a:fld id="{1371499B-6999-409F-9FD6-0E57C3931DBB}" type="datetimeFigureOut">
               <a:rPr lang="zh-CN" altLang="en-US" smtClean="0"/>
-              <a:t>2019-12-24</a:t>
+              <a:t>2019-12-26</a:t>
             </a:fld>
             <a:endParaRPr lang="zh-CN" altLang="en-US"/>
           </a:p>
@@ -3068,7 +3068,7 @@
           <a:p>
             <a:fld id="{1371499B-6999-409F-9FD6-0E57C3931DBB}" type="datetimeFigureOut">
               <a:rPr lang="zh-CN" altLang="en-US" smtClean="0"/>
-              <a:t>2019-12-24</a:t>
+              <a:t>2019-12-26</a:t>
             </a:fld>
             <a:endParaRPr lang="zh-CN" altLang="en-US"/>
           </a:p>
@@ -4701,7 +4701,7 @@
                 <a:latin typeface="微软雅黑" panose="020B0503020204020204" pitchFamily="34" charset="-122"/>
                 <a:ea typeface="微软雅黑" panose="020B0503020204020204" pitchFamily="34" charset="-122"/>
               </a:rPr>
-              <a:t>MyCat/Sharding</a:t>
+              <a:t>MyCat, Sharding</a:t>
             </a:r>
             <a:r>
               <a:rPr lang="en-US" altLang="zh-CN" sz="1000" b="1" dirty="0">
@@ -5414,10 +5414,9 @@
           <a:p>
             <a:pPr algn="l"/>
             <a:r>
-              <a:rPr lang="en-US" dirty="0" err="1"/>
+              <a:rPr lang="en-US" dirty="0"/>
               <a:t>db_user</a:t>
             </a:r>
-            <a:endParaRPr lang="en-US" dirty="0"/>
           </a:p>
         </p:txBody>
       </p:sp>
@@ -5465,10 +5464,9 @@
           <a:p>
             <a:pPr algn="r"/>
             <a:r>
-              <a:rPr lang="en-US" sz="800" b="0" dirty="0" err="1"/>
+              <a:rPr lang="en-US" sz="800" b="0" dirty="0"/>
               <a:t>db_order</a:t>
             </a:r>
-            <a:endParaRPr lang="en-US" sz="800" b="0" dirty="0"/>
           </a:p>
         </p:txBody>
       </p:sp>
@@ -7482,7 +7480,7 @@
         <p:spPr>
           <a:xfrm>
             <a:off x="7193918" y="1847453"/>
-            <a:ext cx="2036135" cy="246221"/>
+            <a:ext cx="2064989" cy="246221"/>
           </a:xfrm>
           <a:prstGeom prst="rect">
             <a:avLst/>
@@ -7503,7 +7501,7 @@
                 <a:latin typeface="微软雅黑" panose="020B0503020204020204" pitchFamily="34" charset="-122"/>
                 <a:ea typeface="微软雅黑" panose="020B0503020204020204" pitchFamily="34" charset="-122"/>
               </a:rPr>
-              <a:t>SkyWalking/PinPiont/ZipKin</a:t>
+              <a:t>SkyWalking, PinPiont, ZipKin</a:t>
             </a:r>
           </a:p>
         </p:txBody>
@@ -7777,7 +7775,7 @@
         <p:spPr>
           <a:xfrm>
             <a:off x="7188401" y="1589839"/>
-            <a:ext cx="825867" cy="246221"/>
+            <a:ext cx="1726755" cy="246221"/>
           </a:xfrm>
           <a:prstGeom prst="rect">
             <a:avLst/>
@@ -7790,6 +7788,16 @@
           </a:bodyPr>
           <a:lstStyle/>
           <a:p>
+            <a:r>
+              <a:rPr lang="en-US" altLang="zh-CN" sz="1000" b="1" dirty="0">
+                <a:solidFill>
+                  <a:schemeClr val="accent2"/>
+                </a:solidFill>
+                <a:latin typeface="微软雅黑" panose="020B0503020204020204" pitchFamily="34" charset="-122"/>
+                <a:ea typeface="微软雅黑" panose="020B0503020204020204" pitchFamily="34" charset="-122"/>
+              </a:rPr>
+              <a:t>APM: </a:t>
+            </a:r>
             <a:r>
               <a:rPr lang="zh-CN" altLang="en-US" sz="1000" b="1" dirty="0">
                 <a:solidFill>
@@ -7798,7 +7806,7 @@
                 <a:latin typeface="微软雅黑" panose="020B0503020204020204" pitchFamily="34" charset="-122"/>
                 <a:ea typeface="微软雅黑" panose="020B0503020204020204" pitchFamily="34" charset="-122"/>
               </a:rPr>
-              <a:t>全链路跟踪</a:t>
+              <a:t>链路跟踪、性能监控</a:t>
             </a:r>
             <a:endParaRPr lang="en-US" sz="1000" b="1" dirty="0">
               <a:solidFill>
@@ -7818,7 +7826,7 @@
         </p:nvSpPr>
         <p:spPr>
           <a:xfrm>
-            <a:off x="3042224" y="3380194"/>
+            <a:off x="3024638" y="3380194"/>
             <a:ext cx="1082348" cy="246221"/>
           </a:xfrm>
           <a:prstGeom prst="rect">
@@ -7840,7 +7848,7 @@
                 <a:latin typeface="微软雅黑" panose="020B0503020204020204" pitchFamily="34" charset="-122"/>
                 <a:ea typeface="微软雅黑" panose="020B0503020204020204" pitchFamily="34" charset="-122"/>
               </a:rPr>
-              <a:t>数据库水平拆分</a:t>
+              <a:t>数据库分库分表</a:t>
             </a:r>
             <a:endParaRPr lang="en-US" sz="1000" b="1" dirty="0">
               <a:solidFill>
@@ -7902,8 +7910,8 @@
         </p:nvSpPr>
         <p:spPr>
           <a:xfrm>
-            <a:off x="4557135" y="1070558"/>
-            <a:ext cx="825867" cy="246221"/>
+            <a:off x="4614285" y="1070558"/>
+            <a:ext cx="697627" cy="246221"/>
           </a:xfrm>
           <a:prstGeom prst="rect">
             <a:avLst/>
@@ -7924,7 +7932,7 @@
                 <a:latin typeface="微软雅黑" panose="020B0503020204020204" pitchFamily="34" charset="-122"/>
                 <a:ea typeface="微软雅黑" panose="020B0503020204020204" pitchFamily="34" charset="-122"/>
               </a:rPr>
-              <a:t>客户端应用</a:t>
+              <a:t>前台应用</a:t>
             </a:r>
             <a:endParaRPr lang="en-US" sz="1000" b="1" dirty="0">
               <a:solidFill>
@@ -7936,6 +7944,377 @@
           </a:p>
         </p:txBody>
       </p:sp>
+      <p:sp>
+        <p:nvSpPr>
+          <p:cNvPr id="9" name="Rectangle: Rounded Corners 8"/>
+          <p:cNvSpPr/>
+          <p:nvPr/>
+        </p:nvSpPr>
+        <p:spPr>
+          <a:xfrm>
+            <a:off x="1851272" y="2033595"/>
+            <a:ext cx="914400" cy="347065"/>
+          </a:xfrm>
+          <a:prstGeom prst="roundRect">
+            <a:avLst/>
+          </a:prstGeom>
+          <a:solidFill>
+            <a:srgbClr val="9933FF">
+              <a:alpha val="70000"/>
+            </a:srgbClr>
+          </a:solidFill>
+          <a:ln>
+            <a:noFill/>
+          </a:ln>
+        </p:spPr>
+        <p:style>
+          <a:lnRef idx="2">
+            <a:schemeClr val="accent1">
+              <a:shade val="50000"/>
+            </a:schemeClr>
+          </a:lnRef>
+          <a:fillRef idx="1">
+            <a:schemeClr val="accent1"/>
+          </a:fillRef>
+          <a:effectRef idx="0">
+            <a:schemeClr val="accent1"/>
+          </a:effectRef>
+          <a:fontRef idx="minor">
+            <a:schemeClr val="lt1"/>
+          </a:fontRef>
+        </p:style>
+        <p:txBody>
+          <a:bodyPr rtlCol="0" anchor="ctr"/>
+          <a:lstStyle/>
+          <a:p>
+            <a:pPr algn="ctr"/>
+            <a:r>
+              <a:rPr lang="en-US" sz="1000" b="1" dirty="0">
+                <a:solidFill>
+                  <a:schemeClr val="bg1"/>
+                </a:solidFill>
+                <a:latin typeface="微软雅黑" panose="020B0503020204020204" pitchFamily="34" charset="-122"/>
+                <a:ea typeface="微软雅黑" panose="020B0503020204020204" pitchFamily="34" charset="-122"/>
+              </a:rPr>
+              <a:t>Nacos</a:t>
+            </a:r>
+          </a:p>
+        </p:txBody>
+      </p:sp>
+      <p:sp>
+        <p:nvSpPr>
+          <p:cNvPr id="142" name="TextBox 141"/>
+          <p:cNvSpPr txBox="1"/>
+          <p:nvPr/>
+        </p:nvSpPr>
+        <p:spPr>
+          <a:xfrm>
+            <a:off x="1194761" y="2007072"/>
+            <a:ext cx="697627" cy="400110"/>
+          </a:xfrm>
+          <a:prstGeom prst="rect">
+            <a:avLst/>
+          </a:prstGeom>
+          <a:noFill/>
+        </p:spPr>
+        <p:txBody>
+          <a:bodyPr wrap="none" rtlCol="0">
+            <a:spAutoFit/>
+          </a:bodyPr>
+          <a:lstStyle/>
+          <a:p>
+            <a:pPr algn="r"/>
+            <a:r>
+              <a:rPr lang="zh-CN" altLang="en-US" sz="1000" b="1" dirty="0">
+                <a:solidFill>
+                  <a:srgbClr val="E05BFF"/>
+                </a:solidFill>
+                <a:latin typeface="微软雅黑" panose="020B0503020204020204" pitchFamily="34" charset="-122"/>
+                <a:ea typeface="微软雅黑" panose="020B0503020204020204" pitchFamily="34" charset="-122"/>
+              </a:rPr>
+              <a:t>注册中心</a:t>
+            </a:r>
+            <a:endParaRPr lang="en-US" altLang="zh-CN" sz="1000" b="1" dirty="0">
+              <a:solidFill>
+                <a:srgbClr val="E05BFF"/>
+              </a:solidFill>
+              <a:latin typeface="微软雅黑" panose="020B0503020204020204" pitchFamily="34" charset="-122"/>
+              <a:ea typeface="微软雅黑" panose="020B0503020204020204" pitchFamily="34" charset="-122"/>
+            </a:endParaRPr>
+          </a:p>
+          <a:p>
+            <a:pPr algn="r"/>
+            <a:r>
+              <a:rPr lang="zh-CN" altLang="en-US" sz="1000" b="1" dirty="0">
+                <a:solidFill>
+                  <a:srgbClr val="E05BFF"/>
+                </a:solidFill>
+                <a:latin typeface="微软雅黑" panose="020B0503020204020204" pitchFamily="34" charset="-122"/>
+                <a:ea typeface="微软雅黑" panose="020B0503020204020204" pitchFamily="34" charset="-122"/>
+              </a:rPr>
+              <a:t>配置中心</a:t>
+            </a:r>
+            <a:endParaRPr lang="en-US" sz="1000" b="1" dirty="0">
+              <a:solidFill>
+                <a:srgbClr val="E05BFF"/>
+              </a:solidFill>
+              <a:latin typeface="微软雅黑" panose="020B0503020204020204" pitchFamily="34" charset="-122"/>
+              <a:ea typeface="微软雅黑" panose="020B0503020204020204" pitchFamily="34" charset="-122"/>
+            </a:endParaRPr>
+          </a:p>
+        </p:txBody>
+      </p:sp>
+      <p:sp>
+        <p:nvSpPr>
+          <p:cNvPr id="143" name="Rectangle: Rounded Corners 142"/>
+          <p:cNvSpPr/>
+          <p:nvPr/>
+        </p:nvSpPr>
+        <p:spPr>
+          <a:xfrm>
+            <a:off x="1851272" y="2682290"/>
+            <a:ext cx="914400" cy="347065"/>
+          </a:xfrm>
+          <a:prstGeom prst="roundRect">
+            <a:avLst/>
+          </a:prstGeom>
+          <a:solidFill>
+            <a:srgbClr val="9933FF">
+              <a:alpha val="70000"/>
+            </a:srgbClr>
+          </a:solidFill>
+          <a:ln>
+            <a:noFill/>
+          </a:ln>
+        </p:spPr>
+        <p:style>
+          <a:lnRef idx="2">
+            <a:schemeClr val="accent1">
+              <a:shade val="50000"/>
+            </a:schemeClr>
+          </a:lnRef>
+          <a:fillRef idx="1">
+            <a:schemeClr val="accent1"/>
+          </a:fillRef>
+          <a:effectRef idx="0">
+            <a:schemeClr val="accent1"/>
+          </a:effectRef>
+          <a:fontRef idx="minor">
+            <a:schemeClr val="lt1"/>
+          </a:fontRef>
+        </p:style>
+        <p:txBody>
+          <a:bodyPr rot="0" spcFirstLastPara="0" vertOverflow="overflow" horzOverflow="overflow" vert="horz" wrap="square" lIns="91440" tIns="45720" rIns="91440" bIns="45720" numCol="1" spcCol="0" rtlCol="0" fromWordArt="0" anchor="ctr" anchorCtr="0" forceAA="0" compatLnSpc="1">
+            <a:prstTxWarp prst="textNoShape">
+              <a:avLst/>
+            </a:prstTxWarp>
+            <a:noAutofit/>
+          </a:bodyPr>
+          <a:lstStyle/>
+          <a:p>
+            <a:pPr algn="ctr"/>
+            <a:r>
+              <a:rPr lang="en-US" sz="1000" b="1" dirty="0">
+                <a:solidFill>
+                  <a:schemeClr val="bg1"/>
+                </a:solidFill>
+                <a:latin typeface="微软雅黑" panose="020B0503020204020204" pitchFamily="34" charset="-122"/>
+                <a:ea typeface="微软雅黑" panose="020B0503020204020204" pitchFamily="34" charset="-122"/>
+              </a:rPr>
+              <a:t>Seata</a:t>
+            </a:r>
+          </a:p>
+        </p:txBody>
+      </p:sp>
+      <p:sp>
+        <p:nvSpPr>
+          <p:cNvPr id="144" name="TextBox 143"/>
+          <p:cNvSpPr txBox="1"/>
+          <p:nvPr/>
+        </p:nvSpPr>
+        <p:spPr>
+          <a:xfrm>
+            <a:off x="1175475" y="2654019"/>
+            <a:ext cx="697627" cy="400110"/>
+          </a:xfrm>
+          <a:prstGeom prst="rect">
+            <a:avLst/>
+          </a:prstGeom>
+          <a:noFill/>
+        </p:spPr>
+        <p:txBody>
+          <a:bodyPr wrap="none" rtlCol="0">
+            <a:spAutoFit/>
+          </a:bodyPr>
+          <a:lstStyle>
+            <a:defPPr>
+              <a:defRPr lang="zh-CN"/>
+            </a:defPPr>
+            <a:lvl1pPr algn="just">
+              <a:defRPr sz="1000" b="1">
+                <a:solidFill>
+                  <a:srgbClr val="E05BFF"/>
+                </a:solidFill>
+                <a:latin typeface="微软雅黑" panose="020B0503020204020204" pitchFamily="34" charset="-122"/>
+                <a:ea typeface="微软雅黑" panose="020B0503020204020204" pitchFamily="34" charset="-122"/>
+              </a:defRPr>
+            </a:lvl1pPr>
+          </a:lstStyle>
+          <a:p>
+            <a:pPr algn="r"/>
+            <a:r>
+              <a:rPr lang="zh-CN" altLang="en-US" dirty="0"/>
+              <a:t>分布式</a:t>
+            </a:r>
+            <a:endParaRPr lang="en-US" altLang="zh-CN" dirty="0"/>
+          </a:p>
+          <a:p>
+            <a:pPr algn="r"/>
+            <a:r>
+              <a:rPr lang="zh-CN" altLang="en-US" dirty="0"/>
+              <a:t>事务管理</a:t>
+            </a:r>
+            <a:endParaRPr lang="en-US" altLang="zh-CN" dirty="0"/>
+          </a:p>
+        </p:txBody>
+      </p:sp>
+      <p:cxnSp>
+        <p:nvCxnSpPr>
+          <p:cNvPr id="145" name="Connector: Elbow 144"/>
+          <p:cNvCxnSpPr>
+            <a:cxnSpLocks/>
+          </p:cNvCxnSpPr>
+          <p:nvPr/>
+        </p:nvCxnSpPr>
+        <p:spPr>
+          <a:xfrm rot="10800000" flipV="1">
+            <a:off x="2802313" y="2222870"/>
+            <a:ext cx="255870" cy="628"/>
+          </a:xfrm>
+          <a:prstGeom prst="bentConnector3">
+            <a:avLst>
+              <a:gd name="adj1" fmla="val 50000"/>
+            </a:avLst>
+          </a:prstGeom>
+          <a:ln w="12700">
+            <a:solidFill>
+              <a:schemeClr val="tx1">
+                <a:alpha val="70000"/>
+              </a:schemeClr>
+            </a:solidFill>
+            <a:headEnd type="stealth"/>
+            <a:tailEnd type="stealth"/>
+          </a:ln>
+          <a:scene3d>
+            <a:camera prst="orthographicFront">
+              <a:rot lat="0" lon="0" rev="10799999"/>
+            </a:camera>
+            <a:lightRig rig="threePt" dir="t"/>
+          </a:scene3d>
+        </p:spPr>
+        <p:style>
+          <a:lnRef idx="1">
+            <a:schemeClr val="accent1"/>
+          </a:lnRef>
+          <a:fillRef idx="0">
+            <a:schemeClr val="accent1"/>
+          </a:fillRef>
+          <a:effectRef idx="0">
+            <a:schemeClr val="accent1"/>
+          </a:effectRef>
+          <a:fontRef idx="minor">
+            <a:schemeClr val="tx1"/>
+          </a:fontRef>
+        </p:style>
+      </p:cxnSp>
+      <p:cxnSp>
+        <p:nvCxnSpPr>
+          <p:cNvPr id="146" name="Connector: Elbow 145"/>
+          <p:cNvCxnSpPr>
+            <a:cxnSpLocks/>
+          </p:cNvCxnSpPr>
+          <p:nvPr/>
+        </p:nvCxnSpPr>
+        <p:spPr>
+          <a:xfrm rot="10800000" flipV="1">
+            <a:off x="2798834" y="2863599"/>
+            <a:ext cx="255870" cy="628"/>
+          </a:xfrm>
+          <a:prstGeom prst="bentConnector3">
+            <a:avLst>
+              <a:gd name="adj1" fmla="val 50000"/>
+            </a:avLst>
+          </a:prstGeom>
+          <a:ln w="12700">
+            <a:solidFill>
+              <a:schemeClr val="tx1">
+                <a:alpha val="70000"/>
+              </a:schemeClr>
+            </a:solidFill>
+            <a:headEnd type="stealth"/>
+            <a:tailEnd type="stealth"/>
+          </a:ln>
+          <a:scene3d>
+            <a:camera prst="orthographicFront">
+              <a:rot lat="0" lon="0" rev="10799999"/>
+            </a:camera>
+            <a:lightRig rig="threePt" dir="t"/>
+          </a:scene3d>
+        </p:spPr>
+        <p:style>
+          <a:lnRef idx="1">
+            <a:schemeClr val="accent1"/>
+          </a:lnRef>
+          <a:fillRef idx="0">
+            <a:schemeClr val="accent1"/>
+          </a:fillRef>
+          <a:effectRef idx="0">
+            <a:schemeClr val="accent1"/>
+          </a:effectRef>
+          <a:fontRef idx="minor">
+            <a:schemeClr val="tx1"/>
+          </a:fontRef>
+        </p:style>
+      </p:cxnSp>
+      <p:cxnSp>
+        <p:nvCxnSpPr>
+          <p:cNvPr id="147" name="Connector: Elbow 146"/>
+          <p:cNvCxnSpPr/>
+          <p:nvPr/>
+        </p:nvCxnSpPr>
+        <p:spPr>
+          <a:xfrm rot="5400000">
+            <a:off x="2179013" y="2525363"/>
+            <a:ext cx="240267" cy="387"/>
+          </a:xfrm>
+          <a:prstGeom prst="bentConnector3">
+            <a:avLst/>
+          </a:prstGeom>
+          <a:ln w="12700">
+            <a:solidFill>
+              <a:schemeClr val="tx1">
+                <a:alpha val="70000"/>
+              </a:schemeClr>
+            </a:solidFill>
+            <a:headEnd type="stealth"/>
+            <a:tailEnd type="stealth"/>
+          </a:ln>
+        </p:spPr>
+        <p:style>
+          <a:lnRef idx="1">
+            <a:schemeClr val="accent1"/>
+          </a:lnRef>
+          <a:fillRef idx="0">
+            <a:schemeClr val="accent1"/>
+          </a:fillRef>
+          <a:effectRef idx="0">
+            <a:schemeClr val="accent1"/>
+          </a:effectRef>
+          <a:fontRef idx="minor">
+            <a:schemeClr val="tx1"/>
+          </a:fontRef>
+        </p:style>
+      </p:cxnSp>
     </p:spTree>
     <p:extLst>
       <p:ext uri="{BB962C8B-B14F-4D97-AF65-F5344CB8AC3E}">
@@ -8288,7 +8667,7 @@
           <a:p>
             <a:pPr algn="ctr"/>
             <a:r>
-              <a:rPr lang="en-US" sz="800" b="1" dirty="0">
+              <a:rPr lang="en-US" sz="800" b="1" dirty="0" err="1">
                 <a:solidFill>
                   <a:schemeClr val="tx1"/>
                 </a:solidFill>
@@ -8297,6 +8676,13 @@
               </a:rPr>
               <a:t>Mycat</a:t>
             </a:r>
+            <a:endParaRPr lang="en-US" sz="800" b="1" dirty="0">
+              <a:solidFill>
+                <a:schemeClr val="tx1"/>
+              </a:solidFill>
+              <a:latin typeface="微软雅黑" panose="020B0503020204020204" pitchFamily="34" charset="-122"/>
+              <a:ea typeface="微软雅黑" panose="020B0503020204020204" pitchFamily="34" charset="-122"/>
+            </a:endParaRPr>
           </a:p>
         </p:txBody>
       </p:sp>
@@ -9203,7 +9589,7 @@
           <a:p>
             <a:pPr algn="ctr"/>
             <a:r>
-              <a:rPr lang="en-US" sz="800" b="1" dirty="0">
+              <a:rPr lang="en-US" sz="800" b="1" dirty="0" err="1">
                 <a:solidFill>
                   <a:schemeClr val="tx1"/>
                 </a:solidFill>
@@ -9212,6 +9598,13 @@
               </a:rPr>
               <a:t>Mycat</a:t>
             </a:r>
+            <a:endParaRPr lang="en-US" sz="800" b="1" dirty="0">
+              <a:solidFill>
+                <a:schemeClr val="tx1"/>
+              </a:solidFill>
+              <a:latin typeface="微软雅黑" panose="020B0503020204020204" pitchFamily="34" charset="-122"/>
+              <a:ea typeface="微软雅黑" panose="020B0503020204020204" pitchFamily="34" charset="-122"/>
+            </a:endParaRPr>
           </a:p>
         </p:txBody>
       </p:sp>
@@ -9346,7 +9739,7 @@
           <a:p>
             <a:pPr algn="ctr"/>
             <a:r>
-              <a:rPr lang="en-US" sz="800" b="1" dirty="0">
+              <a:rPr lang="en-US" sz="800" b="1" dirty="0" err="1">
                 <a:solidFill>
                   <a:schemeClr val="tx1"/>
                 </a:solidFill>
@@ -9355,6 +9748,13 @@
               </a:rPr>
               <a:t>Mycat</a:t>
             </a:r>
+            <a:endParaRPr lang="en-US" sz="800" b="1" dirty="0">
+              <a:solidFill>
+                <a:schemeClr val="tx1"/>
+              </a:solidFill>
+              <a:latin typeface="微软雅黑" panose="020B0503020204020204" pitchFamily="34" charset="-122"/>
+              <a:ea typeface="微软雅黑" panose="020B0503020204020204" pitchFamily="34" charset="-122"/>
+            </a:endParaRPr>
           </a:p>
         </p:txBody>
       </p:sp>
@@ -9900,6 +10300,16 @@
           <a:lstStyle/>
           <a:p>
             <a:r>
+              <a:rPr lang="en-US" altLang="zh-CN" sz="900" b="1" dirty="0" err="1">
+                <a:solidFill>
+                  <a:srgbClr val="FF4B4B"/>
+                </a:solidFill>
+                <a:latin typeface="微软雅黑" panose="020B0503020204020204" pitchFamily="34" charset="-122"/>
+                <a:ea typeface="微软雅黑" panose="020B0503020204020204" pitchFamily="34" charset="-122"/>
+              </a:rPr>
+              <a:t>Mycat</a:t>
+            </a:r>
+            <a:r>
               <a:rPr lang="en-US" altLang="zh-CN" sz="900" b="1" dirty="0">
                 <a:solidFill>
                   <a:srgbClr val="FF4B4B"/>
@@ -9907,7 +10317,7 @@
                 <a:latin typeface="微软雅黑" panose="020B0503020204020204" pitchFamily="34" charset="-122"/>
                 <a:ea typeface="微软雅黑" panose="020B0503020204020204" pitchFamily="34" charset="-122"/>
               </a:rPr>
-              <a:t>Mycat XA</a:t>
+              <a:t> XA</a:t>
             </a:r>
             <a:endParaRPr lang="en-US" sz="900" b="1" dirty="0">
               <a:solidFill>

--- a/docs/source.pptx
+++ b/docs/source.pptx
@@ -4694,6 +4694,16 @@
           <a:p>
             <a:pPr algn="ctr"/>
             <a:r>
+              <a:rPr lang="en-US" sz="1000" b="1" dirty="0" err="1">
+                <a:solidFill>
+                  <a:schemeClr val="tx1"/>
+                </a:solidFill>
+                <a:latin typeface="微软雅黑" panose="020B0503020204020204" pitchFamily="34" charset="-122"/>
+                <a:ea typeface="微软雅黑" panose="020B0503020204020204" pitchFamily="34" charset="-122"/>
+              </a:rPr>
+              <a:t>MyCat</a:t>
+            </a:r>
+            <a:r>
               <a:rPr lang="en-US" sz="1000" b="1" dirty="0">
                 <a:solidFill>
                   <a:schemeClr val="tx1"/>
@@ -4701,7 +4711,7 @@
                 <a:latin typeface="微软雅黑" panose="020B0503020204020204" pitchFamily="34" charset="-122"/>
                 <a:ea typeface="微软雅黑" panose="020B0503020204020204" pitchFamily="34" charset="-122"/>
               </a:rPr>
-              <a:t>MyCat, Sharding</a:t>
+              <a:t>, Sharding</a:t>
             </a:r>
             <a:r>
               <a:rPr lang="en-US" altLang="zh-CN" sz="1000" b="1" dirty="0">
@@ -8667,7 +8677,7 @@
           <a:p>
             <a:pPr algn="ctr"/>
             <a:r>
-              <a:rPr lang="en-US" sz="800" b="1" dirty="0" err="1">
+              <a:rPr lang="en-US" sz="800" b="1" dirty="0">
                 <a:solidFill>
                   <a:schemeClr val="tx1"/>
                 </a:solidFill>
@@ -8676,13 +8686,6 @@
               </a:rPr>
               <a:t>Mycat</a:t>
             </a:r>
-            <a:endParaRPr lang="en-US" sz="800" b="1" dirty="0">
-              <a:solidFill>
-                <a:schemeClr val="tx1"/>
-              </a:solidFill>
-              <a:latin typeface="微软雅黑" panose="020B0503020204020204" pitchFamily="34" charset="-122"/>
-              <a:ea typeface="微软雅黑" panose="020B0503020204020204" pitchFamily="34" charset="-122"/>
-            </a:endParaRPr>
           </a:p>
         </p:txBody>
       </p:sp>
@@ -9589,7 +9592,7 @@
           <a:p>
             <a:pPr algn="ctr"/>
             <a:r>
-              <a:rPr lang="en-US" sz="800" b="1" dirty="0" err="1">
+              <a:rPr lang="en-US" sz="800" b="1" dirty="0">
                 <a:solidFill>
                   <a:schemeClr val="tx1"/>
                 </a:solidFill>
@@ -9598,13 +9601,6 @@
               </a:rPr>
               <a:t>Mycat</a:t>
             </a:r>
-            <a:endParaRPr lang="en-US" sz="800" b="1" dirty="0">
-              <a:solidFill>
-                <a:schemeClr val="tx1"/>
-              </a:solidFill>
-              <a:latin typeface="微软雅黑" panose="020B0503020204020204" pitchFamily="34" charset="-122"/>
-              <a:ea typeface="微软雅黑" panose="020B0503020204020204" pitchFamily="34" charset="-122"/>
-            </a:endParaRPr>
           </a:p>
         </p:txBody>
       </p:sp>
@@ -9702,7 +9698,7 @@
         </p:nvSpPr>
         <p:spPr>
           <a:xfrm>
-            <a:off x="6541953" y="3631433"/>
+            <a:off x="6582432" y="3631433"/>
             <a:ext cx="634725" cy="205409"/>
           </a:xfrm>
           <a:prstGeom prst="roundRect">
@@ -9739,7 +9735,7 @@
           <a:p>
             <a:pPr algn="ctr"/>
             <a:r>
-              <a:rPr lang="en-US" sz="800" b="1" dirty="0" err="1">
+              <a:rPr lang="en-US" sz="800" b="1" dirty="0">
                 <a:solidFill>
                   <a:schemeClr val="tx1"/>
                 </a:solidFill>
@@ -9748,13 +9744,6 @@
               </a:rPr>
               <a:t>Mycat</a:t>
             </a:r>
-            <a:endParaRPr lang="en-US" sz="800" b="1" dirty="0">
-              <a:solidFill>
-                <a:schemeClr val="tx1"/>
-              </a:solidFill>
-              <a:latin typeface="微软雅黑" panose="020B0503020204020204" pitchFamily="34" charset="-122"/>
-              <a:ea typeface="微软雅黑" panose="020B0503020204020204" pitchFamily="34" charset="-122"/>
-            </a:endParaRPr>
           </a:p>
         </p:txBody>
       </p:sp>
@@ -9770,12 +9759,12 @@
         </p:nvCxnSpPr>
         <p:spPr>
           <a:xfrm rot="16200000" flipH="1">
-            <a:off x="6855448" y="3840709"/>
-            <a:ext cx="349384" cy="341649"/>
+            <a:off x="6875688" y="3860949"/>
+            <a:ext cx="349384" cy="301170"/>
           </a:xfrm>
           <a:prstGeom prst="bentConnector3">
             <a:avLst>
-              <a:gd name="adj1" fmla="val 39095"/>
+              <a:gd name="adj1" fmla="val 37732"/>
             </a:avLst>
           </a:prstGeom>
           <a:ln w="6350">
@@ -9809,7 +9798,7 @@
         </p:nvSpPr>
         <p:spPr>
           <a:xfrm>
-            <a:off x="6539483" y="3086911"/>
+            <a:off x="6579960" y="3086911"/>
             <a:ext cx="638266" cy="314876"/>
           </a:xfrm>
           <a:prstGeom prst="ellipse">
@@ -9875,8 +9864,8 @@
         </p:nvCxnSpPr>
         <p:spPr>
           <a:xfrm>
-            <a:off x="6858616" y="3401787"/>
-            <a:ext cx="700" cy="229646"/>
+            <a:off x="6899093" y="3401787"/>
+            <a:ext cx="702" cy="229646"/>
           </a:xfrm>
           <a:prstGeom prst="straightConnector1">
             <a:avLst/>
@@ -9996,7 +9985,7 @@
                 <a:latin typeface="微软雅黑" panose="020B0503020204020204" pitchFamily="34" charset="-122"/>
                 <a:ea typeface="微软雅黑" panose="020B0503020204020204" pitchFamily="34" charset="-122"/>
               </a:rPr>
-              <a:t>Stock</a:t>
+              <a:t>Order</a:t>
             </a:r>
           </a:p>
           <a:p>
@@ -10110,7 +10099,7 @@
         <p:spPr>
           <a:xfrm>
             <a:off x="4971600" y="2867912"/>
-            <a:ext cx="1887016" cy="218999"/>
+            <a:ext cx="1927493" cy="218999"/>
           </a:xfrm>
           <a:prstGeom prst="bentConnector2">
             <a:avLst/>
@@ -10300,16 +10289,6 @@
           <a:lstStyle/>
           <a:p>
             <a:r>
-              <a:rPr lang="en-US" altLang="zh-CN" sz="900" b="1" dirty="0" err="1">
-                <a:solidFill>
-                  <a:srgbClr val="FF4B4B"/>
-                </a:solidFill>
-                <a:latin typeface="微软雅黑" panose="020B0503020204020204" pitchFamily="34" charset="-122"/>
-                <a:ea typeface="微软雅黑" panose="020B0503020204020204" pitchFamily="34" charset="-122"/>
-              </a:rPr>
-              <a:t>Mycat</a:t>
-            </a:r>
-            <a:r>
               <a:rPr lang="en-US" altLang="zh-CN" sz="900" b="1" dirty="0">
                 <a:solidFill>
                   <a:srgbClr val="FF4B4B"/>
@@ -10317,7 +10296,7 @@
                 <a:latin typeface="微软雅黑" panose="020B0503020204020204" pitchFamily="34" charset="-122"/>
                 <a:ea typeface="微软雅黑" panose="020B0503020204020204" pitchFamily="34" charset="-122"/>
               </a:rPr>
-              <a:t> XA</a:t>
+              <a:t>Mycat XA</a:t>
             </a:r>
             <a:endParaRPr lang="en-US" sz="900" b="1" dirty="0">
               <a:solidFill>
@@ -10505,6 +10484,221 @@
           </a:p>
         </p:txBody>
       </p:sp>
+      <p:cxnSp>
+        <p:nvCxnSpPr>
+          <p:cNvPr id="45" name="肘形连接符 89"/>
+          <p:cNvCxnSpPr>
+            <a:cxnSpLocks/>
+            <a:stCxn id="2" idx="2"/>
+            <a:endCxn id="5" idx="1"/>
+          </p:cNvCxnSpPr>
+          <p:nvPr/>
+        </p:nvCxnSpPr>
+        <p:spPr>
+          <a:xfrm rot="5400000">
+            <a:off x="4469519" y="4013178"/>
+            <a:ext cx="359040" cy="1"/>
+          </a:xfrm>
+          <a:prstGeom prst="bentConnector3">
+            <a:avLst>
+              <a:gd name="adj1" fmla="val 50000"/>
+            </a:avLst>
+          </a:prstGeom>
+          <a:ln w="6350">
+            <a:solidFill>
+              <a:srgbClr val="3399FF"/>
+            </a:solidFill>
+            <a:prstDash val="dash"/>
+            <a:tailEnd type="arrow"/>
+          </a:ln>
+        </p:spPr>
+        <p:style>
+          <a:lnRef idx="1">
+            <a:schemeClr val="accent1"/>
+          </a:lnRef>
+          <a:fillRef idx="0">
+            <a:schemeClr val="accent1"/>
+          </a:fillRef>
+          <a:effectRef idx="0">
+            <a:schemeClr val="accent1"/>
+          </a:effectRef>
+          <a:fontRef idx="minor">
+            <a:schemeClr val="tx1"/>
+          </a:fontRef>
+        </p:style>
+      </p:cxnSp>
+      <p:cxnSp>
+        <p:nvCxnSpPr>
+          <p:cNvPr id="50" name="肘形连接符 89"/>
+          <p:cNvCxnSpPr>
+            <a:cxnSpLocks/>
+            <a:stCxn id="2" idx="2"/>
+            <a:endCxn id="6" idx="1"/>
+          </p:cNvCxnSpPr>
+          <p:nvPr/>
+        </p:nvCxnSpPr>
+        <p:spPr>
+          <a:xfrm rot="16200000" flipH="1">
+            <a:off x="4621230" y="3861467"/>
+            <a:ext cx="359040" cy="303422"/>
+          </a:xfrm>
+          <a:prstGeom prst="bentConnector3">
+            <a:avLst>
+              <a:gd name="adj1" fmla="val 38062"/>
+            </a:avLst>
+          </a:prstGeom>
+          <a:ln w="6350">
+            <a:solidFill>
+              <a:srgbClr val="3399FF"/>
+            </a:solidFill>
+            <a:prstDash val="dash"/>
+            <a:tailEnd type="arrow"/>
+          </a:ln>
+        </p:spPr>
+        <p:style>
+          <a:lnRef idx="1">
+            <a:schemeClr val="accent1"/>
+          </a:lnRef>
+          <a:fillRef idx="0">
+            <a:schemeClr val="accent1"/>
+          </a:fillRef>
+          <a:effectRef idx="0">
+            <a:schemeClr val="accent1"/>
+          </a:effectRef>
+          <a:fontRef idx="minor">
+            <a:schemeClr val="tx1"/>
+          </a:fontRef>
+        </p:style>
+      </p:cxnSp>
+      <p:cxnSp>
+        <p:nvCxnSpPr>
+          <p:cNvPr id="54" name="肘形连接符 89"/>
+          <p:cNvCxnSpPr>
+            <a:cxnSpLocks/>
+            <a:stCxn id="156" idx="2"/>
+            <a:endCxn id="145" idx="1"/>
+          </p:cNvCxnSpPr>
+          <p:nvPr/>
+        </p:nvCxnSpPr>
+        <p:spPr>
+          <a:xfrm rot="16200000" flipH="1">
+            <a:off x="5744678" y="3855722"/>
+            <a:ext cx="357250" cy="304368"/>
+          </a:xfrm>
+          <a:prstGeom prst="bentConnector3">
+            <a:avLst>
+              <a:gd name="adj1" fmla="val 41335"/>
+            </a:avLst>
+          </a:prstGeom>
+          <a:ln w="6350">
+            <a:solidFill>
+              <a:srgbClr val="3399FF"/>
+            </a:solidFill>
+            <a:prstDash val="dash"/>
+            <a:tailEnd type="arrow"/>
+          </a:ln>
+        </p:spPr>
+        <p:style>
+          <a:lnRef idx="1">
+            <a:schemeClr val="accent1"/>
+          </a:lnRef>
+          <a:fillRef idx="0">
+            <a:schemeClr val="accent1"/>
+          </a:fillRef>
+          <a:effectRef idx="0">
+            <a:schemeClr val="accent1"/>
+          </a:effectRef>
+          <a:fontRef idx="minor">
+            <a:schemeClr val="tx1"/>
+          </a:fontRef>
+        </p:style>
+      </p:cxnSp>
+      <p:cxnSp>
+        <p:nvCxnSpPr>
+          <p:cNvPr id="58" name="肘形连接符 89"/>
+          <p:cNvCxnSpPr>
+            <a:cxnSpLocks/>
+            <a:stCxn id="162" idx="2"/>
+            <a:endCxn id="150" idx="1"/>
+          </p:cNvCxnSpPr>
+          <p:nvPr/>
+        </p:nvCxnSpPr>
+        <p:spPr>
+          <a:xfrm rot="5400000">
+            <a:off x="6723977" y="4010408"/>
+            <a:ext cx="349384" cy="2253"/>
+          </a:xfrm>
+          <a:prstGeom prst="bentConnector3">
+            <a:avLst>
+              <a:gd name="adj1" fmla="val 50000"/>
+            </a:avLst>
+          </a:prstGeom>
+          <a:ln w="6350">
+            <a:solidFill>
+              <a:srgbClr val="3399FF"/>
+            </a:solidFill>
+            <a:prstDash val="dash"/>
+            <a:tailEnd type="arrow"/>
+          </a:ln>
+        </p:spPr>
+        <p:style>
+          <a:lnRef idx="1">
+            <a:schemeClr val="accent1"/>
+          </a:lnRef>
+          <a:fillRef idx="0">
+            <a:schemeClr val="accent1"/>
+          </a:fillRef>
+          <a:effectRef idx="0">
+            <a:schemeClr val="accent1"/>
+          </a:effectRef>
+          <a:fontRef idx="minor">
+            <a:schemeClr val="tx1"/>
+          </a:fontRef>
+        </p:style>
+      </p:cxnSp>
+      <p:cxnSp>
+        <p:nvCxnSpPr>
+          <p:cNvPr id="61" name="肘形连接符 89"/>
+          <p:cNvCxnSpPr>
+            <a:cxnSpLocks/>
+            <a:stCxn id="162" idx="2"/>
+            <a:endCxn id="149" idx="1"/>
+          </p:cNvCxnSpPr>
+          <p:nvPr/>
+        </p:nvCxnSpPr>
+        <p:spPr>
+          <a:xfrm rot="5400000">
+            <a:off x="6559243" y="3845674"/>
+            <a:ext cx="349384" cy="331720"/>
+          </a:xfrm>
+          <a:prstGeom prst="bentConnector3">
+            <a:avLst>
+              <a:gd name="adj1" fmla="val 36369"/>
+            </a:avLst>
+          </a:prstGeom>
+          <a:ln w="6350">
+            <a:solidFill>
+              <a:srgbClr val="3399FF"/>
+            </a:solidFill>
+            <a:prstDash val="dash"/>
+            <a:tailEnd type="arrow"/>
+          </a:ln>
+        </p:spPr>
+        <p:style>
+          <a:lnRef idx="1">
+            <a:schemeClr val="accent1"/>
+          </a:lnRef>
+          <a:fillRef idx="0">
+            <a:schemeClr val="accent1"/>
+          </a:fillRef>
+          <a:effectRef idx="0">
+            <a:schemeClr val="accent1"/>
+          </a:effectRef>
+          <a:fontRef idx="minor">
+            <a:schemeClr val="tx1"/>
+          </a:fontRef>
+        </p:style>
+      </p:cxnSp>
     </p:spTree>
     <p:extLst>
       <p:ext uri="{BB962C8B-B14F-4D97-AF65-F5344CB8AC3E}">

--- a/docs/source.pptx
+++ b/docs/source.pptx
@@ -8,7 +8,7 @@
     <p:notesMasterId r:id="rId4"/>
   </p:notesMasterIdLst>
   <p:sldIdLst>
-    <p:sldId id="256" r:id="rId2"/>
+    <p:sldId id="258" r:id="rId2"/>
     <p:sldId id="257" r:id="rId3"/>
   </p:sldIdLst>
   <p:sldSz cx="12192000" cy="6858000"/>
@@ -202,7 +202,7 @@
           <a:p>
             <a:fld id="{F2AFE6A1-2F39-4B01-97AE-169630C5A3E5}" type="datetimeFigureOut">
               <a:rPr lang="zh-CN" altLang="en-US" smtClean="0"/>
-              <a:t>2019-12-26</a:t>
+              <a:t>2020-3-4</a:t>
             </a:fld>
             <a:endParaRPr lang="zh-CN" altLang="en-US"/>
           </a:p>
@@ -543,7 +543,7 @@
     </p:spTree>
     <p:extLst>
       <p:ext uri="{BB962C8B-B14F-4D97-AF65-F5344CB8AC3E}">
-        <p14:creationId xmlns:p14="http://schemas.microsoft.com/office/powerpoint/2010/main" val="4172960278"/>
+        <p14:creationId xmlns:p14="http://schemas.microsoft.com/office/powerpoint/2010/main" val="3551305056"/>
       </p:ext>
     </p:extLst>
   </p:cSld>
@@ -766,7 +766,7 @@
           <a:p>
             <a:fld id="{1371499B-6999-409F-9FD6-0E57C3931DBB}" type="datetimeFigureOut">
               <a:rPr lang="zh-CN" altLang="en-US" smtClean="0"/>
-              <a:t>2019-12-26</a:t>
+              <a:t>2020-3-4</a:t>
             </a:fld>
             <a:endParaRPr lang="zh-CN" altLang="en-US"/>
           </a:p>
@@ -934,7 +934,7 @@
           <a:p>
             <a:fld id="{1371499B-6999-409F-9FD6-0E57C3931DBB}" type="datetimeFigureOut">
               <a:rPr lang="zh-CN" altLang="en-US" smtClean="0"/>
-              <a:t>2019-12-26</a:t>
+              <a:t>2020-3-4</a:t>
             </a:fld>
             <a:endParaRPr lang="zh-CN" altLang="en-US"/>
           </a:p>
@@ -1112,7 +1112,7 @@
           <a:p>
             <a:fld id="{1371499B-6999-409F-9FD6-0E57C3931DBB}" type="datetimeFigureOut">
               <a:rPr lang="zh-CN" altLang="en-US" smtClean="0"/>
-              <a:t>2019-12-26</a:t>
+              <a:t>2020-3-4</a:t>
             </a:fld>
             <a:endParaRPr lang="zh-CN" altLang="en-US"/>
           </a:p>
@@ -1280,7 +1280,7 @@
           <a:p>
             <a:fld id="{1371499B-6999-409F-9FD6-0E57C3931DBB}" type="datetimeFigureOut">
               <a:rPr lang="zh-CN" altLang="en-US" smtClean="0"/>
-              <a:t>2019-12-26</a:t>
+              <a:t>2020-3-4</a:t>
             </a:fld>
             <a:endParaRPr lang="zh-CN" altLang="en-US"/>
           </a:p>
@@ -1525,7 +1525,7 @@
           <a:p>
             <a:fld id="{1371499B-6999-409F-9FD6-0E57C3931DBB}" type="datetimeFigureOut">
               <a:rPr lang="zh-CN" altLang="en-US" smtClean="0"/>
-              <a:t>2019-12-26</a:t>
+              <a:t>2020-3-4</a:t>
             </a:fld>
             <a:endParaRPr lang="zh-CN" altLang="en-US"/>
           </a:p>
@@ -1754,7 +1754,7 @@
           <a:p>
             <a:fld id="{1371499B-6999-409F-9FD6-0E57C3931DBB}" type="datetimeFigureOut">
               <a:rPr lang="zh-CN" altLang="en-US" smtClean="0"/>
-              <a:t>2019-12-26</a:t>
+              <a:t>2020-3-4</a:t>
             </a:fld>
             <a:endParaRPr lang="zh-CN" altLang="en-US"/>
           </a:p>
@@ -2118,7 +2118,7 @@
           <a:p>
             <a:fld id="{1371499B-6999-409F-9FD6-0E57C3931DBB}" type="datetimeFigureOut">
               <a:rPr lang="zh-CN" altLang="en-US" smtClean="0"/>
-              <a:t>2019-12-26</a:t>
+              <a:t>2020-3-4</a:t>
             </a:fld>
             <a:endParaRPr lang="zh-CN" altLang="en-US"/>
           </a:p>
@@ -2235,7 +2235,7 @@
           <a:p>
             <a:fld id="{1371499B-6999-409F-9FD6-0E57C3931DBB}" type="datetimeFigureOut">
               <a:rPr lang="zh-CN" altLang="en-US" smtClean="0"/>
-              <a:t>2019-12-26</a:t>
+              <a:t>2020-3-4</a:t>
             </a:fld>
             <a:endParaRPr lang="zh-CN" altLang="en-US"/>
           </a:p>
@@ -2330,7 +2330,7 @@
           <a:p>
             <a:fld id="{1371499B-6999-409F-9FD6-0E57C3931DBB}" type="datetimeFigureOut">
               <a:rPr lang="zh-CN" altLang="en-US" smtClean="0"/>
-              <a:t>2019-12-26</a:t>
+              <a:t>2020-3-4</a:t>
             </a:fld>
             <a:endParaRPr lang="zh-CN" altLang="en-US"/>
           </a:p>
@@ -2605,7 +2605,7 @@
           <a:p>
             <a:fld id="{1371499B-6999-409F-9FD6-0E57C3931DBB}" type="datetimeFigureOut">
               <a:rPr lang="zh-CN" altLang="en-US" smtClean="0"/>
-              <a:t>2019-12-26</a:t>
+              <a:t>2020-3-4</a:t>
             </a:fld>
             <a:endParaRPr lang="zh-CN" altLang="en-US"/>
           </a:p>
@@ -2857,7 +2857,7 @@
           <a:p>
             <a:fld id="{1371499B-6999-409F-9FD6-0E57C3931DBB}" type="datetimeFigureOut">
               <a:rPr lang="zh-CN" altLang="en-US" smtClean="0"/>
-              <a:t>2019-12-26</a:t>
+              <a:t>2020-3-4</a:t>
             </a:fld>
             <a:endParaRPr lang="zh-CN" altLang="en-US"/>
           </a:p>
@@ -3068,7 +3068,7 @@
           <a:p>
             <a:fld id="{1371499B-6999-409F-9FD6-0E57C3931DBB}" type="datetimeFigureOut">
               <a:rPr lang="zh-CN" altLang="en-US" smtClean="0"/>
-              <a:t>2019-12-26</a:t>
+              <a:t>2020-3-4</a:t>
             </a:fld>
             <a:endParaRPr lang="zh-CN" altLang="en-US"/>
           </a:p>
@@ -3473,6 +3473,36 @@
           <a:chExt cx="0" cy="0"/>
         </a:xfrm>
       </p:grpSpPr>
+      <p:pic>
+        <p:nvPicPr>
+          <p:cNvPr id="14" name="Picture 13"/>
+          <p:cNvPicPr>
+            <a:picLocks noChangeAspect="1"/>
+          </p:cNvPicPr>
+          <p:nvPr/>
+        </p:nvPicPr>
+        <p:blipFill>
+          <a:blip r:embed="rId3" cstate="print">
+            <a:extLst>
+              <a:ext uri="{28A0092B-C50C-407E-A947-70E740481C1C}">
+                <a14:useLocalDpi xmlns:a14="http://schemas.microsoft.com/office/drawing/2010/main" val="0"/>
+              </a:ext>
+            </a:extLst>
+          </a:blip>
+          <a:stretch>
+            <a:fillRect/>
+          </a:stretch>
+        </p:blipFill>
+        <p:spPr>
+          <a:xfrm>
+            <a:off x="8879322" y="4931149"/>
+            <a:ext cx="1477498" cy="818216"/>
+          </a:xfrm>
+          <a:prstGeom prst="rect">
+            <a:avLst/>
+          </a:prstGeom>
+        </p:spPr>
+      </p:pic>
       <p:sp>
         <p:nvSpPr>
           <p:cNvPr id="4" name="圆柱形 3"/>
@@ -3481,7 +3511,7 @@
         </p:nvSpPr>
         <p:spPr>
           <a:xfrm>
-            <a:off x="3222755" y="4854482"/>
+            <a:off x="3584705" y="5083082"/>
             <a:ext cx="476033" cy="243425"/>
           </a:xfrm>
           <a:prstGeom prst="can">
@@ -3539,7 +3569,7 @@
         </p:nvSpPr>
         <p:spPr>
           <a:xfrm>
-            <a:off x="4009428" y="4854482"/>
+            <a:off x="4409478" y="5083082"/>
             <a:ext cx="476033" cy="243425"/>
           </a:xfrm>
           <a:prstGeom prst="can">
@@ -3597,7 +3627,7 @@
         </p:nvSpPr>
         <p:spPr>
           <a:xfrm>
-            <a:off x="4787637" y="4854482"/>
+            <a:off x="5282937" y="5083082"/>
             <a:ext cx="476033" cy="243425"/>
           </a:xfrm>
           <a:prstGeom prst="can">
@@ -3655,7 +3685,7 @@
         </p:nvSpPr>
         <p:spPr>
           <a:xfrm>
-            <a:off x="5506580" y="4854482"/>
+            <a:off x="6192380" y="5083082"/>
             <a:ext cx="476033" cy="243425"/>
           </a:xfrm>
           <a:prstGeom prst="can">
@@ -3713,7 +3743,7 @@
         </p:nvSpPr>
         <p:spPr>
           <a:xfrm>
-            <a:off x="6242456" y="4854482"/>
+            <a:off x="7052081" y="5083082"/>
             <a:ext cx="476033" cy="243425"/>
           </a:xfrm>
           <a:prstGeom prst="can">
@@ -3763,30 +3793,1401 @@
           </a:p>
         </p:txBody>
       </p:sp>
-      <p:sp>
-        <p:nvSpPr>
-          <p:cNvPr id="33" name="矩形 32"/>
+      <p:cxnSp>
+        <p:nvCxnSpPr>
+          <p:cNvPr id="57" name="肘形连接符 56"/>
+          <p:cNvCxnSpPr>
+            <a:cxnSpLocks/>
+            <a:stCxn id="54" idx="2"/>
+            <a:endCxn id="53" idx="0"/>
+          </p:cNvCxnSpPr>
+          <p:nvPr/>
+        </p:nvCxnSpPr>
+        <p:spPr>
+          <a:xfrm>
+            <a:off x="4290481" y="4776435"/>
+            <a:ext cx="335675" cy="306647"/>
+          </a:xfrm>
+          <a:prstGeom prst="straightConnector1">
+            <a:avLst/>
+          </a:prstGeom>
+          <a:ln>
+            <a:solidFill>
+              <a:schemeClr val="bg1">
+                <a:lumMod val="65000"/>
+              </a:schemeClr>
+            </a:solidFill>
+            <a:prstDash val="dash"/>
+            <a:tailEnd type="arrow"/>
+          </a:ln>
+        </p:spPr>
+        <p:style>
+          <a:lnRef idx="1">
+            <a:schemeClr val="accent1"/>
+          </a:lnRef>
+          <a:fillRef idx="0">
+            <a:schemeClr val="accent1"/>
+          </a:fillRef>
+          <a:effectRef idx="0">
+            <a:schemeClr val="accent1"/>
+          </a:effectRef>
+          <a:fontRef idx="minor">
+            <a:schemeClr val="tx1"/>
+          </a:fontRef>
+        </p:style>
+      </p:cxnSp>
+      <p:cxnSp>
+        <p:nvCxnSpPr>
+          <p:cNvPr id="58" name="肘形连接符 57"/>
+          <p:cNvCxnSpPr>
+            <a:cxnSpLocks/>
+            <a:stCxn id="54" idx="2"/>
+            <a:endCxn id="148" idx="1"/>
+          </p:cNvCxnSpPr>
+          <p:nvPr/>
+        </p:nvCxnSpPr>
+        <p:spPr>
+          <a:xfrm>
+            <a:off x="4290481" y="4776435"/>
+            <a:ext cx="1021215" cy="318077"/>
+          </a:xfrm>
+          <a:prstGeom prst="straightConnector1">
+            <a:avLst/>
+          </a:prstGeom>
+          <a:ln>
+            <a:solidFill>
+              <a:schemeClr val="bg1">
+                <a:lumMod val="65000"/>
+              </a:schemeClr>
+            </a:solidFill>
+            <a:prstDash val="dash"/>
+            <a:tailEnd type="arrow"/>
+          </a:ln>
+        </p:spPr>
+        <p:style>
+          <a:lnRef idx="1">
+            <a:schemeClr val="accent1"/>
+          </a:lnRef>
+          <a:fillRef idx="0">
+            <a:schemeClr val="accent1"/>
+          </a:fillRef>
+          <a:effectRef idx="0">
+            <a:schemeClr val="accent1"/>
+          </a:effectRef>
+          <a:fontRef idx="minor">
+            <a:schemeClr val="tx1"/>
+          </a:fontRef>
+        </p:style>
+      </p:cxnSp>
+      <p:cxnSp>
+        <p:nvCxnSpPr>
+          <p:cNvPr id="90" name="肘形连接符 89"/>
+          <p:cNvCxnSpPr>
+            <a:cxnSpLocks/>
+            <a:stCxn id="73" idx="2"/>
+            <a:endCxn id="136" idx="7"/>
+          </p:cNvCxnSpPr>
+          <p:nvPr/>
+        </p:nvCxnSpPr>
+        <p:spPr>
+          <a:xfrm flipH="1">
+            <a:off x="4853859" y="4763978"/>
+            <a:ext cx="1471061" cy="334491"/>
+          </a:xfrm>
+          <a:prstGeom prst="straightConnector1">
+            <a:avLst/>
+          </a:prstGeom>
+          <a:ln>
+            <a:solidFill>
+              <a:schemeClr val="bg1">
+                <a:lumMod val="65000"/>
+              </a:schemeClr>
+            </a:solidFill>
+            <a:prstDash val="dash"/>
+            <a:tailEnd type="arrow"/>
+          </a:ln>
+        </p:spPr>
+        <p:style>
+          <a:lnRef idx="1">
+            <a:schemeClr val="accent1"/>
+          </a:lnRef>
+          <a:fillRef idx="0">
+            <a:schemeClr val="accent1"/>
+          </a:fillRef>
+          <a:effectRef idx="0">
+            <a:schemeClr val="accent1"/>
+          </a:effectRef>
+          <a:fontRef idx="minor">
+            <a:schemeClr val="tx1"/>
+          </a:fontRef>
+        </p:style>
+      </p:cxnSp>
+      <p:cxnSp>
+        <p:nvCxnSpPr>
+          <p:cNvPr id="95" name="肘形连接符 94"/>
+          <p:cNvCxnSpPr>
+            <a:cxnSpLocks/>
+            <a:stCxn id="73" idx="2"/>
+            <a:endCxn id="149" idx="7"/>
+          </p:cNvCxnSpPr>
+          <p:nvPr/>
+        </p:nvCxnSpPr>
+        <p:spPr>
+          <a:xfrm flipH="1">
+            <a:off x="5719478" y="4763978"/>
+            <a:ext cx="605442" cy="333709"/>
+          </a:xfrm>
+          <a:prstGeom prst="straightConnector1">
+            <a:avLst/>
+          </a:prstGeom>
+          <a:ln>
+            <a:solidFill>
+              <a:schemeClr val="bg1">
+                <a:lumMod val="65000"/>
+              </a:schemeClr>
+            </a:solidFill>
+            <a:prstDash val="dash"/>
+            <a:tailEnd type="arrow"/>
+          </a:ln>
+        </p:spPr>
+        <p:style>
+          <a:lnRef idx="1">
+            <a:schemeClr val="accent1"/>
+          </a:lnRef>
+          <a:fillRef idx="0">
+            <a:schemeClr val="accent1"/>
+          </a:fillRef>
+          <a:effectRef idx="0">
+            <a:schemeClr val="accent1"/>
+          </a:effectRef>
+          <a:fontRef idx="minor">
+            <a:schemeClr val="tx1"/>
+          </a:fontRef>
+        </p:style>
+      </p:cxnSp>
+      <p:cxnSp>
+        <p:nvCxnSpPr>
+          <p:cNvPr id="98" name="肘形连接符 97"/>
+          <p:cNvCxnSpPr>
+            <a:cxnSpLocks/>
+            <a:stCxn id="73" idx="2"/>
+            <a:endCxn id="7" idx="1"/>
+          </p:cNvCxnSpPr>
+          <p:nvPr/>
+        </p:nvCxnSpPr>
+        <p:spPr>
+          <a:xfrm>
+            <a:off x="6324920" y="4763978"/>
+            <a:ext cx="105477" cy="319104"/>
+          </a:xfrm>
+          <a:prstGeom prst="straightConnector1">
+            <a:avLst/>
+          </a:prstGeom>
+          <a:ln>
+            <a:solidFill>
+              <a:schemeClr val="bg1">
+                <a:lumMod val="65000"/>
+              </a:schemeClr>
+            </a:solidFill>
+            <a:prstDash val="dash"/>
+            <a:tailEnd type="arrow"/>
+          </a:ln>
+        </p:spPr>
+        <p:style>
+          <a:lnRef idx="1">
+            <a:schemeClr val="accent1"/>
+          </a:lnRef>
+          <a:fillRef idx="0">
+            <a:schemeClr val="accent1"/>
+          </a:fillRef>
+          <a:effectRef idx="0">
+            <a:schemeClr val="accent1"/>
+          </a:effectRef>
+          <a:fontRef idx="minor">
+            <a:schemeClr val="tx1"/>
+          </a:fontRef>
+        </p:style>
+      </p:cxnSp>
+      <p:cxnSp>
+        <p:nvCxnSpPr>
+          <p:cNvPr id="101" name="肘形连接符 100"/>
+          <p:cNvCxnSpPr>
+            <a:cxnSpLocks/>
+            <a:stCxn id="73" idx="2"/>
+            <a:endCxn id="150" idx="1"/>
+          </p:cNvCxnSpPr>
+          <p:nvPr/>
+        </p:nvCxnSpPr>
+        <p:spPr>
+          <a:xfrm>
+            <a:off x="6324920" y="4763978"/>
+            <a:ext cx="761404" cy="339571"/>
+          </a:xfrm>
+          <a:prstGeom prst="straightConnector1">
+            <a:avLst/>
+          </a:prstGeom>
+          <a:ln>
+            <a:solidFill>
+              <a:schemeClr val="bg1">
+                <a:lumMod val="65000"/>
+              </a:schemeClr>
+            </a:solidFill>
+            <a:prstDash val="dash"/>
+            <a:tailEnd type="arrow"/>
+          </a:ln>
+        </p:spPr>
+        <p:style>
+          <a:lnRef idx="1">
+            <a:schemeClr val="accent1"/>
+          </a:lnRef>
+          <a:fillRef idx="0">
+            <a:schemeClr val="accent1"/>
+          </a:fillRef>
+          <a:effectRef idx="0">
+            <a:schemeClr val="accent1"/>
+          </a:effectRef>
+          <a:fontRef idx="minor">
+            <a:schemeClr val="tx1"/>
+          </a:fontRef>
+        </p:style>
+      </p:cxnSp>
+      <p:sp>
+        <p:nvSpPr>
+          <p:cNvPr id="2" name="Rectangle: Rounded Corners 1"/>
           <p:cNvSpPr/>
           <p:nvPr/>
         </p:nvSpPr>
         <p:spPr>
           <a:xfrm>
-            <a:off x="3881847" y="5698062"/>
-            <a:ext cx="587020" cy="215444"/>
+            <a:off x="4570056" y="3313628"/>
+            <a:ext cx="1992039" cy="363894"/>
+          </a:xfrm>
+          <a:prstGeom prst="roundRect">
+            <a:avLst/>
+          </a:prstGeom>
+          <a:solidFill>
+            <a:schemeClr val="accent4">
+              <a:alpha val="50000"/>
+            </a:schemeClr>
+          </a:solidFill>
+          <a:ln>
+            <a:noFill/>
+          </a:ln>
+        </p:spPr>
+        <p:style>
+          <a:lnRef idx="2">
+            <a:schemeClr val="accent1">
+              <a:shade val="50000"/>
+            </a:schemeClr>
+          </a:lnRef>
+          <a:fillRef idx="1">
+            <a:schemeClr val="accent1"/>
+          </a:fillRef>
+          <a:effectRef idx="0">
+            <a:schemeClr val="accent1"/>
+          </a:effectRef>
+          <a:fontRef idx="minor">
+            <a:schemeClr val="lt1"/>
+          </a:fontRef>
+        </p:style>
+        <p:txBody>
+          <a:bodyPr rtlCol="0" anchor="ctr"/>
+          <a:lstStyle/>
+          <a:p>
+            <a:pPr algn="ctr"/>
+            <a:r>
+              <a:rPr lang="en-US" sz="1000" b="1" dirty="0">
+                <a:solidFill>
+                  <a:schemeClr val="tx1"/>
+                </a:solidFill>
+                <a:latin typeface="微软雅黑" panose="020B0503020204020204" pitchFamily="34" charset="-122"/>
+                <a:ea typeface="微软雅黑" panose="020B0503020204020204" pitchFamily="34" charset="-122"/>
+              </a:rPr>
+              <a:t>MyCat, Sharding</a:t>
+            </a:r>
+            <a:r>
+              <a:rPr lang="en-US" altLang="zh-CN" sz="1000" b="1" dirty="0">
+                <a:solidFill>
+                  <a:schemeClr val="tx1"/>
+                </a:solidFill>
+                <a:latin typeface="微软雅黑" panose="020B0503020204020204" pitchFamily="34" charset="-122"/>
+                <a:ea typeface="微软雅黑" panose="020B0503020204020204" pitchFamily="34" charset="-122"/>
+              </a:rPr>
+              <a:t>-Proxy</a:t>
+            </a:r>
+            <a:endParaRPr lang="en-US" sz="1000" b="1" dirty="0">
+              <a:solidFill>
+                <a:schemeClr val="tx1"/>
+              </a:solidFill>
+              <a:latin typeface="微软雅黑" panose="020B0503020204020204" pitchFamily="34" charset="-122"/>
+              <a:ea typeface="微软雅黑" panose="020B0503020204020204" pitchFamily="34" charset="-122"/>
+            </a:endParaRPr>
+          </a:p>
+        </p:txBody>
+      </p:sp>
+      <p:sp>
+        <p:nvSpPr>
+          <p:cNvPr id="3" name="Rectangle: Rounded Corners 2"/>
+          <p:cNvSpPr/>
+          <p:nvPr/>
+        </p:nvSpPr>
+        <p:spPr>
+          <a:xfrm>
+            <a:off x="3438525" y="3952961"/>
+            <a:ext cx="4265088" cy="1590224"/>
+          </a:xfrm>
+          <a:prstGeom prst="roundRect">
+            <a:avLst>
+              <a:gd name="adj" fmla="val 4065"/>
+            </a:avLst>
+          </a:prstGeom>
+          <a:noFill/>
+          <a:ln w="6350">
+            <a:solidFill>
+              <a:srgbClr val="3399FF"/>
+            </a:solidFill>
+            <a:prstDash val="sysDash"/>
+          </a:ln>
+        </p:spPr>
+        <p:style>
+          <a:lnRef idx="2">
+            <a:schemeClr val="accent1">
+              <a:shade val="50000"/>
+            </a:schemeClr>
+          </a:lnRef>
+          <a:fillRef idx="1">
+            <a:schemeClr val="accent1"/>
+          </a:fillRef>
+          <a:effectRef idx="0">
+            <a:schemeClr val="accent1"/>
+          </a:effectRef>
+          <a:fontRef idx="minor">
+            <a:schemeClr val="lt1"/>
+          </a:fontRef>
+        </p:style>
+        <p:txBody>
+          <a:bodyPr rot="0" spcFirstLastPara="0" vertOverflow="overflow" horzOverflow="overflow" vert="horz" wrap="square" lIns="91440" tIns="45720" rIns="91440" bIns="45720" numCol="1" spcCol="0" rtlCol="0" fromWordArt="0" anchor="ctr" anchorCtr="0" forceAA="0" compatLnSpc="1">
+            <a:prstTxWarp prst="textNoShape">
+              <a:avLst/>
+            </a:prstTxWarp>
+            <a:noAutofit/>
+          </a:bodyPr>
+          <a:lstStyle/>
+          <a:p>
+            <a:pPr algn="ctr"/>
+            <a:endParaRPr lang="en-US"/>
+          </a:p>
+        </p:txBody>
+      </p:sp>
+      <p:sp>
+        <p:nvSpPr>
+          <p:cNvPr id="16" name="Oval 15"/>
+          <p:cNvSpPr/>
+          <p:nvPr/>
+        </p:nvSpPr>
+        <p:spPr>
+          <a:xfrm>
+            <a:off x="3830869" y="2616453"/>
+            <a:ext cx="849532" cy="381000"/>
+          </a:xfrm>
+          <a:prstGeom prst="ellipse">
+            <a:avLst/>
+          </a:prstGeom>
+          <a:solidFill>
+            <a:schemeClr val="accent6"/>
+          </a:solidFill>
+          <a:ln>
+            <a:noFill/>
+          </a:ln>
+        </p:spPr>
+        <p:style>
+          <a:lnRef idx="2">
+            <a:schemeClr val="accent1">
+              <a:shade val="50000"/>
+            </a:schemeClr>
+          </a:lnRef>
+          <a:fillRef idx="1">
+            <a:schemeClr val="accent1"/>
+          </a:fillRef>
+          <a:effectRef idx="0">
+            <a:schemeClr val="accent1"/>
+          </a:effectRef>
+          <a:fontRef idx="minor">
+            <a:schemeClr val="lt1"/>
+          </a:fontRef>
+        </p:style>
+        <p:txBody>
+          <a:bodyPr lIns="0" tIns="0" rIns="0" bIns="0" rtlCol="0" anchor="ctr"/>
+          <a:lstStyle/>
+          <a:p>
+            <a:pPr algn="ctr"/>
+            <a:r>
+              <a:rPr lang="en-US" sz="900" b="1" dirty="0">
+                <a:latin typeface="微软雅黑" panose="020B0503020204020204" pitchFamily="34" charset="-122"/>
+                <a:ea typeface="微软雅黑" panose="020B0503020204020204" pitchFamily="34" charset="-122"/>
+              </a:rPr>
+              <a:t>Item</a:t>
+            </a:r>
+          </a:p>
+          <a:p>
+            <a:pPr algn="ctr"/>
+            <a:r>
+              <a:rPr lang="en-US" sz="900" b="1" dirty="0">
+                <a:latin typeface="微软雅黑" panose="020B0503020204020204" pitchFamily="34" charset="-122"/>
+                <a:ea typeface="微软雅黑" panose="020B0503020204020204" pitchFamily="34" charset="-122"/>
+              </a:rPr>
+              <a:t>Service</a:t>
+            </a:r>
+          </a:p>
+        </p:txBody>
+      </p:sp>
+      <p:sp>
+        <p:nvSpPr>
+          <p:cNvPr id="64" name="Oval 63"/>
+          <p:cNvSpPr/>
+          <p:nvPr/>
+        </p:nvSpPr>
+        <p:spPr>
+          <a:xfrm>
+            <a:off x="4935471" y="2616453"/>
+            <a:ext cx="849532" cy="381000"/>
+          </a:xfrm>
+          <a:prstGeom prst="ellipse">
+            <a:avLst/>
+          </a:prstGeom>
+          <a:solidFill>
+            <a:schemeClr val="accent6"/>
+          </a:solidFill>
+          <a:ln>
+            <a:noFill/>
+          </a:ln>
+        </p:spPr>
+        <p:style>
+          <a:lnRef idx="2">
+            <a:schemeClr val="accent1">
+              <a:shade val="50000"/>
+            </a:schemeClr>
+          </a:lnRef>
+          <a:fillRef idx="1">
+            <a:schemeClr val="accent1"/>
+          </a:fillRef>
+          <a:effectRef idx="0">
+            <a:schemeClr val="accent1"/>
+          </a:effectRef>
+          <a:fontRef idx="minor">
+            <a:schemeClr val="lt1"/>
+          </a:fontRef>
+        </p:style>
+        <p:txBody>
+          <a:bodyPr lIns="0" tIns="0" rIns="0" bIns="0" rtlCol="0" anchor="ctr"/>
+          <a:lstStyle/>
+          <a:p>
+            <a:pPr algn="ctr"/>
+            <a:r>
+              <a:rPr lang="en-US" sz="900" b="1" dirty="0">
+                <a:latin typeface="微软雅黑" panose="020B0503020204020204" pitchFamily="34" charset="-122"/>
+                <a:ea typeface="微软雅黑" panose="020B0503020204020204" pitchFamily="34" charset="-122"/>
+              </a:rPr>
+              <a:t>Stock</a:t>
+            </a:r>
+          </a:p>
+          <a:p>
+            <a:pPr algn="ctr"/>
+            <a:r>
+              <a:rPr lang="en-US" sz="900" b="1" dirty="0">
+                <a:latin typeface="微软雅黑" panose="020B0503020204020204" pitchFamily="34" charset="-122"/>
+                <a:ea typeface="微软雅黑" panose="020B0503020204020204" pitchFamily="34" charset="-122"/>
+              </a:rPr>
+              <a:t>Service</a:t>
+            </a:r>
+          </a:p>
+        </p:txBody>
+      </p:sp>
+      <p:sp>
+        <p:nvSpPr>
+          <p:cNvPr id="65" name="Oval 64"/>
+          <p:cNvSpPr/>
+          <p:nvPr/>
+        </p:nvSpPr>
+        <p:spPr>
+          <a:xfrm>
+            <a:off x="6289342" y="2614346"/>
+            <a:ext cx="849532" cy="381000"/>
+          </a:xfrm>
+          <a:prstGeom prst="ellipse">
+            <a:avLst/>
+          </a:prstGeom>
+          <a:solidFill>
+            <a:schemeClr val="accent6"/>
+          </a:solidFill>
+          <a:ln>
+            <a:noFill/>
+          </a:ln>
+        </p:spPr>
+        <p:style>
+          <a:lnRef idx="2">
+            <a:schemeClr val="accent1">
+              <a:shade val="50000"/>
+            </a:schemeClr>
+          </a:lnRef>
+          <a:fillRef idx="1">
+            <a:schemeClr val="accent1"/>
+          </a:fillRef>
+          <a:effectRef idx="0">
+            <a:schemeClr val="accent1"/>
+          </a:effectRef>
+          <a:fontRef idx="minor">
+            <a:schemeClr val="lt1"/>
+          </a:fontRef>
+        </p:style>
+        <p:txBody>
+          <a:bodyPr lIns="0" tIns="0" rIns="0" bIns="0" rtlCol="0" anchor="ctr"/>
+          <a:lstStyle/>
+          <a:p>
+            <a:pPr algn="ctr"/>
+            <a:r>
+              <a:rPr lang="en-US" altLang="zh-CN" sz="900" b="1" dirty="0">
+                <a:latin typeface="微软雅黑" panose="020B0503020204020204" pitchFamily="34" charset="-122"/>
+                <a:ea typeface="微软雅黑" panose="020B0503020204020204" pitchFamily="34" charset="-122"/>
+              </a:rPr>
+              <a:t>User</a:t>
+            </a:r>
+            <a:endParaRPr lang="en-US" sz="900" b="1" dirty="0">
+              <a:latin typeface="微软雅黑" panose="020B0503020204020204" pitchFamily="34" charset="-122"/>
+              <a:ea typeface="微软雅黑" panose="020B0503020204020204" pitchFamily="34" charset="-122"/>
+            </a:endParaRPr>
+          </a:p>
+          <a:p>
+            <a:pPr algn="ctr"/>
+            <a:r>
+              <a:rPr lang="en-US" sz="900" b="1" dirty="0">
+                <a:latin typeface="微软雅黑" panose="020B0503020204020204" pitchFamily="34" charset="-122"/>
+                <a:ea typeface="微软雅黑" panose="020B0503020204020204" pitchFamily="34" charset="-122"/>
+              </a:rPr>
+              <a:t>Service</a:t>
+            </a:r>
+          </a:p>
+        </p:txBody>
+      </p:sp>
+      <p:sp>
+        <p:nvSpPr>
+          <p:cNvPr id="66" name="Oval 65"/>
+          <p:cNvSpPr/>
+          <p:nvPr/>
+        </p:nvSpPr>
+        <p:spPr>
+          <a:xfrm>
+            <a:off x="5724454" y="2105569"/>
+            <a:ext cx="849532" cy="381000"/>
+          </a:xfrm>
+          <a:prstGeom prst="ellipse">
+            <a:avLst/>
+          </a:prstGeom>
+          <a:solidFill>
+            <a:schemeClr val="accent6"/>
+          </a:solidFill>
+          <a:ln>
+            <a:noFill/>
+          </a:ln>
+        </p:spPr>
+        <p:style>
+          <a:lnRef idx="2">
+            <a:schemeClr val="accent1">
+              <a:shade val="50000"/>
+            </a:schemeClr>
+          </a:lnRef>
+          <a:fillRef idx="1">
+            <a:schemeClr val="accent1"/>
+          </a:fillRef>
+          <a:effectRef idx="0">
+            <a:schemeClr val="accent1"/>
+          </a:effectRef>
+          <a:fontRef idx="minor">
+            <a:schemeClr val="lt1"/>
+          </a:fontRef>
+        </p:style>
+        <p:txBody>
+          <a:bodyPr lIns="0" tIns="0" rIns="0" bIns="0" rtlCol="0" anchor="ctr"/>
+          <a:lstStyle/>
+          <a:p>
+            <a:pPr algn="ctr"/>
+            <a:r>
+              <a:rPr lang="en-US" altLang="zh-CN" sz="900" b="1" dirty="0">
+                <a:latin typeface="微软雅黑" panose="020B0503020204020204" pitchFamily="34" charset="-122"/>
+                <a:ea typeface="微软雅黑" panose="020B0503020204020204" pitchFamily="34" charset="-122"/>
+              </a:rPr>
+              <a:t>Order</a:t>
+            </a:r>
+            <a:endParaRPr lang="en-US" sz="900" b="1" dirty="0">
+              <a:latin typeface="微软雅黑" panose="020B0503020204020204" pitchFamily="34" charset="-122"/>
+              <a:ea typeface="微软雅黑" panose="020B0503020204020204" pitchFamily="34" charset="-122"/>
+            </a:endParaRPr>
+          </a:p>
+          <a:p>
+            <a:pPr algn="ctr"/>
+            <a:r>
+              <a:rPr lang="en-US" sz="900" b="1" dirty="0">
+                <a:latin typeface="微软雅黑" panose="020B0503020204020204" pitchFamily="34" charset="-122"/>
+                <a:ea typeface="微软雅黑" panose="020B0503020204020204" pitchFamily="34" charset="-122"/>
+              </a:rPr>
+              <a:t>Service</a:t>
+            </a:r>
+          </a:p>
+        </p:txBody>
+      </p:sp>
+      <p:cxnSp>
+        <p:nvCxnSpPr>
+          <p:cNvPr id="67" name="肘形连接符 100"/>
+          <p:cNvCxnSpPr>
+            <a:cxnSpLocks/>
+            <a:stCxn id="66" idx="2"/>
+            <a:endCxn id="16" idx="7"/>
+          </p:cNvCxnSpPr>
+          <p:nvPr/>
+        </p:nvCxnSpPr>
+        <p:spPr>
+          <a:xfrm flipH="1">
+            <a:off x="4555990" y="2296069"/>
+            <a:ext cx="1168464" cy="376180"/>
+          </a:xfrm>
+          <a:prstGeom prst="straightConnector1">
+            <a:avLst/>
+          </a:prstGeom>
+          <a:ln>
+            <a:solidFill>
+              <a:schemeClr val="accent6"/>
+            </a:solidFill>
+            <a:prstDash val="dash"/>
+            <a:tailEnd type="arrow"/>
+          </a:ln>
+        </p:spPr>
+        <p:style>
+          <a:lnRef idx="1">
+            <a:schemeClr val="accent1"/>
+          </a:lnRef>
+          <a:fillRef idx="0">
+            <a:schemeClr val="accent1"/>
+          </a:fillRef>
+          <a:effectRef idx="0">
+            <a:schemeClr val="accent1"/>
+          </a:effectRef>
+          <a:fontRef idx="minor">
+            <a:schemeClr val="tx1"/>
+          </a:fontRef>
+        </p:style>
+      </p:cxnSp>
+      <p:cxnSp>
+        <p:nvCxnSpPr>
+          <p:cNvPr id="84" name="肘形连接符 100"/>
+          <p:cNvCxnSpPr>
+            <a:cxnSpLocks/>
+            <a:stCxn id="66" idx="3"/>
+            <a:endCxn id="64" idx="7"/>
+          </p:cNvCxnSpPr>
+          <p:nvPr/>
+        </p:nvCxnSpPr>
+        <p:spPr>
+          <a:xfrm flipH="1">
+            <a:off x="5660592" y="2430773"/>
+            <a:ext cx="188273" cy="241476"/>
+          </a:xfrm>
+          <a:prstGeom prst="straightConnector1">
+            <a:avLst/>
+          </a:prstGeom>
+          <a:ln>
+            <a:solidFill>
+              <a:schemeClr val="accent6"/>
+            </a:solidFill>
+            <a:prstDash val="dash"/>
+            <a:tailEnd type="arrow"/>
+          </a:ln>
+        </p:spPr>
+        <p:style>
+          <a:lnRef idx="1">
+            <a:schemeClr val="accent1"/>
+          </a:lnRef>
+          <a:fillRef idx="0">
+            <a:schemeClr val="accent1"/>
+          </a:fillRef>
+          <a:effectRef idx="0">
+            <a:schemeClr val="accent1"/>
+          </a:effectRef>
+          <a:fontRef idx="minor">
+            <a:schemeClr val="tx1"/>
+          </a:fontRef>
+        </p:style>
+      </p:cxnSp>
+      <p:cxnSp>
+        <p:nvCxnSpPr>
+          <p:cNvPr id="85" name="肘形连接符 100"/>
+          <p:cNvCxnSpPr>
+            <a:cxnSpLocks/>
+            <a:stCxn id="66" idx="4"/>
+            <a:endCxn id="59" idx="7"/>
+          </p:cNvCxnSpPr>
+          <p:nvPr/>
+        </p:nvCxnSpPr>
+        <p:spPr>
+          <a:xfrm flipH="1">
+            <a:off x="5544485" y="2486569"/>
+            <a:ext cx="604735" cy="823102"/>
+          </a:xfrm>
+          <a:prstGeom prst="straightConnector1">
+            <a:avLst/>
+          </a:prstGeom>
+          <a:ln>
+            <a:solidFill>
+              <a:schemeClr val="accent6"/>
+            </a:solidFill>
+            <a:prstDash val="dash"/>
+            <a:tailEnd type="arrow"/>
+          </a:ln>
+        </p:spPr>
+        <p:style>
+          <a:lnRef idx="1">
+            <a:schemeClr val="accent1"/>
+          </a:lnRef>
+          <a:fillRef idx="0">
+            <a:schemeClr val="accent1"/>
+          </a:fillRef>
+          <a:effectRef idx="0">
+            <a:schemeClr val="accent1"/>
+          </a:effectRef>
+          <a:fontRef idx="minor">
+            <a:schemeClr val="tx1"/>
+          </a:fontRef>
+        </p:style>
+      </p:cxnSp>
+      <p:cxnSp>
+        <p:nvCxnSpPr>
+          <p:cNvPr id="86" name="肘形连接符 100"/>
+          <p:cNvCxnSpPr>
+            <a:cxnSpLocks/>
+            <a:stCxn id="65" idx="3"/>
+            <a:endCxn id="87" idx="7"/>
+          </p:cNvCxnSpPr>
+          <p:nvPr/>
+        </p:nvCxnSpPr>
+        <p:spPr>
+          <a:xfrm flipH="1">
+            <a:off x="5742605" y="2939550"/>
+            <a:ext cx="671148" cy="370121"/>
+          </a:xfrm>
+          <a:prstGeom prst="straightConnector1">
+            <a:avLst/>
+          </a:prstGeom>
+          <a:ln>
+            <a:solidFill>
+              <a:schemeClr val="accent6"/>
+            </a:solidFill>
+            <a:prstDash val="dash"/>
+            <a:tailEnd type="arrow"/>
+          </a:ln>
+        </p:spPr>
+        <p:style>
+          <a:lnRef idx="1">
+            <a:schemeClr val="accent1"/>
+          </a:lnRef>
+          <a:fillRef idx="0">
+            <a:schemeClr val="accent1"/>
+          </a:fillRef>
+          <a:effectRef idx="0">
+            <a:schemeClr val="accent1"/>
+          </a:effectRef>
+          <a:fontRef idx="minor">
+            <a:schemeClr val="tx1"/>
+          </a:fontRef>
+        </p:style>
+      </p:cxnSp>
+      <p:sp>
+        <p:nvSpPr>
+          <p:cNvPr id="59" name="Oval 58"/>
+          <p:cNvSpPr/>
+          <p:nvPr/>
+        </p:nvSpPr>
+        <p:spPr>
+          <a:xfrm>
+            <a:off x="5420908" y="3289584"/>
+            <a:ext cx="144780" cy="137160"/>
+          </a:xfrm>
+          <a:prstGeom prst="ellipse">
+            <a:avLst/>
+          </a:prstGeom>
+          <a:noFill/>
+          <a:ln>
+            <a:noFill/>
+          </a:ln>
+        </p:spPr>
+        <p:style>
+          <a:lnRef idx="2">
+            <a:schemeClr val="accent1">
+              <a:shade val="50000"/>
+            </a:schemeClr>
+          </a:lnRef>
+          <a:fillRef idx="1">
+            <a:schemeClr val="accent1"/>
+          </a:fillRef>
+          <a:effectRef idx="0">
+            <a:schemeClr val="accent1"/>
+          </a:effectRef>
+          <a:fontRef idx="minor">
+            <a:schemeClr val="lt1"/>
+          </a:fontRef>
+        </p:style>
+        <p:txBody>
+          <a:bodyPr rtlCol="0" anchor="ctr"/>
+          <a:lstStyle/>
+          <a:p>
+            <a:pPr algn="ctr"/>
+            <a:endParaRPr lang="en-US"/>
+          </a:p>
+        </p:txBody>
+      </p:sp>
+      <p:sp>
+        <p:nvSpPr>
+          <p:cNvPr id="87" name="Oval 86"/>
+          <p:cNvSpPr/>
+          <p:nvPr/>
+        </p:nvSpPr>
+        <p:spPr>
+          <a:xfrm>
+            <a:off x="5619028" y="3289584"/>
+            <a:ext cx="144780" cy="137160"/>
+          </a:xfrm>
+          <a:prstGeom prst="ellipse">
+            <a:avLst/>
+          </a:prstGeom>
+          <a:noFill/>
+          <a:ln>
+            <a:noFill/>
+          </a:ln>
+        </p:spPr>
+        <p:style>
+          <a:lnRef idx="2">
+            <a:schemeClr val="accent1">
+              <a:shade val="50000"/>
+            </a:schemeClr>
+          </a:lnRef>
+          <a:fillRef idx="1">
+            <a:schemeClr val="accent1"/>
+          </a:fillRef>
+          <a:effectRef idx="0">
+            <a:schemeClr val="accent1"/>
+          </a:effectRef>
+          <a:fontRef idx="minor">
+            <a:schemeClr val="lt1"/>
+          </a:fontRef>
+        </p:style>
+        <p:txBody>
+          <a:bodyPr rtlCol="0" anchor="ctr"/>
+          <a:lstStyle/>
+          <a:p>
+            <a:pPr algn="ctr"/>
+            <a:endParaRPr lang="en-US"/>
+          </a:p>
+        </p:txBody>
+      </p:sp>
+      <p:sp>
+        <p:nvSpPr>
+          <p:cNvPr id="62" name="TextBox 61"/>
+          <p:cNvSpPr txBox="1"/>
+          <p:nvPr/>
+        </p:nvSpPr>
+        <p:spPr>
+          <a:xfrm>
+            <a:off x="3474044" y="3705419"/>
+            <a:ext cx="688009" cy="261610"/>
           </a:xfrm>
           <a:prstGeom prst="rect">
             <a:avLst/>
           </a:prstGeom>
-        </p:spPr>
-        <p:txBody>
-          <a:bodyPr wrap="none">
+          <a:noFill/>
+        </p:spPr>
+        <p:txBody>
+          <a:bodyPr wrap="none" rtlCol="0">
             <a:spAutoFit/>
           </a:bodyPr>
+          <a:lstStyle>
+            <a:defPPr>
+              <a:defRPr lang="zh-CN"/>
+            </a:defPPr>
+            <a:lvl1pPr>
+              <a:defRPr sz="900" b="1">
+                <a:solidFill>
+                  <a:srgbClr val="3399FF"/>
+                </a:solidFill>
+                <a:latin typeface="微软雅黑" panose="020B0503020204020204" pitchFamily="34" charset="-122"/>
+                <a:ea typeface="微软雅黑" panose="020B0503020204020204" pitchFamily="34" charset="-122"/>
+              </a:defRPr>
+            </a:lvl1pPr>
+          </a:lstStyle>
+          <a:p>
+            <a:r>
+              <a:rPr lang="en-US" altLang="zh-CN" sz="1100" dirty="0"/>
+              <a:t>MySQL</a:t>
+            </a:r>
+            <a:endParaRPr lang="en-US" sz="1100" dirty="0"/>
+          </a:p>
+        </p:txBody>
+      </p:sp>
+      <p:sp>
+        <p:nvSpPr>
+          <p:cNvPr id="92" name="TextBox 91"/>
+          <p:cNvSpPr txBox="1"/>
+          <p:nvPr/>
+        </p:nvSpPr>
+        <p:spPr>
+          <a:xfrm>
+            <a:off x="5058653" y="5312353"/>
+            <a:ext cx="1285929" cy="230832"/>
+          </a:xfrm>
+          <a:prstGeom prst="rect">
+            <a:avLst/>
+          </a:prstGeom>
+          <a:noFill/>
+        </p:spPr>
+        <p:txBody>
+          <a:bodyPr wrap="none" rtlCol="0">
+            <a:spAutoFit/>
+          </a:bodyPr>
+          <a:lstStyle/>
+          <a:p>
+            <a:r>
+              <a:rPr lang="en-US" altLang="zh-CN" sz="900" b="1" dirty="0">
+                <a:solidFill>
+                  <a:srgbClr val="3399FF"/>
+                </a:solidFill>
+                <a:latin typeface="微软雅黑" panose="020B0503020204020204" pitchFamily="34" charset="-122"/>
+                <a:ea typeface="微软雅黑" panose="020B0503020204020204" pitchFamily="34" charset="-122"/>
+              </a:rPr>
+              <a:t>Physical Databases</a:t>
+            </a:r>
+            <a:endParaRPr lang="en-US" sz="900" b="1" dirty="0">
+              <a:solidFill>
+                <a:srgbClr val="3399FF"/>
+              </a:solidFill>
+              <a:latin typeface="微软雅黑" panose="020B0503020204020204" pitchFamily="34" charset="-122"/>
+              <a:ea typeface="微软雅黑" panose="020B0503020204020204" pitchFamily="34" charset="-122"/>
+            </a:endParaRPr>
+          </a:p>
+        </p:txBody>
+      </p:sp>
+      <p:sp>
+        <p:nvSpPr>
+          <p:cNvPr id="93" name="TextBox 92"/>
+          <p:cNvSpPr txBox="1"/>
+          <p:nvPr/>
+        </p:nvSpPr>
+        <p:spPr>
+          <a:xfrm>
+            <a:off x="3566498" y="4013974"/>
+            <a:ext cx="1566454" cy="230832"/>
+          </a:xfrm>
+          <a:prstGeom prst="rect">
+            <a:avLst/>
+          </a:prstGeom>
+          <a:noFill/>
+        </p:spPr>
+        <p:txBody>
+          <a:bodyPr wrap="none" rtlCol="0">
+            <a:spAutoFit/>
+          </a:bodyPr>
+          <a:lstStyle>
+            <a:defPPr>
+              <a:defRPr lang="zh-CN"/>
+            </a:defPPr>
+            <a:lvl1pPr algn="r">
+              <a:defRPr sz="800" b="0">
+                <a:solidFill>
+                  <a:srgbClr val="3399FF"/>
+                </a:solidFill>
+                <a:latin typeface="微软雅黑" panose="020B0503020204020204" pitchFamily="34" charset="-122"/>
+                <a:ea typeface="微软雅黑" panose="020B0503020204020204" pitchFamily="34" charset="-122"/>
+              </a:defRPr>
+            </a:lvl1pPr>
+          </a:lstStyle>
+          <a:p>
+            <a:pPr algn="l"/>
+            <a:r>
+              <a:rPr lang="en-US" sz="900" dirty="0"/>
+              <a:t>Logical Schema : db_user</a:t>
+            </a:r>
+          </a:p>
+        </p:txBody>
+      </p:sp>
+      <p:sp>
+        <p:nvSpPr>
+          <p:cNvPr id="94" name="TextBox 93"/>
+          <p:cNvSpPr txBox="1"/>
+          <p:nvPr/>
+        </p:nvSpPr>
+        <p:spPr>
+          <a:xfrm>
+            <a:off x="5396830" y="4011866"/>
+            <a:ext cx="1633781" cy="230832"/>
+          </a:xfrm>
+          <a:prstGeom prst="rect">
+            <a:avLst/>
+          </a:prstGeom>
+          <a:noFill/>
+        </p:spPr>
+        <p:txBody>
+          <a:bodyPr wrap="none" rtlCol="0">
+            <a:spAutoFit/>
+          </a:bodyPr>
+          <a:lstStyle>
+            <a:defPPr>
+              <a:defRPr lang="zh-CN"/>
+            </a:defPPr>
+            <a:lvl1pPr>
+              <a:defRPr sz="900" b="1">
+                <a:solidFill>
+                  <a:srgbClr val="3399FF"/>
+                </a:solidFill>
+                <a:latin typeface="微软雅黑" panose="020B0503020204020204" pitchFamily="34" charset="-122"/>
+                <a:ea typeface="微软雅黑" panose="020B0503020204020204" pitchFamily="34" charset="-122"/>
+              </a:defRPr>
+            </a:lvl1pPr>
+          </a:lstStyle>
+          <a:p>
+            <a:pPr algn="r"/>
+            <a:r>
+              <a:rPr lang="en-US" b="0" dirty="0"/>
+              <a:t>Logical Schema : db_order</a:t>
+            </a:r>
+          </a:p>
+        </p:txBody>
+      </p:sp>
+      <p:sp>
+        <p:nvSpPr>
+          <p:cNvPr id="96" name="Rectangle: Rounded Corners 95"/>
+          <p:cNvSpPr/>
+          <p:nvPr/>
+        </p:nvSpPr>
+        <p:spPr>
+          <a:xfrm>
+            <a:off x="3616919" y="1978502"/>
+            <a:ext cx="3758392" cy="1140827"/>
+          </a:xfrm>
+          <a:prstGeom prst="roundRect">
+            <a:avLst>
+              <a:gd name="adj" fmla="val 5465"/>
+            </a:avLst>
+          </a:prstGeom>
+          <a:noFill/>
+          <a:ln w="6350">
+            <a:solidFill>
+              <a:schemeClr val="accent6"/>
+            </a:solidFill>
+            <a:prstDash val="sysDash"/>
+          </a:ln>
+        </p:spPr>
+        <p:style>
+          <a:lnRef idx="2">
+            <a:schemeClr val="accent1">
+              <a:shade val="50000"/>
+            </a:schemeClr>
+          </a:lnRef>
+          <a:fillRef idx="1">
+            <a:schemeClr val="accent1"/>
+          </a:fillRef>
+          <a:effectRef idx="0">
+            <a:schemeClr val="accent1"/>
+          </a:effectRef>
+          <a:fontRef idx="minor">
+            <a:schemeClr val="lt1"/>
+          </a:fontRef>
+        </p:style>
+        <p:txBody>
+          <a:bodyPr rtlCol="0" anchor="ctr"/>
           <a:lstStyle/>
           <a:p>
             <a:pPr algn="ctr"/>
-            <a:r>
-              <a:rPr lang="en-US" altLang="zh-CN" sz="800" dirty="0">
+            <a:endParaRPr lang="en-US"/>
+          </a:p>
+        </p:txBody>
+      </p:sp>
+      <p:sp>
+        <p:nvSpPr>
+          <p:cNvPr id="100" name="TextBox 99"/>
+          <p:cNvSpPr txBox="1"/>
+          <p:nvPr/>
+        </p:nvSpPr>
+        <p:spPr>
+          <a:xfrm>
+            <a:off x="3619290" y="1994713"/>
+            <a:ext cx="1184940" cy="246221"/>
+          </a:xfrm>
+          <a:prstGeom prst="rect">
+            <a:avLst/>
+          </a:prstGeom>
+          <a:noFill/>
+        </p:spPr>
+        <p:txBody>
+          <a:bodyPr wrap="none" rtlCol="0">
+            <a:spAutoFit/>
+          </a:bodyPr>
+          <a:lstStyle/>
+          <a:p>
+            <a:r>
+              <a:rPr lang="en-US" altLang="zh-CN" sz="1000" b="1" dirty="0">
+                <a:solidFill>
+                  <a:schemeClr val="accent6"/>
+                </a:solidFill>
+                <a:latin typeface="微软雅黑" panose="020B0503020204020204" pitchFamily="34" charset="-122"/>
+                <a:ea typeface="微软雅黑" panose="020B0503020204020204" pitchFamily="34" charset="-122"/>
+              </a:rPr>
+              <a:t>Dubbo Services</a:t>
+            </a:r>
+            <a:endParaRPr lang="en-US" sz="1000" b="1" dirty="0">
+              <a:solidFill>
+                <a:schemeClr val="accent6"/>
+              </a:solidFill>
+              <a:latin typeface="微软雅黑" panose="020B0503020204020204" pitchFamily="34" charset="-122"/>
+              <a:ea typeface="微软雅黑" panose="020B0503020204020204" pitchFamily="34" charset="-122"/>
+            </a:endParaRPr>
+          </a:p>
+        </p:txBody>
+      </p:sp>
+      <p:sp>
+        <p:nvSpPr>
+          <p:cNvPr id="102" name="Oval 101"/>
+          <p:cNvSpPr/>
+          <p:nvPr/>
+        </p:nvSpPr>
+        <p:spPr>
+          <a:xfrm>
+            <a:off x="5070522" y="1339355"/>
+            <a:ext cx="849532" cy="381000"/>
+          </a:xfrm>
+          <a:prstGeom prst="ellipse">
+            <a:avLst/>
+          </a:prstGeom>
+          <a:solidFill>
+            <a:schemeClr val="tx2"/>
+          </a:solidFill>
+          <a:ln>
+            <a:noFill/>
+          </a:ln>
+        </p:spPr>
+        <p:style>
+          <a:lnRef idx="2">
+            <a:schemeClr val="accent1">
+              <a:shade val="50000"/>
+            </a:schemeClr>
+          </a:lnRef>
+          <a:fillRef idx="1">
+            <a:schemeClr val="accent1"/>
+          </a:fillRef>
+          <a:effectRef idx="0">
+            <a:schemeClr val="accent1"/>
+          </a:effectRef>
+          <a:fontRef idx="minor">
+            <a:schemeClr val="lt1"/>
+          </a:fontRef>
+        </p:style>
+        <p:txBody>
+          <a:bodyPr lIns="0" tIns="0" rIns="0" bIns="0" rtlCol="0" anchor="ctr"/>
+          <a:lstStyle/>
+          <a:p>
+            <a:pPr algn="ctr"/>
+            <a:r>
+              <a:rPr lang="en-US" sz="900" b="1" dirty="0">
+                <a:solidFill>
+                  <a:schemeClr val="bg1"/>
+                </a:solidFill>
+                <a:latin typeface="微软雅黑" panose="020B0503020204020204" pitchFamily="34" charset="-122"/>
+                <a:ea typeface="微软雅黑" panose="020B0503020204020204" pitchFamily="34" charset="-122"/>
+              </a:rPr>
+              <a:t>Shop</a:t>
+            </a:r>
+          </a:p>
+          <a:p>
+            <a:pPr algn="ctr"/>
+            <a:r>
+              <a:rPr lang="en-US" sz="900" b="1" dirty="0">
+                <a:solidFill>
+                  <a:schemeClr val="bg1"/>
+                </a:solidFill>
+                <a:latin typeface="微软雅黑" panose="020B0503020204020204" pitchFamily="34" charset="-122"/>
+                <a:ea typeface="微软雅黑" panose="020B0503020204020204" pitchFamily="34" charset="-122"/>
+              </a:rPr>
+              <a:t>Web</a:t>
+            </a:r>
+          </a:p>
+        </p:txBody>
+      </p:sp>
+      <p:cxnSp>
+        <p:nvCxnSpPr>
+          <p:cNvPr id="103" name="Connector: Elbow 102"/>
+          <p:cNvCxnSpPr>
+            <a:cxnSpLocks/>
+            <a:stCxn id="102" idx="4"/>
+            <a:endCxn id="96" idx="0"/>
+          </p:cNvCxnSpPr>
+          <p:nvPr/>
+        </p:nvCxnSpPr>
+        <p:spPr>
+          <a:xfrm rot="16200000" flipH="1">
+            <a:off x="5366628" y="1849014"/>
+            <a:ext cx="258147" cy="827"/>
+          </a:xfrm>
+          <a:prstGeom prst="bentConnector3">
+            <a:avLst/>
+          </a:prstGeom>
+          <a:ln w="12700">
+            <a:solidFill>
+              <a:schemeClr val="tx1">
+                <a:alpha val="70000"/>
+              </a:schemeClr>
+            </a:solidFill>
+            <a:headEnd type="stealth"/>
+            <a:tailEnd type="stealth"/>
+          </a:ln>
+        </p:spPr>
+        <p:style>
+          <a:lnRef idx="1">
+            <a:schemeClr val="accent1"/>
+          </a:lnRef>
+          <a:fillRef idx="0">
+            <a:schemeClr val="accent1"/>
+          </a:fillRef>
+          <a:effectRef idx="0">
+            <a:schemeClr val="accent1"/>
+          </a:effectRef>
+          <a:fontRef idx="minor">
+            <a:schemeClr val="tx1"/>
+          </a:fontRef>
+        </p:style>
+      </p:cxnSp>
+      <p:cxnSp>
+        <p:nvCxnSpPr>
+          <p:cNvPr id="105" name="Connector: Elbow 104"/>
+          <p:cNvCxnSpPr/>
+          <p:nvPr/>
+        </p:nvCxnSpPr>
+        <p:spPr>
+          <a:xfrm rot="5400000">
+            <a:off x="5607675" y="3809186"/>
+            <a:ext cx="240267" cy="387"/>
+          </a:xfrm>
+          <a:prstGeom prst="bentConnector3">
+            <a:avLst/>
+          </a:prstGeom>
+          <a:ln w="12700">
+            <a:solidFill>
+              <a:schemeClr val="tx1">
+                <a:alpha val="70000"/>
+              </a:schemeClr>
+            </a:solidFill>
+            <a:headEnd type="stealth"/>
+            <a:tailEnd type="stealth"/>
+          </a:ln>
+        </p:spPr>
+        <p:style>
+          <a:lnRef idx="1">
+            <a:schemeClr val="accent1"/>
+          </a:lnRef>
+          <a:fillRef idx="0">
+            <a:schemeClr val="accent1"/>
+          </a:fillRef>
+          <a:effectRef idx="0">
+            <a:schemeClr val="accent1"/>
+          </a:effectRef>
+          <a:fontRef idx="minor">
+            <a:schemeClr val="tx1"/>
+          </a:fontRef>
+        </p:style>
+      </p:cxnSp>
+      <p:cxnSp>
+        <p:nvCxnSpPr>
+          <p:cNvPr id="106" name="Connector: Elbow 105"/>
+          <p:cNvCxnSpPr/>
+          <p:nvPr/>
+        </p:nvCxnSpPr>
+        <p:spPr>
+          <a:xfrm rot="5400000">
+            <a:off x="5283825" y="3809186"/>
+            <a:ext cx="240267" cy="387"/>
+          </a:xfrm>
+          <a:prstGeom prst="bentConnector3">
+            <a:avLst/>
+          </a:prstGeom>
+          <a:ln w="12700">
+            <a:solidFill>
+              <a:schemeClr val="tx1">
+                <a:alpha val="70000"/>
+              </a:schemeClr>
+            </a:solidFill>
+            <a:headEnd type="stealth"/>
+            <a:tailEnd type="stealth"/>
+          </a:ln>
+        </p:spPr>
+        <p:style>
+          <a:lnRef idx="1">
+            <a:schemeClr val="accent1"/>
+          </a:lnRef>
+          <a:fillRef idx="0">
+            <a:schemeClr val="accent1"/>
+          </a:fillRef>
+          <a:effectRef idx="0">
+            <a:schemeClr val="accent1"/>
+          </a:effectRef>
+          <a:fontRef idx="minor">
+            <a:schemeClr val="tx1"/>
+          </a:fontRef>
+        </p:style>
+      </p:cxnSp>
+      <p:grpSp>
+        <p:nvGrpSpPr>
+          <p:cNvPr id="29" name="Group 28"/>
+          <p:cNvGrpSpPr/>
+          <p:nvPr/>
+        </p:nvGrpSpPr>
+        <p:grpSpPr>
+          <a:xfrm>
+            <a:off x="3558005" y="4234898"/>
+            <a:ext cx="1515011" cy="541537"/>
+            <a:chOff x="4369044" y="5377654"/>
+            <a:chExt cx="1515011" cy="541537"/>
+          </a:xfrm>
+        </p:grpSpPr>
+        <p:sp>
+          <p:nvSpPr>
+            <p:cNvPr id="33" name="矩形 32"/>
+            <p:cNvSpPr/>
+            <p:nvPr/>
+          </p:nvSpPr>
+          <p:spPr>
+            <a:xfrm>
+              <a:off x="4405722" y="5698062"/>
+              <a:ext cx="587020" cy="215444"/>
+            </a:xfrm>
+            <a:prstGeom prst="rect">
+              <a:avLst/>
+            </a:prstGeom>
+          </p:spPr>
+          <p:txBody>
+            <a:bodyPr wrap="none">
+              <a:spAutoFit/>
+            </a:bodyPr>
+            <a:lstStyle/>
+            <a:p>
+              <a:pPr algn="ctr"/>
+              <a:r>
+                <a:rPr lang="en-US" altLang="zh-CN" sz="800" dirty="0">
+                  <a:solidFill>
+                    <a:schemeClr val="tx1">
+                      <a:lumMod val="65000"/>
+                      <a:lumOff val="35000"/>
+                    </a:schemeClr>
+                  </a:solidFill>
+                  <a:latin typeface="微软雅黑" panose="020B0503020204020204" pitchFamily="34" charset="-122"/>
+                  <a:ea typeface="微软雅黑" panose="020B0503020204020204" pitchFamily="34" charset="-122"/>
+                </a:rPr>
+                <a:t>usr_user</a:t>
+              </a:r>
+              <a:endParaRPr lang="zh-CN" altLang="en-US" sz="800" dirty="0">
                 <a:solidFill>
                   <a:schemeClr val="tx1">
                     <a:lumMod val="65000"/>
@@ -3795,82 +5196,322 @@
                 </a:solidFill>
                 <a:latin typeface="微软雅黑" panose="020B0503020204020204" pitchFamily="34" charset="-122"/>
                 <a:ea typeface="微软雅黑" panose="020B0503020204020204" pitchFamily="34" charset="-122"/>
-              </a:rPr>
-              <a:t>usr_user</a:t>
-            </a:r>
-            <a:endParaRPr lang="zh-CN" altLang="en-US" sz="800" dirty="0">
+              </a:endParaRPr>
+            </a:p>
+          </p:txBody>
+        </p:sp>
+        <p:grpSp>
+          <p:nvGrpSpPr>
+            <p:cNvPr id="34" name="组合 33"/>
+            <p:cNvGrpSpPr/>
+            <p:nvPr/>
+          </p:nvGrpSpPr>
+          <p:grpSpPr>
+            <a:xfrm>
+              <a:off x="4489406" y="5465574"/>
+              <a:ext cx="406569" cy="242211"/>
+              <a:chOff x="2857287" y="3434440"/>
+              <a:chExt cx="492645" cy="370115"/>
+            </a:xfrm>
+          </p:grpSpPr>
+          <p:sp>
+            <p:nvSpPr>
+              <p:cNvPr id="35" name="矩形 34"/>
+              <p:cNvSpPr/>
+              <p:nvPr/>
+            </p:nvSpPr>
+            <p:spPr>
+              <a:xfrm>
+                <a:off x="2857594" y="3434442"/>
+                <a:ext cx="246169" cy="185057"/>
+              </a:xfrm>
+              <a:prstGeom prst="rect">
+                <a:avLst/>
+              </a:prstGeom>
               <a:solidFill>
-                <a:schemeClr val="tx1">
-                  <a:lumMod val="65000"/>
-                  <a:lumOff val="35000"/>
+                <a:schemeClr val="tx2"/>
+              </a:solidFill>
+              <a:ln w="6350">
+                <a:solidFill>
+                  <a:schemeClr val="bg1"/>
+                </a:solidFill>
+                <a:prstDash val="solid"/>
+              </a:ln>
+            </p:spPr>
+            <p:style>
+              <a:lnRef idx="2">
+                <a:schemeClr val="accent1">
+                  <a:shade val="50000"/>
                 </a:schemeClr>
+              </a:lnRef>
+              <a:fillRef idx="1">
+                <a:schemeClr val="accent1"/>
+              </a:fillRef>
+              <a:effectRef idx="0">
+                <a:schemeClr val="accent1"/>
+              </a:effectRef>
+              <a:fontRef idx="minor">
+                <a:schemeClr val="lt1"/>
+              </a:fontRef>
+            </p:style>
+            <p:txBody>
+              <a:bodyPr rtlCol="0" anchor="ctr"/>
+              <a:lstStyle/>
+              <a:p>
+                <a:pPr algn="ctr"/>
+                <a:endParaRPr lang="zh-CN" altLang="en-US" sz="900" dirty="0">
+                  <a:latin typeface="微软雅黑" panose="020B0503020204020204" pitchFamily="34" charset="-122"/>
+                  <a:ea typeface="微软雅黑" panose="020B0503020204020204" pitchFamily="34" charset="-122"/>
+                </a:endParaRPr>
+              </a:p>
+            </p:txBody>
+          </p:sp>
+          <p:sp>
+            <p:nvSpPr>
+              <p:cNvPr id="36" name="矩形 35"/>
+              <p:cNvSpPr/>
+              <p:nvPr/>
+            </p:nvSpPr>
+            <p:spPr>
+              <a:xfrm>
+                <a:off x="3103761" y="3434442"/>
+                <a:ext cx="246169" cy="185057"/>
+              </a:xfrm>
+              <a:prstGeom prst="rect">
+                <a:avLst/>
+              </a:prstGeom>
+              <a:solidFill>
+                <a:schemeClr val="tx2"/>
               </a:solidFill>
-              <a:latin typeface="微软雅黑" panose="020B0503020204020204" pitchFamily="34" charset="-122"/>
-              <a:ea typeface="微软雅黑" panose="020B0503020204020204" pitchFamily="34" charset="-122"/>
-            </a:endParaRPr>
-          </a:p>
-        </p:txBody>
-      </p:sp>
-      <p:grpSp>
-        <p:nvGrpSpPr>
-          <p:cNvPr id="34" name="组合 33"/>
-          <p:cNvGrpSpPr/>
-          <p:nvPr/>
-        </p:nvGrpSpPr>
-        <p:grpSpPr>
-          <a:xfrm>
-            <a:off x="3965531" y="5465574"/>
-            <a:ext cx="406569" cy="242211"/>
-            <a:chOff x="2857287" y="3434440"/>
-            <a:chExt cx="492645" cy="370115"/>
-          </a:xfrm>
-        </p:grpSpPr>
+              <a:ln w="6350">
+                <a:solidFill>
+                  <a:schemeClr val="bg1"/>
+                </a:solidFill>
+                <a:prstDash val="solid"/>
+              </a:ln>
+            </p:spPr>
+            <p:style>
+              <a:lnRef idx="2">
+                <a:schemeClr val="accent1">
+                  <a:shade val="50000"/>
+                </a:schemeClr>
+              </a:lnRef>
+              <a:fillRef idx="1">
+                <a:schemeClr val="accent1"/>
+              </a:fillRef>
+              <a:effectRef idx="0">
+                <a:schemeClr val="accent1"/>
+              </a:effectRef>
+              <a:fontRef idx="minor">
+                <a:schemeClr val="lt1"/>
+              </a:fontRef>
+            </p:style>
+            <p:txBody>
+              <a:bodyPr rtlCol="0" anchor="ctr"/>
+              <a:lstStyle/>
+              <a:p>
+                <a:pPr algn="ctr"/>
+                <a:endParaRPr lang="zh-CN" altLang="en-US" sz="900" dirty="0">
+                  <a:latin typeface="微软雅黑" panose="020B0503020204020204" pitchFamily="34" charset="-122"/>
+                  <a:ea typeface="微软雅黑" panose="020B0503020204020204" pitchFamily="34" charset="-122"/>
+                </a:endParaRPr>
+              </a:p>
+            </p:txBody>
+          </p:sp>
+          <p:sp>
+            <p:nvSpPr>
+              <p:cNvPr id="37" name="矩形 36"/>
+              <p:cNvSpPr/>
+              <p:nvPr/>
+            </p:nvSpPr>
+            <p:spPr>
+              <a:xfrm>
+                <a:off x="2857594" y="3619498"/>
+                <a:ext cx="246169" cy="185057"/>
+              </a:xfrm>
+              <a:prstGeom prst="rect">
+                <a:avLst/>
+              </a:prstGeom>
+              <a:solidFill>
+                <a:schemeClr val="tx2"/>
+              </a:solidFill>
+              <a:ln w="6350">
+                <a:solidFill>
+                  <a:schemeClr val="bg1"/>
+                </a:solidFill>
+                <a:prstDash val="solid"/>
+              </a:ln>
+            </p:spPr>
+            <p:style>
+              <a:lnRef idx="2">
+                <a:schemeClr val="accent1">
+                  <a:shade val="50000"/>
+                </a:schemeClr>
+              </a:lnRef>
+              <a:fillRef idx="1">
+                <a:schemeClr val="accent1"/>
+              </a:fillRef>
+              <a:effectRef idx="0">
+                <a:schemeClr val="accent1"/>
+              </a:effectRef>
+              <a:fontRef idx="minor">
+                <a:schemeClr val="lt1"/>
+              </a:fontRef>
+            </p:style>
+            <p:txBody>
+              <a:bodyPr rtlCol="0" anchor="ctr"/>
+              <a:lstStyle/>
+              <a:p>
+                <a:pPr algn="ctr"/>
+                <a:endParaRPr lang="zh-CN" altLang="en-US" sz="900">
+                  <a:latin typeface="微软雅黑" panose="020B0503020204020204" pitchFamily="34" charset="-122"/>
+                  <a:ea typeface="微软雅黑" panose="020B0503020204020204" pitchFamily="34" charset="-122"/>
+                </a:endParaRPr>
+              </a:p>
+            </p:txBody>
+          </p:sp>
+          <p:sp>
+            <p:nvSpPr>
+              <p:cNvPr id="38" name="矩形 37"/>
+              <p:cNvSpPr/>
+              <p:nvPr/>
+            </p:nvSpPr>
+            <p:spPr>
+              <a:xfrm>
+                <a:off x="3103763" y="3619498"/>
+                <a:ext cx="246169" cy="185057"/>
+              </a:xfrm>
+              <a:prstGeom prst="rect">
+                <a:avLst/>
+              </a:prstGeom>
+              <a:solidFill>
+                <a:schemeClr val="tx2"/>
+              </a:solidFill>
+              <a:ln w="6350">
+                <a:solidFill>
+                  <a:schemeClr val="bg1"/>
+                </a:solidFill>
+                <a:prstDash val="solid"/>
+              </a:ln>
+            </p:spPr>
+            <p:style>
+              <a:lnRef idx="2">
+                <a:schemeClr val="accent1">
+                  <a:shade val="50000"/>
+                </a:schemeClr>
+              </a:lnRef>
+              <a:fillRef idx="1">
+                <a:schemeClr val="accent1"/>
+              </a:fillRef>
+              <a:effectRef idx="0">
+                <a:schemeClr val="accent1"/>
+              </a:effectRef>
+              <a:fontRef idx="minor">
+                <a:schemeClr val="lt1"/>
+              </a:fontRef>
+            </p:style>
+            <p:txBody>
+              <a:bodyPr rtlCol="0" anchor="ctr"/>
+              <a:lstStyle/>
+              <a:p>
+                <a:pPr algn="ctr"/>
+                <a:endParaRPr lang="zh-CN" altLang="en-US" sz="900">
+                  <a:latin typeface="微软雅黑" panose="020B0503020204020204" pitchFamily="34" charset="-122"/>
+                  <a:ea typeface="微软雅黑" panose="020B0503020204020204" pitchFamily="34" charset="-122"/>
+                </a:endParaRPr>
+              </a:p>
+            </p:txBody>
+          </p:sp>
+          <p:sp>
+            <p:nvSpPr>
+              <p:cNvPr id="39" name="矩形 38"/>
+              <p:cNvSpPr/>
+              <p:nvPr/>
+            </p:nvSpPr>
+            <p:spPr>
+              <a:xfrm>
+                <a:off x="2857287" y="3434440"/>
+                <a:ext cx="492338" cy="370115"/>
+              </a:xfrm>
+              <a:prstGeom prst="rect">
+                <a:avLst/>
+              </a:prstGeom>
+              <a:noFill/>
+              <a:ln>
+                <a:noFill/>
+              </a:ln>
+            </p:spPr>
+            <p:style>
+              <a:lnRef idx="2">
+                <a:schemeClr val="accent1">
+                  <a:shade val="50000"/>
+                </a:schemeClr>
+              </a:lnRef>
+              <a:fillRef idx="1">
+                <a:schemeClr val="accent1"/>
+              </a:fillRef>
+              <a:effectRef idx="0">
+                <a:schemeClr val="accent1"/>
+              </a:effectRef>
+              <a:fontRef idx="minor">
+                <a:schemeClr val="lt1"/>
+              </a:fontRef>
+            </p:style>
+            <p:txBody>
+              <a:bodyPr rtlCol="0" anchor="ctr"/>
+              <a:lstStyle/>
+              <a:p>
+                <a:pPr algn="ctr"/>
+                <a:endParaRPr lang="zh-CN" altLang="en-US" sz="900">
+                  <a:latin typeface="微软雅黑" panose="020B0503020204020204" pitchFamily="34" charset="-122"/>
+                  <a:ea typeface="微软雅黑" panose="020B0503020204020204" pitchFamily="34" charset="-122"/>
+                </a:endParaRPr>
+              </a:p>
+            </p:txBody>
+          </p:sp>
+        </p:grpSp>
         <p:sp>
           <p:nvSpPr>
-            <p:cNvPr id="35" name="矩形 34"/>
+            <p:cNvPr id="40" name="矩形 39"/>
             <p:cNvSpPr/>
             <p:nvPr/>
           </p:nvSpPr>
           <p:spPr>
             <a:xfrm>
-              <a:off x="2857594" y="3434442"/>
-              <a:ext cx="246169" cy="185057"/>
+              <a:off x="4862621" y="5698062"/>
+              <a:ext cx="1021434" cy="215444"/>
             </a:xfrm>
             <a:prstGeom prst="rect">
               <a:avLst/>
             </a:prstGeom>
-            <a:solidFill>
-              <a:schemeClr val="tx2"/>
-            </a:solidFill>
-            <a:ln w="6350">
-              <a:solidFill>
-                <a:schemeClr val="bg1"/>
-              </a:solidFill>
-              <a:prstDash val="solid"/>
-            </a:ln>
           </p:spPr>
-          <p:style>
-            <a:lnRef idx="2">
-              <a:schemeClr val="accent1">
-                <a:shade val="50000"/>
-              </a:schemeClr>
-            </a:lnRef>
-            <a:fillRef idx="1">
-              <a:schemeClr val="accent1"/>
-            </a:fillRef>
-            <a:effectRef idx="0">
-              <a:schemeClr val="accent1"/>
-            </a:effectRef>
-            <a:fontRef idx="minor">
-              <a:schemeClr val="lt1"/>
-            </a:fontRef>
-          </p:style>
           <p:txBody>
-            <a:bodyPr rtlCol="0" anchor="ctr"/>
+            <a:bodyPr wrap="none">
+              <a:spAutoFit/>
+            </a:bodyPr>
             <a:lstStyle/>
             <a:p>
               <a:pPr algn="ctr"/>
-              <a:endParaRPr lang="zh-CN" altLang="en-US" sz="900" dirty="0">
+              <a:r>
+                <a:rPr lang="en-US" altLang="zh-CN" sz="800" dirty="0">
+                  <a:solidFill>
+                    <a:schemeClr val="tx1">
+                      <a:lumMod val="65000"/>
+                      <a:lumOff val="35000"/>
+                    </a:schemeClr>
+                  </a:solidFill>
+                  <a:latin typeface="微软雅黑" panose="020B0503020204020204" pitchFamily="34" charset="-122"/>
+                  <a:ea typeface="微软雅黑" panose="020B0503020204020204" pitchFamily="34" charset="-122"/>
+                </a:rPr>
+                <a:t>usr_user_account</a:t>
+              </a:r>
+              <a:endParaRPr lang="zh-CN" altLang="en-US" sz="800" dirty="0">
+                <a:solidFill>
+                  <a:schemeClr val="tx1">
+                    <a:lumMod val="65000"/>
+                    <a:lumOff val="35000"/>
+                  </a:schemeClr>
+                </a:solidFill>
                 <a:latin typeface="微软雅黑" panose="020B0503020204020204" pitchFamily="34" charset="-122"/>
                 <a:ea typeface="微软雅黑" panose="020B0503020204020204" pitchFamily="34" charset="-122"/>
               </a:endParaRPr>
@@ -3879,78 +5520,29 @@
         </p:sp>
         <p:sp>
           <p:nvSpPr>
-            <p:cNvPr id="36" name="矩形 35"/>
+            <p:cNvPr id="54" name="圆角矩形 53"/>
             <p:cNvSpPr/>
             <p:nvPr/>
           </p:nvSpPr>
           <p:spPr>
             <a:xfrm>
-              <a:off x="3103761" y="3434442"/>
-              <a:ext cx="246169" cy="185057"/>
+              <a:off x="4369044" y="5377654"/>
+              <a:ext cx="1464952" cy="541537"/>
             </a:xfrm>
-            <a:prstGeom prst="rect">
-              <a:avLst/>
+            <a:prstGeom prst="roundRect">
+              <a:avLst>
+                <a:gd name="adj" fmla="val 11085"/>
+              </a:avLst>
             </a:prstGeom>
-            <a:solidFill>
-              <a:schemeClr val="tx2"/>
-            </a:solidFill>
+            <a:noFill/>
             <a:ln w="6350">
               <a:solidFill>
-                <a:schemeClr val="bg1"/>
+                <a:schemeClr val="bg1">
+                  <a:lumMod val="75000"/>
+                  <a:alpha val="90000"/>
+                </a:schemeClr>
               </a:solidFill>
-              <a:prstDash val="solid"/>
-            </a:ln>
-          </p:spPr>
-          <p:style>
-            <a:lnRef idx="2">
-              <a:schemeClr val="accent1">
-                <a:shade val="50000"/>
-              </a:schemeClr>
-            </a:lnRef>
-            <a:fillRef idx="1">
-              <a:schemeClr val="accent1"/>
-            </a:fillRef>
-            <a:effectRef idx="0">
-              <a:schemeClr val="accent1"/>
-            </a:effectRef>
-            <a:fontRef idx="minor">
-              <a:schemeClr val="lt1"/>
-            </a:fontRef>
-          </p:style>
-          <p:txBody>
-            <a:bodyPr rtlCol="0" anchor="ctr"/>
-            <a:lstStyle/>
-            <a:p>
-              <a:pPr algn="ctr"/>
-              <a:endParaRPr lang="zh-CN" altLang="en-US" sz="900" dirty="0">
-                <a:latin typeface="微软雅黑" panose="020B0503020204020204" pitchFamily="34" charset="-122"/>
-                <a:ea typeface="微软雅黑" panose="020B0503020204020204" pitchFamily="34" charset="-122"/>
-              </a:endParaRPr>
-            </a:p>
-          </p:txBody>
-        </p:sp>
-        <p:sp>
-          <p:nvSpPr>
-            <p:cNvPr id="37" name="矩形 36"/>
-            <p:cNvSpPr/>
-            <p:nvPr/>
-          </p:nvSpPr>
-          <p:spPr>
-            <a:xfrm>
-              <a:off x="2857594" y="3619498"/>
-              <a:ext cx="246169" cy="185057"/>
-            </a:xfrm>
-            <a:prstGeom prst="rect">
-              <a:avLst/>
-            </a:prstGeom>
-            <a:solidFill>
-              <a:schemeClr val="tx2"/>
-            </a:solidFill>
-            <a:ln w="6350">
-              <a:solidFill>
-                <a:schemeClr val="bg1"/>
-              </a:solidFill>
-              <a:prstDash val="solid"/>
+              <a:prstDash val="dash"/>
             </a:ln>
           </p:spPr>
           <p:style>
@@ -3981,28 +5573,460 @@
             </a:p>
           </p:txBody>
         </p:sp>
+        <p:grpSp>
+          <p:nvGrpSpPr>
+            <p:cNvPr id="107" name="组合 33"/>
+            <p:cNvGrpSpPr/>
+            <p:nvPr/>
+          </p:nvGrpSpPr>
+          <p:grpSpPr>
+            <a:xfrm>
+              <a:off x="5201767" y="5465817"/>
+              <a:ext cx="406569" cy="242211"/>
+              <a:chOff x="2857287" y="3434440"/>
+              <a:chExt cx="492645" cy="370115"/>
+            </a:xfrm>
+          </p:grpSpPr>
+          <p:sp>
+            <p:nvSpPr>
+              <p:cNvPr id="108" name="矩形 34"/>
+              <p:cNvSpPr/>
+              <p:nvPr/>
+            </p:nvSpPr>
+            <p:spPr>
+              <a:xfrm>
+                <a:off x="2857594" y="3434442"/>
+                <a:ext cx="246169" cy="185057"/>
+              </a:xfrm>
+              <a:prstGeom prst="rect">
+                <a:avLst/>
+              </a:prstGeom>
+              <a:solidFill>
+                <a:schemeClr val="tx2"/>
+              </a:solidFill>
+              <a:ln w="6350">
+                <a:solidFill>
+                  <a:schemeClr val="bg1"/>
+                </a:solidFill>
+                <a:prstDash val="solid"/>
+              </a:ln>
+            </p:spPr>
+            <p:style>
+              <a:lnRef idx="2">
+                <a:schemeClr val="accent1">
+                  <a:shade val="50000"/>
+                </a:schemeClr>
+              </a:lnRef>
+              <a:fillRef idx="1">
+                <a:schemeClr val="accent1"/>
+              </a:fillRef>
+              <a:effectRef idx="0">
+                <a:schemeClr val="accent1"/>
+              </a:effectRef>
+              <a:fontRef idx="minor">
+                <a:schemeClr val="lt1"/>
+              </a:fontRef>
+            </p:style>
+            <p:txBody>
+              <a:bodyPr rtlCol="0" anchor="ctr"/>
+              <a:lstStyle/>
+              <a:p>
+                <a:pPr algn="ctr"/>
+                <a:endParaRPr lang="zh-CN" altLang="en-US" sz="900" dirty="0">
+                  <a:latin typeface="微软雅黑" panose="020B0503020204020204" pitchFamily="34" charset="-122"/>
+                  <a:ea typeface="微软雅黑" panose="020B0503020204020204" pitchFamily="34" charset="-122"/>
+                </a:endParaRPr>
+              </a:p>
+            </p:txBody>
+          </p:sp>
+          <p:sp>
+            <p:nvSpPr>
+              <p:cNvPr id="109" name="矩形 35"/>
+              <p:cNvSpPr/>
+              <p:nvPr/>
+            </p:nvSpPr>
+            <p:spPr>
+              <a:xfrm>
+                <a:off x="3103761" y="3434442"/>
+                <a:ext cx="246169" cy="185057"/>
+              </a:xfrm>
+              <a:prstGeom prst="rect">
+                <a:avLst/>
+              </a:prstGeom>
+              <a:solidFill>
+                <a:schemeClr val="tx2"/>
+              </a:solidFill>
+              <a:ln w="6350">
+                <a:solidFill>
+                  <a:schemeClr val="bg1"/>
+                </a:solidFill>
+                <a:prstDash val="solid"/>
+              </a:ln>
+            </p:spPr>
+            <p:style>
+              <a:lnRef idx="2">
+                <a:schemeClr val="accent1">
+                  <a:shade val="50000"/>
+                </a:schemeClr>
+              </a:lnRef>
+              <a:fillRef idx="1">
+                <a:schemeClr val="accent1"/>
+              </a:fillRef>
+              <a:effectRef idx="0">
+                <a:schemeClr val="accent1"/>
+              </a:effectRef>
+              <a:fontRef idx="minor">
+                <a:schemeClr val="lt1"/>
+              </a:fontRef>
+            </p:style>
+            <p:txBody>
+              <a:bodyPr rtlCol="0" anchor="ctr"/>
+              <a:lstStyle/>
+              <a:p>
+                <a:pPr algn="ctr"/>
+                <a:endParaRPr lang="zh-CN" altLang="en-US" sz="900" dirty="0">
+                  <a:latin typeface="微软雅黑" panose="020B0503020204020204" pitchFamily="34" charset="-122"/>
+                  <a:ea typeface="微软雅黑" panose="020B0503020204020204" pitchFamily="34" charset="-122"/>
+                </a:endParaRPr>
+              </a:p>
+            </p:txBody>
+          </p:sp>
+          <p:sp>
+            <p:nvSpPr>
+              <p:cNvPr id="110" name="矩形 36"/>
+              <p:cNvSpPr/>
+              <p:nvPr/>
+            </p:nvSpPr>
+            <p:spPr>
+              <a:xfrm>
+                <a:off x="2857594" y="3619498"/>
+                <a:ext cx="246169" cy="185057"/>
+              </a:xfrm>
+              <a:prstGeom prst="rect">
+                <a:avLst/>
+              </a:prstGeom>
+              <a:solidFill>
+                <a:schemeClr val="tx2"/>
+              </a:solidFill>
+              <a:ln w="6350">
+                <a:solidFill>
+                  <a:schemeClr val="bg1"/>
+                </a:solidFill>
+                <a:prstDash val="solid"/>
+              </a:ln>
+            </p:spPr>
+            <p:style>
+              <a:lnRef idx="2">
+                <a:schemeClr val="accent1">
+                  <a:shade val="50000"/>
+                </a:schemeClr>
+              </a:lnRef>
+              <a:fillRef idx="1">
+                <a:schemeClr val="accent1"/>
+              </a:fillRef>
+              <a:effectRef idx="0">
+                <a:schemeClr val="accent1"/>
+              </a:effectRef>
+              <a:fontRef idx="minor">
+                <a:schemeClr val="lt1"/>
+              </a:fontRef>
+            </p:style>
+            <p:txBody>
+              <a:bodyPr rtlCol="0" anchor="ctr"/>
+              <a:lstStyle/>
+              <a:p>
+                <a:pPr algn="ctr"/>
+                <a:endParaRPr lang="zh-CN" altLang="en-US" sz="900">
+                  <a:latin typeface="微软雅黑" panose="020B0503020204020204" pitchFamily="34" charset="-122"/>
+                  <a:ea typeface="微软雅黑" panose="020B0503020204020204" pitchFamily="34" charset="-122"/>
+                </a:endParaRPr>
+              </a:p>
+            </p:txBody>
+          </p:sp>
+          <p:sp>
+            <p:nvSpPr>
+              <p:cNvPr id="111" name="矩形 37"/>
+              <p:cNvSpPr/>
+              <p:nvPr/>
+            </p:nvSpPr>
+            <p:spPr>
+              <a:xfrm>
+                <a:off x="3103763" y="3619498"/>
+                <a:ext cx="246169" cy="185057"/>
+              </a:xfrm>
+              <a:prstGeom prst="rect">
+                <a:avLst/>
+              </a:prstGeom>
+              <a:solidFill>
+                <a:schemeClr val="tx2"/>
+              </a:solidFill>
+              <a:ln w="6350">
+                <a:solidFill>
+                  <a:schemeClr val="bg1"/>
+                </a:solidFill>
+                <a:prstDash val="solid"/>
+              </a:ln>
+            </p:spPr>
+            <p:style>
+              <a:lnRef idx="2">
+                <a:schemeClr val="accent1">
+                  <a:shade val="50000"/>
+                </a:schemeClr>
+              </a:lnRef>
+              <a:fillRef idx="1">
+                <a:schemeClr val="accent1"/>
+              </a:fillRef>
+              <a:effectRef idx="0">
+                <a:schemeClr val="accent1"/>
+              </a:effectRef>
+              <a:fontRef idx="minor">
+                <a:schemeClr val="lt1"/>
+              </a:fontRef>
+            </p:style>
+            <p:txBody>
+              <a:bodyPr rtlCol="0" anchor="ctr"/>
+              <a:lstStyle/>
+              <a:p>
+                <a:pPr algn="ctr"/>
+                <a:endParaRPr lang="zh-CN" altLang="en-US" sz="900">
+                  <a:latin typeface="微软雅黑" panose="020B0503020204020204" pitchFamily="34" charset="-122"/>
+                  <a:ea typeface="微软雅黑" panose="020B0503020204020204" pitchFamily="34" charset="-122"/>
+                </a:endParaRPr>
+              </a:p>
+            </p:txBody>
+          </p:sp>
+          <p:sp>
+            <p:nvSpPr>
+              <p:cNvPr id="112" name="矩形 38"/>
+              <p:cNvSpPr/>
+              <p:nvPr/>
+            </p:nvSpPr>
+            <p:spPr>
+              <a:xfrm>
+                <a:off x="2857287" y="3434440"/>
+                <a:ext cx="492338" cy="370115"/>
+              </a:xfrm>
+              <a:prstGeom prst="rect">
+                <a:avLst/>
+              </a:prstGeom>
+              <a:noFill/>
+              <a:ln>
+                <a:noFill/>
+              </a:ln>
+            </p:spPr>
+            <p:style>
+              <a:lnRef idx="2">
+                <a:schemeClr val="accent1">
+                  <a:shade val="50000"/>
+                </a:schemeClr>
+              </a:lnRef>
+              <a:fillRef idx="1">
+                <a:schemeClr val="accent1"/>
+              </a:fillRef>
+              <a:effectRef idx="0">
+                <a:schemeClr val="accent1"/>
+              </a:effectRef>
+              <a:fontRef idx="minor">
+                <a:schemeClr val="lt1"/>
+              </a:fontRef>
+            </p:style>
+            <p:txBody>
+              <a:bodyPr rtlCol="0" anchor="ctr"/>
+              <a:lstStyle/>
+              <a:p>
+                <a:pPr algn="ctr"/>
+                <a:endParaRPr lang="zh-CN" altLang="en-US" sz="900">
+                  <a:latin typeface="微软雅黑" panose="020B0503020204020204" pitchFamily="34" charset="-122"/>
+                  <a:ea typeface="微软雅黑" panose="020B0503020204020204" pitchFamily="34" charset="-122"/>
+                </a:endParaRPr>
+              </a:p>
+            </p:txBody>
+          </p:sp>
+        </p:grpSp>
+      </p:grpSp>
+      <p:grpSp>
+        <p:nvGrpSpPr>
+          <p:cNvPr id="46" name="Group 45"/>
+          <p:cNvGrpSpPr/>
+          <p:nvPr/>
+        </p:nvGrpSpPr>
+        <p:grpSpPr>
+          <a:xfrm>
+            <a:off x="5114686" y="4224860"/>
+            <a:ext cx="2420468" cy="539118"/>
+            <a:chOff x="4857511" y="3996260"/>
+            <a:chExt cx="2420468" cy="539118"/>
+          </a:xfrm>
+        </p:grpSpPr>
         <p:sp>
           <p:nvSpPr>
-            <p:cNvPr id="38" name="矩形 37"/>
+            <p:cNvPr id="47" name="矩形 46"/>
             <p:cNvSpPr/>
             <p:nvPr/>
           </p:nvSpPr>
           <p:spPr>
             <a:xfrm>
-              <a:off x="3103763" y="3619498"/>
-              <a:ext cx="246169" cy="185057"/>
+              <a:off x="6357535" y="4000044"/>
+              <a:ext cx="920444" cy="215444"/>
             </a:xfrm>
             <a:prstGeom prst="rect">
               <a:avLst/>
             </a:prstGeom>
-            <a:solidFill>
-              <a:schemeClr val="tx2"/>
-            </a:solidFill>
+          </p:spPr>
+          <p:txBody>
+            <a:bodyPr wrap="none">
+              <a:spAutoFit/>
+            </a:bodyPr>
+            <a:lstStyle/>
+            <a:p>
+              <a:pPr algn="ctr"/>
+              <a:r>
+                <a:rPr lang="en-US" altLang="zh-CN" sz="800" dirty="0">
+                  <a:solidFill>
+                    <a:schemeClr val="tx1">
+                      <a:lumMod val="65000"/>
+                      <a:lumOff val="35000"/>
+                    </a:schemeClr>
+                  </a:solidFill>
+                  <a:latin typeface="微软雅黑" panose="020B0503020204020204" pitchFamily="34" charset="-122"/>
+                  <a:ea typeface="微软雅黑" panose="020B0503020204020204" pitchFamily="34" charset="-122"/>
+                </a:rPr>
+                <a:t>ord_user_order</a:t>
+              </a:r>
+              <a:endParaRPr lang="zh-CN" altLang="en-US" sz="800" dirty="0">
+                <a:solidFill>
+                  <a:schemeClr val="tx1">
+                    <a:lumMod val="65000"/>
+                    <a:lumOff val="35000"/>
+                  </a:schemeClr>
+                </a:solidFill>
+                <a:latin typeface="微软雅黑" panose="020B0503020204020204" pitchFamily="34" charset="-122"/>
+                <a:ea typeface="微软雅黑" panose="020B0503020204020204" pitchFamily="34" charset="-122"/>
+              </a:endParaRPr>
+            </a:p>
+          </p:txBody>
+        </p:sp>
+        <p:sp>
+          <p:nvSpPr>
+            <p:cNvPr id="69" name="矩形 68"/>
+            <p:cNvSpPr/>
+            <p:nvPr/>
+          </p:nvSpPr>
+          <p:spPr>
+            <a:xfrm>
+              <a:off x="4857511" y="3999616"/>
+              <a:ext cx="667170" cy="215444"/>
+            </a:xfrm>
+            <a:prstGeom prst="rect">
+              <a:avLst/>
+            </a:prstGeom>
+          </p:spPr>
+          <p:txBody>
+            <a:bodyPr wrap="none">
+              <a:spAutoFit/>
+            </a:bodyPr>
+            <a:lstStyle/>
+            <a:p>
+              <a:pPr algn="ctr"/>
+              <a:r>
+                <a:rPr lang="en-US" altLang="zh-CN" sz="800" dirty="0">
+                  <a:solidFill>
+                    <a:schemeClr val="tx1">
+                      <a:lumMod val="65000"/>
+                      <a:lumOff val="35000"/>
+                    </a:schemeClr>
+                  </a:solidFill>
+                  <a:latin typeface="微软雅黑" panose="020B0503020204020204" pitchFamily="34" charset="-122"/>
+                  <a:ea typeface="微软雅黑" panose="020B0503020204020204" pitchFamily="34" charset="-122"/>
+                </a:rPr>
+                <a:t>ord_order</a:t>
+              </a:r>
+              <a:endParaRPr lang="zh-CN" altLang="en-US" sz="800" dirty="0">
+                <a:solidFill>
+                  <a:schemeClr val="tx1">
+                    <a:lumMod val="65000"/>
+                    <a:lumOff val="35000"/>
+                  </a:schemeClr>
+                </a:solidFill>
+                <a:latin typeface="微软雅黑" panose="020B0503020204020204" pitchFamily="34" charset="-122"/>
+                <a:ea typeface="微软雅黑" panose="020B0503020204020204" pitchFamily="34" charset="-122"/>
+              </a:endParaRPr>
+            </a:p>
+          </p:txBody>
+        </p:sp>
+        <p:sp>
+          <p:nvSpPr>
+            <p:cNvPr id="71" name="矩形 70"/>
+            <p:cNvSpPr/>
+            <p:nvPr/>
+          </p:nvSpPr>
+          <p:spPr>
+            <a:xfrm>
+              <a:off x="5527211" y="3996260"/>
+              <a:ext cx="933268" cy="215444"/>
+            </a:xfrm>
+            <a:prstGeom prst="rect">
+              <a:avLst/>
+            </a:prstGeom>
+          </p:spPr>
+          <p:txBody>
+            <a:bodyPr wrap="none">
+              <a:spAutoFit/>
+            </a:bodyPr>
+            <a:lstStyle/>
+            <a:p>
+              <a:pPr algn="ctr"/>
+              <a:r>
+                <a:rPr lang="en-US" altLang="zh-CN" sz="800" dirty="0">
+                  <a:solidFill>
+                    <a:schemeClr val="tx1">
+                      <a:lumMod val="65000"/>
+                      <a:lumOff val="35000"/>
+                    </a:schemeClr>
+                  </a:solidFill>
+                  <a:latin typeface="微软雅黑" panose="020B0503020204020204" pitchFamily="34" charset="-122"/>
+                  <a:ea typeface="微软雅黑" panose="020B0503020204020204" pitchFamily="34" charset="-122"/>
+                </a:rPr>
+                <a:t>ord_order_item</a:t>
+              </a:r>
+              <a:endParaRPr lang="zh-CN" altLang="en-US" sz="800" dirty="0">
+                <a:solidFill>
+                  <a:schemeClr val="tx1">
+                    <a:lumMod val="65000"/>
+                    <a:lumOff val="35000"/>
+                  </a:schemeClr>
+                </a:solidFill>
+                <a:latin typeface="微软雅黑" panose="020B0503020204020204" pitchFamily="34" charset="-122"/>
+                <a:ea typeface="微软雅黑" panose="020B0503020204020204" pitchFamily="34" charset="-122"/>
+              </a:endParaRPr>
+            </a:p>
+          </p:txBody>
+        </p:sp>
+        <p:sp>
+          <p:nvSpPr>
+            <p:cNvPr id="73" name="圆角矩形 72"/>
+            <p:cNvSpPr/>
+            <p:nvPr/>
+          </p:nvSpPr>
+          <p:spPr>
+            <a:xfrm>
+              <a:off x="4857511" y="4011076"/>
+              <a:ext cx="2420468" cy="524302"/>
+            </a:xfrm>
+            <a:prstGeom prst="roundRect">
+              <a:avLst>
+                <a:gd name="adj" fmla="val 11085"/>
+              </a:avLst>
+            </a:prstGeom>
+            <a:noFill/>
             <a:ln w="6350">
               <a:solidFill>
-                <a:schemeClr val="bg1"/>
+                <a:schemeClr val="bg1">
+                  <a:lumMod val="75000"/>
+                  <a:alpha val="90000"/>
+                </a:schemeClr>
               </a:solidFill>
-              <a:prstDash val="solid"/>
+              <a:prstDash val="dash"/>
             </a:ln>
           </p:spPr>
           <p:style>
@@ -4033,64 +6057,1589 @@
             </a:p>
           </p:txBody>
         </p:sp>
-        <p:sp>
-          <p:nvSpPr>
-            <p:cNvPr id="39" name="矩形 38"/>
-            <p:cNvSpPr/>
+        <p:grpSp>
+          <p:nvGrpSpPr>
+            <p:cNvPr id="113" name="组合 33"/>
+            <p:cNvGrpSpPr/>
             <p:nvPr/>
-          </p:nvSpPr>
-          <p:spPr>
+          </p:nvGrpSpPr>
+          <p:grpSpPr>
             <a:xfrm>
-              <a:off x="2857287" y="3434440"/>
-              <a:ext cx="492338" cy="370115"/>
+              <a:off x="6575651" y="4210778"/>
+              <a:ext cx="406569" cy="242211"/>
+              <a:chOff x="2857287" y="3434440"/>
+              <a:chExt cx="492645" cy="370115"/>
             </a:xfrm>
-            <a:prstGeom prst="rect">
-              <a:avLst/>
-            </a:prstGeom>
-            <a:noFill/>
-            <a:ln>
+          </p:grpSpPr>
+          <p:sp>
+            <p:nvSpPr>
+              <p:cNvPr id="114" name="矩形 34"/>
+              <p:cNvSpPr/>
+              <p:nvPr/>
+            </p:nvSpPr>
+            <p:spPr>
+              <a:xfrm>
+                <a:off x="2857594" y="3434442"/>
+                <a:ext cx="246169" cy="185057"/>
+              </a:xfrm>
+              <a:prstGeom prst="rect">
+                <a:avLst/>
+              </a:prstGeom>
+              <a:solidFill>
+                <a:schemeClr val="tx2"/>
+              </a:solidFill>
+              <a:ln w="6350">
+                <a:solidFill>
+                  <a:schemeClr val="bg1"/>
+                </a:solidFill>
+                <a:prstDash val="solid"/>
+              </a:ln>
+            </p:spPr>
+            <p:style>
+              <a:lnRef idx="2">
+                <a:schemeClr val="accent1">
+                  <a:shade val="50000"/>
+                </a:schemeClr>
+              </a:lnRef>
+              <a:fillRef idx="1">
+                <a:schemeClr val="accent1"/>
+              </a:fillRef>
+              <a:effectRef idx="0">
+                <a:schemeClr val="accent1"/>
+              </a:effectRef>
+              <a:fontRef idx="minor">
+                <a:schemeClr val="lt1"/>
+              </a:fontRef>
+            </p:style>
+            <p:txBody>
+              <a:bodyPr rtlCol="0" anchor="ctr"/>
+              <a:lstStyle/>
+              <a:p>
+                <a:pPr algn="ctr"/>
+                <a:endParaRPr lang="zh-CN" altLang="en-US" sz="900" dirty="0">
+                  <a:latin typeface="微软雅黑" panose="020B0503020204020204" pitchFamily="34" charset="-122"/>
+                  <a:ea typeface="微软雅黑" panose="020B0503020204020204" pitchFamily="34" charset="-122"/>
+                </a:endParaRPr>
+              </a:p>
+            </p:txBody>
+          </p:sp>
+          <p:sp>
+            <p:nvSpPr>
+              <p:cNvPr id="115" name="矩形 35"/>
+              <p:cNvSpPr/>
+              <p:nvPr/>
+            </p:nvSpPr>
+            <p:spPr>
+              <a:xfrm>
+                <a:off x="3103761" y="3434442"/>
+                <a:ext cx="246169" cy="185057"/>
+              </a:xfrm>
+              <a:prstGeom prst="rect">
+                <a:avLst/>
+              </a:prstGeom>
+              <a:solidFill>
+                <a:schemeClr val="tx2"/>
+              </a:solidFill>
+              <a:ln w="6350">
+                <a:solidFill>
+                  <a:schemeClr val="bg1"/>
+                </a:solidFill>
+                <a:prstDash val="solid"/>
+              </a:ln>
+            </p:spPr>
+            <p:style>
+              <a:lnRef idx="2">
+                <a:schemeClr val="accent1">
+                  <a:shade val="50000"/>
+                </a:schemeClr>
+              </a:lnRef>
+              <a:fillRef idx="1">
+                <a:schemeClr val="accent1"/>
+              </a:fillRef>
+              <a:effectRef idx="0">
+                <a:schemeClr val="accent1"/>
+              </a:effectRef>
+              <a:fontRef idx="minor">
+                <a:schemeClr val="lt1"/>
+              </a:fontRef>
+            </p:style>
+            <p:txBody>
+              <a:bodyPr rtlCol="0" anchor="ctr"/>
+              <a:lstStyle/>
+              <a:p>
+                <a:pPr algn="ctr"/>
+                <a:endParaRPr lang="zh-CN" altLang="en-US" sz="900" dirty="0">
+                  <a:latin typeface="微软雅黑" panose="020B0503020204020204" pitchFamily="34" charset="-122"/>
+                  <a:ea typeface="微软雅黑" panose="020B0503020204020204" pitchFamily="34" charset="-122"/>
+                </a:endParaRPr>
+              </a:p>
+            </p:txBody>
+          </p:sp>
+          <p:sp>
+            <p:nvSpPr>
+              <p:cNvPr id="116" name="矩形 36"/>
+              <p:cNvSpPr/>
+              <p:nvPr/>
+            </p:nvSpPr>
+            <p:spPr>
+              <a:xfrm>
+                <a:off x="2857594" y="3619498"/>
+                <a:ext cx="246169" cy="185057"/>
+              </a:xfrm>
+              <a:prstGeom prst="rect">
+                <a:avLst/>
+              </a:prstGeom>
+              <a:solidFill>
+                <a:schemeClr val="tx2"/>
+              </a:solidFill>
+              <a:ln w="6350">
+                <a:solidFill>
+                  <a:schemeClr val="bg1"/>
+                </a:solidFill>
+                <a:prstDash val="solid"/>
+              </a:ln>
+            </p:spPr>
+            <p:style>
+              <a:lnRef idx="2">
+                <a:schemeClr val="accent1">
+                  <a:shade val="50000"/>
+                </a:schemeClr>
+              </a:lnRef>
+              <a:fillRef idx="1">
+                <a:schemeClr val="accent1"/>
+              </a:fillRef>
+              <a:effectRef idx="0">
+                <a:schemeClr val="accent1"/>
+              </a:effectRef>
+              <a:fontRef idx="minor">
+                <a:schemeClr val="lt1"/>
+              </a:fontRef>
+            </p:style>
+            <p:txBody>
+              <a:bodyPr rtlCol="0" anchor="ctr"/>
+              <a:lstStyle/>
+              <a:p>
+                <a:pPr algn="ctr"/>
+                <a:endParaRPr lang="zh-CN" altLang="en-US" sz="900">
+                  <a:latin typeface="微软雅黑" panose="020B0503020204020204" pitchFamily="34" charset="-122"/>
+                  <a:ea typeface="微软雅黑" panose="020B0503020204020204" pitchFamily="34" charset="-122"/>
+                </a:endParaRPr>
+              </a:p>
+            </p:txBody>
+          </p:sp>
+          <p:sp>
+            <p:nvSpPr>
+              <p:cNvPr id="117" name="矩形 37"/>
+              <p:cNvSpPr/>
+              <p:nvPr/>
+            </p:nvSpPr>
+            <p:spPr>
+              <a:xfrm>
+                <a:off x="3103763" y="3619498"/>
+                <a:ext cx="246169" cy="185057"/>
+              </a:xfrm>
+              <a:prstGeom prst="rect">
+                <a:avLst/>
+              </a:prstGeom>
+              <a:solidFill>
+                <a:schemeClr val="tx2"/>
+              </a:solidFill>
+              <a:ln w="6350">
+                <a:solidFill>
+                  <a:schemeClr val="bg1"/>
+                </a:solidFill>
+                <a:prstDash val="solid"/>
+              </a:ln>
+            </p:spPr>
+            <p:style>
+              <a:lnRef idx="2">
+                <a:schemeClr val="accent1">
+                  <a:shade val="50000"/>
+                </a:schemeClr>
+              </a:lnRef>
+              <a:fillRef idx="1">
+                <a:schemeClr val="accent1"/>
+              </a:fillRef>
+              <a:effectRef idx="0">
+                <a:schemeClr val="accent1"/>
+              </a:effectRef>
+              <a:fontRef idx="minor">
+                <a:schemeClr val="lt1"/>
+              </a:fontRef>
+            </p:style>
+            <p:txBody>
+              <a:bodyPr rtlCol="0" anchor="ctr"/>
+              <a:lstStyle/>
+              <a:p>
+                <a:pPr algn="ctr"/>
+                <a:endParaRPr lang="zh-CN" altLang="en-US" sz="900">
+                  <a:latin typeface="微软雅黑" panose="020B0503020204020204" pitchFamily="34" charset="-122"/>
+                  <a:ea typeface="微软雅黑" panose="020B0503020204020204" pitchFamily="34" charset="-122"/>
+                </a:endParaRPr>
+              </a:p>
+            </p:txBody>
+          </p:sp>
+          <p:sp>
+            <p:nvSpPr>
+              <p:cNvPr id="118" name="矩形 38"/>
+              <p:cNvSpPr/>
+              <p:nvPr/>
+            </p:nvSpPr>
+            <p:spPr>
+              <a:xfrm>
+                <a:off x="2857287" y="3434440"/>
+                <a:ext cx="492338" cy="370115"/>
+              </a:xfrm>
+              <a:prstGeom prst="rect">
+                <a:avLst/>
+              </a:prstGeom>
               <a:noFill/>
-            </a:ln>
-          </p:spPr>
-          <p:style>
-            <a:lnRef idx="2">
-              <a:schemeClr val="accent1">
-                <a:shade val="50000"/>
-              </a:schemeClr>
-            </a:lnRef>
-            <a:fillRef idx="1">
-              <a:schemeClr val="accent1"/>
-            </a:fillRef>
-            <a:effectRef idx="0">
-              <a:schemeClr val="accent1"/>
-            </a:effectRef>
-            <a:fontRef idx="minor">
-              <a:schemeClr val="lt1"/>
-            </a:fontRef>
-          </p:style>
-          <p:txBody>
-            <a:bodyPr rtlCol="0" anchor="ctr"/>
-            <a:lstStyle/>
-            <a:p>
-              <a:pPr algn="ctr"/>
-              <a:endParaRPr lang="zh-CN" altLang="en-US" sz="900">
+              <a:ln>
+                <a:noFill/>
+              </a:ln>
+            </p:spPr>
+            <p:style>
+              <a:lnRef idx="2">
+                <a:schemeClr val="accent1">
+                  <a:shade val="50000"/>
+                </a:schemeClr>
+              </a:lnRef>
+              <a:fillRef idx="1">
+                <a:schemeClr val="accent1"/>
+              </a:fillRef>
+              <a:effectRef idx="0">
+                <a:schemeClr val="accent1"/>
+              </a:effectRef>
+              <a:fontRef idx="minor">
+                <a:schemeClr val="lt1"/>
+              </a:fontRef>
+            </p:style>
+            <p:txBody>
+              <a:bodyPr rtlCol="0" anchor="ctr"/>
+              <a:lstStyle/>
+              <a:p>
+                <a:pPr algn="ctr"/>
+                <a:endParaRPr lang="zh-CN" altLang="en-US" sz="900">
+                  <a:latin typeface="微软雅黑" panose="020B0503020204020204" pitchFamily="34" charset="-122"/>
+                  <a:ea typeface="微软雅黑" panose="020B0503020204020204" pitchFamily="34" charset="-122"/>
+                </a:endParaRPr>
+              </a:p>
+            </p:txBody>
+          </p:sp>
+        </p:grpSp>
+        <p:grpSp>
+          <p:nvGrpSpPr>
+            <p:cNvPr id="119" name="组合 33"/>
+            <p:cNvGrpSpPr/>
+            <p:nvPr/>
+          </p:nvGrpSpPr>
+          <p:grpSpPr>
+            <a:xfrm>
+              <a:off x="4995451" y="4217262"/>
+              <a:ext cx="406569" cy="242211"/>
+              <a:chOff x="2857287" y="3434440"/>
+              <a:chExt cx="492645" cy="370115"/>
+            </a:xfrm>
+          </p:grpSpPr>
+          <p:sp>
+            <p:nvSpPr>
+              <p:cNvPr id="120" name="矩形 34"/>
+              <p:cNvSpPr/>
+              <p:nvPr/>
+            </p:nvSpPr>
+            <p:spPr>
+              <a:xfrm>
+                <a:off x="2857594" y="3434442"/>
+                <a:ext cx="246169" cy="185057"/>
+              </a:xfrm>
+              <a:prstGeom prst="rect">
+                <a:avLst/>
+              </a:prstGeom>
+              <a:solidFill>
+                <a:schemeClr val="tx2"/>
+              </a:solidFill>
+              <a:ln w="6350">
+                <a:solidFill>
+                  <a:schemeClr val="bg1"/>
+                </a:solidFill>
+                <a:prstDash val="solid"/>
+              </a:ln>
+            </p:spPr>
+            <p:style>
+              <a:lnRef idx="2">
+                <a:schemeClr val="accent1">
+                  <a:shade val="50000"/>
+                </a:schemeClr>
+              </a:lnRef>
+              <a:fillRef idx="1">
+                <a:schemeClr val="accent1"/>
+              </a:fillRef>
+              <a:effectRef idx="0">
+                <a:schemeClr val="accent1"/>
+              </a:effectRef>
+              <a:fontRef idx="minor">
+                <a:schemeClr val="lt1"/>
+              </a:fontRef>
+            </p:style>
+            <p:txBody>
+              <a:bodyPr rtlCol="0" anchor="ctr"/>
+              <a:lstStyle/>
+              <a:p>
+                <a:pPr algn="ctr"/>
+                <a:endParaRPr lang="zh-CN" altLang="en-US" sz="900" dirty="0">
+                  <a:latin typeface="微软雅黑" panose="020B0503020204020204" pitchFamily="34" charset="-122"/>
+                  <a:ea typeface="微软雅黑" panose="020B0503020204020204" pitchFamily="34" charset="-122"/>
+                </a:endParaRPr>
+              </a:p>
+            </p:txBody>
+          </p:sp>
+          <p:sp>
+            <p:nvSpPr>
+              <p:cNvPr id="121" name="矩形 35"/>
+              <p:cNvSpPr/>
+              <p:nvPr/>
+            </p:nvSpPr>
+            <p:spPr>
+              <a:xfrm>
+                <a:off x="3103761" y="3434442"/>
+                <a:ext cx="246169" cy="185057"/>
+              </a:xfrm>
+              <a:prstGeom prst="rect">
+                <a:avLst/>
+              </a:prstGeom>
+              <a:solidFill>
+                <a:schemeClr val="tx2"/>
+              </a:solidFill>
+              <a:ln w="6350">
+                <a:solidFill>
+                  <a:schemeClr val="bg1"/>
+                </a:solidFill>
+                <a:prstDash val="solid"/>
+              </a:ln>
+            </p:spPr>
+            <p:style>
+              <a:lnRef idx="2">
+                <a:schemeClr val="accent1">
+                  <a:shade val="50000"/>
+                </a:schemeClr>
+              </a:lnRef>
+              <a:fillRef idx="1">
+                <a:schemeClr val="accent1"/>
+              </a:fillRef>
+              <a:effectRef idx="0">
+                <a:schemeClr val="accent1"/>
+              </a:effectRef>
+              <a:fontRef idx="minor">
+                <a:schemeClr val="lt1"/>
+              </a:fontRef>
+            </p:style>
+            <p:txBody>
+              <a:bodyPr rtlCol="0" anchor="ctr"/>
+              <a:lstStyle/>
+              <a:p>
+                <a:pPr algn="ctr"/>
+                <a:endParaRPr lang="zh-CN" altLang="en-US" sz="900" dirty="0">
+                  <a:latin typeface="微软雅黑" panose="020B0503020204020204" pitchFamily="34" charset="-122"/>
+                  <a:ea typeface="微软雅黑" panose="020B0503020204020204" pitchFamily="34" charset="-122"/>
+                </a:endParaRPr>
+              </a:p>
+            </p:txBody>
+          </p:sp>
+          <p:sp>
+            <p:nvSpPr>
+              <p:cNvPr id="122" name="矩形 36"/>
+              <p:cNvSpPr/>
+              <p:nvPr/>
+            </p:nvSpPr>
+            <p:spPr>
+              <a:xfrm>
+                <a:off x="2857594" y="3619498"/>
+                <a:ext cx="246169" cy="185057"/>
+              </a:xfrm>
+              <a:prstGeom prst="rect">
+                <a:avLst/>
+              </a:prstGeom>
+              <a:solidFill>
+                <a:schemeClr val="tx2"/>
+              </a:solidFill>
+              <a:ln w="6350">
+                <a:solidFill>
+                  <a:schemeClr val="bg1"/>
+                </a:solidFill>
+                <a:prstDash val="solid"/>
+              </a:ln>
+            </p:spPr>
+            <p:style>
+              <a:lnRef idx="2">
+                <a:schemeClr val="accent1">
+                  <a:shade val="50000"/>
+                </a:schemeClr>
+              </a:lnRef>
+              <a:fillRef idx="1">
+                <a:schemeClr val="accent1"/>
+              </a:fillRef>
+              <a:effectRef idx="0">
+                <a:schemeClr val="accent1"/>
+              </a:effectRef>
+              <a:fontRef idx="minor">
+                <a:schemeClr val="lt1"/>
+              </a:fontRef>
+            </p:style>
+            <p:txBody>
+              <a:bodyPr rtlCol="0" anchor="ctr"/>
+              <a:lstStyle/>
+              <a:p>
+                <a:pPr algn="ctr"/>
+                <a:endParaRPr lang="zh-CN" altLang="en-US" sz="900">
+                  <a:latin typeface="微软雅黑" panose="020B0503020204020204" pitchFamily="34" charset="-122"/>
+                  <a:ea typeface="微软雅黑" panose="020B0503020204020204" pitchFamily="34" charset="-122"/>
+                </a:endParaRPr>
+              </a:p>
+            </p:txBody>
+          </p:sp>
+          <p:sp>
+            <p:nvSpPr>
+              <p:cNvPr id="123" name="矩形 37"/>
+              <p:cNvSpPr/>
+              <p:nvPr/>
+            </p:nvSpPr>
+            <p:spPr>
+              <a:xfrm>
+                <a:off x="3103763" y="3619498"/>
+                <a:ext cx="246169" cy="185057"/>
+              </a:xfrm>
+              <a:prstGeom prst="rect">
+                <a:avLst/>
+              </a:prstGeom>
+              <a:solidFill>
+                <a:schemeClr val="tx2"/>
+              </a:solidFill>
+              <a:ln w="6350">
+                <a:solidFill>
+                  <a:schemeClr val="bg1"/>
+                </a:solidFill>
+                <a:prstDash val="solid"/>
+              </a:ln>
+            </p:spPr>
+            <p:style>
+              <a:lnRef idx="2">
+                <a:schemeClr val="accent1">
+                  <a:shade val="50000"/>
+                </a:schemeClr>
+              </a:lnRef>
+              <a:fillRef idx="1">
+                <a:schemeClr val="accent1"/>
+              </a:fillRef>
+              <a:effectRef idx="0">
+                <a:schemeClr val="accent1"/>
+              </a:effectRef>
+              <a:fontRef idx="minor">
+                <a:schemeClr val="lt1"/>
+              </a:fontRef>
+            </p:style>
+            <p:txBody>
+              <a:bodyPr rtlCol="0" anchor="ctr"/>
+              <a:lstStyle/>
+              <a:p>
+                <a:pPr algn="ctr"/>
+                <a:endParaRPr lang="zh-CN" altLang="en-US" sz="900">
+                  <a:latin typeface="微软雅黑" panose="020B0503020204020204" pitchFamily="34" charset="-122"/>
+                  <a:ea typeface="微软雅黑" panose="020B0503020204020204" pitchFamily="34" charset="-122"/>
+                </a:endParaRPr>
+              </a:p>
+            </p:txBody>
+          </p:sp>
+          <p:sp>
+            <p:nvSpPr>
+              <p:cNvPr id="124" name="矩形 38"/>
+              <p:cNvSpPr/>
+              <p:nvPr/>
+            </p:nvSpPr>
+            <p:spPr>
+              <a:xfrm>
+                <a:off x="2857287" y="3434440"/>
+                <a:ext cx="492338" cy="370115"/>
+              </a:xfrm>
+              <a:prstGeom prst="rect">
+                <a:avLst/>
+              </a:prstGeom>
+              <a:noFill/>
+              <a:ln>
+                <a:noFill/>
+              </a:ln>
+            </p:spPr>
+            <p:style>
+              <a:lnRef idx="2">
+                <a:schemeClr val="accent1">
+                  <a:shade val="50000"/>
+                </a:schemeClr>
+              </a:lnRef>
+              <a:fillRef idx="1">
+                <a:schemeClr val="accent1"/>
+              </a:fillRef>
+              <a:effectRef idx="0">
+                <a:schemeClr val="accent1"/>
+              </a:effectRef>
+              <a:fontRef idx="minor">
+                <a:schemeClr val="lt1"/>
+              </a:fontRef>
+            </p:style>
+            <p:txBody>
+              <a:bodyPr rtlCol="0" anchor="ctr"/>
+              <a:lstStyle/>
+              <a:p>
+                <a:pPr algn="ctr"/>
+                <a:endParaRPr lang="zh-CN" altLang="en-US" sz="900">
+                  <a:latin typeface="微软雅黑" panose="020B0503020204020204" pitchFamily="34" charset="-122"/>
+                  <a:ea typeface="微软雅黑" panose="020B0503020204020204" pitchFamily="34" charset="-122"/>
+                </a:endParaRPr>
+              </a:p>
+            </p:txBody>
+          </p:sp>
+        </p:grpSp>
+        <p:grpSp>
+          <p:nvGrpSpPr>
+            <p:cNvPr id="125" name="组合 33"/>
+            <p:cNvGrpSpPr/>
+            <p:nvPr/>
+          </p:nvGrpSpPr>
+          <p:grpSpPr>
+            <a:xfrm>
+              <a:off x="5772706" y="4211400"/>
+              <a:ext cx="406569" cy="242211"/>
+              <a:chOff x="2857287" y="3434440"/>
+              <a:chExt cx="492645" cy="370115"/>
+            </a:xfrm>
+          </p:grpSpPr>
+          <p:sp>
+            <p:nvSpPr>
+              <p:cNvPr id="126" name="矩形 34"/>
+              <p:cNvSpPr/>
+              <p:nvPr/>
+            </p:nvSpPr>
+            <p:spPr>
+              <a:xfrm>
+                <a:off x="2857594" y="3434442"/>
+                <a:ext cx="246169" cy="185057"/>
+              </a:xfrm>
+              <a:prstGeom prst="rect">
+                <a:avLst/>
+              </a:prstGeom>
+              <a:solidFill>
+                <a:schemeClr val="tx2"/>
+              </a:solidFill>
+              <a:ln w="6350">
+                <a:solidFill>
+                  <a:schemeClr val="bg1"/>
+                </a:solidFill>
+                <a:prstDash val="solid"/>
+              </a:ln>
+            </p:spPr>
+            <p:style>
+              <a:lnRef idx="2">
+                <a:schemeClr val="accent1">
+                  <a:shade val="50000"/>
+                </a:schemeClr>
+              </a:lnRef>
+              <a:fillRef idx="1">
+                <a:schemeClr val="accent1"/>
+              </a:fillRef>
+              <a:effectRef idx="0">
+                <a:schemeClr val="accent1"/>
+              </a:effectRef>
+              <a:fontRef idx="minor">
+                <a:schemeClr val="lt1"/>
+              </a:fontRef>
+            </p:style>
+            <p:txBody>
+              <a:bodyPr rtlCol="0" anchor="ctr"/>
+              <a:lstStyle/>
+              <a:p>
+                <a:pPr algn="ctr"/>
+                <a:endParaRPr lang="zh-CN" altLang="en-US" sz="900" dirty="0">
+                  <a:latin typeface="微软雅黑" panose="020B0503020204020204" pitchFamily="34" charset="-122"/>
+                  <a:ea typeface="微软雅黑" panose="020B0503020204020204" pitchFamily="34" charset="-122"/>
+                </a:endParaRPr>
+              </a:p>
+            </p:txBody>
+          </p:sp>
+          <p:sp>
+            <p:nvSpPr>
+              <p:cNvPr id="127" name="矩形 35"/>
+              <p:cNvSpPr/>
+              <p:nvPr/>
+            </p:nvSpPr>
+            <p:spPr>
+              <a:xfrm>
+                <a:off x="3103761" y="3434442"/>
+                <a:ext cx="246169" cy="185057"/>
+              </a:xfrm>
+              <a:prstGeom prst="rect">
+                <a:avLst/>
+              </a:prstGeom>
+              <a:solidFill>
+                <a:schemeClr val="tx2"/>
+              </a:solidFill>
+              <a:ln w="6350">
+                <a:solidFill>
+                  <a:schemeClr val="bg1"/>
+                </a:solidFill>
+                <a:prstDash val="solid"/>
+              </a:ln>
+            </p:spPr>
+            <p:style>
+              <a:lnRef idx="2">
+                <a:schemeClr val="accent1">
+                  <a:shade val="50000"/>
+                </a:schemeClr>
+              </a:lnRef>
+              <a:fillRef idx="1">
+                <a:schemeClr val="accent1"/>
+              </a:fillRef>
+              <a:effectRef idx="0">
+                <a:schemeClr val="accent1"/>
+              </a:effectRef>
+              <a:fontRef idx="minor">
+                <a:schemeClr val="lt1"/>
+              </a:fontRef>
+            </p:style>
+            <p:txBody>
+              <a:bodyPr rtlCol="0" anchor="ctr"/>
+              <a:lstStyle/>
+              <a:p>
+                <a:pPr algn="ctr"/>
+                <a:endParaRPr lang="zh-CN" altLang="en-US" sz="900" dirty="0">
+                  <a:latin typeface="微软雅黑" panose="020B0503020204020204" pitchFamily="34" charset="-122"/>
+                  <a:ea typeface="微软雅黑" panose="020B0503020204020204" pitchFamily="34" charset="-122"/>
+                </a:endParaRPr>
+              </a:p>
+            </p:txBody>
+          </p:sp>
+          <p:sp>
+            <p:nvSpPr>
+              <p:cNvPr id="128" name="矩形 36"/>
+              <p:cNvSpPr/>
+              <p:nvPr/>
+            </p:nvSpPr>
+            <p:spPr>
+              <a:xfrm>
+                <a:off x="2857594" y="3619498"/>
+                <a:ext cx="246169" cy="185057"/>
+              </a:xfrm>
+              <a:prstGeom prst="rect">
+                <a:avLst/>
+              </a:prstGeom>
+              <a:solidFill>
+                <a:schemeClr val="tx2"/>
+              </a:solidFill>
+              <a:ln w="6350">
+                <a:solidFill>
+                  <a:schemeClr val="bg1"/>
+                </a:solidFill>
+                <a:prstDash val="solid"/>
+              </a:ln>
+            </p:spPr>
+            <p:style>
+              <a:lnRef idx="2">
+                <a:schemeClr val="accent1">
+                  <a:shade val="50000"/>
+                </a:schemeClr>
+              </a:lnRef>
+              <a:fillRef idx="1">
+                <a:schemeClr val="accent1"/>
+              </a:fillRef>
+              <a:effectRef idx="0">
+                <a:schemeClr val="accent1"/>
+              </a:effectRef>
+              <a:fontRef idx="minor">
+                <a:schemeClr val="lt1"/>
+              </a:fontRef>
+            </p:style>
+            <p:txBody>
+              <a:bodyPr rtlCol="0" anchor="ctr"/>
+              <a:lstStyle/>
+              <a:p>
+                <a:pPr algn="ctr"/>
+                <a:endParaRPr lang="zh-CN" altLang="en-US" sz="900">
+                  <a:latin typeface="微软雅黑" panose="020B0503020204020204" pitchFamily="34" charset="-122"/>
+                  <a:ea typeface="微软雅黑" panose="020B0503020204020204" pitchFamily="34" charset="-122"/>
+                </a:endParaRPr>
+              </a:p>
+            </p:txBody>
+          </p:sp>
+          <p:sp>
+            <p:nvSpPr>
+              <p:cNvPr id="129" name="矩形 37"/>
+              <p:cNvSpPr/>
+              <p:nvPr/>
+            </p:nvSpPr>
+            <p:spPr>
+              <a:xfrm>
+                <a:off x="3103763" y="3619498"/>
+                <a:ext cx="246169" cy="185057"/>
+              </a:xfrm>
+              <a:prstGeom prst="rect">
+                <a:avLst/>
+              </a:prstGeom>
+              <a:solidFill>
+                <a:schemeClr val="tx2"/>
+              </a:solidFill>
+              <a:ln w="6350">
+                <a:solidFill>
+                  <a:schemeClr val="bg1"/>
+                </a:solidFill>
+                <a:prstDash val="solid"/>
+              </a:ln>
+            </p:spPr>
+            <p:style>
+              <a:lnRef idx="2">
+                <a:schemeClr val="accent1">
+                  <a:shade val="50000"/>
+                </a:schemeClr>
+              </a:lnRef>
+              <a:fillRef idx="1">
+                <a:schemeClr val="accent1"/>
+              </a:fillRef>
+              <a:effectRef idx="0">
+                <a:schemeClr val="accent1"/>
+              </a:effectRef>
+              <a:fontRef idx="minor">
+                <a:schemeClr val="lt1"/>
+              </a:fontRef>
+            </p:style>
+            <p:txBody>
+              <a:bodyPr rtlCol="0" anchor="ctr"/>
+              <a:lstStyle/>
+              <a:p>
+                <a:pPr algn="ctr"/>
+                <a:endParaRPr lang="zh-CN" altLang="en-US" sz="900">
+                  <a:latin typeface="微软雅黑" panose="020B0503020204020204" pitchFamily="34" charset="-122"/>
+                  <a:ea typeface="微软雅黑" panose="020B0503020204020204" pitchFamily="34" charset="-122"/>
+                </a:endParaRPr>
+              </a:p>
+            </p:txBody>
+          </p:sp>
+          <p:sp>
+            <p:nvSpPr>
+              <p:cNvPr id="130" name="矩形 38"/>
+              <p:cNvSpPr/>
+              <p:nvPr/>
+            </p:nvSpPr>
+            <p:spPr>
+              <a:xfrm>
+                <a:off x="2857287" y="3434440"/>
+                <a:ext cx="492338" cy="370115"/>
+              </a:xfrm>
+              <a:prstGeom prst="rect">
+                <a:avLst/>
+              </a:prstGeom>
+              <a:noFill/>
+              <a:ln>
+                <a:noFill/>
+              </a:ln>
+            </p:spPr>
+            <p:style>
+              <a:lnRef idx="2">
+                <a:schemeClr val="accent1">
+                  <a:shade val="50000"/>
+                </a:schemeClr>
+              </a:lnRef>
+              <a:fillRef idx="1">
+                <a:schemeClr val="accent1"/>
+              </a:fillRef>
+              <a:effectRef idx="0">
+                <a:schemeClr val="accent1"/>
+              </a:effectRef>
+              <a:fontRef idx="minor">
+                <a:schemeClr val="lt1"/>
+              </a:fontRef>
+            </p:style>
+            <p:txBody>
+              <a:bodyPr rtlCol="0" anchor="ctr"/>
+              <a:lstStyle/>
+              <a:p>
+                <a:pPr algn="ctr"/>
+                <a:endParaRPr lang="zh-CN" altLang="en-US" sz="900">
+                  <a:latin typeface="微软雅黑" panose="020B0503020204020204" pitchFamily="34" charset="-122"/>
+                  <a:ea typeface="微软雅黑" panose="020B0503020204020204" pitchFamily="34" charset="-122"/>
+                </a:endParaRPr>
+              </a:p>
+            </p:txBody>
+          </p:sp>
+        </p:grpSp>
+      </p:grpSp>
+      <p:sp>
+        <p:nvSpPr>
+          <p:cNvPr id="74" name="圆柱形 7"/>
+          <p:cNvSpPr/>
+          <p:nvPr/>
+        </p:nvSpPr>
+        <p:spPr>
+          <a:xfrm>
+            <a:off x="8596789" y="2836129"/>
+            <a:ext cx="523636" cy="258929"/>
+          </a:xfrm>
+          <a:prstGeom prst="can">
+            <a:avLst/>
+          </a:prstGeom>
+          <a:solidFill>
+            <a:srgbClr val="3399FF"/>
+          </a:solidFill>
+          <a:ln w="6350">
+            <a:solidFill>
+              <a:schemeClr val="bg1"/>
+            </a:solidFill>
+          </a:ln>
+        </p:spPr>
+        <p:style>
+          <a:lnRef idx="2">
+            <a:schemeClr val="accent1">
+              <a:shade val="50000"/>
+            </a:schemeClr>
+          </a:lnRef>
+          <a:fillRef idx="1">
+            <a:schemeClr val="accent1"/>
+          </a:fillRef>
+          <a:effectRef idx="0">
+            <a:schemeClr val="accent1"/>
+          </a:effectRef>
+          <a:fontRef idx="minor">
+            <a:schemeClr val="lt1"/>
+          </a:fontRef>
+        </p:style>
+        <p:txBody>
+          <a:bodyPr lIns="0" tIns="0" rIns="0" bIns="0" rtlCol="0" anchor="ctr"/>
+          <a:lstStyle/>
+          <a:p>
+            <a:pPr algn="ctr"/>
+            <a:r>
+              <a:rPr lang="en-US" altLang="zh-CN" sz="900" dirty="0">
                 <a:latin typeface="微软雅黑" panose="020B0503020204020204" pitchFamily="34" charset="-122"/>
                 <a:ea typeface="微软雅黑" panose="020B0503020204020204" pitchFamily="34" charset="-122"/>
-              </a:endParaRPr>
-            </a:p>
-          </p:txBody>
-        </p:sp>
-      </p:grpSp>
-      <p:sp>
-        <p:nvSpPr>
-          <p:cNvPr id="40" name="矩形 39"/>
+              </a:rPr>
+              <a:t>Storage</a:t>
+            </a:r>
+          </a:p>
+        </p:txBody>
+      </p:sp>
+      <p:sp>
+        <p:nvSpPr>
+          <p:cNvPr id="75" name="Rectangle: Rounded Corners 74"/>
           <p:cNvSpPr/>
           <p:nvPr/>
         </p:nvSpPr>
         <p:spPr>
           <a:xfrm>
-            <a:off x="4338746" y="5698062"/>
-            <a:ext cx="1021434" cy="215444"/>
+            <a:off x="7721036" y="1841629"/>
+            <a:ext cx="2395574" cy="1370502"/>
+          </a:xfrm>
+          <a:prstGeom prst="roundRect">
+            <a:avLst>
+              <a:gd name="adj" fmla="val 5465"/>
+            </a:avLst>
+          </a:prstGeom>
+          <a:noFill/>
+          <a:ln w="6350">
+            <a:solidFill>
+              <a:schemeClr val="accent2"/>
+            </a:solidFill>
+            <a:prstDash val="sysDash"/>
+          </a:ln>
+        </p:spPr>
+        <p:style>
+          <a:lnRef idx="2">
+            <a:schemeClr val="accent1">
+              <a:shade val="50000"/>
+            </a:schemeClr>
+          </a:lnRef>
+          <a:fillRef idx="1">
+            <a:schemeClr val="accent1"/>
+          </a:fillRef>
+          <a:effectRef idx="0">
+            <a:schemeClr val="accent1"/>
+          </a:effectRef>
+          <a:fontRef idx="minor">
+            <a:schemeClr val="lt1"/>
+          </a:fontRef>
+        </p:style>
+        <p:txBody>
+          <a:bodyPr rtlCol="0" anchor="ctr"/>
+          <a:lstStyle/>
+          <a:p>
+            <a:pPr algn="ctr"/>
+            <a:endParaRPr lang="en-US"/>
+          </a:p>
+        </p:txBody>
+      </p:sp>
+      <p:cxnSp>
+        <p:nvCxnSpPr>
+          <p:cNvPr id="77" name="Connector: Elbow 76"/>
+          <p:cNvCxnSpPr/>
+          <p:nvPr/>
+        </p:nvCxnSpPr>
+        <p:spPr>
+          <a:xfrm rot="5400000">
+            <a:off x="5438345" y="3809182"/>
+            <a:ext cx="240267" cy="387"/>
+          </a:xfrm>
+          <a:prstGeom prst="bentConnector3">
+            <a:avLst/>
+          </a:prstGeom>
+          <a:ln w="12700">
+            <a:solidFill>
+              <a:schemeClr val="tx1">
+                <a:alpha val="70000"/>
+              </a:schemeClr>
+            </a:solidFill>
+            <a:headEnd type="stealth"/>
+            <a:tailEnd type="stealth"/>
+          </a:ln>
+        </p:spPr>
+        <p:style>
+          <a:lnRef idx="1">
+            <a:schemeClr val="accent1"/>
+          </a:lnRef>
+          <a:fillRef idx="0">
+            <a:schemeClr val="accent1"/>
+          </a:fillRef>
+          <a:effectRef idx="0">
+            <a:schemeClr val="accent1"/>
+          </a:effectRef>
+          <a:fontRef idx="minor">
+            <a:schemeClr val="tx1"/>
+          </a:fontRef>
+        </p:style>
+      </p:cxnSp>
+      <p:sp>
+        <p:nvSpPr>
+          <p:cNvPr id="81" name="Oval 80"/>
+          <p:cNvSpPr/>
+          <p:nvPr/>
+        </p:nvSpPr>
+        <p:spPr>
+          <a:xfrm>
+            <a:off x="7880812" y="2101453"/>
+            <a:ext cx="849532" cy="381000"/>
+          </a:xfrm>
+          <a:prstGeom prst="ellipse">
+            <a:avLst/>
+          </a:prstGeom>
+          <a:solidFill>
+            <a:schemeClr val="accent2"/>
+          </a:solidFill>
+          <a:ln>
+            <a:noFill/>
+          </a:ln>
+        </p:spPr>
+        <p:style>
+          <a:lnRef idx="2">
+            <a:schemeClr val="accent1">
+              <a:shade val="50000"/>
+            </a:schemeClr>
+          </a:lnRef>
+          <a:fillRef idx="1">
+            <a:schemeClr val="accent1"/>
+          </a:fillRef>
+          <a:effectRef idx="0">
+            <a:schemeClr val="accent1"/>
+          </a:effectRef>
+          <a:fontRef idx="minor">
+            <a:schemeClr val="lt1"/>
+          </a:fontRef>
+        </p:style>
+        <p:txBody>
+          <a:bodyPr lIns="0" tIns="0" rIns="0" bIns="0" rtlCol="0" anchor="ctr"/>
+          <a:lstStyle/>
+          <a:p>
+            <a:pPr algn="ctr"/>
+            <a:r>
+              <a:rPr lang="en-US" sz="900" b="1" dirty="0">
+                <a:solidFill>
+                  <a:schemeClr val="bg1"/>
+                </a:solidFill>
+                <a:latin typeface="微软雅黑" panose="020B0503020204020204" pitchFamily="34" charset="-122"/>
+                <a:ea typeface="微软雅黑" panose="020B0503020204020204" pitchFamily="34" charset="-122"/>
+              </a:rPr>
+              <a:t>Collector</a:t>
+            </a:r>
+          </a:p>
+        </p:txBody>
+      </p:sp>
+      <p:sp>
+        <p:nvSpPr>
+          <p:cNvPr id="82" name="Oval 81"/>
+          <p:cNvSpPr/>
+          <p:nvPr/>
+        </p:nvSpPr>
+        <p:spPr>
+          <a:xfrm>
+            <a:off x="8936472" y="2103834"/>
+            <a:ext cx="849532" cy="381000"/>
+          </a:xfrm>
+          <a:prstGeom prst="ellipse">
+            <a:avLst/>
+          </a:prstGeom>
+          <a:solidFill>
+            <a:schemeClr val="accent2"/>
+          </a:solidFill>
+          <a:ln>
+            <a:noFill/>
+          </a:ln>
+        </p:spPr>
+        <p:style>
+          <a:lnRef idx="2">
+            <a:schemeClr val="accent1">
+              <a:shade val="50000"/>
+            </a:schemeClr>
+          </a:lnRef>
+          <a:fillRef idx="1">
+            <a:schemeClr val="accent1"/>
+          </a:fillRef>
+          <a:effectRef idx="0">
+            <a:schemeClr val="accent1"/>
+          </a:effectRef>
+          <a:fontRef idx="minor">
+            <a:schemeClr val="lt1"/>
+          </a:fontRef>
+        </p:style>
+        <p:txBody>
+          <a:bodyPr lIns="0" tIns="0" rIns="0" bIns="0" rtlCol="0" anchor="ctr"/>
+          <a:lstStyle/>
+          <a:p>
+            <a:pPr algn="ctr"/>
+            <a:r>
+              <a:rPr lang="en-US" sz="900" b="1" dirty="0">
+                <a:solidFill>
+                  <a:schemeClr val="bg1"/>
+                </a:solidFill>
+                <a:latin typeface="微软雅黑" panose="020B0503020204020204" pitchFamily="34" charset="-122"/>
+                <a:ea typeface="微软雅黑" panose="020B0503020204020204" pitchFamily="34" charset="-122"/>
+              </a:rPr>
+              <a:t>UI</a:t>
+            </a:r>
+          </a:p>
+        </p:txBody>
+      </p:sp>
+      <p:sp>
+        <p:nvSpPr>
+          <p:cNvPr id="83" name="Oval 82"/>
+          <p:cNvSpPr/>
+          <p:nvPr/>
+        </p:nvSpPr>
+        <p:spPr>
+          <a:xfrm>
+            <a:off x="5823225" y="1442233"/>
+            <a:ext cx="144000" cy="144000"/>
+          </a:xfrm>
+          <a:prstGeom prst="ellipse">
+            <a:avLst/>
+          </a:prstGeom>
+          <a:solidFill>
+            <a:schemeClr val="accent2"/>
+          </a:solidFill>
+          <a:ln>
+            <a:noFill/>
+          </a:ln>
+        </p:spPr>
+        <p:style>
+          <a:lnRef idx="2">
+            <a:schemeClr val="accent1">
+              <a:shade val="50000"/>
+            </a:schemeClr>
+          </a:lnRef>
+          <a:fillRef idx="1">
+            <a:schemeClr val="accent1"/>
+          </a:fillRef>
+          <a:effectRef idx="0">
+            <a:schemeClr val="accent1"/>
+          </a:effectRef>
+          <a:fontRef idx="minor">
+            <a:schemeClr val="lt1"/>
+          </a:fontRef>
+        </p:style>
+        <p:txBody>
+          <a:bodyPr lIns="0" tIns="0" rIns="0" bIns="0" rtlCol="0" anchor="ctr"/>
+          <a:lstStyle/>
+          <a:p>
+            <a:pPr algn="ctr"/>
+            <a:endParaRPr lang="en-US" sz="900" b="1" dirty="0">
+              <a:solidFill>
+                <a:schemeClr val="bg1"/>
+              </a:solidFill>
+              <a:latin typeface="微软雅黑" panose="020B0503020204020204" pitchFamily="34" charset="-122"/>
+              <a:ea typeface="微软雅黑" panose="020B0503020204020204" pitchFamily="34" charset="-122"/>
+            </a:endParaRPr>
+          </a:p>
+        </p:txBody>
+      </p:sp>
+      <p:sp>
+        <p:nvSpPr>
+          <p:cNvPr id="88" name="Oval 87"/>
+          <p:cNvSpPr/>
+          <p:nvPr/>
+        </p:nvSpPr>
+        <p:spPr>
+          <a:xfrm>
+            <a:off x="4565537" y="2730050"/>
+            <a:ext cx="144000" cy="144000"/>
+          </a:xfrm>
+          <a:prstGeom prst="ellipse">
+            <a:avLst/>
+          </a:prstGeom>
+          <a:solidFill>
+            <a:schemeClr val="accent2"/>
+          </a:solidFill>
+          <a:ln>
+            <a:noFill/>
+          </a:ln>
+        </p:spPr>
+        <p:style>
+          <a:lnRef idx="2">
+            <a:schemeClr val="accent1">
+              <a:shade val="50000"/>
+            </a:schemeClr>
+          </a:lnRef>
+          <a:fillRef idx="1">
+            <a:schemeClr val="accent1"/>
+          </a:fillRef>
+          <a:effectRef idx="0">
+            <a:schemeClr val="accent1"/>
+          </a:effectRef>
+          <a:fontRef idx="minor">
+            <a:schemeClr val="lt1"/>
+          </a:fontRef>
+        </p:style>
+        <p:txBody>
+          <a:bodyPr lIns="0" tIns="0" rIns="0" bIns="0" rtlCol="0" anchor="ctr"/>
+          <a:lstStyle/>
+          <a:p>
+            <a:pPr algn="ctr"/>
+            <a:endParaRPr lang="en-US" sz="900" b="1" dirty="0">
+              <a:solidFill>
+                <a:schemeClr val="bg1"/>
+              </a:solidFill>
+              <a:latin typeface="微软雅黑" panose="020B0503020204020204" pitchFamily="34" charset="-122"/>
+              <a:ea typeface="微软雅黑" panose="020B0503020204020204" pitchFamily="34" charset="-122"/>
+            </a:endParaRPr>
+          </a:p>
+        </p:txBody>
+      </p:sp>
+      <p:sp>
+        <p:nvSpPr>
+          <p:cNvPr id="89" name="Oval 88"/>
+          <p:cNvSpPr/>
+          <p:nvPr/>
+        </p:nvSpPr>
+        <p:spPr>
+          <a:xfrm>
+            <a:off x="5679370" y="2725259"/>
+            <a:ext cx="144000" cy="144000"/>
+          </a:xfrm>
+          <a:prstGeom prst="ellipse">
+            <a:avLst/>
+          </a:prstGeom>
+          <a:solidFill>
+            <a:schemeClr val="accent2"/>
+          </a:solidFill>
+          <a:ln>
+            <a:noFill/>
+          </a:ln>
+        </p:spPr>
+        <p:style>
+          <a:lnRef idx="2">
+            <a:schemeClr val="accent1">
+              <a:shade val="50000"/>
+            </a:schemeClr>
+          </a:lnRef>
+          <a:fillRef idx="1">
+            <a:schemeClr val="accent1"/>
+          </a:fillRef>
+          <a:effectRef idx="0">
+            <a:schemeClr val="accent1"/>
+          </a:effectRef>
+          <a:fontRef idx="minor">
+            <a:schemeClr val="lt1"/>
+          </a:fontRef>
+        </p:style>
+        <p:txBody>
+          <a:bodyPr lIns="0" tIns="0" rIns="0" bIns="0" rtlCol="0" anchor="ctr"/>
+          <a:lstStyle/>
+          <a:p>
+            <a:pPr algn="ctr"/>
+            <a:endParaRPr lang="en-US" sz="900" b="1" dirty="0">
+              <a:solidFill>
+                <a:schemeClr val="bg1"/>
+              </a:solidFill>
+              <a:latin typeface="微软雅黑" panose="020B0503020204020204" pitchFamily="34" charset="-122"/>
+              <a:ea typeface="微软雅黑" panose="020B0503020204020204" pitchFamily="34" charset="-122"/>
+            </a:endParaRPr>
+          </a:p>
+        </p:txBody>
+      </p:sp>
+      <p:sp>
+        <p:nvSpPr>
+          <p:cNvPr id="91" name="Oval 90"/>
+          <p:cNvSpPr/>
+          <p:nvPr/>
+        </p:nvSpPr>
+        <p:spPr>
+          <a:xfrm>
+            <a:off x="7028391" y="2725259"/>
+            <a:ext cx="144000" cy="144000"/>
+          </a:xfrm>
+          <a:prstGeom prst="ellipse">
+            <a:avLst/>
+          </a:prstGeom>
+          <a:solidFill>
+            <a:schemeClr val="accent2"/>
+          </a:solidFill>
+          <a:ln>
+            <a:noFill/>
+          </a:ln>
+        </p:spPr>
+        <p:style>
+          <a:lnRef idx="2">
+            <a:schemeClr val="accent1">
+              <a:shade val="50000"/>
+            </a:schemeClr>
+          </a:lnRef>
+          <a:fillRef idx="1">
+            <a:schemeClr val="accent1"/>
+          </a:fillRef>
+          <a:effectRef idx="0">
+            <a:schemeClr val="accent1"/>
+          </a:effectRef>
+          <a:fontRef idx="minor">
+            <a:schemeClr val="lt1"/>
+          </a:fontRef>
+        </p:style>
+        <p:txBody>
+          <a:bodyPr lIns="0" tIns="0" rIns="0" bIns="0" rtlCol="0" anchor="ctr"/>
+          <a:lstStyle/>
+          <a:p>
+            <a:pPr algn="ctr"/>
+            <a:endParaRPr lang="en-US" sz="900" b="1" dirty="0">
+              <a:solidFill>
+                <a:schemeClr val="bg1"/>
+              </a:solidFill>
+              <a:latin typeface="微软雅黑" panose="020B0503020204020204" pitchFamily="34" charset="-122"/>
+              <a:ea typeface="微软雅黑" panose="020B0503020204020204" pitchFamily="34" charset="-122"/>
+            </a:endParaRPr>
+          </a:p>
+        </p:txBody>
+      </p:sp>
+      <p:sp>
+        <p:nvSpPr>
+          <p:cNvPr id="97" name="Oval 96"/>
+          <p:cNvSpPr/>
+          <p:nvPr/>
+        </p:nvSpPr>
+        <p:spPr>
+          <a:xfrm>
+            <a:off x="6473917" y="2222272"/>
+            <a:ext cx="144000" cy="144000"/>
+          </a:xfrm>
+          <a:prstGeom prst="ellipse">
+            <a:avLst/>
+          </a:prstGeom>
+          <a:solidFill>
+            <a:schemeClr val="accent2"/>
+          </a:solidFill>
+          <a:ln>
+            <a:noFill/>
+          </a:ln>
+        </p:spPr>
+        <p:style>
+          <a:lnRef idx="2">
+            <a:schemeClr val="accent1">
+              <a:shade val="50000"/>
+            </a:schemeClr>
+          </a:lnRef>
+          <a:fillRef idx="1">
+            <a:schemeClr val="accent1"/>
+          </a:fillRef>
+          <a:effectRef idx="0">
+            <a:schemeClr val="accent1"/>
+          </a:effectRef>
+          <a:fontRef idx="minor">
+            <a:schemeClr val="lt1"/>
+          </a:fontRef>
+        </p:style>
+        <p:txBody>
+          <a:bodyPr lIns="0" tIns="0" rIns="0" bIns="0" rtlCol="0" anchor="ctr"/>
+          <a:lstStyle/>
+          <a:p>
+            <a:pPr algn="ctr"/>
+            <a:endParaRPr lang="en-US" sz="900" b="1" dirty="0">
+              <a:solidFill>
+                <a:schemeClr val="bg1"/>
+              </a:solidFill>
+              <a:latin typeface="微软雅黑" panose="020B0503020204020204" pitchFamily="34" charset="-122"/>
+              <a:ea typeface="微软雅黑" panose="020B0503020204020204" pitchFamily="34" charset="-122"/>
+            </a:endParaRPr>
+          </a:p>
+        </p:txBody>
+      </p:sp>
+      <p:cxnSp>
+        <p:nvCxnSpPr>
+          <p:cNvPr id="99" name="肘形连接符 100"/>
+          <p:cNvCxnSpPr>
+            <a:cxnSpLocks/>
+            <a:stCxn id="83" idx="6"/>
+            <a:endCxn id="81" idx="2"/>
+          </p:cNvCxnSpPr>
+          <p:nvPr/>
+        </p:nvCxnSpPr>
+        <p:spPr>
+          <a:xfrm>
+            <a:off x="5967225" y="1514233"/>
+            <a:ext cx="1913587" cy="777720"/>
+          </a:xfrm>
+          <a:prstGeom prst="bentConnector3">
+            <a:avLst>
+              <a:gd name="adj1" fmla="val 81525"/>
+            </a:avLst>
+          </a:prstGeom>
+          <a:ln>
+            <a:solidFill>
+              <a:schemeClr val="accent2"/>
+            </a:solidFill>
+            <a:prstDash val="dash"/>
+            <a:tailEnd type="arrow"/>
+          </a:ln>
+        </p:spPr>
+        <p:style>
+          <a:lnRef idx="1">
+            <a:schemeClr val="accent1"/>
+          </a:lnRef>
+          <a:fillRef idx="0">
+            <a:schemeClr val="accent1"/>
+          </a:fillRef>
+          <a:effectRef idx="0">
+            <a:schemeClr val="accent1"/>
+          </a:effectRef>
+          <a:fontRef idx="minor">
+            <a:schemeClr val="tx1"/>
+          </a:fontRef>
+        </p:style>
+      </p:cxnSp>
+      <p:cxnSp>
+        <p:nvCxnSpPr>
+          <p:cNvPr id="104" name="肘形连接符 100"/>
+          <p:cNvCxnSpPr>
+            <a:cxnSpLocks/>
+            <a:stCxn id="97" idx="6"/>
+            <a:endCxn id="81" idx="2"/>
+          </p:cNvCxnSpPr>
+          <p:nvPr/>
+        </p:nvCxnSpPr>
+        <p:spPr>
+          <a:xfrm flipV="1">
+            <a:off x="6617917" y="2291953"/>
+            <a:ext cx="1262895" cy="2319"/>
+          </a:xfrm>
+          <a:prstGeom prst="bentConnector3">
+            <a:avLst>
+              <a:gd name="adj1" fmla="val 50000"/>
+            </a:avLst>
+          </a:prstGeom>
+          <a:ln>
+            <a:solidFill>
+              <a:schemeClr val="accent2"/>
+            </a:solidFill>
+            <a:prstDash val="dash"/>
+            <a:tailEnd type="arrow"/>
+          </a:ln>
+        </p:spPr>
+        <p:style>
+          <a:lnRef idx="1">
+            <a:schemeClr val="accent1"/>
+          </a:lnRef>
+          <a:fillRef idx="0">
+            <a:schemeClr val="accent1"/>
+          </a:fillRef>
+          <a:effectRef idx="0">
+            <a:schemeClr val="accent1"/>
+          </a:effectRef>
+          <a:fontRef idx="minor">
+            <a:schemeClr val="tx1"/>
+          </a:fontRef>
+        </p:style>
+      </p:cxnSp>
+      <p:cxnSp>
+        <p:nvCxnSpPr>
+          <p:cNvPr id="131" name="肘形连接符 100"/>
+          <p:cNvCxnSpPr>
+            <a:cxnSpLocks/>
+            <a:stCxn id="91" idx="6"/>
+            <a:endCxn id="81" idx="2"/>
+          </p:cNvCxnSpPr>
+          <p:nvPr/>
+        </p:nvCxnSpPr>
+        <p:spPr>
+          <a:xfrm flipV="1">
+            <a:off x="7172391" y="2291953"/>
+            <a:ext cx="708421" cy="505306"/>
+          </a:xfrm>
+          <a:prstGeom prst="bentConnector3">
+            <a:avLst>
+              <a:gd name="adj1" fmla="val 50000"/>
+            </a:avLst>
+          </a:prstGeom>
+          <a:ln>
+            <a:solidFill>
+              <a:schemeClr val="accent2"/>
+            </a:solidFill>
+            <a:prstDash val="dash"/>
+            <a:tailEnd type="arrow"/>
+          </a:ln>
+        </p:spPr>
+        <p:style>
+          <a:lnRef idx="1">
+            <a:schemeClr val="accent1"/>
+          </a:lnRef>
+          <a:fillRef idx="0">
+            <a:schemeClr val="accent1"/>
+          </a:fillRef>
+          <a:effectRef idx="0">
+            <a:schemeClr val="accent1"/>
+          </a:effectRef>
+          <a:fontRef idx="minor">
+            <a:schemeClr val="tx1"/>
+          </a:fontRef>
+        </p:style>
+      </p:cxnSp>
+      <p:sp>
+        <p:nvSpPr>
+          <p:cNvPr id="132" name="TextBox 131"/>
+          <p:cNvSpPr txBox="1"/>
+          <p:nvPr/>
+        </p:nvSpPr>
+        <p:spPr>
+          <a:xfrm>
+            <a:off x="7717793" y="1847453"/>
+            <a:ext cx="2064989" cy="246221"/>
+          </a:xfrm>
+          <a:prstGeom prst="rect">
+            <a:avLst/>
+          </a:prstGeom>
+          <a:noFill/>
+        </p:spPr>
+        <p:txBody>
+          <a:bodyPr wrap="none" rtlCol="0">
+            <a:spAutoFit/>
+          </a:bodyPr>
+          <a:lstStyle/>
+          <a:p>
+            <a:r>
+              <a:rPr lang="en-US" sz="1000" b="1" dirty="0">
+                <a:solidFill>
+                  <a:schemeClr val="accent2"/>
+                </a:solidFill>
+                <a:latin typeface="微软雅黑" panose="020B0503020204020204" pitchFamily="34" charset="-122"/>
+                <a:ea typeface="微软雅黑" panose="020B0503020204020204" pitchFamily="34" charset="-122"/>
+              </a:rPr>
+              <a:t>SkyWalking, PinPiont, ZipKin</a:t>
+            </a:r>
+          </a:p>
+        </p:txBody>
+      </p:sp>
+      <p:cxnSp>
+        <p:nvCxnSpPr>
+          <p:cNvPr id="133" name="肘形连接符 100"/>
+          <p:cNvCxnSpPr>
+            <a:cxnSpLocks/>
+            <a:stCxn id="81" idx="4"/>
+            <a:endCxn id="74" idx="1"/>
+          </p:cNvCxnSpPr>
+          <p:nvPr/>
+        </p:nvCxnSpPr>
+        <p:spPr>
+          <a:xfrm rot="16200000" flipH="1">
+            <a:off x="8405254" y="2382776"/>
+            <a:ext cx="353676" cy="553029"/>
+          </a:xfrm>
+          <a:prstGeom prst="bentConnector3">
+            <a:avLst>
+              <a:gd name="adj1" fmla="val 50000"/>
+            </a:avLst>
+          </a:prstGeom>
+          <a:ln>
+            <a:solidFill>
+              <a:schemeClr val="accent2"/>
+            </a:solidFill>
+            <a:prstDash val="dash"/>
+            <a:tailEnd type="arrow"/>
+          </a:ln>
+        </p:spPr>
+        <p:style>
+          <a:lnRef idx="1">
+            <a:schemeClr val="accent1"/>
+          </a:lnRef>
+          <a:fillRef idx="0">
+            <a:schemeClr val="accent1"/>
+          </a:fillRef>
+          <a:effectRef idx="0">
+            <a:schemeClr val="accent1"/>
+          </a:effectRef>
+          <a:fontRef idx="minor">
+            <a:schemeClr val="tx1"/>
+          </a:fontRef>
+        </p:style>
+      </p:cxnSp>
+      <p:cxnSp>
+        <p:nvCxnSpPr>
+          <p:cNvPr id="134" name="肘形连接符 100"/>
+          <p:cNvCxnSpPr>
+            <a:cxnSpLocks/>
+            <a:stCxn id="82" idx="4"/>
+            <a:endCxn id="74" idx="1"/>
+          </p:cNvCxnSpPr>
+          <p:nvPr/>
+        </p:nvCxnSpPr>
+        <p:spPr>
+          <a:xfrm rot="5400000">
+            <a:off x="8934276" y="2409166"/>
+            <a:ext cx="351295" cy="502631"/>
+          </a:xfrm>
+          <a:prstGeom prst="bentConnector3">
+            <a:avLst>
+              <a:gd name="adj1" fmla="val 50000"/>
+            </a:avLst>
+          </a:prstGeom>
+          <a:ln>
+            <a:solidFill>
+              <a:schemeClr val="accent2"/>
+            </a:solidFill>
+            <a:prstDash val="dash"/>
+            <a:tailEnd type="arrow"/>
+          </a:ln>
+        </p:spPr>
+        <p:style>
+          <a:lnRef idx="1">
+            <a:schemeClr val="accent1"/>
+          </a:lnRef>
+          <a:fillRef idx="0">
+            <a:schemeClr val="accent1"/>
+          </a:fillRef>
+          <a:effectRef idx="0">
+            <a:schemeClr val="accent1"/>
+          </a:effectRef>
+          <a:fontRef idx="minor">
+            <a:schemeClr val="tx1"/>
+          </a:fontRef>
+        </p:style>
+      </p:cxnSp>
+      <p:sp>
+        <p:nvSpPr>
+          <p:cNvPr id="48" name="Rectangle 47"/>
+          <p:cNvSpPr/>
+          <p:nvPr/>
+        </p:nvSpPr>
+        <p:spPr>
+          <a:xfrm>
+            <a:off x="9047368" y="2722383"/>
+            <a:ext cx="896400" cy="507831"/>
           </a:xfrm>
           <a:prstGeom prst="rect">
             <a:avLst/>
@@ -4104,7 +7653,7 @@
           <a:p>
             <a:pPr algn="ctr"/>
             <a:r>
-              <a:rPr lang="en-US" altLang="zh-CN" sz="800" dirty="0">
+              <a:rPr lang="en-US" altLang="zh-CN" sz="900" dirty="0">
                 <a:solidFill>
                   <a:schemeClr val="tx1">
                     <a:lumMod val="65000"/>
@@ -4114,45 +7663,13 @@
                 <a:latin typeface="微软雅黑" panose="020B0503020204020204" pitchFamily="34" charset="-122"/>
                 <a:ea typeface="微软雅黑" panose="020B0503020204020204" pitchFamily="34" charset="-122"/>
               </a:rPr>
-              <a:t>usr_user_account</a:t>
-            </a:r>
-            <a:endParaRPr lang="zh-CN" altLang="en-US" sz="800" dirty="0">
-              <a:solidFill>
-                <a:schemeClr val="tx1">
-                  <a:lumMod val="65000"/>
-                  <a:lumOff val="35000"/>
-                </a:schemeClr>
-              </a:solidFill>
-              <a:latin typeface="微软雅黑" panose="020B0503020204020204" pitchFamily="34" charset="-122"/>
-              <a:ea typeface="微软雅黑" panose="020B0503020204020204" pitchFamily="34" charset="-122"/>
-            </a:endParaRPr>
-          </a:p>
-        </p:txBody>
-      </p:sp>
-      <p:sp>
-        <p:nvSpPr>
-          <p:cNvPr id="47" name="矩形 46"/>
-          <p:cNvSpPr/>
-          <p:nvPr/>
-        </p:nvSpPr>
-        <p:spPr>
-          <a:xfrm>
-            <a:off x="5833660" y="4000044"/>
-            <a:ext cx="920444" cy="215444"/>
-          </a:xfrm>
-          <a:prstGeom prst="rect">
-            <a:avLst/>
-          </a:prstGeom>
-        </p:spPr>
-        <p:txBody>
-          <a:bodyPr wrap="none">
-            <a:spAutoFit/>
-          </a:bodyPr>
-          <a:lstStyle/>
+              <a:t>MySQL</a:t>
+            </a:r>
+          </a:p>
           <a:p>
             <a:pPr algn="ctr"/>
             <a:r>
-              <a:rPr lang="en-US" altLang="zh-CN" sz="800" dirty="0">
+              <a:rPr lang="en-US" altLang="zh-CN" sz="900" dirty="0">
                 <a:solidFill>
                   <a:schemeClr val="tx1">
                     <a:lumMod val="65000"/>
@@ -4162,186 +7679,13 @@
                 <a:latin typeface="微软雅黑" panose="020B0503020204020204" pitchFamily="34" charset="-122"/>
                 <a:ea typeface="微软雅黑" panose="020B0503020204020204" pitchFamily="34" charset="-122"/>
               </a:rPr>
-              <a:t>ord_user_order</a:t>
-            </a:r>
-            <a:endParaRPr lang="zh-CN" altLang="en-US" sz="800" dirty="0">
-              <a:solidFill>
-                <a:schemeClr val="tx1">
-                  <a:lumMod val="65000"/>
-                  <a:lumOff val="35000"/>
-                </a:schemeClr>
-              </a:solidFill>
-              <a:latin typeface="微软雅黑" panose="020B0503020204020204" pitchFamily="34" charset="-122"/>
-              <a:ea typeface="微软雅黑" panose="020B0503020204020204" pitchFamily="34" charset="-122"/>
-            </a:endParaRPr>
-          </a:p>
-        </p:txBody>
-      </p:sp>
-      <p:sp>
-        <p:nvSpPr>
-          <p:cNvPr id="54" name="圆角矩形 53"/>
-          <p:cNvSpPr/>
-          <p:nvPr/>
-        </p:nvSpPr>
-        <p:spPr>
-          <a:xfrm>
-            <a:off x="3845169" y="5377654"/>
-            <a:ext cx="1464952" cy="541537"/>
-          </a:xfrm>
-          <a:prstGeom prst="roundRect">
-            <a:avLst>
-              <a:gd name="adj" fmla="val 11085"/>
-            </a:avLst>
-          </a:prstGeom>
-          <a:noFill/>
-          <a:ln w="6350">
-            <a:solidFill>
-              <a:schemeClr val="bg1">
-                <a:lumMod val="75000"/>
-                <a:alpha val="90000"/>
-              </a:schemeClr>
-            </a:solidFill>
-            <a:prstDash val="dash"/>
-          </a:ln>
-        </p:spPr>
-        <p:style>
-          <a:lnRef idx="2">
-            <a:schemeClr val="accent1">
-              <a:shade val="50000"/>
-            </a:schemeClr>
-          </a:lnRef>
-          <a:fillRef idx="1">
-            <a:schemeClr val="accent1"/>
-          </a:fillRef>
-          <a:effectRef idx="0">
-            <a:schemeClr val="accent1"/>
-          </a:effectRef>
-          <a:fontRef idx="minor">
-            <a:schemeClr val="lt1"/>
-          </a:fontRef>
-        </p:style>
-        <p:txBody>
-          <a:bodyPr rtlCol="0" anchor="ctr"/>
-          <a:lstStyle/>
+              <a:t>Hbase</a:t>
+            </a:r>
+          </a:p>
           <a:p>
             <a:pPr algn="ctr"/>
-            <a:endParaRPr lang="zh-CN" altLang="en-US" sz="900">
-              <a:latin typeface="微软雅黑" panose="020B0503020204020204" pitchFamily="34" charset="-122"/>
-              <a:ea typeface="微软雅黑" panose="020B0503020204020204" pitchFamily="34" charset="-122"/>
-            </a:endParaRPr>
-          </a:p>
-        </p:txBody>
-      </p:sp>
-      <p:cxnSp>
-        <p:nvCxnSpPr>
-          <p:cNvPr id="57" name="肘形连接符 56"/>
-          <p:cNvCxnSpPr>
-            <a:cxnSpLocks/>
-            <a:stCxn id="54" idx="0"/>
-            <a:endCxn id="5" idx="3"/>
-          </p:cNvCxnSpPr>
-          <p:nvPr/>
-        </p:nvCxnSpPr>
-        <p:spPr>
-          <a:xfrm rot="16200000" flipV="1">
-            <a:off x="4272672" y="5072681"/>
-            <a:ext cx="279747" cy="330200"/>
-          </a:xfrm>
-          <a:prstGeom prst="bentConnector3">
-            <a:avLst/>
-          </a:prstGeom>
-          <a:ln>
-            <a:solidFill>
-              <a:schemeClr val="bg1">
-                <a:lumMod val="65000"/>
-              </a:schemeClr>
-            </a:solidFill>
-            <a:prstDash val="dash"/>
-            <a:tailEnd type="arrow"/>
-          </a:ln>
-        </p:spPr>
-        <p:style>
-          <a:lnRef idx="1">
-            <a:schemeClr val="accent1"/>
-          </a:lnRef>
-          <a:fillRef idx="0">
-            <a:schemeClr val="accent1"/>
-          </a:fillRef>
-          <a:effectRef idx="0">
-            <a:schemeClr val="accent1"/>
-          </a:effectRef>
-          <a:fontRef idx="minor">
-            <a:schemeClr val="tx1"/>
-          </a:fontRef>
-        </p:style>
-      </p:cxnSp>
-      <p:cxnSp>
-        <p:nvCxnSpPr>
-          <p:cNvPr id="58" name="肘形连接符 57"/>
-          <p:cNvCxnSpPr>
-            <a:cxnSpLocks/>
-            <a:stCxn id="54" idx="0"/>
-            <a:endCxn id="6" idx="3"/>
-          </p:cNvCxnSpPr>
-          <p:nvPr/>
-        </p:nvCxnSpPr>
-        <p:spPr>
-          <a:xfrm rot="5400000" flipH="1" flipV="1">
-            <a:off x="4661776" y="5013777"/>
-            <a:ext cx="279747" cy="448009"/>
-          </a:xfrm>
-          <a:prstGeom prst="bentConnector3">
-            <a:avLst/>
-          </a:prstGeom>
-          <a:ln>
-            <a:solidFill>
-              <a:schemeClr val="bg1">
-                <a:lumMod val="65000"/>
-              </a:schemeClr>
-            </a:solidFill>
-            <a:prstDash val="dash"/>
-            <a:tailEnd type="arrow"/>
-          </a:ln>
-        </p:spPr>
-        <p:style>
-          <a:lnRef idx="1">
-            <a:schemeClr val="accent1"/>
-          </a:lnRef>
-          <a:fillRef idx="0">
-            <a:schemeClr val="accent1"/>
-          </a:fillRef>
-          <a:effectRef idx="0">
-            <a:schemeClr val="accent1"/>
-          </a:effectRef>
-          <a:fontRef idx="minor">
-            <a:schemeClr val="tx1"/>
-          </a:fontRef>
-        </p:style>
-      </p:cxnSp>
-      <p:sp>
-        <p:nvSpPr>
-          <p:cNvPr id="69" name="矩形 68"/>
-          <p:cNvSpPr/>
-          <p:nvPr/>
-        </p:nvSpPr>
-        <p:spPr>
-          <a:xfrm>
-            <a:off x="4333636" y="3999616"/>
-            <a:ext cx="667170" cy="215444"/>
-          </a:xfrm>
-          <a:prstGeom prst="rect">
-            <a:avLst/>
-          </a:prstGeom>
-        </p:spPr>
-        <p:txBody>
-          <a:bodyPr wrap="none">
-            <a:spAutoFit/>
-          </a:bodyPr>
-          <a:lstStyle/>
-          <a:p>
-            <a:pPr algn="ctr"/>
-            <a:r>
-              <a:rPr lang="en-US" altLang="zh-CN" sz="800" dirty="0">
+            <a:r>
+              <a:rPr lang="en-US" sz="900" dirty="0">
                 <a:solidFill>
                   <a:schemeClr val="tx1">
                     <a:lumMod val="65000"/>
@@ -4351,14 +7695,46 @@
                 <a:latin typeface="微软雅黑" panose="020B0503020204020204" pitchFamily="34" charset="-122"/>
                 <a:ea typeface="微软雅黑" panose="020B0503020204020204" pitchFamily="34" charset="-122"/>
               </a:rPr>
-              <a:t>ord_order</a:t>
-            </a:r>
-            <a:endParaRPr lang="zh-CN" altLang="en-US" sz="800" dirty="0">
+              <a:t>ElasticSearch</a:t>
+            </a:r>
+          </a:p>
+        </p:txBody>
+      </p:sp>
+      <p:sp>
+        <p:nvSpPr>
+          <p:cNvPr id="135" name="Rectangle 134"/>
+          <p:cNvSpPr/>
+          <p:nvPr/>
+        </p:nvSpPr>
+        <p:spPr>
+          <a:xfrm>
+            <a:off x="5947309" y="1311128"/>
+            <a:ext cx="1499128" cy="230832"/>
+          </a:xfrm>
+          <a:prstGeom prst="rect">
+            <a:avLst/>
+          </a:prstGeom>
+        </p:spPr>
+        <p:txBody>
+          <a:bodyPr wrap="none">
+            <a:spAutoFit/>
+          </a:bodyPr>
+          <a:lstStyle/>
+          <a:p>
+            <a:pPr algn="ctr"/>
+            <a:r>
+              <a:rPr lang="en-US" altLang="zh-CN" sz="900" dirty="0">
+                <a:solidFill>
+                  <a:schemeClr val="accent2"/>
+                </a:solidFill>
+                <a:latin typeface="微软雅黑" panose="020B0503020204020204" pitchFamily="34" charset="-122"/>
+                <a:ea typeface="微软雅黑" panose="020B0503020204020204" pitchFamily="34" charset="-122"/>
+              </a:rPr>
+              <a:t>agent / instrumentation</a:t>
+            </a:r>
+            <a:endParaRPr lang="en-US" sz="900" dirty="0">
               <a:solidFill>
-                <a:schemeClr val="tx1">
-                  <a:lumMod val="65000"/>
-                  <a:lumOff val="35000"/>
-                </a:schemeClr>
+                <a:schemeClr val="accent2"/>
               </a:solidFill>
               <a:latin typeface="微软雅黑" panose="020B0503020204020204" pitchFamily="34" charset="-122"/>
               <a:ea typeface="微软雅黑" panose="020B0503020204020204" pitchFamily="34" charset="-122"/>
@@ -4368,45 +7744,39 @@
       </p:sp>
       <p:sp>
         <p:nvSpPr>
-          <p:cNvPr id="71" name="矩形 70"/>
-          <p:cNvSpPr/>
-          <p:nvPr/>
-        </p:nvSpPr>
-        <p:spPr>
-          <a:xfrm>
-            <a:off x="5003336" y="3996260"/>
-            <a:ext cx="933268" cy="215444"/>
+          <p:cNvPr id="138" name="TextBox 137"/>
+          <p:cNvSpPr txBox="1"/>
+          <p:nvPr/>
+        </p:nvSpPr>
+        <p:spPr>
+          <a:xfrm>
+            <a:off x="7712276" y="1589839"/>
+            <a:ext cx="527709" cy="261610"/>
           </a:xfrm>
           <a:prstGeom prst="rect">
             <a:avLst/>
           </a:prstGeom>
-        </p:spPr>
-        <p:txBody>
-          <a:bodyPr wrap="none">
+          <a:noFill/>
+        </p:spPr>
+        <p:txBody>
+          <a:bodyPr wrap="none" rtlCol="0">
             <a:spAutoFit/>
           </a:bodyPr>
           <a:lstStyle/>
           <a:p>
-            <a:pPr algn="ctr"/>
-            <a:r>
-              <a:rPr lang="en-US" altLang="zh-CN" sz="800" dirty="0">
+            <a:r>
+              <a:rPr lang="en-US" altLang="zh-CN" sz="1100" b="1" dirty="0">
                 <a:solidFill>
-                  <a:schemeClr val="tx1">
-                    <a:lumMod val="65000"/>
-                    <a:lumOff val="35000"/>
-                  </a:schemeClr>
+                  <a:schemeClr val="accent2"/>
                 </a:solidFill>
                 <a:latin typeface="微软雅黑" panose="020B0503020204020204" pitchFamily="34" charset="-122"/>
                 <a:ea typeface="微软雅黑" panose="020B0503020204020204" pitchFamily="34" charset="-122"/>
               </a:rPr>
-              <a:t>ord_order_item</a:t>
-            </a:r>
-            <a:endParaRPr lang="zh-CN" altLang="en-US" sz="800" dirty="0">
+              <a:t>APM</a:t>
+            </a:r>
+            <a:endParaRPr lang="en-US" sz="1100" b="1" dirty="0">
               <a:solidFill>
-                <a:schemeClr val="tx1">
-                  <a:lumMod val="65000"/>
-                  <a:lumOff val="35000"/>
-                </a:schemeClr>
+                <a:schemeClr val="accent2"/>
               </a:solidFill>
               <a:latin typeface="微软雅黑" panose="020B0503020204020204" pitchFamily="34" charset="-122"/>
               <a:ea typeface="微软雅黑" panose="020B0503020204020204" pitchFamily="34" charset="-122"/>
@@ -4416,29 +7786,185 @@
       </p:sp>
       <p:sp>
         <p:nvSpPr>
-          <p:cNvPr id="73" name="圆角矩形 72"/>
+          <p:cNvPr id="139" name="TextBox 138"/>
+          <p:cNvSpPr txBox="1"/>
+          <p:nvPr/>
+        </p:nvSpPr>
+        <p:spPr>
+          <a:xfrm>
+            <a:off x="2513938" y="3374332"/>
+            <a:ext cx="2084225" cy="261610"/>
+          </a:xfrm>
+          <a:prstGeom prst="rect">
+            <a:avLst/>
+          </a:prstGeom>
+          <a:noFill/>
+        </p:spPr>
+        <p:txBody>
+          <a:bodyPr wrap="none" rtlCol="0">
+            <a:spAutoFit/>
+          </a:bodyPr>
+          <a:lstStyle/>
+          <a:p>
+            <a:pPr algn="r"/>
+            <a:r>
+              <a:rPr lang="en-US" sz="1100" b="1" dirty="0">
+                <a:solidFill>
+                  <a:srgbClr val="EEB500"/>
+                </a:solidFill>
+                <a:latin typeface="微软雅黑" panose="020B0503020204020204" pitchFamily="34" charset="-122"/>
+                <a:ea typeface="微软雅黑" panose="020B0503020204020204" pitchFamily="34" charset="-122"/>
+              </a:rPr>
+              <a:t>Database</a:t>
+            </a:r>
+            <a:r>
+              <a:rPr lang="zh-CN" altLang="en-US" sz="1100" b="1" dirty="0">
+                <a:solidFill>
+                  <a:srgbClr val="EEB500"/>
+                </a:solidFill>
+                <a:latin typeface="微软雅黑" panose="020B0503020204020204" pitchFamily="34" charset="-122"/>
+                <a:ea typeface="微软雅黑" panose="020B0503020204020204" pitchFamily="34" charset="-122"/>
+              </a:rPr>
+              <a:t> </a:t>
+            </a:r>
+            <a:r>
+              <a:rPr lang="en-US" altLang="zh-CN" sz="1100" b="1" dirty="0">
+                <a:solidFill>
+                  <a:srgbClr val="EEB500"/>
+                </a:solidFill>
+                <a:latin typeface="微软雅黑" panose="020B0503020204020204" pitchFamily="34" charset="-122"/>
+                <a:ea typeface="微软雅黑" panose="020B0503020204020204" pitchFamily="34" charset="-122"/>
+              </a:rPr>
+              <a:t>Sharding Proxies</a:t>
+            </a:r>
+            <a:endParaRPr lang="en-US" sz="1100" b="1" dirty="0">
+              <a:solidFill>
+                <a:srgbClr val="EEB500"/>
+              </a:solidFill>
+              <a:latin typeface="微软雅黑" panose="020B0503020204020204" pitchFamily="34" charset="-122"/>
+              <a:ea typeface="微软雅黑" panose="020B0503020204020204" pitchFamily="34" charset="-122"/>
+            </a:endParaRPr>
+          </a:p>
+        </p:txBody>
+      </p:sp>
+      <p:sp>
+        <p:nvSpPr>
+          <p:cNvPr id="140" name="TextBox 139"/>
+          <p:cNvSpPr txBox="1"/>
+          <p:nvPr/>
+        </p:nvSpPr>
+        <p:spPr>
+          <a:xfrm>
+            <a:off x="3607059" y="1731332"/>
+            <a:ext cx="1151277" cy="261610"/>
+          </a:xfrm>
+          <a:prstGeom prst="rect">
+            <a:avLst/>
+          </a:prstGeom>
+          <a:noFill/>
+        </p:spPr>
+        <p:txBody>
+          <a:bodyPr wrap="none" rtlCol="0">
+            <a:spAutoFit/>
+          </a:bodyPr>
+          <a:lstStyle/>
+          <a:p>
+            <a:r>
+              <a:rPr lang="en-US" sz="1100" b="1" dirty="0">
+                <a:solidFill>
+                  <a:schemeClr val="accent6"/>
+                </a:solidFill>
+                <a:latin typeface="微软雅黑" panose="020B0503020204020204" pitchFamily="34" charset="-122"/>
+                <a:ea typeface="微软雅黑" panose="020B0503020204020204" pitchFamily="34" charset="-122"/>
+              </a:rPr>
+              <a:t>Microservices</a:t>
+            </a:r>
+          </a:p>
+        </p:txBody>
+      </p:sp>
+      <p:sp>
+        <p:nvSpPr>
+          <p:cNvPr id="141" name="TextBox 140"/>
+          <p:cNvSpPr txBox="1"/>
+          <p:nvPr/>
+        </p:nvSpPr>
+        <p:spPr>
+          <a:xfrm>
+            <a:off x="4722967" y="1076635"/>
+            <a:ext cx="1688283" cy="261610"/>
+          </a:xfrm>
+          <a:prstGeom prst="rect">
+            <a:avLst/>
+          </a:prstGeom>
+          <a:noFill/>
+        </p:spPr>
+        <p:txBody>
+          <a:bodyPr wrap="none" rtlCol="0">
+            <a:spAutoFit/>
+          </a:bodyPr>
+          <a:lstStyle/>
+          <a:p>
+            <a:r>
+              <a:rPr lang="en-US" sz="1100" b="1" dirty="0">
+                <a:solidFill>
+                  <a:schemeClr val="tx2"/>
+                </a:solidFill>
+                <a:latin typeface="微软雅黑" panose="020B0503020204020204" pitchFamily="34" charset="-122"/>
+                <a:ea typeface="微软雅黑" panose="020B0503020204020204" pitchFamily="34" charset="-122"/>
+              </a:rPr>
+              <a:t>Frontend</a:t>
+            </a:r>
+            <a:r>
+              <a:rPr lang="zh-CN" altLang="en-US" sz="1100" b="1" dirty="0">
+                <a:solidFill>
+                  <a:schemeClr val="tx2"/>
+                </a:solidFill>
+                <a:latin typeface="微软雅黑" panose="020B0503020204020204" pitchFamily="34" charset="-122"/>
+                <a:ea typeface="微软雅黑" panose="020B0503020204020204" pitchFamily="34" charset="-122"/>
+              </a:rPr>
+              <a:t> </a:t>
+            </a:r>
+            <a:r>
+              <a:rPr lang="en-US" altLang="zh-CN" sz="1100" b="1" dirty="0">
+                <a:solidFill>
+                  <a:schemeClr val="tx2"/>
+                </a:solidFill>
+                <a:latin typeface="微软雅黑" panose="020B0503020204020204" pitchFamily="34" charset="-122"/>
+                <a:ea typeface="微软雅黑" panose="020B0503020204020204" pitchFamily="34" charset="-122"/>
+              </a:rPr>
+              <a:t>Application</a:t>
+            </a:r>
+            <a:endParaRPr lang="en-US" sz="1100" b="1" dirty="0">
+              <a:solidFill>
+                <a:schemeClr val="tx2"/>
+              </a:solidFill>
+              <a:latin typeface="微软雅黑" panose="020B0503020204020204" pitchFamily="34" charset="-122"/>
+              <a:ea typeface="微软雅黑" panose="020B0503020204020204" pitchFamily="34" charset="-122"/>
+            </a:endParaRPr>
+          </a:p>
+        </p:txBody>
+      </p:sp>
+      <p:sp>
+        <p:nvSpPr>
+          <p:cNvPr id="9" name="Rectangle: Rounded Corners 8"/>
           <p:cNvSpPr/>
           <p:nvPr/>
         </p:nvSpPr>
         <p:spPr>
           <a:xfrm>
-            <a:off x="4333636" y="4011076"/>
-            <a:ext cx="2420468" cy="524302"/>
+            <a:off x="2375147" y="2033595"/>
+            <a:ext cx="914400" cy="347065"/>
           </a:xfrm>
           <a:prstGeom prst="roundRect">
-            <a:avLst>
-              <a:gd name="adj" fmla="val 11085"/>
-            </a:avLst>
-          </a:prstGeom>
-          <a:noFill/>
-          <a:ln w="6350">
-            <a:solidFill>
-              <a:schemeClr val="bg1">
-                <a:lumMod val="75000"/>
-                <a:alpha val="90000"/>
-              </a:schemeClr>
-            </a:solidFill>
-            <a:prstDash val="dash"/>
+            <a:avLst/>
+          </a:prstGeom>
+          <a:solidFill>
+            <a:srgbClr val="9933FF">
+              <a:alpha val="70000"/>
+            </a:srgbClr>
+          </a:solidFill>
+          <a:ln>
+            <a:noFill/>
           </a:ln>
         </p:spPr>
         <p:style>
@@ -4462,42 +7988,240 @@
           <a:lstStyle/>
           <a:p>
             <a:pPr algn="ctr"/>
-            <a:endParaRPr lang="zh-CN" altLang="en-US" sz="900">
+            <a:r>
+              <a:rPr lang="en-US" sz="1000" b="1" dirty="0">
+                <a:solidFill>
+                  <a:schemeClr val="bg1"/>
+                </a:solidFill>
+                <a:latin typeface="微软雅黑" panose="020B0503020204020204" pitchFamily="34" charset="-122"/>
+                <a:ea typeface="微软雅黑" panose="020B0503020204020204" pitchFamily="34" charset="-122"/>
+              </a:rPr>
+              <a:t>Nacos</a:t>
+            </a:r>
+          </a:p>
+        </p:txBody>
+      </p:sp>
+      <p:sp>
+        <p:nvSpPr>
+          <p:cNvPr id="142" name="TextBox 141"/>
+          <p:cNvSpPr txBox="1"/>
+          <p:nvPr/>
+        </p:nvSpPr>
+        <p:spPr>
+          <a:xfrm>
+            <a:off x="1159188" y="1995348"/>
+            <a:ext cx="1257075" cy="430887"/>
+          </a:xfrm>
+          <a:prstGeom prst="rect">
+            <a:avLst/>
+          </a:prstGeom>
+          <a:noFill/>
+        </p:spPr>
+        <p:txBody>
+          <a:bodyPr wrap="none" rtlCol="0">
+            <a:spAutoFit/>
+          </a:bodyPr>
+          <a:lstStyle/>
+          <a:p>
+            <a:pPr algn="r"/>
+            <a:r>
+              <a:rPr lang="en-US" altLang="zh-CN" sz="1100" b="1" dirty="0">
+                <a:solidFill>
+                  <a:srgbClr val="E05BFF"/>
+                </a:solidFill>
+                <a:latin typeface="微软雅黑" panose="020B0503020204020204" pitchFamily="34" charset="-122"/>
+                <a:ea typeface="微软雅黑" panose="020B0503020204020204" pitchFamily="34" charset="-122"/>
+              </a:rPr>
+              <a:t>Registry Server</a:t>
+            </a:r>
+          </a:p>
+          <a:p>
+            <a:pPr algn="r"/>
+            <a:r>
+              <a:rPr lang="en-US" sz="1100" b="1" dirty="0">
+                <a:solidFill>
+                  <a:srgbClr val="E05BFF"/>
+                </a:solidFill>
+                <a:latin typeface="微软雅黑" panose="020B0503020204020204" pitchFamily="34" charset="-122"/>
+                <a:ea typeface="微软雅黑" panose="020B0503020204020204" pitchFamily="34" charset="-122"/>
+              </a:rPr>
+              <a:t>Config</a:t>
+            </a:r>
+            <a:r>
+              <a:rPr lang="zh-CN" altLang="en-US" sz="1100" b="1" dirty="0">
+                <a:solidFill>
+                  <a:srgbClr val="E05BFF"/>
+                </a:solidFill>
+                <a:latin typeface="微软雅黑" panose="020B0503020204020204" pitchFamily="34" charset="-122"/>
+                <a:ea typeface="微软雅黑" panose="020B0503020204020204" pitchFamily="34" charset="-122"/>
+              </a:rPr>
+              <a:t> </a:t>
+            </a:r>
+            <a:r>
+              <a:rPr lang="en-US" altLang="zh-CN" sz="1100" b="1" dirty="0">
+                <a:solidFill>
+                  <a:srgbClr val="E05BFF"/>
+                </a:solidFill>
+                <a:latin typeface="微软雅黑" panose="020B0503020204020204" pitchFamily="34" charset="-122"/>
+                <a:ea typeface="微软雅黑" panose="020B0503020204020204" pitchFamily="34" charset="-122"/>
+              </a:rPr>
+              <a:t>Server</a:t>
+            </a:r>
+            <a:endParaRPr lang="en-US" sz="1100" b="1" dirty="0">
+              <a:solidFill>
+                <a:srgbClr val="E05BFF"/>
+              </a:solidFill>
               <a:latin typeface="微软雅黑" panose="020B0503020204020204" pitchFamily="34" charset="-122"/>
               <a:ea typeface="微软雅黑" panose="020B0503020204020204" pitchFamily="34" charset="-122"/>
             </a:endParaRPr>
           </a:p>
         </p:txBody>
       </p:sp>
+      <p:sp>
+        <p:nvSpPr>
+          <p:cNvPr id="143" name="Rectangle: Rounded Corners 142"/>
+          <p:cNvSpPr/>
+          <p:nvPr/>
+        </p:nvSpPr>
+        <p:spPr>
+          <a:xfrm>
+            <a:off x="2375147" y="2682290"/>
+            <a:ext cx="914400" cy="347065"/>
+          </a:xfrm>
+          <a:prstGeom prst="roundRect">
+            <a:avLst/>
+          </a:prstGeom>
+          <a:solidFill>
+            <a:srgbClr val="9933FF">
+              <a:alpha val="70000"/>
+            </a:srgbClr>
+          </a:solidFill>
+          <a:ln>
+            <a:noFill/>
+          </a:ln>
+        </p:spPr>
+        <p:style>
+          <a:lnRef idx="2">
+            <a:schemeClr val="accent1">
+              <a:shade val="50000"/>
+            </a:schemeClr>
+          </a:lnRef>
+          <a:fillRef idx="1">
+            <a:schemeClr val="accent1"/>
+          </a:fillRef>
+          <a:effectRef idx="0">
+            <a:schemeClr val="accent1"/>
+          </a:effectRef>
+          <a:fontRef idx="minor">
+            <a:schemeClr val="lt1"/>
+          </a:fontRef>
+        </p:style>
+        <p:txBody>
+          <a:bodyPr rot="0" spcFirstLastPara="0" vertOverflow="overflow" horzOverflow="overflow" vert="horz" wrap="square" lIns="91440" tIns="45720" rIns="91440" bIns="45720" numCol="1" spcCol="0" rtlCol="0" fromWordArt="0" anchor="ctr" anchorCtr="0" forceAA="0" compatLnSpc="1">
+            <a:prstTxWarp prst="textNoShape">
+              <a:avLst/>
+            </a:prstTxWarp>
+            <a:noAutofit/>
+          </a:bodyPr>
+          <a:lstStyle/>
+          <a:p>
+            <a:pPr algn="ctr"/>
+            <a:r>
+              <a:rPr lang="en-US" sz="1000" b="1" dirty="0">
+                <a:solidFill>
+                  <a:schemeClr val="bg1"/>
+                </a:solidFill>
+                <a:latin typeface="微软雅黑" panose="020B0503020204020204" pitchFamily="34" charset="-122"/>
+                <a:ea typeface="微软雅黑" panose="020B0503020204020204" pitchFamily="34" charset="-122"/>
+              </a:rPr>
+              <a:t>Seata</a:t>
+            </a:r>
+          </a:p>
+        </p:txBody>
+      </p:sp>
+      <p:sp>
+        <p:nvSpPr>
+          <p:cNvPr id="144" name="TextBox 143"/>
+          <p:cNvSpPr txBox="1"/>
+          <p:nvPr/>
+        </p:nvSpPr>
+        <p:spPr>
+          <a:xfrm>
+            <a:off x="543585" y="2636433"/>
+            <a:ext cx="1853392" cy="430887"/>
+          </a:xfrm>
+          <a:prstGeom prst="rect">
+            <a:avLst/>
+          </a:prstGeom>
+          <a:noFill/>
+        </p:spPr>
+        <p:txBody>
+          <a:bodyPr wrap="none" rtlCol="0">
+            <a:spAutoFit/>
+          </a:bodyPr>
+          <a:lstStyle>
+            <a:defPPr>
+              <a:defRPr lang="zh-CN"/>
+            </a:defPPr>
+            <a:lvl1pPr algn="just">
+              <a:defRPr sz="1000" b="1">
+                <a:solidFill>
+                  <a:srgbClr val="E05BFF"/>
+                </a:solidFill>
+                <a:latin typeface="微软雅黑" panose="020B0503020204020204" pitchFamily="34" charset="-122"/>
+                <a:ea typeface="微软雅黑" panose="020B0503020204020204" pitchFamily="34" charset="-122"/>
+              </a:defRPr>
+            </a:lvl1pPr>
+          </a:lstStyle>
+          <a:p>
+            <a:pPr algn="r"/>
+            <a:r>
+              <a:rPr lang="en-US" altLang="zh-CN" sz="1100" dirty="0"/>
+              <a:t>Distributed Transaction</a:t>
+            </a:r>
+          </a:p>
+          <a:p>
+            <a:pPr algn="r"/>
+            <a:r>
+              <a:rPr lang="en-US" altLang="zh-CN" sz="1100" dirty="0"/>
+              <a:t>(Flexible Transaction)</a:t>
+            </a:r>
+          </a:p>
+        </p:txBody>
+      </p:sp>
       <p:cxnSp>
         <p:nvCxnSpPr>
-          <p:cNvPr id="90" name="肘形连接符 89"/>
+          <p:cNvPr id="145" name="Connector: Elbow 144"/>
           <p:cNvCxnSpPr>
             <a:cxnSpLocks/>
-            <a:stCxn id="73" idx="2"/>
-            <a:endCxn id="5" idx="1"/>
           </p:cNvCxnSpPr>
           <p:nvPr/>
         </p:nvCxnSpPr>
         <p:spPr>
-          <a:xfrm rot="5400000">
-            <a:off x="4736106" y="4046718"/>
-            <a:ext cx="319104" cy="1296425"/>
+          <a:xfrm rot="10800000" flipV="1">
+            <a:off x="3326188" y="2222870"/>
+            <a:ext cx="255870" cy="628"/>
           </a:xfrm>
           <a:prstGeom prst="bentConnector3">
             <a:avLst>
               <a:gd name="adj1" fmla="val 50000"/>
             </a:avLst>
           </a:prstGeom>
-          <a:ln>
+          <a:ln w="12700">
             <a:solidFill>
-              <a:schemeClr val="bg1">
-                <a:lumMod val="65000"/>
+              <a:schemeClr val="tx1">
+                <a:alpha val="70000"/>
               </a:schemeClr>
             </a:solidFill>
-            <a:prstDash val="dash"/>
-            <a:tailEnd type="arrow"/>
+            <a:headEnd type="stealth"/>
+            <a:tailEnd type="stealth"/>
           </a:ln>
+          <a:scene3d>
+            <a:camera prst="orthographicFront">
+              <a:rot lat="0" lon="0" rev="10799999"/>
+            </a:camera>
+            <a:lightRig rig="threePt" dir="t"/>
+          </a:scene3d>
         </p:spPr>
         <p:style>
           <a:lnRef idx="1">
@@ -4516,33 +8240,37 @@
       </p:cxnSp>
       <p:cxnSp>
         <p:nvCxnSpPr>
-          <p:cNvPr id="95" name="肘形连接符 94"/>
+          <p:cNvPr id="146" name="Connector: Elbow 145"/>
           <p:cNvCxnSpPr>
             <a:cxnSpLocks/>
-            <a:stCxn id="73" idx="2"/>
-            <a:endCxn id="6" idx="1"/>
           </p:cNvCxnSpPr>
           <p:nvPr/>
         </p:nvCxnSpPr>
         <p:spPr>
-          <a:xfrm rot="5400000">
-            <a:off x="5125210" y="4435822"/>
-            <a:ext cx="319104" cy="518216"/>
+          <a:xfrm rot="10800000" flipV="1">
+            <a:off x="3322709" y="2863599"/>
+            <a:ext cx="255870" cy="628"/>
           </a:xfrm>
           <a:prstGeom prst="bentConnector3">
             <a:avLst>
               <a:gd name="adj1" fmla="val 50000"/>
             </a:avLst>
           </a:prstGeom>
-          <a:ln>
+          <a:ln w="12700">
             <a:solidFill>
-              <a:schemeClr val="bg1">
-                <a:lumMod val="65000"/>
+              <a:schemeClr val="tx1">
+                <a:alpha val="70000"/>
               </a:schemeClr>
             </a:solidFill>
-            <a:prstDash val="dash"/>
-            <a:tailEnd type="arrow"/>
+            <a:headEnd type="stealth"/>
+            <a:tailEnd type="stealth"/>
           </a:ln>
+          <a:scene3d>
+            <a:camera prst="orthographicFront">
+              <a:rot lat="0" lon="0" rev="10799999"/>
+            </a:camera>
+            <a:lightRig rig="threePt" dir="t"/>
+          </a:scene3d>
         </p:spPr>
         <p:style>
           <a:lnRef idx="1">
@@ -4561,32 +8289,26 @@
       </p:cxnSp>
       <p:cxnSp>
         <p:nvCxnSpPr>
-          <p:cNvPr id="98" name="肘形连接符 97"/>
-          <p:cNvCxnSpPr>
-            <a:cxnSpLocks/>
-            <a:stCxn id="73" idx="2"/>
-            <a:endCxn id="7" idx="1"/>
-          </p:cNvCxnSpPr>
+          <p:cNvPr id="147" name="Connector: Elbow 146"/>
+          <p:cNvCxnSpPr/>
           <p:nvPr/>
         </p:nvCxnSpPr>
         <p:spPr>
-          <a:xfrm rot="16200000" flipH="1">
-            <a:off x="5484681" y="4594566"/>
-            <a:ext cx="319104" cy="200727"/>
+          <a:xfrm rot="5400000">
+            <a:off x="2702888" y="2525363"/>
+            <a:ext cx="240267" cy="387"/>
           </a:xfrm>
           <a:prstGeom prst="bentConnector3">
-            <a:avLst>
-              <a:gd name="adj1" fmla="val 50000"/>
-            </a:avLst>
-          </a:prstGeom>
-          <a:ln>
+            <a:avLst/>
+          </a:prstGeom>
+          <a:ln w="12700">
             <a:solidFill>
-              <a:schemeClr val="bg1">
-                <a:lumMod val="65000"/>
+              <a:schemeClr val="tx1">
+                <a:alpha val="70000"/>
               </a:schemeClr>
             </a:solidFill>
-            <a:prstDash val="dash"/>
-            <a:tailEnd type="arrow"/>
+            <a:headEnd type="stealth"/>
+            <a:tailEnd type="stealth"/>
           </a:ln>
         </p:spPr>
         <p:style>
@@ -4604,71 +8326,52 @@
           </a:fontRef>
         </p:style>
       </p:cxnSp>
-      <p:cxnSp>
-        <p:nvCxnSpPr>
-          <p:cNvPr id="101" name="肘形连接符 100"/>
-          <p:cNvCxnSpPr>
-            <a:cxnSpLocks/>
-            <a:stCxn id="73" idx="2"/>
-            <a:endCxn id="8" idx="1"/>
-          </p:cNvCxnSpPr>
-          <p:nvPr/>
-        </p:nvCxnSpPr>
-        <p:spPr>
-          <a:xfrm rot="16200000" flipH="1">
-            <a:off x="5852619" y="4226628"/>
-            <a:ext cx="319104" cy="936603"/>
-          </a:xfrm>
-          <a:prstGeom prst="bentConnector3">
-            <a:avLst>
-              <a:gd name="adj1" fmla="val 50000"/>
-            </a:avLst>
-          </a:prstGeom>
-          <a:ln>
-            <a:solidFill>
-              <a:schemeClr val="bg1">
-                <a:lumMod val="65000"/>
-              </a:schemeClr>
-            </a:solidFill>
-            <a:prstDash val="dash"/>
-            <a:tailEnd type="arrow"/>
-          </a:ln>
-        </p:spPr>
-        <p:style>
-          <a:lnRef idx="1">
-            <a:schemeClr val="accent1"/>
-          </a:lnRef>
-          <a:fillRef idx="0">
-            <a:schemeClr val="accent1"/>
-          </a:fillRef>
-          <a:effectRef idx="0">
-            <a:schemeClr val="accent1"/>
-          </a:effectRef>
-          <a:fontRef idx="minor">
-            <a:schemeClr val="tx1"/>
-          </a:fontRef>
-        </p:style>
-      </p:cxnSp>
-      <p:sp>
-        <p:nvSpPr>
-          <p:cNvPr id="2" name="Rectangle: Rounded Corners 1"/>
+      <p:pic>
+        <p:nvPicPr>
+          <p:cNvPr id="12" name="Picture 11"/>
+          <p:cNvPicPr>
+            <a:picLocks noChangeAspect="1"/>
+          </p:cNvPicPr>
+          <p:nvPr/>
+        </p:nvPicPr>
+        <p:blipFill>
+          <a:blip r:embed="rId4" cstate="print">
+            <a:extLst>
+              <a:ext uri="{28A0092B-C50C-407E-A947-70E740481C1C}">
+                <a14:useLocalDpi xmlns:a14="http://schemas.microsoft.com/office/drawing/2010/main" val="0"/>
+              </a:ext>
+            </a:extLst>
+          </a:blip>
+          <a:stretch>
+            <a:fillRect/>
+          </a:stretch>
+        </p:blipFill>
+        <p:spPr>
+          <a:xfrm>
+            <a:off x="8472561" y="5074573"/>
+            <a:ext cx="637481" cy="478111"/>
+          </a:xfrm>
+          <a:prstGeom prst="rect">
+            <a:avLst/>
+          </a:prstGeom>
+        </p:spPr>
+      </p:pic>
+      <p:sp>
+        <p:nvSpPr>
+          <p:cNvPr id="53" name="Oval 52"/>
           <p:cNvSpPr/>
           <p:nvPr/>
         </p:nvSpPr>
         <p:spPr>
           <a:xfrm>
-            <a:off x="4046181" y="3313628"/>
-            <a:ext cx="1992039" cy="363894"/>
-          </a:xfrm>
-          <a:prstGeom prst="roundRect">
+            <a:off x="4595993" y="5083082"/>
+            <a:ext cx="60325" cy="61710"/>
+          </a:xfrm>
+          <a:prstGeom prst="ellipse">
             <a:avLst/>
           </a:prstGeom>
-          <a:solidFill>
-            <a:schemeClr val="accent4">
-              <a:alpha val="50000"/>
-            </a:schemeClr>
-          </a:solidFill>
-          <a:ln>
+          <a:noFill/>
+          <a:ln w="6350">
             <a:noFill/>
           </a:ln>
         </p:spPr>
@@ -4693,68 +8396,27 @@
           <a:lstStyle/>
           <a:p>
             <a:pPr algn="ctr"/>
-            <a:r>
-              <a:rPr lang="en-US" sz="1000" b="1" dirty="0" err="1">
-                <a:solidFill>
-                  <a:schemeClr val="tx1"/>
-                </a:solidFill>
-                <a:latin typeface="微软雅黑" panose="020B0503020204020204" pitchFamily="34" charset="-122"/>
-                <a:ea typeface="微软雅黑" panose="020B0503020204020204" pitchFamily="34" charset="-122"/>
-              </a:rPr>
-              <a:t>MyCat</a:t>
-            </a:r>
-            <a:r>
-              <a:rPr lang="en-US" sz="1000" b="1" dirty="0">
-                <a:solidFill>
-                  <a:schemeClr val="tx1"/>
-                </a:solidFill>
-                <a:latin typeface="微软雅黑" panose="020B0503020204020204" pitchFamily="34" charset="-122"/>
-                <a:ea typeface="微软雅黑" panose="020B0503020204020204" pitchFamily="34" charset="-122"/>
-              </a:rPr>
-              <a:t>, Sharding</a:t>
-            </a:r>
-            <a:r>
-              <a:rPr lang="en-US" altLang="zh-CN" sz="1000" b="1" dirty="0">
-                <a:solidFill>
-                  <a:schemeClr val="tx1"/>
-                </a:solidFill>
-                <a:latin typeface="微软雅黑" panose="020B0503020204020204" pitchFamily="34" charset="-122"/>
-                <a:ea typeface="微软雅黑" panose="020B0503020204020204" pitchFamily="34" charset="-122"/>
-              </a:rPr>
-              <a:t>-Proxy</a:t>
-            </a:r>
-            <a:endParaRPr lang="en-US" sz="1000" b="1" dirty="0">
-              <a:solidFill>
-                <a:schemeClr val="tx1"/>
-              </a:solidFill>
-              <a:latin typeface="微软雅黑" panose="020B0503020204020204" pitchFamily="34" charset="-122"/>
-              <a:ea typeface="微软雅黑" panose="020B0503020204020204" pitchFamily="34" charset="-122"/>
-            </a:endParaRPr>
-          </a:p>
-        </p:txBody>
-      </p:sp>
-      <p:sp>
-        <p:nvSpPr>
-          <p:cNvPr id="3" name="Rectangle: Rounded Corners 2"/>
+            <a:endParaRPr lang="en-US"/>
+          </a:p>
+        </p:txBody>
+      </p:sp>
+      <p:sp>
+        <p:nvSpPr>
+          <p:cNvPr id="136" name="Oval 135"/>
           <p:cNvSpPr/>
           <p:nvPr/>
         </p:nvSpPr>
         <p:spPr>
           <a:xfrm>
-            <a:off x="3093044" y="3952961"/>
-            <a:ext cx="3758391" cy="2040668"/>
-          </a:xfrm>
-          <a:prstGeom prst="roundRect">
-            <a:avLst>
-              <a:gd name="adj" fmla="val 4065"/>
-            </a:avLst>
+            <a:off x="4802368" y="5089432"/>
+            <a:ext cx="60325" cy="61710"/>
+          </a:xfrm>
+          <a:prstGeom prst="ellipse">
+            <a:avLst/>
           </a:prstGeom>
           <a:noFill/>
           <a:ln w="6350">
-            <a:solidFill>
-              <a:srgbClr val="3399FF"/>
-            </a:solidFill>
-            <a:prstDash val="sysDash"/>
+            <a:noFill/>
           </a:ln>
         </p:spPr>
         <p:style>
@@ -4774,12 +8436,7 @@
           </a:fontRef>
         </p:style>
         <p:txBody>
-          <a:bodyPr rot="0" spcFirstLastPara="0" vertOverflow="overflow" horzOverflow="overflow" vert="horz" wrap="square" lIns="91440" tIns="45720" rIns="91440" bIns="45720" numCol="1" spcCol="0" rtlCol="0" fromWordArt="0" anchor="ctr" anchorCtr="0" forceAA="0" compatLnSpc="1">
-            <a:prstTxWarp prst="textNoShape">
-              <a:avLst/>
-            </a:prstTxWarp>
-            <a:noAutofit/>
-          </a:bodyPr>
+          <a:bodyPr rtlCol="0" anchor="ctr"/>
           <a:lstStyle/>
           <a:p>
             <a:pPr algn="ctr"/>
@@ -4789,22 +8446,20 @@
       </p:sp>
       <p:sp>
         <p:nvSpPr>
-          <p:cNvPr id="16" name="Oval 15"/>
+          <p:cNvPr id="148" name="Oval 147"/>
           <p:cNvSpPr/>
           <p:nvPr/>
         </p:nvSpPr>
         <p:spPr>
           <a:xfrm>
-            <a:off x="3306994" y="2616453"/>
-            <a:ext cx="849532" cy="381000"/>
+            <a:off x="5302862" y="5085475"/>
+            <a:ext cx="60325" cy="61710"/>
           </a:xfrm>
           <a:prstGeom prst="ellipse">
             <a:avLst/>
           </a:prstGeom>
-          <a:solidFill>
-            <a:schemeClr val="accent6"/>
-          </a:solidFill>
-          <a:ln>
+          <a:noFill/>
+          <a:ln w="6350">
             <a:noFill/>
           </a:ln>
         </p:spPr>
@@ -4825,48 +8480,30 @@
           </a:fontRef>
         </p:style>
         <p:txBody>
-          <a:bodyPr lIns="0" tIns="0" rIns="0" bIns="0" rtlCol="0" anchor="ctr"/>
+          <a:bodyPr rtlCol="0" anchor="ctr"/>
           <a:lstStyle/>
           <a:p>
             <a:pPr algn="ctr"/>
-            <a:r>
-              <a:rPr lang="en-US" sz="900" b="1" dirty="0">
-                <a:latin typeface="微软雅黑" panose="020B0503020204020204" pitchFamily="34" charset="-122"/>
-                <a:ea typeface="微软雅黑" panose="020B0503020204020204" pitchFamily="34" charset="-122"/>
-              </a:rPr>
-              <a:t>Item</a:t>
-            </a:r>
-          </a:p>
-          <a:p>
-            <a:pPr algn="ctr"/>
-            <a:r>
-              <a:rPr lang="en-US" sz="900" b="1" dirty="0">
-                <a:latin typeface="微软雅黑" panose="020B0503020204020204" pitchFamily="34" charset="-122"/>
-                <a:ea typeface="微软雅黑" panose="020B0503020204020204" pitchFamily="34" charset="-122"/>
-              </a:rPr>
-              <a:t>Service</a:t>
-            </a:r>
-          </a:p>
-        </p:txBody>
-      </p:sp>
-      <p:sp>
-        <p:nvSpPr>
-          <p:cNvPr id="64" name="Oval 63"/>
+            <a:endParaRPr lang="en-US"/>
+          </a:p>
+        </p:txBody>
+      </p:sp>
+      <p:sp>
+        <p:nvSpPr>
+          <p:cNvPr id="149" name="Oval 148"/>
           <p:cNvSpPr/>
           <p:nvPr/>
         </p:nvSpPr>
         <p:spPr>
           <a:xfrm>
-            <a:off x="4411596" y="2616453"/>
-            <a:ext cx="849532" cy="381000"/>
+            <a:off x="5667987" y="5088650"/>
+            <a:ext cx="60325" cy="61710"/>
           </a:xfrm>
           <a:prstGeom prst="ellipse">
             <a:avLst/>
           </a:prstGeom>
-          <a:solidFill>
-            <a:schemeClr val="accent6"/>
-          </a:solidFill>
-          <a:ln>
+          <a:noFill/>
+          <a:ln w="6350">
             <a:noFill/>
           </a:ln>
         </p:spPr>
@@ -4887,48 +8524,30 @@
           </a:fontRef>
         </p:style>
         <p:txBody>
-          <a:bodyPr lIns="0" tIns="0" rIns="0" bIns="0" rtlCol="0" anchor="ctr"/>
+          <a:bodyPr rtlCol="0" anchor="ctr"/>
           <a:lstStyle/>
           <a:p>
             <a:pPr algn="ctr"/>
-            <a:r>
-              <a:rPr lang="en-US" sz="900" b="1" dirty="0">
-                <a:latin typeface="微软雅黑" panose="020B0503020204020204" pitchFamily="34" charset="-122"/>
-                <a:ea typeface="微软雅黑" panose="020B0503020204020204" pitchFamily="34" charset="-122"/>
-              </a:rPr>
-              <a:t>Stock</a:t>
-            </a:r>
-          </a:p>
-          <a:p>
-            <a:pPr algn="ctr"/>
-            <a:r>
-              <a:rPr lang="en-US" sz="900" b="1" dirty="0">
-                <a:latin typeface="微软雅黑" panose="020B0503020204020204" pitchFamily="34" charset="-122"/>
-                <a:ea typeface="微软雅黑" panose="020B0503020204020204" pitchFamily="34" charset="-122"/>
-              </a:rPr>
-              <a:t>Service</a:t>
-            </a:r>
-          </a:p>
-        </p:txBody>
-      </p:sp>
-      <p:sp>
-        <p:nvSpPr>
-          <p:cNvPr id="65" name="Oval 64"/>
+            <a:endParaRPr lang="en-US"/>
+          </a:p>
+        </p:txBody>
+      </p:sp>
+      <p:sp>
+        <p:nvSpPr>
+          <p:cNvPr id="150" name="Oval 149"/>
           <p:cNvSpPr/>
           <p:nvPr/>
         </p:nvSpPr>
         <p:spPr>
           <a:xfrm>
-            <a:off x="5765467" y="2614346"/>
-            <a:ext cx="849532" cy="381000"/>
+            <a:off x="7077490" y="5094512"/>
+            <a:ext cx="60325" cy="61710"/>
           </a:xfrm>
           <a:prstGeom prst="ellipse">
             <a:avLst/>
           </a:prstGeom>
-          <a:solidFill>
-            <a:schemeClr val="accent6"/>
-          </a:solidFill>
-          <a:ln>
+          <a:noFill/>
+          <a:ln w="6350">
             <a:noFill/>
           </a:ln>
         </p:spPr>
@@ -4949,300 +8568,6 @@
           </a:fontRef>
         </p:style>
         <p:txBody>
-          <a:bodyPr lIns="0" tIns="0" rIns="0" bIns="0" rtlCol="0" anchor="ctr"/>
-          <a:lstStyle/>
-          <a:p>
-            <a:pPr algn="ctr"/>
-            <a:r>
-              <a:rPr lang="en-US" altLang="zh-CN" sz="900" b="1" dirty="0">
-                <a:latin typeface="微软雅黑" panose="020B0503020204020204" pitchFamily="34" charset="-122"/>
-                <a:ea typeface="微软雅黑" panose="020B0503020204020204" pitchFamily="34" charset="-122"/>
-              </a:rPr>
-              <a:t>User</a:t>
-            </a:r>
-            <a:endParaRPr lang="en-US" sz="900" b="1" dirty="0">
-              <a:latin typeface="微软雅黑" panose="020B0503020204020204" pitchFamily="34" charset="-122"/>
-              <a:ea typeface="微软雅黑" panose="020B0503020204020204" pitchFamily="34" charset="-122"/>
-            </a:endParaRPr>
-          </a:p>
-          <a:p>
-            <a:pPr algn="ctr"/>
-            <a:r>
-              <a:rPr lang="en-US" sz="900" b="1" dirty="0">
-                <a:latin typeface="微软雅黑" panose="020B0503020204020204" pitchFamily="34" charset="-122"/>
-                <a:ea typeface="微软雅黑" panose="020B0503020204020204" pitchFamily="34" charset="-122"/>
-              </a:rPr>
-              <a:t>Service</a:t>
-            </a:r>
-          </a:p>
-        </p:txBody>
-      </p:sp>
-      <p:sp>
-        <p:nvSpPr>
-          <p:cNvPr id="66" name="Oval 65"/>
-          <p:cNvSpPr/>
-          <p:nvPr/>
-        </p:nvSpPr>
-        <p:spPr>
-          <a:xfrm>
-            <a:off x="5200579" y="2105569"/>
-            <a:ext cx="849532" cy="381000"/>
-          </a:xfrm>
-          <a:prstGeom prst="ellipse">
-            <a:avLst/>
-          </a:prstGeom>
-          <a:solidFill>
-            <a:schemeClr val="accent6"/>
-          </a:solidFill>
-          <a:ln>
-            <a:noFill/>
-          </a:ln>
-        </p:spPr>
-        <p:style>
-          <a:lnRef idx="2">
-            <a:schemeClr val="accent1">
-              <a:shade val="50000"/>
-            </a:schemeClr>
-          </a:lnRef>
-          <a:fillRef idx="1">
-            <a:schemeClr val="accent1"/>
-          </a:fillRef>
-          <a:effectRef idx="0">
-            <a:schemeClr val="accent1"/>
-          </a:effectRef>
-          <a:fontRef idx="minor">
-            <a:schemeClr val="lt1"/>
-          </a:fontRef>
-        </p:style>
-        <p:txBody>
-          <a:bodyPr lIns="0" tIns="0" rIns="0" bIns="0" rtlCol="0" anchor="ctr"/>
-          <a:lstStyle/>
-          <a:p>
-            <a:pPr algn="ctr"/>
-            <a:r>
-              <a:rPr lang="en-US" altLang="zh-CN" sz="900" b="1" dirty="0">
-                <a:latin typeface="微软雅黑" panose="020B0503020204020204" pitchFamily="34" charset="-122"/>
-                <a:ea typeface="微软雅黑" panose="020B0503020204020204" pitchFamily="34" charset="-122"/>
-              </a:rPr>
-              <a:t>Order</a:t>
-            </a:r>
-            <a:endParaRPr lang="en-US" sz="900" b="1" dirty="0">
-              <a:latin typeface="微软雅黑" panose="020B0503020204020204" pitchFamily="34" charset="-122"/>
-              <a:ea typeface="微软雅黑" panose="020B0503020204020204" pitchFamily="34" charset="-122"/>
-            </a:endParaRPr>
-          </a:p>
-          <a:p>
-            <a:pPr algn="ctr"/>
-            <a:r>
-              <a:rPr lang="en-US" sz="900" b="1" dirty="0">
-                <a:latin typeface="微软雅黑" panose="020B0503020204020204" pitchFamily="34" charset="-122"/>
-                <a:ea typeface="微软雅黑" panose="020B0503020204020204" pitchFamily="34" charset="-122"/>
-              </a:rPr>
-              <a:t>Service</a:t>
-            </a:r>
-          </a:p>
-        </p:txBody>
-      </p:sp>
-      <p:cxnSp>
-        <p:nvCxnSpPr>
-          <p:cNvPr id="67" name="肘形连接符 100"/>
-          <p:cNvCxnSpPr>
-            <a:cxnSpLocks/>
-            <a:stCxn id="66" idx="2"/>
-            <a:endCxn id="16" idx="7"/>
-          </p:cNvCxnSpPr>
-          <p:nvPr/>
-        </p:nvCxnSpPr>
-        <p:spPr>
-          <a:xfrm flipH="1">
-            <a:off x="4032115" y="2296069"/>
-            <a:ext cx="1168464" cy="376180"/>
-          </a:xfrm>
-          <a:prstGeom prst="straightConnector1">
-            <a:avLst/>
-          </a:prstGeom>
-          <a:ln>
-            <a:solidFill>
-              <a:schemeClr val="accent6"/>
-            </a:solidFill>
-            <a:prstDash val="dash"/>
-            <a:tailEnd type="arrow"/>
-          </a:ln>
-        </p:spPr>
-        <p:style>
-          <a:lnRef idx="1">
-            <a:schemeClr val="accent1"/>
-          </a:lnRef>
-          <a:fillRef idx="0">
-            <a:schemeClr val="accent1"/>
-          </a:fillRef>
-          <a:effectRef idx="0">
-            <a:schemeClr val="accent1"/>
-          </a:effectRef>
-          <a:fontRef idx="minor">
-            <a:schemeClr val="tx1"/>
-          </a:fontRef>
-        </p:style>
-      </p:cxnSp>
-      <p:cxnSp>
-        <p:nvCxnSpPr>
-          <p:cNvPr id="84" name="肘形连接符 100"/>
-          <p:cNvCxnSpPr>
-            <a:cxnSpLocks/>
-            <a:stCxn id="66" idx="3"/>
-            <a:endCxn id="64" idx="7"/>
-          </p:cNvCxnSpPr>
-          <p:nvPr/>
-        </p:nvCxnSpPr>
-        <p:spPr>
-          <a:xfrm flipH="1">
-            <a:off x="5136717" y="2430773"/>
-            <a:ext cx="188273" cy="241476"/>
-          </a:xfrm>
-          <a:prstGeom prst="straightConnector1">
-            <a:avLst/>
-          </a:prstGeom>
-          <a:ln>
-            <a:solidFill>
-              <a:schemeClr val="accent6"/>
-            </a:solidFill>
-            <a:prstDash val="dash"/>
-            <a:tailEnd type="arrow"/>
-          </a:ln>
-        </p:spPr>
-        <p:style>
-          <a:lnRef idx="1">
-            <a:schemeClr val="accent1"/>
-          </a:lnRef>
-          <a:fillRef idx="0">
-            <a:schemeClr val="accent1"/>
-          </a:fillRef>
-          <a:effectRef idx="0">
-            <a:schemeClr val="accent1"/>
-          </a:effectRef>
-          <a:fontRef idx="minor">
-            <a:schemeClr val="tx1"/>
-          </a:fontRef>
-        </p:style>
-      </p:cxnSp>
-      <p:cxnSp>
-        <p:nvCxnSpPr>
-          <p:cNvPr id="85" name="肘形连接符 100"/>
-          <p:cNvCxnSpPr>
-            <a:cxnSpLocks/>
-            <a:stCxn id="66" idx="4"/>
-            <a:endCxn id="59" idx="7"/>
-          </p:cNvCxnSpPr>
-          <p:nvPr/>
-        </p:nvCxnSpPr>
-        <p:spPr>
-          <a:xfrm flipH="1">
-            <a:off x="5020610" y="2486569"/>
-            <a:ext cx="604735" cy="823102"/>
-          </a:xfrm>
-          <a:prstGeom prst="straightConnector1">
-            <a:avLst/>
-          </a:prstGeom>
-          <a:ln>
-            <a:solidFill>
-              <a:schemeClr val="accent6"/>
-            </a:solidFill>
-            <a:prstDash val="dash"/>
-            <a:tailEnd type="arrow"/>
-          </a:ln>
-        </p:spPr>
-        <p:style>
-          <a:lnRef idx="1">
-            <a:schemeClr val="accent1"/>
-          </a:lnRef>
-          <a:fillRef idx="0">
-            <a:schemeClr val="accent1"/>
-          </a:fillRef>
-          <a:effectRef idx="0">
-            <a:schemeClr val="accent1"/>
-          </a:effectRef>
-          <a:fontRef idx="minor">
-            <a:schemeClr val="tx1"/>
-          </a:fontRef>
-        </p:style>
-      </p:cxnSp>
-      <p:cxnSp>
-        <p:nvCxnSpPr>
-          <p:cNvPr id="86" name="肘形连接符 100"/>
-          <p:cNvCxnSpPr>
-            <a:cxnSpLocks/>
-            <a:stCxn id="65" idx="3"/>
-            <a:endCxn id="87" idx="7"/>
-          </p:cNvCxnSpPr>
-          <p:nvPr/>
-        </p:nvCxnSpPr>
-        <p:spPr>
-          <a:xfrm flipH="1">
-            <a:off x="5218730" y="2939550"/>
-            <a:ext cx="671148" cy="370121"/>
-          </a:xfrm>
-          <a:prstGeom prst="straightConnector1">
-            <a:avLst/>
-          </a:prstGeom>
-          <a:ln>
-            <a:solidFill>
-              <a:schemeClr val="accent6"/>
-            </a:solidFill>
-            <a:prstDash val="dash"/>
-            <a:tailEnd type="arrow"/>
-          </a:ln>
-        </p:spPr>
-        <p:style>
-          <a:lnRef idx="1">
-            <a:schemeClr val="accent1"/>
-          </a:lnRef>
-          <a:fillRef idx="0">
-            <a:schemeClr val="accent1"/>
-          </a:fillRef>
-          <a:effectRef idx="0">
-            <a:schemeClr val="accent1"/>
-          </a:effectRef>
-          <a:fontRef idx="minor">
-            <a:schemeClr val="tx1"/>
-          </a:fontRef>
-        </p:style>
-      </p:cxnSp>
-      <p:sp>
-        <p:nvSpPr>
-          <p:cNvPr id="59" name="Oval 58"/>
-          <p:cNvSpPr/>
-          <p:nvPr/>
-        </p:nvSpPr>
-        <p:spPr>
-          <a:xfrm>
-            <a:off x="4897033" y="3289584"/>
-            <a:ext cx="144780" cy="137160"/>
-          </a:xfrm>
-          <a:prstGeom prst="ellipse">
-            <a:avLst/>
-          </a:prstGeom>
-          <a:noFill/>
-          <a:ln>
-            <a:noFill/>
-          </a:ln>
-        </p:spPr>
-        <p:style>
-          <a:lnRef idx="2">
-            <a:schemeClr val="accent1">
-              <a:shade val="50000"/>
-            </a:schemeClr>
-          </a:lnRef>
-          <a:fillRef idx="1">
-            <a:schemeClr val="accent1"/>
-          </a:fillRef>
-          <a:effectRef idx="0">
-            <a:schemeClr val="accent1"/>
-          </a:effectRef>
-          <a:fontRef idx="minor">
-            <a:schemeClr val="lt1"/>
-          </a:fontRef>
-        </p:style>
-        <p:txBody>
           <a:bodyPr rtlCol="0" anchor="ctr"/>
           <a:lstStyle/>
           <a:p>
@@ -5253,143 +8578,14 @@
       </p:sp>
       <p:sp>
         <p:nvSpPr>
-          <p:cNvPr id="87" name="Oval 86"/>
-          <p:cNvSpPr/>
-          <p:nvPr/>
-        </p:nvSpPr>
-        <p:spPr>
-          <a:xfrm>
-            <a:off x="5095153" y="3289584"/>
-            <a:ext cx="144780" cy="137160"/>
-          </a:xfrm>
-          <a:prstGeom prst="ellipse">
-            <a:avLst/>
-          </a:prstGeom>
-          <a:noFill/>
-          <a:ln>
-            <a:noFill/>
-          </a:ln>
-        </p:spPr>
-        <p:style>
-          <a:lnRef idx="2">
-            <a:schemeClr val="accent1">
-              <a:shade val="50000"/>
-            </a:schemeClr>
-          </a:lnRef>
-          <a:fillRef idx="1">
-            <a:schemeClr val="accent1"/>
-          </a:fillRef>
-          <a:effectRef idx="0">
-            <a:schemeClr val="accent1"/>
-          </a:effectRef>
-          <a:fontRef idx="minor">
-            <a:schemeClr val="lt1"/>
-          </a:fontRef>
-        </p:style>
-        <p:txBody>
-          <a:bodyPr rtlCol="0" anchor="ctr"/>
-          <a:lstStyle/>
-          <a:p>
-            <a:pPr algn="ctr"/>
-            <a:endParaRPr lang="en-US"/>
-          </a:p>
-        </p:txBody>
-      </p:sp>
-      <p:sp>
-        <p:nvSpPr>
-          <p:cNvPr id="62" name="TextBox 61"/>
+          <p:cNvPr id="137" name="TextBox 136"/>
           <p:cNvSpPr txBox="1"/>
           <p:nvPr/>
         </p:nvSpPr>
         <p:spPr>
           <a:xfrm>
-            <a:off x="3093044" y="3962594"/>
-            <a:ext cx="641522" cy="246221"/>
-          </a:xfrm>
-          <a:prstGeom prst="rect">
-            <a:avLst/>
-          </a:prstGeom>
-          <a:noFill/>
-        </p:spPr>
-        <p:txBody>
-          <a:bodyPr wrap="none" rtlCol="0">
-            <a:spAutoFit/>
-          </a:bodyPr>
-          <a:lstStyle>
-            <a:defPPr>
-              <a:defRPr lang="zh-CN"/>
-            </a:defPPr>
-            <a:lvl1pPr>
-              <a:defRPr sz="900" b="1">
-                <a:solidFill>
-                  <a:srgbClr val="3399FF"/>
-                </a:solidFill>
-                <a:latin typeface="微软雅黑" panose="020B0503020204020204" pitchFamily="34" charset="-122"/>
-                <a:ea typeface="微软雅黑" panose="020B0503020204020204" pitchFamily="34" charset="-122"/>
-              </a:defRPr>
-            </a:lvl1pPr>
-          </a:lstStyle>
-          <a:p>
-            <a:r>
-              <a:rPr lang="en-US" altLang="zh-CN" sz="1000" dirty="0"/>
-              <a:t>MySQL</a:t>
-            </a:r>
-            <a:endParaRPr lang="en-US" sz="1000" dirty="0"/>
-          </a:p>
-        </p:txBody>
-      </p:sp>
-      <p:sp>
-        <p:nvSpPr>
-          <p:cNvPr id="92" name="TextBox 91"/>
-          <p:cNvSpPr txBox="1"/>
-          <p:nvPr/>
-        </p:nvSpPr>
-        <p:spPr>
-          <a:xfrm>
-            <a:off x="5487278" y="5083753"/>
-            <a:ext cx="1285929" cy="230832"/>
-          </a:xfrm>
-          <a:prstGeom prst="rect">
-            <a:avLst/>
-          </a:prstGeom>
-          <a:noFill/>
-        </p:spPr>
-        <p:txBody>
-          <a:bodyPr wrap="none" rtlCol="0">
-            <a:spAutoFit/>
-          </a:bodyPr>
-          <a:lstStyle/>
-          <a:p>
-            <a:r>
-              <a:rPr lang="en-US" altLang="zh-CN" sz="900" b="1" dirty="0">
-                <a:solidFill>
-                  <a:srgbClr val="3399FF"/>
-                </a:solidFill>
-                <a:latin typeface="微软雅黑" panose="020B0503020204020204" pitchFamily="34" charset="-122"/>
-                <a:ea typeface="微软雅黑" panose="020B0503020204020204" pitchFamily="34" charset="-122"/>
-              </a:rPr>
-              <a:t>Physical Databases</a:t>
-            </a:r>
-            <a:endParaRPr lang="en-US" sz="900" b="1" dirty="0">
-              <a:solidFill>
-                <a:srgbClr val="3399FF"/>
-              </a:solidFill>
-              <a:latin typeface="微软雅黑" panose="020B0503020204020204" pitchFamily="34" charset="-122"/>
-              <a:ea typeface="微软雅黑" panose="020B0503020204020204" pitchFamily="34" charset="-122"/>
-            </a:endParaRPr>
-          </a:p>
-        </p:txBody>
-      </p:sp>
-      <p:sp>
-        <p:nvSpPr>
-          <p:cNvPr id="93" name="TextBox 92"/>
-          <p:cNvSpPr txBox="1"/>
-          <p:nvPr/>
-        </p:nvSpPr>
-        <p:spPr>
-          <a:xfrm>
-            <a:off x="5265761" y="5469835"/>
-            <a:ext cx="981359" cy="338554"/>
+            <a:off x="4260359" y="4786023"/>
+            <a:ext cx="643125" cy="230832"/>
           </a:xfrm>
           <a:prstGeom prst="rect">
             <a:avLst/>
@@ -5417,29 +8613,22 @@
           <a:p>
             <a:pPr algn="l"/>
             <a:r>
-              <a:rPr lang="en-US" dirty="0"/>
-              <a:t>Logical Schema</a:t>
-            </a:r>
-          </a:p>
-          <a:p>
-            <a:pPr algn="l"/>
-            <a:r>
-              <a:rPr lang="en-US" dirty="0"/>
-              <a:t>db_user</a:t>
-            </a:r>
-          </a:p>
-        </p:txBody>
-      </p:sp>
-      <p:sp>
-        <p:nvSpPr>
-          <p:cNvPr id="94" name="TextBox 93"/>
+              <a:rPr lang="en-US" sz="900" dirty="0"/>
+              <a:t>2 shards</a:t>
+            </a:r>
+          </a:p>
+        </p:txBody>
+      </p:sp>
+      <p:sp>
+        <p:nvSpPr>
+          <p:cNvPr id="151" name="TextBox 150"/>
           <p:cNvSpPr txBox="1"/>
           <p:nvPr/>
         </p:nvSpPr>
         <p:spPr>
           <a:xfrm>
-            <a:off x="3407014" y="4173791"/>
-            <a:ext cx="981359" cy="338554"/>
+            <a:off x="5960629" y="4791604"/>
+            <a:ext cx="643125" cy="230832"/>
           </a:xfrm>
           <a:prstGeom prst="rect">
             <a:avLst/>
@@ -5454,8 +8643,8 @@
             <a:defPPr>
               <a:defRPr lang="zh-CN"/>
             </a:defPPr>
-            <a:lvl1pPr>
-              <a:defRPr sz="900" b="1">
+            <a:lvl1pPr algn="r">
+              <a:defRPr sz="800" b="0">
                 <a:solidFill>
                   <a:srgbClr val="3399FF"/>
                 </a:solidFill>
@@ -5465,2870 +8654,18 @@
             </a:lvl1pPr>
           </a:lstStyle>
           <a:p>
-            <a:pPr algn="r"/>
-            <a:r>
-              <a:rPr lang="en-US" sz="800" b="0" dirty="0"/>
-              <a:t>Logical Schema</a:t>
-            </a:r>
-          </a:p>
-          <a:p>
-            <a:pPr algn="r"/>
-            <a:r>
-              <a:rPr lang="en-US" sz="800" b="0" dirty="0"/>
-              <a:t>db_order</a:t>
-            </a:r>
-          </a:p>
-        </p:txBody>
-      </p:sp>
-      <p:sp>
-        <p:nvSpPr>
-          <p:cNvPr id="96" name="Rectangle: Rounded Corners 95"/>
-          <p:cNvSpPr/>
-          <p:nvPr/>
-        </p:nvSpPr>
-        <p:spPr>
-          <a:xfrm>
-            <a:off x="3093044" y="1978502"/>
-            <a:ext cx="3758392" cy="1140827"/>
-          </a:xfrm>
-          <a:prstGeom prst="roundRect">
-            <a:avLst>
-              <a:gd name="adj" fmla="val 5465"/>
-            </a:avLst>
-          </a:prstGeom>
-          <a:noFill/>
-          <a:ln w="6350">
-            <a:solidFill>
-              <a:schemeClr val="accent6"/>
-            </a:solidFill>
-            <a:prstDash val="sysDash"/>
-          </a:ln>
-        </p:spPr>
-        <p:style>
-          <a:lnRef idx="2">
-            <a:schemeClr val="accent1">
-              <a:shade val="50000"/>
-            </a:schemeClr>
-          </a:lnRef>
-          <a:fillRef idx="1">
-            <a:schemeClr val="accent1"/>
-          </a:fillRef>
-          <a:effectRef idx="0">
-            <a:schemeClr val="accent1"/>
-          </a:effectRef>
-          <a:fontRef idx="minor">
-            <a:schemeClr val="lt1"/>
-          </a:fontRef>
-        </p:style>
-        <p:txBody>
-          <a:bodyPr rtlCol="0" anchor="ctr"/>
-          <a:lstStyle/>
-          <a:p>
-            <a:pPr algn="ctr"/>
-            <a:endParaRPr lang="en-US"/>
-          </a:p>
-        </p:txBody>
-      </p:sp>
-      <p:sp>
-        <p:nvSpPr>
-          <p:cNvPr id="100" name="TextBox 99"/>
-          <p:cNvSpPr txBox="1"/>
-          <p:nvPr/>
-        </p:nvSpPr>
-        <p:spPr>
-          <a:xfrm>
-            <a:off x="3095415" y="1994713"/>
-            <a:ext cx="1184940" cy="246221"/>
-          </a:xfrm>
-          <a:prstGeom prst="rect">
-            <a:avLst/>
-          </a:prstGeom>
-          <a:noFill/>
-        </p:spPr>
-        <p:txBody>
-          <a:bodyPr wrap="none" rtlCol="0">
-            <a:spAutoFit/>
-          </a:bodyPr>
-          <a:lstStyle/>
-          <a:p>
-            <a:r>
-              <a:rPr lang="en-US" altLang="zh-CN" sz="1000" b="1" dirty="0">
-                <a:solidFill>
-                  <a:schemeClr val="accent6"/>
-                </a:solidFill>
-                <a:latin typeface="微软雅黑" panose="020B0503020204020204" pitchFamily="34" charset="-122"/>
-                <a:ea typeface="微软雅黑" panose="020B0503020204020204" pitchFamily="34" charset="-122"/>
-              </a:rPr>
-              <a:t>Dubbo Services</a:t>
-            </a:r>
-            <a:endParaRPr lang="en-US" sz="1000" b="1" dirty="0">
-              <a:solidFill>
-                <a:schemeClr val="accent6"/>
-              </a:solidFill>
-              <a:latin typeface="微软雅黑" panose="020B0503020204020204" pitchFamily="34" charset="-122"/>
-              <a:ea typeface="微软雅黑" panose="020B0503020204020204" pitchFamily="34" charset="-122"/>
-            </a:endParaRPr>
-          </a:p>
-        </p:txBody>
-      </p:sp>
-      <p:sp>
-        <p:nvSpPr>
-          <p:cNvPr id="102" name="Oval 101"/>
-          <p:cNvSpPr/>
-          <p:nvPr/>
-        </p:nvSpPr>
-        <p:spPr>
-          <a:xfrm>
-            <a:off x="4546647" y="1339355"/>
-            <a:ext cx="849532" cy="381000"/>
-          </a:xfrm>
-          <a:prstGeom prst="ellipse">
-            <a:avLst/>
-          </a:prstGeom>
-          <a:solidFill>
-            <a:schemeClr val="tx2"/>
-          </a:solidFill>
-          <a:ln>
-            <a:noFill/>
-          </a:ln>
-        </p:spPr>
-        <p:style>
-          <a:lnRef idx="2">
-            <a:schemeClr val="accent1">
-              <a:shade val="50000"/>
-            </a:schemeClr>
-          </a:lnRef>
-          <a:fillRef idx="1">
-            <a:schemeClr val="accent1"/>
-          </a:fillRef>
-          <a:effectRef idx="0">
-            <a:schemeClr val="accent1"/>
-          </a:effectRef>
-          <a:fontRef idx="minor">
-            <a:schemeClr val="lt1"/>
-          </a:fontRef>
-        </p:style>
-        <p:txBody>
-          <a:bodyPr lIns="0" tIns="0" rIns="0" bIns="0" rtlCol="0" anchor="ctr"/>
-          <a:lstStyle/>
-          <a:p>
-            <a:pPr algn="ctr"/>
-            <a:r>
-              <a:rPr lang="en-US" sz="900" b="1" dirty="0">
-                <a:solidFill>
-                  <a:schemeClr val="bg1"/>
-                </a:solidFill>
-                <a:latin typeface="微软雅黑" panose="020B0503020204020204" pitchFamily="34" charset="-122"/>
-                <a:ea typeface="微软雅黑" panose="020B0503020204020204" pitchFamily="34" charset="-122"/>
-              </a:rPr>
-              <a:t>Shop</a:t>
-            </a:r>
-          </a:p>
-          <a:p>
-            <a:pPr algn="ctr"/>
-            <a:r>
-              <a:rPr lang="en-US" sz="900" b="1" dirty="0">
-                <a:solidFill>
-                  <a:schemeClr val="bg1"/>
-                </a:solidFill>
-                <a:latin typeface="微软雅黑" panose="020B0503020204020204" pitchFamily="34" charset="-122"/>
-                <a:ea typeface="微软雅黑" panose="020B0503020204020204" pitchFamily="34" charset="-122"/>
-              </a:rPr>
-              <a:t>Web</a:t>
-            </a:r>
-          </a:p>
-        </p:txBody>
-      </p:sp>
-      <p:cxnSp>
-        <p:nvCxnSpPr>
-          <p:cNvPr id="103" name="Connector: Elbow 102"/>
-          <p:cNvCxnSpPr>
-            <a:cxnSpLocks/>
-            <a:stCxn id="102" idx="4"/>
-            <a:endCxn id="96" idx="0"/>
-          </p:cNvCxnSpPr>
-          <p:nvPr/>
-        </p:nvCxnSpPr>
-        <p:spPr>
-          <a:xfrm rot="16200000" flipH="1">
-            <a:off x="4842753" y="1849014"/>
-            <a:ext cx="258147" cy="827"/>
-          </a:xfrm>
-          <a:prstGeom prst="bentConnector3">
-            <a:avLst/>
-          </a:prstGeom>
-          <a:ln w="12700">
-            <a:solidFill>
-              <a:schemeClr val="tx1">
-                <a:alpha val="70000"/>
-              </a:schemeClr>
-            </a:solidFill>
-            <a:headEnd type="stealth"/>
-            <a:tailEnd type="stealth"/>
-          </a:ln>
-        </p:spPr>
-        <p:style>
-          <a:lnRef idx="1">
-            <a:schemeClr val="accent1"/>
-          </a:lnRef>
-          <a:fillRef idx="0">
-            <a:schemeClr val="accent1"/>
-          </a:fillRef>
-          <a:effectRef idx="0">
-            <a:schemeClr val="accent1"/>
-          </a:effectRef>
-          <a:fontRef idx="minor">
-            <a:schemeClr val="tx1"/>
-          </a:fontRef>
-        </p:style>
-      </p:cxnSp>
-      <p:cxnSp>
-        <p:nvCxnSpPr>
-          <p:cNvPr id="105" name="Connector: Elbow 104"/>
-          <p:cNvCxnSpPr/>
-          <p:nvPr/>
-        </p:nvCxnSpPr>
-        <p:spPr>
-          <a:xfrm rot="5400000">
-            <a:off x="5083800" y="3809186"/>
-            <a:ext cx="240267" cy="387"/>
-          </a:xfrm>
-          <a:prstGeom prst="bentConnector3">
-            <a:avLst/>
-          </a:prstGeom>
-          <a:ln w="12700">
-            <a:solidFill>
-              <a:schemeClr val="tx1">
-                <a:alpha val="70000"/>
-              </a:schemeClr>
-            </a:solidFill>
-            <a:headEnd type="stealth"/>
-            <a:tailEnd type="stealth"/>
-          </a:ln>
-        </p:spPr>
-        <p:style>
-          <a:lnRef idx="1">
-            <a:schemeClr val="accent1"/>
-          </a:lnRef>
-          <a:fillRef idx="0">
-            <a:schemeClr val="accent1"/>
-          </a:fillRef>
-          <a:effectRef idx="0">
-            <a:schemeClr val="accent1"/>
-          </a:effectRef>
-          <a:fontRef idx="minor">
-            <a:schemeClr val="tx1"/>
-          </a:fontRef>
-        </p:style>
-      </p:cxnSp>
-      <p:cxnSp>
-        <p:nvCxnSpPr>
-          <p:cNvPr id="106" name="Connector: Elbow 105"/>
-          <p:cNvCxnSpPr/>
-          <p:nvPr/>
-        </p:nvCxnSpPr>
-        <p:spPr>
-          <a:xfrm rot="5400000">
-            <a:off x="4759950" y="3809186"/>
-            <a:ext cx="240267" cy="387"/>
-          </a:xfrm>
-          <a:prstGeom prst="bentConnector3">
-            <a:avLst/>
-          </a:prstGeom>
-          <a:ln w="12700">
-            <a:solidFill>
-              <a:schemeClr val="tx1">
-                <a:alpha val="70000"/>
-              </a:schemeClr>
-            </a:solidFill>
-            <a:headEnd type="stealth"/>
-            <a:tailEnd type="stealth"/>
-          </a:ln>
-        </p:spPr>
-        <p:style>
-          <a:lnRef idx="1">
-            <a:schemeClr val="accent1"/>
-          </a:lnRef>
-          <a:fillRef idx="0">
-            <a:schemeClr val="accent1"/>
-          </a:fillRef>
-          <a:effectRef idx="0">
-            <a:schemeClr val="accent1"/>
-          </a:effectRef>
-          <a:fontRef idx="minor">
-            <a:schemeClr val="tx1"/>
-          </a:fontRef>
-        </p:style>
-      </p:cxnSp>
-      <p:grpSp>
-        <p:nvGrpSpPr>
-          <p:cNvPr id="107" name="组合 33"/>
-          <p:cNvGrpSpPr/>
-          <p:nvPr/>
-        </p:nvGrpSpPr>
-        <p:grpSpPr>
-          <a:xfrm>
-            <a:off x="4677892" y="5465817"/>
-            <a:ext cx="406569" cy="242211"/>
-            <a:chOff x="2857287" y="3434440"/>
-            <a:chExt cx="492645" cy="370115"/>
-          </a:xfrm>
-        </p:grpSpPr>
-        <p:sp>
-          <p:nvSpPr>
-            <p:cNvPr id="108" name="矩形 34"/>
-            <p:cNvSpPr/>
-            <p:nvPr/>
-          </p:nvSpPr>
-          <p:spPr>
-            <a:xfrm>
-              <a:off x="2857594" y="3434442"/>
-              <a:ext cx="246169" cy="185057"/>
-            </a:xfrm>
-            <a:prstGeom prst="rect">
-              <a:avLst/>
-            </a:prstGeom>
-            <a:solidFill>
-              <a:schemeClr val="tx2"/>
-            </a:solidFill>
-            <a:ln w="6350">
-              <a:solidFill>
-                <a:schemeClr val="bg1"/>
-              </a:solidFill>
-              <a:prstDash val="solid"/>
-            </a:ln>
-          </p:spPr>
-          <p:style>
-            <a:lnRef idx="2">
-              <a:schemeClr val="accent1">
-                <a:shade val="50000"/>
-              </a:schemeClr>
-            </a:lnRef>
-            <a:fillRef idx="1">
-              <a:schemeClr val="accent1"/>
-            </a:fillRef>
-            <a:effectRef idx="0">
-              <a:schemeClr val="accent1"/>
-            </a:effectRef>
-            <a:fontRef idx="minor">
-              <a:schemeClr val="lt1"/>
-            </a:fontRef>
-          </p:style>
-          <p:txBody>
-            <a:bodyPr rtlCol="0" anchor="ctr"/>
-            <a:lstStyle/>
-            <a:p>
-              <a:pPr algn="ctr"/>
-              <a:endParaRPr lang="zh-CN" altLang="en-US" sz="900" dirty="0">
-                <a:latin typeface="微软雅黑" panose="020B0503020204020204" pitchFamily="34" charset="-122"/>
-                <a:ea typeface="微软雅黑" panose="020B0503020204020204" pitchFamily="34" charset="-122"/>
-              </a:endParaRPr>
-            </a:p>
-          </p:txBody>
-        </p:sp>
-        <p:sp>
-          <p:nvSpPr>
-            <p:cNvPr id="109" name="矩形 35"/>
-            <p:cNvSpPr/>
-            <p:nvPr/>
-          </p:nvSpPr>
-          <p:spPr>
-            <a:xfrm>
-              <a:off x="3103761" y="3434442"/>
-              <a:ext cx="246169" cy="185057"/>
-            </a:xfrm>
-            <a:prstGeom prst="rect">
-              <a:avLst/>
-            </a:prstGeom>
-            <a:solidFill>
-              <a:schemeClr val="tx2"/>
-            </a:solidFill>
-            <a:ln w="6350">
-              <a:solidFill>
-                <a:schemeClr val="bg1"/>
-              </a:solidFill>
-              <a:prstDash val="solid"/>
-            </a:ln>
-          </p:spPr>
-          <p:style>
-            <a:lnRef idx="2">
-              <a:schemeClr val="accent1">
-                <a:shade val="50000"/>
-              </a:schemeClr>
-            </a:lnRef>
-            <a:fillRef idx="1">
-              <a:schemeClr val="accent1"/>
-            </a:fillRef>
-            <a:effectRef idx="0">
-              <a:schemeClr val="accent1"/>
-            </a:effectRef>
-            <a:fontRef idx="minor">
-              <a:schemeClr val="lt1"/>
-            </a:fontRef>
-          </p:style>
-          <p:txBody>
-            <a:bodyPr rtlCol="0" anchor="ctr"/>
-            <a:lstStyle/>
-            <a:p>
-              <a:pPr algn="ctr"/>
-              <a:endParaRPr lang="zh-CN" altLang="en-US" sz="900" dirty="0">
-                <a:latin typeface="微软雅黑" panose="020B0503020204020204" pitchFamily="34" charset="-122"/>
-                <a:ea typeface="微软雅黑" panose="020B0503020204020204" pitchFamily="34" charset="-122"/>
-              </a:endParaRPr>
-            </a:p>
-          </p:txBody>
-        </p:sp>
-        <p:sp>
-          <p:nvSpPr>
-            <p:cNvPr id="110" name="矩形 36"/>
-            <p:cNvSpPr/>
-            <p:nvPr/>
-          </p:nvSpPr>
-          <p:spPr>
-            <a:xfrm>
-              <a:off x="2857594" y="3619498"/>
-              <a:ext cx="246169" cy="185057"/>
-            </a:xfrm>
-            <a:prstGeom prst="rect">
-              <a:avLst/>
-            </a:prstGeom>
-            <a:solidFill>
-              <a:schemeClr val="tx2"/>
-            </a:solidFill>
-            <a:ln w="6350">
-              <a:solidFill>
-                <a:schemeClr val="bg1"/>
-              </a:solidFill>
-              <a:prstDash val="solid"/>
-            </a:ln>
-          </p:spPr>
-          <p:style>
-            <a:lnRef idx="2">
-              <a:schemeClr val="accent1">
-                <a:shade val="50000"/>
-              </a:schemeClr>
-            </a:lnRef>
-            <a:fillRef idx="1">
-              <a:schemeClr val="accent1"/>
-            </a:fillRef>
-            <a:effectRef idx="0">
-              <a:schemeClr val="accent1"/>
-            </a:effectRef>
-            <a:fontRef idx="minor">
-              <a:schemeClr val="lt1"/>
-            </a:fontRef>
-          </p:style>
-          <p:txBody>
-            <a:bodyPr rtlCol="0" anchor="ctr"/>
-            <a:lstStyle/>
-            <a:p>
-              <a:pPr algn="ctr"/>
-              <a:endParaRPr lang="zh-CN" altLang="en-US" sz="900">
-                <a:latin typeface="微软雅黑" panose="020B0503020204020204" pitchFamily="34" charset="-122"/>
-                <a:ea typeface="微软雅黑" panose="020B0503020204020204" pitchFamily="34" charset="-122"/>
-              </a:endParaRPr>
-            </a:p>
-          </p:txBody>
-        </p:sp>
-        <p:sp>
-          <p:nvSpPr>
-            <p:cNvPr id="111" name="矩形 37"/>
-            <p:cNvSpPr/>
-            <p:nvPr/>
-          </p:nvSpPr>
-          <p:spPr>
-            <a:xfrm>
-              <a:off x="3103763" y="3619498"/>
-              <a:ext cx="246169" cy="185057"/>
-            </a:xfrm>
-            <a:prstGeom prst="rect">
-              <a:avLst/>
-            </a:prstGeom>
-            <a:solidFill>
-              <a:schemeClr val="tx2"/>
-            </a:solidFill>
-            <a:ln w="6350">
-              <a:solidFill>
-                <a:schemeClr val="bg1"/>
-              </a:solidFill>
-              <a:prstDash val="solid"/>
-            </a:ln>
-          </p:spPr>
-          <p:style>
-            <a:lnRef idx="2">
-              <a:schemeClr val="accent1">
-                <a:shade val="50000"/>
-              </a:schemeClr>
-            </a:lnRef>
-            <a:fillRef idx="1">
-              <a:schemeClr val="accent1"/>
-            </a:fillRef>
-            <a:effectRef idx="0">
-              <a:schemeClr val="accent1"/>
-            </a:effectRef>
-            <a:fontRef idx="minor">
-              <a:schemeClr val="lt1"/>
-            </a:fontRef>
-          </p:style>
-          <p:txBody>
-            <a:bodyPr rtlCol="0" anchor="ctr"/>
-            <a:lstStyle/>
-            <a:p>
-              <a:pPr algn="ctr"/>
-              <a:endParaRPr lang="zh-CN" altLang="en-US" sz="900">
-                <a:latin typeface="微软雅黑" panose="020B0503020204020204" pitchFamily="34" charset="-122"/>
-                <a:ea typeface="微软雅黑" panose="020B0503020204020204" pitchFamily="34" charset="-122"/>
-              </a:endParaRPr>
-            </a:p>
-          </p:txBody>
-        </p:sp>
-        <p:sp>
-          <p:nvSpPr>
-            <p:cNvPr id="112" name="矩形 38"/>
-            <p:cNvSpPr/>
-            <p:nvPr/>
-          </p:nvSpPr>
-          <p:spPr>
-            <a:xfrm>
-              <a:off x="2857287" y="3434440"/>
-              <a:ext cx="492338" cy="370115"/>
-            </a:xfrm>
-            <a:prstGeom prst="rect">
-              <a:avLst/>
-            </a:prstGeom>
-            <a:noFill/>
-            <a:ln>
-              <a:noFill/>
-            </a:ln>
-          </p:spPr>
-          <p:style>
-            <a:lnRef idx="2">
-              <a:schemeClr val="accent1">
-                <a:shade val="50000"/>
-              </a:schemeClr>
-            </a:lnRef>
-            <a:fillRef idx="1">
-              <a:schemeClr val="accent1"/>
-            </a:fillRef>
-            <a:effectRef idx="0">
-              <a:schemeClr val="accent1"/>
-            </a:effectRef>
-            <a:fontRef idx="minor">
-              <a:schemeClr val="lt1"/>
-            </a:fontRef>
-          </p:style>
-          <p:txBody>
-            <a:bodyPr rtlCol="0" anchor="ctr"/>
-            <a:lstStyle/>
-            <a:p>
-              <a:pPr algn="ctr"/>
-              <a:endParaRPr lang="zh-CN" altLang="en-US" sz="900">
-                <a:latin typeface="微软雅黑" panose="020B0503020204020204" pitchFamily="34" charset="-122"/>
-                <a:ea typeface="微软雅黑" panose="020B0503020204020204" pitchFamily="34" charset="-122"/>
-              </a:endParaRPr>
-            </a:p>
-          </p:txBody>
-        </p:sp>
-      </p:grpSp>
-      <p:grpSp>
-        <p:nvGrpSpPr>
-          <p:cNvPr id="113" name="组合 33"/>
-          <p:cNvGrpSpPr/>
-          <p:nvPr/>
-        </p:nvGrpSpPr>
-        <p:grpSpPr>
-          <a:xfrm>
-            <a:off x="6051776" y="4210778"/>
-            <a:ext cx="406569" cy="242211"/>
-            <a:chOff x="2857287" y="3434440"/>
-            <a:chExt cx="492645" cy="370115"/>
-          </a:xfrm>
-        </p:grpSpPr>
-        <p:sp>
-          <p:nvSpPr>
-            <p:cNvPr id="114" name="矩形 34"/>
-            <p:cNvSpPr/>
-            <p:nvPr/>
-          </p:nvSpPr>
-          <p:spPr>
-            <a:xfrm>
-              <a:off x="2857594" y="3434442"/>
-              <a:ext cx="246169" cy="185057"/>
-            </a:xfrm>
-            <a:prstGeom prst="rect">
-              <a:avLst/>
-            </a:prstGeom>
-            <a:solidFill>
-              <a:schemeClr val="tx2"/>
-            </a:solidFill>
-            <a:ln w="6350">
-              <a:solidFill>
-                <a:schemeClr val="bg1"/>
-              </a:solidFill>
-              <a:prstDash val="solid"/>
-            </a:ln>
-          </p:spPr>
-          <p:style>
-            <a:lnRef idx="2">
-              <a:schemeClr val="accent1">
-                <a:shade val="50000"/>
-              </a:schemeClr>
-            </a:lnRef>
-            <a:fillRef idx="1">
-              <a:schemeClr val="accent1"/>
-            </a:fillRef>
-            <a:effectRef idx="0">
-              <a:schemeClr val="accent1"/>
-            </a:effectRef>
-            <a:fontRef idx="minor">
-              <a:schemeClr val="lt1"/>
-            </a:fontRef>
-          </p:style>
-          <p:txBody>
-            <a:bodyPr rtlCol="0" anchor="ctr"/>
-            <a:lstStyle/>
-            <a:p>
-              <a:pPr algn="ctr"/>
-              <a:endParaRPr lang="zh-CN" altLang="en-US" sz="900" dirty="0">
-                <a:latin typeface="微软雅黑" panose="020B0503020204020204" pitchFamily="34" charset="-122"/>
-                <a:ea typeface="微软雅黑" panose="020B0503020204020204" pitchFamily="34" charset="-122"/>
-              </a:endParaRPr>
-            </a:p>
-          </p:txBody>
-        </p:sp>
-        <p:sp>
-          <p:nvSpPr>
-            <p:cNvPr id="115" name="矩形 35"/>
-            <p:cNvSpPr/>
-            <p:nvPr/>
-          </p:nvSpPr>
-          <p:spPr>
-            <a:xfrm>
-              <a:off x="3103761" y="3434442"/>
-              <a:ext cx="246169" cy="185057"/>
-            </a:xfrm>
-            <a:prstGeom prst="rect">
-              <a:avLst/>
-            </a:prstGeom>
-            <a:solidFill>
-              <a:schemeClr val="tx2"/>
-            </a:solidFill>
-            <a:ln w="6350">
-              <a:solidFill>
-                <a:schemeClr val="bg1"/>
-              </a:solidFill>
-              <a:prstDash val="solid"/>
-            </a:ln>
-          </p:spPr>
-          <p:style>
-            <a:lnRef idx="2">
-              <a:schemeClr val="accent1">
-                <a:shade val="50000"/>
-              </a:schemeClr>
-            </a:lnRef>
-            <a:fillRef idx="1">
-              <a:schemeClr val="accent1"/>
-            </a:fillRef>
-            <a:effectRef idx="0">
-              <a:schemeClr val="accent1"/>
-            </a:effectRef>
-            <a:fontRef idx="minor">
-              <a:schemeClr val="lt1"/>
-            </a:fontRef>
-          </p:style>
-          <p:txBody>
-            <a:bodyPr rtlCol="0" anchor="ctr"/>
-            <a:lstStyle/>
-            <a:p>
-              <a:pPr algn="ctr"/>
-              <a:endParaRPr lang="zh-CN" altLang="en-US" sz="900" dirty="0">
-                <a:latin typeface="微软雅黑" panose="020B0503020204020204" pitchFamily="34" charset="-122"/>
-                <a:ea typeface="微软雅黑" panose="020B0503020204020204" pitchFamily="34" charset="-122"/>
-              </a:endParaRPr>
-            </a:p>
-          </p:txBody>
-        </p:sp>
-        <p:sp>
-          <p:nvSpPr>
-            <p:cNvPr id="116" name="矩形 36"/>
-            <p:cNvSpPr/>
-            <p:nvPr/>
-          </p:nvSpPr>
-          <p:spPr>
-            <a:xfrm>
-              <a:off x="2857594" y="3619498"/>
-              <a:ext cx="246169" cy="185057"/>
-            </a:xfrm>
-            <a:prstGeom prst="rect">
-              <a:avLst/>
-            </a:prstGeom>
-            <a:solidFill>
-              <a:schemeClr val="tx2"/>
-            </a:solidFill>
-            <a:ln w="6350">
-              <a:solidFill>
-                <a:schemeClr val="bg1"/>
-              </a:solidFill>
-              <a:prstDash val="solid"/>
-            </a:ln>
-          </p:spPr>
-          <p:style>
-            <a:lnRef idx="2">
-              <a:schemeClr val="accent1">
-                <a:shade val="50000"/>
-              </a:schemeClr>
-            </a:lnRef>
-            <a:fillRef idx="1">
-              <a:schemeClr val="accent1"/>
-            </a:fillRef>
-            <a:effectRef idx="0">
-              <a:schemeClr val="accent1"/>
-            </a:effectRef>
-            <a:fontRef idx="minor">
-              <a:schemeClr val="lt1"/>
-            </a:fontRef>
-          </p:style>
-          <p:txBody>
-            <a:bodyPr rtlCol="0" anchor="ctr"/>
-            <a:lstStyle/>
-            <a:p>
-              <a:pPr algn="ctr"/>
-              <a:endParaRPr lang="zh-CN" altLang="en-US" sz="900">
-                <a:latin typeface="微软雅黑" panose="020B0503020204020204" pitchFamily="34" charset="-122"/>
-                <a:ea typeface="微软雅黑" panose="020B0503020204020204" pitchFamily="34" charset="-122"/>
-              </a:endParaRPr>
-            </a:p>
-          </p:txBody>
-        </p:sp>
-        <p:sp>
-          <p:nvSpPr>
-            <p:cNvPr id="117" name="矩形 37"/>
-            <p:cNvSpPr/>
-            <p:nvPr/>
-          </p:nvSpPr>
-          <p:spPr>
-            <a:xfrm>
-              <a:off x="3103763" y="3619498"/>
-              <a:ext cx="246169" cy="185057"/>
-            </a:xfrm>
-            <a:prstGeom prst="rect">
-              <a:avLst/>
-            </a:prstGeom>
-            <a:solidFill>
-              <a:schemeClr val="tx2"/>
-            </a:solidFill>
-            <a:ln w="6350">
-              <a:solidFill>
-                <a:schemeClr val="bg1"/>
-              </a:solidFill>
-              <a:prstDash val="solid"/>
-            </a:ln>
-          </p:spPr>
-          <p:style>
-            <a:lnRef idx="2">
-              <a:schemeClr val="accent1">
-                <a:shade val="50000"/>
-              </a:schemeClr>
-            </a:lnRef>
-            <a:fillRef idx="1">
-              <a:schemeClr val="accent1"/>
-            </a:fillRef>
-            <a:effectRef idx="0">
-              <a:schemeClr val="accent1"/>
-            </a:effectRef>
-            <a:fontRef idx="minor">
-              <a:schemeClr val="lt1"/>
-            </a:fontRef>
-          </p:style>
-          <p:txBody>
-            <a:bodyPr rtlCol="0" anchor="ctr"/>
-            <a:lstStyle/>
-            <a:p>
-              <a:pPr algn="ctr"/>
-              <a:endParaRPr lang="zh-CN" altLang="en-US" sz="900">
-                <a:latin typeface="微软雅黑" panose="020B0503020204020204" pitchFamily="34" charset="-122"/>
-                <a:ea typeface="微软雅黑" panose="020B0503020204020204" pitchFamily="34" charset="-122"/>
-              </a:endParaRPr>
-            </a:p>
-          </p:txBody>
-        </p:sp>
-        <p:sp>
-          <p:nvSpPr>
-            <p:cNvPr id="118" name="矩形 38"/>
-            <p:cNvSpPr/>
-            <p:nvPr/>
-          </p:nvSpPr>
-          <p:spPr>
-            <a:xfrm>
-              <a:off x="2857287" y="3434440"/>
-              <a:ext cx="492338" cy="370115"/>
-            </a:xfrm>
-            <a:prstGeom prst="rect">
-              <a:avLst/>
-            </a:prstGeom>
-            <a:noFill/>
-            <a:ln>
-              <a:noFill/>
-            </a:ln>
-          </p:spPr>
-          <p:style>
-            <a:lnRef idx="2">
-              <a:schemeClr val="accent1">
-                <a:shade val="50000"/>
-              </a:schemeClr>
-            </a:lnRef>
-            <a:fillRef idx="1">
-              <a:schemeClr val="accent1"/>
-            </a:fillRef>
-            <a:effectRef idx="0">
-              <a:schemeClr val="accent1"/>
-            </a:effectRef>
-            <a:fontRef idx="minor">
-              <a:schemeClr val="lt1"/>
-            </a:fontRef>
-          </p:style>
-          <p:txBody>
-            <a:bodyPr rtlCol="0" anchor="ctr"/>
-            <a:lstStyle/>
-            <a:p>
-              <a:pPr algn="ctr"/>
-              <a:endParaRPr lang="zh-CN" altLang="en-US" sz="900">
-                <a:latin typeface="微软雅黑" panose="020B0503020204020204" pitchFamily="34" charset="-122"/>
-                <a:ea typeface="微软雅黑" panose="020B0503020204020204" pitchFamily="34" charset="-122"/>
-              </a:endParaRPr>
-            </a:p>
-          </p:txBody>
-        </p:sp>
-      </p:grpSp>
-      <p:grpSp>
-        <p:nvGrpSpPr>
-          <p:cNvPr id="119" name="组合 33"/>
-          <p:cNvGrpSpPr/>
-          <p:nvPr/>
-        </p:nvGrpSpPr>
-        <p:grpSpPr>
-          <a:xfrm>
-            <a:off x="4471576" y="4217262"/>
-            <a:ext cx="406569" cy="242211"/>
-            <a:chOff x="2857287" y="3434440"/>
-            <a:chExt cx="492645" cy="370115"/>
-          </a:xfrm>
-        </p:grpSpPr>
-        <p:sp>
-          <p:nvSpPr>
-            <p:cNvPr id="120" name="矩形 34"/>
-            <p:cNvSpPr/>
-            <p:nvPr/>
-          </p:nvSpPr>
-          <p:spPr>
-            <a:xfrm>
-              <a:off x="2857594" y="3434442"/>
-              <a:ext cx="246169" cy="185057"/>
-            </a:xfrm>
-            <a:prstGeom prst="rect">
-              <a:avLst/>
-            </a:prstGeom>
-            <a:solidFill>
-              <a:schemeClr val="tx2"/>
-            </a:solidFill>
-            <a:ln w="6350">
-              <a:solidFill>
-                <a:schemeClr val="bg1"/>
-              </a:solidFill>
-              <a:prstDash val="solid"/>
-            </a:ln>
-          </p:spPr>
-          <p:style>
-            <a:lnRef idx="2">
-              <a:schemeClr val="accent1">
-                <a:shade val="50000"/>
-              </a:schemeClr>
-            </a:lnRef>
-            <a:fillRef idx="1">
-              <a:schemeClr val="accent1"/>
-            </a:fillRef>
-            <a:effectRef idx="0">
-              <a:schemeClr val="accent1"/>
-            </a:effectRef>
-            <a:fontRef idx="minor">
-              <a:schemeClr val="lt1"/>
-            </a:fontRef>
-          </p:style>
-          <p:txBody>
-            <a:bodyPr rtlCol="0" anchor="ctr"/>
-            <a:lstStyle/>
-            <a:p>
-              <a:pPr algn="ctr"/>
-              <a:endParaRPr lang="zh-CN" altLang="en-US" sz="900" dirty="0">
-                <a:latin typeface="微软雅黑" panose="020B0503020204020204" pitchFamily="34" charset="-122"/>
-                <a:ea typeface="微软雅黑" panose="020B0503020204020204" pitchFamily="34" charset="-122"/>
-              </a:endParaRPr>
-            </a:p>
-          </p:txBody>
-        </p:sp>
-        <p:sp>
-          <p:nvSpPr>
-            <p:cNvPr id="121" name="矩形 35"/>
-            <p:cNvSpPr/>
-            <p:nvPr/>
-          </p:nvSpPr>
-          <p:spPr>
-            <a:xfrm>
-              <a:off x="3103761" y="3434442"/>
-              <a:ext cx="246169" cy="185057"/>
-            </a:xfrm>
-            <a:prstGeom prst="rect">
-              <a:avLst/>
-            </a:prstGeom>
-            <a:solidFill>
-              <a:schemeClr val="tx2"/>
-            </a:solidFill>
-            <a:ln w="6350">
-              <a:solidFill>
-                <a:schemeClr val="bg1"/>
-              </a:solidFill>
-              <a:prstDash val="solid"/>
-            </a:ln>
-          </p:spPr>
-          <p:style>
-            <a:lnRef idx="2">
-              <a:schemeClr val="accent1">
-                <a:shade val="50000"/>
-              </a:schemeClr>
-            </a:lnRef>
-            <a:fillRef idx="1">
-              <a:schemeClr val="accent1"/>
-            </a:fillRef>
-            <a:effectRef idx="0">
-              <a:schemeClr val="accent1"/>
-            </a:effectRef>
-            <a:fontRef idx="minor">
-              <a:schemeClr val="lt1"/>
-            </a:fontRef>
-          </p:style>
-          <p:txBody>
-            <a:bodyPr rtlCol="0" anchor="ctr"/>
-            <a:lstStyle/>
-            <a:p>
-              <a:pPr algn="ctr"/>
-              <a:endParaRPr lang="zh-CN" altLang="en-US" sz="900" dirty="0">
-                <a:latin typeface="微软雅黑" panose="020B0503020204020204" pitchFamily="34" charset="-122"/>
-                <a:ea typeface="微软雅黑" panose="020B0503020204020204" pitchFamily="34" charset="-122"/>
-              </a:endParaRPr>
-            </a:p>
-          </p:txBody>
-        </p:sp>
-        <p:sp>
-          <p:nvSpPr>
-            <p:cNvPr id="122" name="矩形 36"/>
-            <p:cNvSpPr/>
-            <p:nvPr/>
-          </p:nvSpPr>
-          <p:spPr>
-            <a:xfrm>
-              <a:off x="2857594" y="3619498"/>
-              <a:ext cx="246169" cy="185057"/>
-            </a:xfrm>
-            <a:prstGeom prst="rect">
-              <a:avLst/>
-            </a:prstGeom>
-            <a:solidFill>
-              <a:schemeClr val="tx2"/>
-            </a:solidFill>
-            <a:ln w="6350">
-              <a:solidFill>
-                <a:schemeClr val="bg1"/>
-              </a:solidFill>
-              <a:prstDash val="solid"/>
-            </a:ln>
-          </p:spPr>
-          <p:style>
-            <a:lnRef idx="2">
-              <a:schemeClr val="accent1">
-                <a:shade val="50000"/>
-              </a:schemeClr>
-            </a:lnRef>
-            <a:fillRef idx="1">
-              <a:schemeClr val="accent1"/>
-            </a:fillRef>
-            <a:effectRef idx="0">
-              <a:schemeClr val="accent1"/>
-            </a:effectRef>
-            <a:fontRef idx="minor">
-              <a:schemeClr val="lt1"/>
-            </a:fontRef>
-          </p:style>
-          <p:txBody>
-            <a:bodyPr rtlCol="0" anchor="ctr"/>
-            <a:lstStyle/>
-            <a:p>
-              <a:pPr algn="ctr"/>
-              <a:endParaRPr lang="zh-CN" altLang="en-US" sz="900">
-                <a:latin typeface="微软雅黑" panose="020B0503020204020204" pitchFamily="34" charset="-122"/>
-                <a:ea typeface="微软雅黑" panose="020B0503020204020204" pitchFamily="34" charset="-122"/>
-              </a:endParaRPr>
-            </a:p>
-          </p:txBody>
-        </p:sp>
-        <p:sp>
-          <p:nvSpPr>
-            <p:cNvPr id="123" name="矩形 37"/>
-            <p:cNvSpPr/>
-            <p:nvPr/>
-          </p:nvSpPr>
-          <p:spPr>
-            <a:xfrm>
-              <a:off x="3103763" y="3619498"/>
-              <a:ext cx="246169" cy="185057"/>
-            </a:xfrm>
-            <a:prstGeom prst="rect">
-              <a:avLst/>
-            </a:prstGeom>
-            <a:solidFill>
-              <a:schemeClr val="tx2"/>
-            </a:solidFill>
-            <a:ln w="6350">
-              <a:solidFill>
-                <a:schemeClr val="bg1"/>
-              </a:solidFill>
-              <a:prstDash val="solid"/>
-            </a:ln>
-          </p:spPr>
-          <p:style>
-            <a:lnRef idx="2">
-              <a:schemeClr val="accent1">
-                <a:shade val="50000"/>
-              </a:schemeClr>
-            </a:lnRef>
-            <a:fillRef idx="1">
-              <a:schemeClr val="accent1"/>
-            </a:fillRef>
-            <a:effectRef idx="0">
-              <a:schemeClr val="accent1"/>
-            </a:effectRef>
-            <a:fontRef idx="minor">
-              <a:schemeClr val="lt1"/>
-            </a:fontRef>
-          </p:style>
-          <p:txBody>
-            <a:bodyPr rtlCol="0" anchor="ctr"/>
-            <a:lstStyle/>
-            <a:p>
-              <a:pPr algn="ctr"/>
-              <a:endParaRPr lang="zh-CN" altLang="en-US" sz="900">
-                <a:latin typeface="微软雅黑" panose="020B0503020204020204" pitchFamily="34" charset="-122"/>
-                <a:ea typeface="微软雅黑" panose="020B0503020204020204" pitchFamily="34" charset="-122"/>
-              </a:endParaRPr>
-            </a:p>
-          </p:txBody>
-        </p:sp>
-        <p:sp>
-          <p:nvSpPr>
-            <p:cNvPr id="124" name="矩形 38"/>
-            <p:cNvSpPr/>
-            <p:nvPr/>
-          </p:nvSpPr>
-          <p:spPr>
-            <a:xfrm>
-              <a:off x="2857287" y="3434440"/>
-              <a:ext cx="492338" cy="370115"/>
-            </a:xfrm>
-            <a:prstGeom prst="rect">
-              <a:avLst/>
-            </a:prstGeom>
-            <a:noFill/>
-            <a:ln>
-              <a:noFill/>
-            </a:ln>
-          </p:spPr>
-          <p:style>
-            <a:lnRef idx="2">
-              <a:schemeClr val="accent1">
-                <a:shade val="50000"/>
-              </a:schemeClr>
-            </a:lnRef>
-            <a:fillRef idx="1">
-              <a:schemeClr val="accent1"/>
-            </a:fillRef>
-            <a:effectRef idx="0">
-              <a:schemeClr val="accent1"/>
-            </a:effectRef>
-            <a:fontRef idx="minor">
-              <a:schemeClr val="lt1"/>
-            </a:fontRef>
-          </p:style>
-          <p:txBody>
-            <a:bodyPr rtlCol="0" anchor="ctr"/>
-            <a:lstStyle/>
-            <a:p>
-              <a:pPr algn="ctr"/>
-              <a:endParaRPr lang="zh-CN" altLang="en-US" sz="900">
-                <a:latin typeface="微软雅黑" panose="020B0503020204020204" pitchFamily="34" charset="-122"/>
-                <a:ea typeface="微软雅黑" panose="020B0503020204020204" pitchFamily="34" charset="-122"/>
-              </a:endParaRPr>
-            </a:p>
-          </p:txBody>
-        </p:sp>
-      </p:grpSp>
-      <p:grpSp>
-        <p:nvGrpSpPr>
-          <p:cNvPr id="125" name="组合 33"/>
-          <p:cNvGrpSpPr/>
-          <p:nvPr/>
-        </p:nvGrpSpPr>
-        <p:grpSpPr>
-          <a:xfrm>
-            <a:off x="5248831" y="4211400"/>
-            <a:ext cx="406569" cy="242211"/>
-            <a:chOff x="2857287" y="3434440"/>
-            <a:chExt cx="492645" cy="370115"/>
-          </a:xfrm>
-        </p:grpSpPr>
-        <p:sp>
-          <p:nvSpPr>
-            <p:cNvPr id="126" name="矩形 34"/>
-            <p:cNvSpPr/>
-            <p:nvPr/>
-          </p:nvSpPr>
-          <p:spPr>
-            <a:xfrm>
-              <a:off x="2857594" y="3434442"/>
-              <a:ext cx="246169" cy="185057"/>
-            </a:xfrm>
-            <a:prstGeom prst="rect">
-              <a:avLst/>
-            </a:prstGeom>
-            <a:solidFill>
-              <a:schemeClr val="tx2"/>
-            </a:solidFill>
-            <a:ln w="6350">
-              <a:solidFill>
-                <a:schemeClr val="bg1"/>
-              </a:solidFill>
-              <a:prstDash val="solid"/>
-            </a:ln>
-          </p:spPr>
-          <p:style>
-            <a:lnRef idx="2">
-              <a:schemeClr val="accent1">
-                <a:shade val="50000"/>
-              </a:schemeClr>
-            </a:lnRef>
-            <a:fillRef idx="1">
-              <a:schemeClr val="accent1"/>
-            </a:fillRef>
-            <a:effectRef idx="0">
-              <a:schemeClr val="accent1"/>
-            </a:effectRef>
-            <a:fontRef idx="minor">
-              <a:schemeClr val="lt1"/>
-            </a:fontRef>
-          </p:style>
-          <p:txBody>
-            <a:bodyPr rtlCol="0" anchor="ctr"/>
-            <a:lstStyle/>
-            <a:p>
-              <a:pPr algn="ctr"/>
-              <a:endParaRPr lang="zh-CN" altLang="en-US" sz="900" dirty="0">
-                <a:latin typeface="微软雅黑" panose="020B0503020204020204" pitchFamily="34" charset="-122"/>
-                <a:ea typeface="微软雅黑" panose="020B0503020204020204" pitchFamily="34" charset="-122"/>
-              </a:endParaRPr>
-            </a:p>
-          </p:txBody>
-        </p:sp>
-        <p:sp>
-          <p:nvSpPr>
-            <p:cNvPr id="127" name="矩形 35"/>
-            <p:cNvSpPr/>
-            <p:nvPr/>
-          </p:nvSpPr>
-          <p:spPr>
-            <a:xfrm>
-              <a:off x="3103761" y="3434442"/>
-              <a:ext cx="246169" cy="185057"/>
-            </a:xfrm>
-            <a:prstGeom prst="rect">
-              <a:avLst/>
-            </a:prstGeom>
-            <a:solidFill>
-              <a:schemeClr val="tx2"/>
-            </a:solidFill>
-            <a:ln w="6350">
-              <a:solidFill>
-                <a:schemeClr val="bg1"/>
-              </a:solidFill>
-              <a:prstDash val="solid"/>
-            </a:ln>
-          </p:spPr>
-          <p:style>
-            <a:lnRef idx="2">
-              <a:schemeClr val="accent1">
-                <a:shade val="50000"/>
-              </a:schemeClr>
-            </a:lnRef>
-            <a:fillRef idx="1">
-              <a:schemeClr val="accent1"/>
-            </a:fillRef>
-            <a:effectRef idx="0">
-              <a:schemeClr val="accent1"/>
-            </a:effectRef>
-            <a:fontRef idx="minor">
-              <a:schemeClr val="lt1"/>
-            </a:fontRef>
-          </p:style>
-          <p:txBody>
-            <a:bodyPr rtlCol="0" anchor="ctr"/>
-            <a:lstStyle/>
-            <a:p>
-              <a:pPr algn="ctr"/>
-              <a:endParaRPr lang="zh-CN" altLang="en-US" sz="900" dirty="0">
-                <a:latin typeface="微软雅黑" panose="020B0503020204020204" pitchFamily="34" charset="-122"/>
-                <a:ea typeface="微软雅黑" panose="020B0503020204020204" pitchFamily="34" charset="-122"/>
-              </a:endParaRPr>
-            </a:p>
-          </p:txBody>
-        </p:sp>
-        <p:sp>
-          <p:nvSpPr>
-            <p:cNvPr id="128" name="矩形 36"/>
-            <p:cNvSpPr/>
-            <p:nvPr/>
-          </p:nvSpPr>
-          <p:spPr>
-            <a:xfrm>
-              <a:off x="2857594" y="3619498"/>
-              <a:ext cx="246169" cy="185057"/>
-            </a:xfrm>
-            <a:prstGeom prst="rect">
-              <a:avLst/>
-            </a:prstGeom>
-            <a:solidFill>
-              <a:schemeClr val="tx2"/>
-            </a:solidFill>
-            <a:ln w="6350">
-              <a:solidFill>
-                <a:schemeClr val="bg1"/>
-              </a:solidFill>
-              <a:prstDash val="solid"/>
-            </a:ln>
-          </p:spPr>
-          <p:style>
-            <a:lnRef idx="2">
-              <a:schemeClr val="accent1">
-                <a:shade val="50000"/>
-              </a:schemeClr>
-            </a:lnRef>
-            <a:fillRef idx="1">
-              <a:schemeClr val="accent1"/>
-            </a:fillRef>
-            <a:effectRef idx="0">
-              <a:schemeClr val="accent1"/>
-            </a:effectRef>
-            <a:fontRef idx="minor">
-              <a:schemeClr val="lt1"/>
-            </a:fontRef>
-          </p:style>
-          <p:txBody>
-            <a:bodyPr rtlCol="0" anchor="ctr"/>
-            <a:lstStyle/>
-            <a:p>
-              <a:pPr algn="ctr"/>
-              <a:endParaRPr lang="zh-CN" altLang="en-US" sz="900">
-                <a:latin typeface="微软雅黑" panose="020B0503020204020204" pitchFamily="34" charset="-122"/>
-                <a:ea typeface="微软雅黑" panose="020B0503020204020204" pitchFamily="34" charset="-122"/>
-              </a:endParaRPr>
-            </a:p>
-          </p:txBody>
-        </p:sp>
-        <p:sp>
-          <p:nvSpPr>
-            <p:cNvPr id="129" name="矩形 37"/>
-            <p:cNvSpPr/>
-            <p:nvPr/>
-          </p:nvSpPr>
-          <p:spPr>
-            <a:xfrm>
-              <a:off x="3103763" y="3619498"/>
-              <a:ext cx="246169" cy="185057"/>
-            </a:xfrm>
-            <a:prstGeom prst="rect">
-              <a:avLst/>
-            </a:prstGeom>
-            <a:solidFill>
-              <a:schemeClr val="tx2"/>
-            </a:solidFill>
-            <a:ln w="6350">
-              <a:solidFill>
-                <a:schemeClr val="bg1"/>
-              </a:solidFill>
-              <a:prstDash val="solid"/>
-            </a:ln>
-          </p:spPr>
-          <p:style>
-            <a:lnRef idx="2">
-              <a:schemeClr val="accent1">
-                <a:shade val="50000"/>
-              </a:schemeClr>
-            </a:lnRef>
-            <a:fillRef idx="1">
-              <a:schemeClr val="accent1"/>
-            </a:fillRef>
-            <a:effectRef idx="0">
-              <a:schemeClr val="accent1"/>
-            </a:effectRef>
-            <a:fontRef idx="minor">
-              <a:schemeClr val="lt1"/>
-            </a:fontRef>
-          </p:style>
-          <p:txBody>
-            <a:bodyPr rtlCol="0" anchor="ctr"/>
-            <a:lstStyle/>
-            <a:p>
-              <a:pPr algn="ctr"/>
-              <a:endParaRPr lang="zh-CN" altLang="en-US" sz="900">
-                <a:latin typeface="微软雅黑" panose="020B0503020204020204" pitchFamily="34" charset="-122"/>
-                <a:ea typeface="微软雅黑" panose="020B0503020204020204" pitchFamily="34" charset="-122"/>
-              </a:endParaRPr>
-            </a:p>
-          </p:txBody>
-        </p:sp>
-        <p:sp>
-          <p:nvSpPr>
-            <p:cNvPr id="130" name="矩形 38"/>
-            <p:cNvSpPr/>
-            <p:nvPr/>
-          </p:nvSpPr>
-          <p:spPr>
-            <a:xfrm>
-              <a:off x="2857287" y="3434440"/>
-              <a:ext cx="492338" cy="370115"/>
-            </a:xfrm>
-            <a:prstGeom prst="rect">
-              <a:avLst/>
-            </a:prstGeom>
-            <a:noFill/>
-            <a:ln>
-              <a:noFill/>
-            </a:ln>
-          </p:spPr>
-          <p:style>
-            <a:lnRef idx="2">
-              <a:schemeClr val="accent1">
-                <a:shade val="50000"/>
-              </a:schemeClr>
-            </a:lnRef>
-            <a:fillRef idx="1">
-              <a:schemeClr val="accent1"/>
-            </a:fillRef>
-            <a:effectRef idx="0">
-              <a:schemeClr val="accent1"/>
-            </a:effectRef>
-            <a:fontRef idx="minor">
-              <a:schemeClr val="lt1"/>
-            </a:fontRef>
-          </p:style>
-          <p:txBody>
-            <a:bodyPr rtlCol="0" anchor="ctr"/>
-            <a:lstStyle/>
-            <a:p>
-              <a:pPr algn="ctr"/>
-              <a:endParaRPr lang="zh-CN" altLang="en-US" sz="900">
-                <a:latin typeface="微软雅黑" panose="020B0503020204020204" pitchFamily="34" charset="-122"/>
-                <a:ea typeface="微软雅黑" panose="020B0503020204020204" pitchFamily="34" charset="-122"/>
-              </a:endParaRPr>
-            </a:p>
-          </p:txBody>
-        </p:sp>
-      </p:grpSp>
-      <p:sp>
-        <p:nvSpPr>
-          <p:cNvPr id="74" name="圆柱形 7"/>
-          <p:cNvSpPr/>
-          <p:nvPr/>
-        </p:nvSpPr>
-        <p:spPr>
-          <a:xfrm>
-            <a:off x="8072914" y="2836129"/>
-            <a:ext cx="523636" cy="258929"/>
-          </a:xfrm>
-          <a:prstGeom prst="can">
-            <a:avLst/>
-          </a:prstGeom>
-          <a:solidFill>
-            <a:srgbClr val="3399FF"/>
-          </a:solidFill>
-          <a:ln w="6350">
-            <a:solidFill>
-              <a:schemeClr val="bg1"/>
-            </a:solidFill>
-          </a:ln>
-        </p:spPr>
-        <p:style>
-          <a:lnRef idx="2">
-            <a:schemeClr val="accent1">
-              <a:shade val="50000"/>
-            </a:schemeClr>
-          </a:lnRef>
-          <a:fillRef idx="1">
-            <a:schemeClr val="accent1"/>
-          </a:fillRef>
-          <a:effectRef idx="0">
-            <a:schemeClr val="accent1"/>
-          </a:effectRef>
-          <a:fontRef idx="minor">
-            <a:schemeClr val="lt1"/>
-          </a:fontRef>
-        </p:style>
-        <p:txBody>
-          <a:bodyPr lIns="0" tIns="0" rIns="0" bIns="0" rtlCol="0" anchor="ctr"/>
-          <a:lstStyle/>
-          <a:p>
-            <a:pPr algn="ctr"/>
-            <a:r>
-              <a:rPr lang="en-US" altLang="zh-CN" sz="900" dirty="0">
-                <a:latin typeface="微软雅黑" panose="020B0503020204020204" pitchFamily="34" charset="-122"/>
-                <a:ea typeface="微软雅黑" panose="020B0503020204020204" pitchFamily="34" charset="-122"/>
-              </a:rPr>
-              <a:t>Storage</a:t>
-            </a:r>
-          </a:p>
-        </p:txBody>
-      </p:sp>
-      <p:sp>
-        <p:nvSpPr>
-          <p:cNvPr id="75" name="Rectangle: Rounded Corners 74"/>
-          <p:cNvSpPr/>
-          <p:nvPr/>
-        </p:nvSpPr>
-        <p:spPr>
-          <a:xfrm>
-            <a:off x="7197161" y="1841629"/>
-            <a:ext cx="2395574" cy="1370502"/>
-          </a:xfrm>
-          <a:prstGeom prst="roundRect">
-            <a:avLst>
-              <a:gd name="adj" fmla="val 5465"/>
-            </a:avLst>
-          </a:prstGeom>
-          <a:noFill/>
-          <a:ln w="6350">
-            <a:solidFill>
-              <a:schemeClr val="accent2"/>
-            </a:solidFill>
-            <a:prstDash val="sysDash"/>
-          </a:ln>
-        </p:spPr>
-        <p:style>
-          <a:lnRef idx="2">
-            <a:schemeClr val="accent1">
-              <a:shade val="50000"/>
-            </a:schemeClr>
-          </a:lnRef>
-          <a:fillRef idx="1">
-            <a:schemeClr val="accent1"/>
-          </a:fillRef>
-          <a:effectRef idx="0">
-            <a:schemeClr val="accent1"/>
-          </a:effectRef>
-          <a:fontRef idx="minor">
-            <a:schemeClr val="lt1"/>
-          </a:fontRef>
-        </p:style>
-        <p:txBody>
-          <a:bodyPr rtlCol="0" anchor="ctr"/>
-          <a:lstStyle/>
-          <a:p>
-            <a:pPr algn="ctr"/>
-            <a:endParaRPr lang="en-US"/>
-          </a:p>
-        </p:txBody>
-      </p:sp>
-      <p:cxnSp>
-        <p:nvCxnSpPr>
-          <p:cNvPr id="77" name="Connector: Elbow 76"/>
-          <p:cNvCxnSpPr/>
-          <p:nvPr/>
-        </p:nvCxnSpPr>
-        <p:spPr>
-          <a:xfrm rot="5400000">
-            <a:off x="4914470" y="3809182"/>
-            <a:ext cx="240267" cy="387"/>
-          </a:xfrm>
-          <a:prstGeom prst="bentConnector3">
-            <a:avLst/>
-          </a:prstGeom>
-          <a:ln w="12700">
-            <a:solidFill>
-              <a:schemeClr val="tx1">
-                <a:alpha val="70000"/>
-              </a:schemeClr>
-            </a:solidFill>
-            <a:headEnd type="stealth"/>
-            <a:tailEnd type="stealth"/>
-          </a:ln>
-        </p:spPr>
-        <p:style>
-          <a:lnRef idx="1">
-            <a:schemeClr val="accent1"/>
-          </a:lnRef>
-          <a:fillRef idx="0">
-            <a:schemeClr val="accent1"/>
-          </a:fillRef>
-          <a:effectRef idx="0">
-            <a:schemeClr val="accent1"/>
-          </a:effectRef>
-          <a:fontRef idx="minor">
-            <a:schemeClr val="tx1"/>
-          </a:fontRef>
-        </p:style>
-      </p:cxnSp>
-      <p:sp>
-        <p:nvSpPr>
-          <p:cNvPr id="81" name="Oval 80"/>
-          <p:cNvSpPr/>
-          <p:nvPr/>
-        </p:nvSpPr>
-        <p:spPr>
-          <a:xfrm>
-            <a:off x="7356937" y="2101453"/>
-            <a:ext cx="849532" cy="381000"/>
-          </a:xfrm>
-          <a:prstGeom prst="ellipse">
-            <a:avLst/>
-          </a:prstGeom>
-          <a:solidFill>
-            <a:schemeClr val="accent2"/>
-          </a:solidFill>
-          <a:ln>
-            <a:noFill/>
-          </a:ln>
-        </p:spPr>
-        <p:style>
-          <a:lnRef idx="2">
-            <a:schemeClr val="accent1">
-              <a:shade val="50000"/>
-            </a:schemeClr>
-          </a:lnRef>
-          <a:fillRef idx="1">
-            <a:schemeClr val="accent1"/>
-          </a:fillRef>
-          <a:effectRef idx="0">
-            <a:schemeClr val="accent1"/>
-          </a:effectRef>
-          <a:fontRef idx="minor">
-            <a:schemeClr val="lt1"/>
-          </a:fontRef>
-        </p:style>
-        <p:txBody>
-          <a:bodyPr lIns="0" tIns="0" rIns="0" bIns="0" rtlCol="0" anchor="ctr"/>
-          <a:lstStyle/>
-          <a:p>
-            <a:pPr algn="ctr"/>
-            <a:r>
-              <a:rPr lang="en-US" sz="900" b="1" dirty="0">
-                <a:solidFill>
-                  <a:schemeClr val="bg1"/>
-                </a:solidFill>
-                <a:latin typeface="微软雅黑" panose="020B0503020204020204" pitchFamily="34" charset="-122"/>
-                <a:ea typeface="微软雅黑" panose="020B0503020204020204" pitchFamily="34" charset="-122"/>
-              </a:rPr>
-              <a:t>Collector</a:t>
-            </a:r>
-          </a:p>
-        </p:txBody>
-      </p:sp>
-      <p:sp>
-        <p:nvSpPr>
-          <p:cNvPr id="82" name="Oval 81"/>
-          <p:cNvSpPr/>
-          <p:nvPr/>
-        </p:nvSpPr>
-        <p:spPr>
-          <a:xfrm>
-            <a:off x="8412597" y="2103834"/>
-            <a:ext cx="849532" cy="381000"/>
-          </a:xfrm>
-          <a:prstGeom prst="ellipse">
-            <a:avLst/>
-          </a:prstGeom>
-          <a:solidFill>
-            <a:schemeClr val="accent2"/>
-          </a:solidFill>
-          <a:ln>
-            <a:noFill/>
-          </a:ln>
-        </p:spPr>
-        <p:style>
-          <a:lnRef idx="2">
-            <a:schemeClr val="accent1">
-              <a:shade val="50000"/>
-            </a:schemeClr>
-          </a:lnRef>
-          <a:fillRef idx="1">
-            <a:schemeClr val="accent1"/>
-          </a:fillRef>
-          <a:effectRef idx="0">
-            <a:schemeClr val="accent1"/>
-          </a:effectRef>
-          <a:fontRef idx="minor">
-            <a:schemeClr val="lt1"/>
-          </a:fontRef>
-        </p:style>
-        <p:txBody>
-          <a:bodyPr lIns="0" tIns="0" rIns="0" bIns="0" rtlCol="0" anchor="ctr"/>
-          <a:lstStyle/>
-          <a:p>
-            <a:pPr algn="ctr"/>
-            <a:r>
-              <a:rPr lang="en-US" sz="900" b="1" dirty="0">
-                <a:solidFill>
-                  <a:schemeClr val="bg1"/>
-                </a:solidFill>
-                <a:latin typeface="微软雅黑" panose="020B0503020204020204" pitchFamily="34" charset="-122"/>
-                <a:ea typeface="微软雅黑" panose="020B0503020204020204" pitchFamily="34" charset="-122"/>
-              </a:rPr>
-              <a:t>UI</a:t>
-            </a:r>
-          </a:p>
-        </p:txBody>
-      </p:sp>
-      <p:sp>
-        <p:nvSpPr>
-          <p:cNvPr id="83" name="Oval 82"/>
-          <p:cNvSpPr/>
-          <p:nvPr/>
-        </p:nvSpPr>
-        <p:spPr>
-          <a:xfrm>
-            <a:off x="5299350" y="1442233"/>
-            <a:ext cx="144000" cy="144000"/>
-          </a:xfrm>
-          <a:prstGeom prst="ellipse">
-            <a:avLst/>
-          </a:prstGeom>
-          <a:solidFill>
-            <a:schemeClr val="accent2"/>
-          </a:solidFill>
-          <a:ln>
-            <a:noFill/>
-          </a:ln>
-        </p:spPr>
-        <p:style>
-          <a:lnRef idx="2">
-            <a:schemeClr val="accent1">
-              <a:shade val="50000"/>
-            </a:schemeClr>
-          </a:lnRef>
-          <a:fillRef idx="1">
-            <a:schemeClr val="accent1"/>
-          </a:fillRef>
-          <a:effectRef idx="0">
-            <a:schemeClr val="accent1"/>
-          </a:effectRef>
-          <a:fontRef idx="minor">
-            <a:schemeClr val="lt1"/>
-          </a:fontRef>
-        </p:style>
-        <p:txBody>
-          <a:bodyPr lIns="0" tIns="0" rIns="0" bIns="0" rtlCol="0" anchor="ctr"/>
-          <a:lstStyle/>
-          <a:p>
-            <a:pPr algn="ctr"/>
-            <a:endParaRPr lang="en-US" sz="900" b="1" dirty="0">
-              <a:solidFill>
-                <a:schemeClr val="bg1"/>
-              </a:solidFill>
-              <a:latin typeface="微软雅黑" panose="020B0503020204020204" pitchFamily="34" charset="-122"/>
-              <a:ea typeface="微软雅黑" panose="020B0503020204020204" pitchFamily="34" charset="-122"/>
-            </a:endParaRPr>
-          </a:p>
-        </p:txBody>
-      </p:sp>
-      <p:sp>
-        <p:nvSpPr>
-          <p:cNvPr id="88" name="Oval 87"/>
-          <p:cNvSpPr/>
-          <p:nvPr/>
-        </p:nvSpPr>
-        <p:spPr>
-          <a:xfrm>
-            <a:off x="4041662" y="2730050"/>
-            <a:ext cx="144000" cy="144000"/>
-          </a:xfrm>
-          <a:prstGeom prst="ellipse">
-            <a:avLst/>
-          </a:prstGeom>
-          <a:solidFill>
-            <a:schemeClr val="accent2"/>
-          </a:solidFill>
-          <a:ln>
-            <a:noFill/>
-          </a:ln>
-        </p:spPr>
-        <p:style>
-          <a:lnRef idx="2">
-            <a:schemeClr val="accent1">
-              <a:shade val="50000"/>
-            </a:schemeClr>
-          </a:lnRef>
-          <a:fillRef idx="1">
-            <a:schemeClr val="accent1"/>
-          </a:fillRef>
-          <a:effectRef idx="0">
-            <a:schemeClr val="accent1"/>
-          </a:effectRef>
-          <a:fontRef idx="minor">
-            <a:schemeClr val="lt1"/>
-          </a:fontRef>
-        </p:style>
-        <p:txBody>
-          <a:bodyPr lIns="0" tIns="0" rIns="0" bIns="0" rtlCol="0" anchor="ctr"/>
-          <a:lstStyle/>
-          <a:p>
-            <a:pPr algn="ctr"/>
-            <a:endParaRPr lang="en-US" sz="900" b="1" dirty="0">
-              <a:solidFill>
-                <a:schemeClr val="bg1"/>
-              </a:solidFill>
-              <a:latin typeface="微软雅黑" panose="020B0503020204020204" pitchFamily="34" charset="-122"/>
-              <a:ea typeface="微软雅黑" panose="020B0503020204020204" pitchFamily="34" charset="-122"/>
-            </a:endParaRPr>
-          </a:p>
-        </p:txBody>
-      </p:sp>
-      <p:sp>
-        <p:nvSpPr>
-          <p:cNvPr id="89" name="Oval 88"/>
-          <p:cNvSpPr/>
-          <p:nvPr/>
-        </p:nvSpPr>
-        <p:spPr>
-          <a:xfrm>
-            <a:off x="5155495" y="2725259"/>
-            <a:ext cx="144000" cy="144000"/>
-          </a:xfrm>
-          <a:prstGeom prst="ellipse">
-            <a:avLst/>
-          </a:prstGeom>
-          <a:solidFill>
-            <a:schemeClr val="accent2"/>
-          </a:solidFill>
-          <a:ln>
-            <a:noFill/>
-          </a:ln>
-        </p:spPr>
-        <p:style>
-          <a:lnRef idx="2">
-            <a:schemeClr val="accent1">
-              <a:shade val="50000"/>
-            </a:schemeClr>
-          </a:lnRef>
-          <a:fillRef idx="1">
-            <a:schemeClr val="accent1"/>
-          </a:fillRef>
-          <a:effectRef idx="0">
-            <a:schemeClr val="accent1"/>
-          </a:effectRef>
-          <a:fontRef idx="minor">
-            <a:schemeClr val="lt1"/>
-          </a:fontRef>
-        </p:style>
-        <p:txBody>
-          <a:bodyPr lIns="0" tIns="0" rIns="0" bIns="0" rtlCol="0" anchor="ctr"/>
-          <a:lstStyle/>
-          <a:p>
-            <a:pPr algn="ctr"/>
-            <a:endParaRPr lang="en-US" sz="900" b="1" dirty="0">
-              <a:solidFill>
-                <a:schemeClr val="bg1"/>
-              </a:solidFill>
-              <a:latin typeface="微软雅黑" panose="020B0503020204020204" pitchFamily="34" charset="-122"/>
-              <a:ea typeface="微软雅黑" panose="020B0503020204020204" pitchFamily="34" charset="-122"/>
-            </a:endParaRPr>
-          </a:p>
-        </p:txBody>
-      </p:sp>
-      <p:sp>
-        <p:nvSpPr>
-          <p:cNvPr id="91" name="Oval 90"/>
-          <p:cNvSpPr/>
-          <p:nvPr/>
-        </p:nvSpPr>
-        <p:spPr>
-          <a:xfrm>
-            <a:off x="6504516" y="2725259"/>
-            <a:ext cx="144000" cy="144000"/>
-          </a:xfrm>
-          <a:prstGeom prst="ellipse">
-            <a:avLst/>
-          </a:prstGeom>
-          <a:solidFill>
-            <a:schemeClr val="accent2"/>
-          </a:solidFill>
-          <a:ln>
-            <a:noFill/>
-          </a:ln>
-        </p:spPr>
-        <p:style>
-          <a:lnRef idx="2">
-            <a:schemeClr val="accent1">
-              <a:shade val="50000"/>
-            </a:schemeClr>
-          </a:lnRef>
-          <a:fillRef idx="1">
-            <a:schemeClr val="accent1"/>
-          </a:fillRef>
-          <a:effectRef idx="0">
-            <a:schemeClr val="accent1"/>
-          </a:effectRef>
-          <a:fontRef idx="minor">
-            <a:schemeClr val="lt1"/>
-          </a:fontRef>
-        </p:style>
-        <p:txBody>
-          <a:bodyPr lIns="0" tIns="0" rIns="0" bIns="0" rtlCol="0" anchor="ctr"/>
-          <a:lstStyle/>
-          <a:p>
-            <a:pPr algn="ctr"/>
-            <a:endParaRPr lang="en-US" sz="900" b="1" dirty="0">
-              <a:solidFill>
-                <a:schemeClr val="bg1"/>
-              </a:solidFill>
-              <a:latin typeface="微软雅黑" panose="020B0503020204020204" pitchFamily="34" charset="-122"/>
-              <a:ea typeface="微软雅黑" panose="020B0503020204020204" pitchFamily="34" charset="-122"/>
-            </a:endParaRPr>
-          </a:p>
-        </p:txBody>
-      </p:sp>
-      <p:sp>
-        <p:nvSpPr>
-          <p:cNvPr id="97" name="Oval 96"/>
-          <p:cNvSpPr/>
-          <p:nvPr/>
-        </p:nvSpPr>
-        <p:spPr>
-          <a:xfrm>
-            <a:off x="5950042" y="2222272"/>
-            <a:ext cx="144000" cy="144000"/>
-          </a:xfrm>
-          <a:prstGeom prst="ellipse">
-            <a:avLst/>
-          </a:prstGeom>
-          <a:solidFill>
-            <a:schemeClr val="accent2"/>
-          </a:solidFill>
-          <a:ln>
-            <a:noFill/>
-          </a:ln>
-        </p:spPr>
-        <p:style>
-          <a:lnRef idx="2">
-            <a:schemeClr val="accent1">
-              <a:shade val="50000"/>
-            </a:schemeClr>
-          </a:lnRef>
-          <a:fillRef idx="1">
-            <a:schemeClr val="accent1"/>
-          </a:fillRef>
-          <a:effectRef idx="0">
-            <a:schemeClr val="accent1"/>
-          </a:effectRef>
-          <a:fontRef idx="minor">
-            <a:schemeClr val="lt1"/>
-          </a:fontRef>
-        </p:style>
-        <p:txBody>
-          <a:bodyPr lIns="0" tIns="0" rIns="0" bIns="0" rtlCol="0" anchor="ctr"/>
-          <a:lstStyle/>
-          <a:p>
-            <a:pPr algn="ctr"/>
-            <a:endParaRPr lang="en-US" sz="900" b="1" dirty="0">
-              <a:solidFill>
-                <a:schemeClr val="bg1"/>
-              </a:solidFill>
-              <a:latin typeface="微软雅黑" panose="020B0503020204020204" pitchFamily="34" charset="-122"/>
-              <a:ea typeface="微软雅黑" panose="020B0503020204020204" pitchFamily="34" charset="-122"/>
-            </a:endParaRPr>
-          </a:p>
-        </p:txBody>
-      </p:sp>
-      <p:cxnSp>
-        <p:nvCxnSpPr>
-          <p:cNvPr id="99" name="肘形连接符 100"/>
-          <p:cNvCxnSpPr>
-            <a:cxnSpLocks/>
-            <a:stCxn id="83" idx="6"/>
-            <a:endCxn id="81" idx="2"/>
-          </p:cNvCxnSpPr>
-          <p:nvPr/>
-        </p:nvCxnSpPr>
-        <p:spPr>
-          <a:xfrm>
-            <a:off x="5443350" y="1514233"/>
-            <a:ext cx="1913587" cy="777720"/>
-          </a:xfrm>
-          <a:prstGeom prst="bentConnector3">
-            <a:avLst>
-              <a:gd name="adj1" fmla="val 81525"/>
-            </a:avLst>
-          </a:prstGeom>
-          <a:ln>
-            <a:solidFill>
-              <a:schemeClr val="accent2"/>
-            </a:solidFill>
-            <a:prstDash val="dash"/>
-            <a:tailEnd type="arrow"/>
-          </a:ln>
-        </p:spPr>
-        <p:style>
-          <a:lnRef idx="1">
-            <a:schemeClr val="accent1"/>
-          </a:lnRef>
-          <a:fillRef idx="0">
-            <a:schemeClr val="accent1"/>
-          </a:fillRef>
-          <a:effectRef idx="0">
-            <a:schemeClr val="accent1"/>
-          </a:effectRef>
-          <a:fontRef idx="minor">
-            <a:schemeClr val="tx1"/>
-          </a:fontRef>
-        </p:style>
-      </p:cxnSp>
-      <p:cxnSp>
-        <p:nvCxnSpPr>
-          <p:cNvPr id="104" name="肘形连接符 100"/>
-          <p:cNvCxnSpPr>
-            <a:cxnSpLocks/>
-            <a:stCxn id="97" idx="6"/>
-            <a:endCxn id="81" idx="2"/>
-          </p:cNvCxnSpPr>
-          <p:nvPr/>
-        </p:nvCxnSpPr>
-        <p:spPr>
-          <a:xfrm flipV="1">
-            <a:off x="6094042" y="2291953"/>
-            <a:ext cx="1262895" cy="2319"/>
-          </a:xfrm>
-          <a:prstGeom prst="bentConnector3">
-            <a:avLst>
-              <a:gd name="adj1" fmla="val 50000"/>
-            </a:avLst>
-          </a:prstGeom>
-          <a:ln>
-            <a:solidFill>
-              <a:schemeClr val="accent2"/>
-            </a:solidFill>
-            <a:prstDash val="dash"/>
-            <a:tailEnd type="arrow"/>
-          </a:ln>
-        </p:spPr>
-        <p:style>
-          <a:lnRef idx="1">
-            <a:schemeClr val="accent1"/>
-          </a:lnRef>
-          <a:fillRef idx="0">
-            <a:schemeClr val="accent1"/>
-          </a:fillRef>
-          <a:effectRef idx="0">
-            <a:schemeClr val="accent1"/>
-          </a:effectRef>
-          <a:fontRef idx="minor">
-            <a:schemeClr val="tx1"/>
-          </a:fontRef>
-        </p:style>
-      </p:cxnSp>
-      <p:cxnSp>
-        <p:nvCxnSpPr>
-          <p:cNvPr id="131" name="肘形连接符 100"/>
-          <p:cNvCxnSpPr>
-            <a:cxnSpLocks/>
-            <a:stCxn id="91" idx="6"/>
-            <a:endCxn id="81" idx="2"/>
-          </p:cNvCxnSpPr>
-          <p:nvPr/>
-        </p:nvCxnSpPr>
-        <p:spPr>
-          <a:xfrm flipV="1">
-            <a:off x="6648516" y="2291953"/>
-            <a:ext cx="708421" cy="505306"/>
-          </a:xfrm>
-          <a:prstGeom prst="bentConnector3">
-            <a:avLst>
-              <a:gd name="adj1" fmla="val 50000"/>
-            </a:avLst>
-          </a:prstGeom>
-          <a:ln>
-            <a:solidFill>
-              <a:schemeClr val="accent2"/>
-            </a:solidFill>
-            <a:prstDash val="dash"/>
-            <a:tailEnd type="arrow"/>
-          </a:ln>
-        </p:spPr>
-        <p:style>
-          <a:lnRef idx="1">
-            <a:schemeClr val="accent1"/>
-          </a:lnRef>
-          <a:fillRef idx="0">
-            <a:schemeClr val="accent1"/>
-          </a:fillRef>
-          <a:effectRef idx="0">
-            <a:schemeClr val="accent1"/>
-          </a:effectRef>
-          <a:fontRef idx="minor">
-            <a:schemeClr val="tx1"/>
-          </a:fontRef>
-        </p:style>
-      </p:cxnSp>
-      <p:sp>
-        <p:nvSpPr>
-          <p:cNvPr id="132" name="TextBox 131"/>
-          <p:cNvSpPr txBox="1"/>
-          <p:nvPr/>
-        </p:nvSpPr>
-        <p:spPr>
-          <a:xfrm>
-            <a:off x="7193918" y="1847453"/>
-            <a:ext cx="2064989" cy="246221"/>
-          </a:xfrm>
-          <a:prstGeom prst="rect">
-            <a:avLst/>
-          </a:prstGeom>
-          <a:noFill/>
-        </p:spPr>
-        <p:txBody>
-          <a:bodyPr wrap="none" rtlCol="0">
-            <a:spAutoFit/>
-          </a:bodyPr>
-          <a:lstStyle/>
-          <a:p>
-            <a:r>
-              <a:rPr lang="en-US" sz="1000" b="1" dirty="0">
-                <a:solidFill>
-                  <a:schemeClr val="accent2"/>
-                </a:solidFill>
-                <a:latin typeface="微软雅黑" panose="020B0503020204020204" pitchFamily="34" charset="-122"/>
-                <a:ea typeface="微软雅黑" panose="020B0503020204020204" pitchFamily="34" charset="-122"/>
-              </a:rPr>
-              <a:t>SkyWalking, PinPiont, ZipKin</a:t>
-            </a:r>
-          </a:p>
-        </p:txBody>
-      </p:sp>
-      <p:cxnSp>
-        <p:nvCxnSpPr>
-          <p:cNvPr id="133" name="肘形连接符 100"/>
-          <p:cNvCxnSpPr>
-            <a:cxnSpLocks/>
-            <a:stCxn id="81" idx="4"/>
-            <a:endCxn id="74" idx="1"/>
-          </p:cNvCxnSpPr>
-          <p:nvPr/>
-        </p:nvCxnSpPr>
-        <p:spPr>
-          <a:xfrm rot="16200000" flipH="1">
-            <a:off x="7881379" y="2382776"/>
-            <a:ext cx="353676" cy="553029"/>
-          </a:xfrm>
-          <a:prstGeom prst="bentConnector3">
-            <a:avLst>
-              <a:gd name="adj1" fmla="val 50000"/>
-            </a:avLst>
-          </a:prstGeom>
-          <a:ln>
-            <a:solidFill>
-              <a:schemeClr val="accent2"/>
-            </a:solidFill>
-            <a:prstDash val="dash"/>
-            <a:tailEnd type="arrow"/>
-          </a:ln>
-        </p:spPr>
-        <p:style>
-          <a:lnRef idx="1">
-            <a:schemeClr val="accent1"/>
-          </a:lnRef>
-          <a:fillRef idx="0">
-            <a:schemeClr val="accent1"/>
-          </a:fillRef>
-          <a:effectRef idx="0">
-            <a:schemeClr val="accent1"/>
-          </a:effectRef>
-          <a:fontRef idx="minor">
-            <a:schemeClr val="tx1"/>
-          </a:fontRef>
-        </p:style>
-      </p:cxnSp>
-      <p:cxnSp>
-        <p:nvCxnSpPr>
-          <p:cNvPr id="134" name="肘形连接符 100"/>
-          <p:cNvCxnSpPr>
-            <a:cxnSpLocks/>
-            <a:stCxn id="82" idx="4"/>
-            <a:endCxn id="74" idx="1"/>
-          </p:cNvCxnSpPr>
-          <p:nvPr/>
-        </p:nvCxnSpPr>
-        <p:spPr>
-          <a:xfrm rot="5400000">
-            <a:off x="8410401" y="2409166"/>
-            <a:ext cx="351295" cy="502631"/>
-          </a:xfrm>
-          <a:prstGeom prst="bentConnector3">
-            <a:avLst>
-              <a:gd name="adj1" fmla="val 50000"/>
-            </a:avLst>
-          </a:prstGeom>
-          <a:ln>
-            <a:solidFill>
-              <a:schemeClr val="accent2"/>
-            </a:solidFill>
-            <a:prstDash val="dash"/>
-            <a:tailEnd type="arrow"/>
-          </a:ln>
-        </p:spPr>
-        <p:style>
-          <a:lnRef idx="1">
-            <a:schemeClr val="accent1"/>
-          </a:lnRef>
-          <a:fillRef idx="0">
-            <a:schemeClr val="accent1"/>
-          </a:fillRef>
-          <a:effectRef idx="0">
-            <a:schemeClr val="accent1"/>
-          </a:effectRef>
-          <a:fontRef idx="minor">
-            <a:schemeClr val="tx1"/>
-          </a:fontRef>
-        </p:style>
-      </p:cxnSp>
-      <p:sp>
-        <p:nvSpPr>
-          <p:cNvPr id="48" name="Rectangle 47"/>
-          <p:cNvSpPr/>
-          <p:nvPr/>
-        </p:nvSpPr>
-        <p:spPr>
-          <a:xfrm>
-            <a:off x="8553897" y="2874789"/>
-            <a:ext cx="973343" cy="230832"/>
-          </a:xfrm>
-          <a:prstGeom prst="rect">
-            <a:avLst/>
-          </a:prstGeom>
-        </p:spPr>
-        <p:txBody>
-          <a:bodyPr wrap="none">
-            <a:spAutoFit/>
-          </a:bodyPr>
-          <a:lstStyle/>
-          <a:p>
-            <a:pPr algn="ctr"/>
-            <a:r>
-              <a:rPr lang="en-US" altLang="zh-CN" sz="900" dirty="0">
-                <a:solidFill>
-                  <a:schemeClr val="tx1">
-                    <a:lumMod val="65000"/>
-                    <a:lumOff val="35000"/>
-                  </a:schemeClr>
-                </a:solidFill>
-                <a:latin typeface="微软雅黑" panose="020B0503020204020204" pitchFamily="34" charset="-122"/>
-                <a:ea typeface="微软雅黑" panose="020B0503020204020204" pitchFamily="34" charset="-122"/>
-              </a:rPr>
-              <a:t>MySQL/HBase</a:t>
-            </a:r>
-            <a:endParaRPr lang="en-US" sz="900" dirty="0">
-              <a:solidFill>
-                <a:schemeClr val="tx1">
-                  <a:lumMod val="65000"/>
-                  <a:lumOff val="35000"/>
-                </a:schemeClr>
-              </a:solidFill>
-              <a:latin typeface="微软雅黑" panose="020B0503020204020204" pitchFamily="34" charset="-122"/>
-              <a:ea typeface="微软雅黑" panose="020B0503020204020204" pitchFamily="34" charset="-122"/>
-            </a:endParaRPr>
-          </a:p>
-        </p:txBody>
-      </p:sp>
-      <p:sp>
-        <p:nvSpPr>
-          <p:cNvPr id="135" name="Rectangle 134"/>
-          <p:cNvSpPr/>
-          <p:nvPr/>
-        </p:nvSpPr>
-        <p:spPr>
-          <a:xfrm>
-            <a:off x="5379039" y="1311128"/>
-            <a:ext cx="502062" cy="230832"/>
-          </a:xfrm>
-          <a:prstGeom prst="rect">
-            <a:avLst/>
-          </a:prstGeom>
-        </p:spPr>
-        <p:txBody>
-          <a:bodyPr wrap="none">
-            <a:spAutoFit/>
-          </a:bodyPr>
-          <a:lstStyle/>
-          <a:p>
-            <a:pPr algn="ctr"/>
-            <a:r>
-              <a:rPr lang="en-US" altLang="zh-CN" sz="900" dirty="0">
-                <a:solidFill>
-                  <a:schemeClr val="accent2"/>
-                </a:solidFill>
-                <a:latin typeface="微软雅黑" panose="020B0503020204020204" pitchFamily="34" charset="-122"/>
-                <a:ea typeface="微软雅黑" panose="020B0503020204020204" pitchFamily="34" charset="-122"/>
-              </a:rPr>
-              <a:t>agent</a:t>
-            </a:r>
-            <a:endParaRPr lang="en-US" sz="900" dirty="0">
-              <a:solidFill>
-                <a:schemeClr val="accent2"/>
-              </a:solidFill>
-              <a:latin typeface="微软雅黑" panose="020B0503020204020204" pitchFamily="34" charset="-122"/>
-              <a:ea typeface="微软雅黑" panose="020B0503020204020204" pitchFamily="34" charset="-122"/>
-            </a:endParaRPr>
-          </a:p>
-        </p:txBody>
-      </p:sp>
-      <p:sp>
-        <p:nvSpPr>
-          <p:cNvPr id="136" name="Rectangle 135"/>
-          <p:cNvSpPr/>
-          <p:nvPr/>
-        </p:nvSpPr>
-        <p:spPr>
-          <a:xfrm>
-            <a:off x="5997333" y="2083348"/>
-            <a:ext cx="502061" cy="230832"/>
-          </a:xfrm>
-          <a:prstGeom prst="rect">
-            <a:avLst/>
-          </a:prstGeom>
-        </p:spPr>
-        <p:txBody>
-          <a:bodyPr wrap="none">
-            <a:spAutoFit/>
-          </a:bodyPr>
-          <a:lstStyle/>
-          <a:p>
-            <a:pPr algn="ctr"/>
-            <a:r>
-              <a:rPr lang="en-US" altLang="zh-CN" sz="900" dirty="0">
-                <a:solidFill>
-                  <a:schemeClr val="accent2"/>
-                </a:solidFill>
-                <a:latin typeface="微软雅黑" panose="020B0503020204020204" pitchFamily="34" charset="-122"/>
-                <a:ea typeface="微软雅黑" panose="020B0503020204020204" pitchFamily="34" charset="-122"/>
-              </a:rPr>
-              <a:t>agent</a:t>
-            </a:r>
-            <a:endParaRPr lang="en-US" sz="900" dirty="0">
-              <a:solidFill>
-                <a:schemeClr val="accent2"/>
-              </a:solidFill>
-              <a:latin typeface="微软雅黑" panose="020B0503020204020204" pitchFamily="34" charset="-122"/>
-              <a:ea typeface="微软雅黑" panose="020B0503020204020204" pitchFamily="34" charset="-122"/>
-            </a:endParaRPr>
-          </a:p>
-        </p:txBody>
-      </p:sp>
-      <p:sp>
-        <p:nvSpPr>
-          <p:cNvPr id="137" name="Rectangle 136"/>
-          <p:cNvSpPr/>
-          <p:nvPr/>
-        </p:nvSpPr>
-        <p:spPr>
-          <a:xfrm>
-            <a:off x="6419436" y="2525587"/>
-            <a:ext cx="502061" cy="230832"/>
-          </a:xfrm>
-          <a:prstGeom prst="rect">
-            <a:avLst/>
-          </a:prstGeom>
-        </p:spPr>
-        <p:txBody>
-          <a:bodyPr wrap="none">
-            <a:spAutoFit/>
-          </a:bodyPr>
-          <a:lstStyle/>
-          <a:p>
-            <a:pPr algn="ctr"/>
-            <a:r>
-              <a:rPr lang="en-US" altLang="zh-CN" sz="900" dirty="0">
-                <a:solidFill>
-                  <a:schemeClr val="accent2"/>
-                </a:solidFill>
-                <a:latin typeface="微软雅黑" panose="020B0503020204020204" pitchFamily="34" charset="-122"/>
-                <a:ea typeface="微软雅黑" panose="020B0503020204020204" pitchFamily="34" charset="-122"/>
-              </a:rPr>
-              <a:t>agent</a:t>
-            </a:r>
-            <a:endParaRPr lang="en-US" sz="900" dirty="0">
-              <a:solidFill>
-                <a:schemeClr val="accent2"/>
-              </a:solidFill>
-              <a:latin typeface="微软雅黑" panose="020B0503020204020204" pitchFamily="34" charset="-122"/>
-              <a:ea typeface="微软雅黑" panose="020B0503020204020204" pitchFamily="34" charset="-122"/>
-            </a:endParaRPr>
-          </a:p>
-        </p:txBody>
-      </p:sp>
-      <p:sp>
-        <p:nvSpPr>
-          <p:cNvPr id="138" name="TextBox 137"/>
-          <p:cNvSpPr txBox="1"/>
-          <p:nvPr/>
-        </p:nvSpPr>
-        <p:spPr>
-          <a:xfrm>
-            <a:off x="7188401" y="1589839"/>
-            <a:ext cx="1726755" cy="246221"/>
-          </a:xfrm>
-          <a:prstGeom prst="rect">
-            <a:avLst/>
-          </a:prstGeom>
-          <a:noFill/>
-        </p:spPr>
-        <p:txBody>
-          <a:bodyPr wrap="none" rtlCol="0">
-            <a:spAutoFit/>
-          </a:bodyPr>
-          <a:lstStyle/>
-          <a:p>
-            <a:r>
-              <a:rPr lang="en-US" altLang="zh-CN" sz="1000" b="1" dirty="0">
-                <a:solidFill>
-                  <a:schemeClr val="accent2"/>
-                </a:solidFill>
-                <a:latin typeface="微软雅黑" panose="020B0503020204020204" pitchFamily="34" charset="-122"/>
-                <a:ea typeface="微软雅黑" panose="020B0503020204020204" pitchFamily="34" charset="-122"/>
-              </a:rPr>
-              <a:t>APM: </a:t>
-            </a:r>
-            <a:r>
-              <a:rPr lang="zh-CN" altLang="en-US" sz="1000" b="1" dirty="0">
-                <a:solidFill>
-                  <a:schemeClr val="accent2"/>
-                </a:solidFill>
-                <a:latin typeface="微软雅黑" panose="020B0503020204020204" pitchFamily="34" charset="-122"/>
-                <a:ea typeface="微软雅黑" panose="020B0503020204020204" pitchFamily="34" charset="-122"/>
-              </a:rPr>
-              <a:t>链路跟踪、性能监控</a:t>
-            </a:r>
-            <a:endParaRPr lang="en-US" sz="1000" b="1" dirty="0">
-              <a:solidFill>
-                <a:schemeClr val="accent2"/>
-              </a:solidFill>
-              <a:latin typeface="微软雅黑" panose="020B0503020204020204" pitchFamily="34" charset="-122"/>
-              <a:ea typeface="微软雅黑" panose="020B0503020204020204" pitchFamily="34" charset="-122"/>
-            </a:endParaRPr>
-          </a:p>
-        </p:txBody>
-      </p:sp>
-      <p:sp>
-        <p:nvSpPr>
-          <p:cNvPr id="139" name="TextBox 138"/>
-          <p:cNvSpPr txBox="1"/>
-          <p:nvPr/>
-        </p:nvSpPr>
-        <p:spPr>
-          <a:xfrm>
-            <a:off x="3024638" y="3380194"/>
-            <a:ext cx="1082348" cy="246221"/>
-          </a:xfrm>
-          <a:prstGeom prst="rect">
-            <a:avLst/>
-          </a:prstGeom>
-          <a:noFill/>
-        </p:spPr>
-        <p:txBody>
-          <a:bodyPr wrap="none" rtlCol="0">
-            <a:spAutoFit/>
-          </a:bodyPr>
-          <a:lstStyle/>
-          <a:p>
-            <a:r>
-              <a:rPr lang="zh-CN" altLang="en-US" sz="1000" b="1" dirty="0">
-                <a:solidFill>
-                  <a:schemeClr val="accent4"/>
-                </a:solidFill>
-                <a:latin typeface="微软雅黑" panose="020B0503020204020204" pitchFamily="34" charset="-122"/>
-                <a:ea typeface="微软雅黑" panose="020B0503020204020204" pitchFamily="34" charset="-122"/>
-              </a:rPr>
-              <a:t>数据库分库分表</a:t>
-            </a:r>
-            <a:endParaRPr lang="en-US" sz="1000" b="1" dirty="0">
-              <a:solidFill>
-                <a:schemeClr val="accent4"/>
-              </a:solidFill>
-              <a:latin typeface="微软雅黑" panose="020B0503020204020204" pitchFamily="34" charset="-122"/>
-              <a:ea typeface="微软雅黑" panose="020B0503020204020204" pitchFamily="34" charset="-122"/>
-            </a:endParaRPr>
-          </a:p>
-        </p:txBody>
-      </p:sp>
-      <p:sp>
-        <p:nvSpPr>
-          <p:cNvPr id="140" name="TextBox 139"/>
-          <p:cNvSpPr txBox="1"/>
-          <p:nvPr/>
-        </p:nvSpPr>
-        <p:spPr>
-          <a:xfrm>
-            <a:off x="3083184" y="1731332"/>
-            <a:ext cx="569387" cy="246221"/>
-          </a:xfrm>
-          <a:prstGeom prst="rect">
-            <a:avLst/>
-          </a:prstGeom>
-          <a:noFill/>
-        </p:spPr>
-        <p:txBody>
-          <a:bodyPr wrap="none" rtlCol="0">
-            <a:spAutoFit/>
-          </a:bodyPr>
-          <a:lstStyle/>
-          <a:p>
-            <a:r>
-              <a:rPr lang="zh-CN" altLang="en-US" sz="1000" b="1" dirty="0">
-                <a:solidFill>
-                  <a:schemeClr val="accent6"/>
-                </a:solidFill>
-                <a:latin typeface="微软雅黑" panose="020B0503020204020204" pitchFamily="34" charset="-122"/>
-                <a:ea typeface="微软雅黑" panose="020B0503020204020204" pitchFamily="34" charset="-122"/>
-              </a:rPr>
-              <a:t>微服务</a:t>
-            </a:r>
-            <a:endParaRPr lang="en-US" sz="1000" b="1" dirty="0">
-              <a:solidFill>
-                <a:schemeClr val="accent6"/>
-              </a:solidFill>
-              <a:latin typeface="微软雅黑" panose="020B0503020204020204" pitchFamily="34" charset="-122"/>
-              <a:ea typeface="微软雅黑" panose="020B0503020204020204" pitchFamily="34" charset="-122"/>
-            </a:endParaRPr>
-          </a:p>
-        </p:txBody>
-      </p:sp>
-      <p:sp>
-        <p:nvSpPr>
-          <p:cNvPr id="141" name="TextBox 140"/>
-          <p:cNvSpPr txBox="1"/>
-          <p:nvPr/>
-        </p:nvSpPr>
-        <p:spPr>
-          <a:xfrm>
-            <a:off x="4614285" y="1070558"/>
-            <a:ext cx="697627" cy="246221"/>
-          </a:xfrm>
-          <a:prstGeom prst="rect">
-            <a:avLst/>
-          </a:prstGeom>
-          <a:noFill/>
-        </p:spPr>
-        <p:txBody>
-          <a:bodyPr wrap="none" rtlCol="0">
-            <a:spAutoFit/>
-          </a:bodyPr>
-          <a:lstStyle/>
-          <a:p>
-            <a:r>
-              <a:rPr lang="zh-CN" altLang="en-US" sz="1000" b="1" dirty="0">
-                <a:solidFill>
-                  <a:schemeClr val="tx2"/>
-                </a:solidFill>
-                <a:latin typeface="微软雅黑" panose="020B0503020204020204" pitchFamily="34" charset="-122"/>
-                <a:ea typeface="微软雅黑" panose="020B0503020204020204" pitchFamily="34" charset="-122"/>
-              </a:rPr>
-              <a:t>前台应用</a:t>
-            </a:r>
-            <a:endParaRPr lang="en-US" sz="1000" b="1" dirty="0">
-              <a:solidFill>
-                <a:schemeClr val="tx2"/>
-              </a:solidFill>
-              <a:latin typeface="微软雅黑" panose="020B0503020204020204" pitchFamily="34" charset="-122"/>
-              <a:ea typeface="微软雅黑" panose="020B0503020204020204" pitchFamily="34" charset="-122"/>
-            </a:endParaRPr>
-          </a:p>
-        </p:txBody>
-      </p:sp>
-      <p:sp>
-        <p:nvSpPr>
-          <p:cNvPr id="9" name="Rectangle: Rounded Corners 8"/>
-          <p:cNvSpPr/>
-          <p:nvPr/>
-        </p:nvSpPr>
-        <p:spPr>
-          <a:xfrm>
-            <a:off x="1851272" y="2033595"/>
-            <a:ext cx="914400" cy="347065"/>
-          </a:xfrm>
-          <a:prstGeom prst="roundRect">
-            <a:avLst/>
-          </a:prstGeom>
-          <a:solidFill>
-            <a:srgbClr val="9933FF">
-              <a:alpha val="70000"/>
-            </a:srgbClr>
-          </a:solidFill>
-          <a:ln>
-            <a:noFill/>
-          </a:ln>
-        </p:spPr>
-        <p:style>
-          <a:lnRef idx="2">
-            <a:schemeClr val="accent1">
-              <a:shade val="50000"/>
-            </a:schemeClr>
-          </a:lnRef>
-          <a:fillRef idx="1">
-            <a:schemeClr val="accent1"/>
-          </a:fillRef>
-          <a:effectRef idx="0">
-            <a:schemeClr val="accent1"/>
-          </a:effectRef>
-          <a:fontRef idx="minor">
-            <a:schemeClr val="lt1"/>
-          </a:fontRef>
-        </p:style>
-        <p:txBody>
-          <a:bodyPr rtlCol="0" anchor="ctr"/>
-          <a:lstStyle/>
-          <a:p>
-            <a:pPr algn="ctr"/>
-            <a:r>
-              <a:rPr lang="en-US" sz="1000" b="1" dirty="0">
-                <a:solidFill>
-                  <a:schemeClr val="bg1"/>
-                </a:solidFill>
-                <a:latin typeface="微软雅黑" panose="020B0503020204020204" pitchFamily="34" charset="-122"/>
-                <a:ea typeface="微软雅黑" panose="020B0503020204020204" pitchFamily="34" charset="-122"/>
-              </a:rPr>
-              <a:t>Nacos</a:t>
-            </a:r>
-          </a:p>
-        </p:txBody>
-      </p:sp>
-      <p:sp>
-        <p:nvSpPr>
-          <p:cNvPr id="142" name="TextBox 141"/>
-          <p:cNvSpPr txBox="1"/>
-          <p:nvPr/>
-        </p:nvSpPr>
-        <p:spPr>
-          <a:xfrm>
-            <a:off x="1194761" y="2007072"/>
-            <a:ext cx="697627" cy="400110"/>
-          </a:xfrm>
-          <a:prstGeom prst="rect">
-            <a:avLst/>
-          </a:prstGeom>
-          <a:noFill/>
-        </p:spPr>
-        <p:txBody>
-          <a:bodyPr wrap="none" rtlCol="0">
-            <a:spAutoFit/>
-          </a:bodyPr>
-          <a:lstStyle/>
-          <a:p>
-            <a:pPr algn="r"/>
-            <a:r>
-              <a:rPr lang="zh-CN" altLang="en-US" sz="1000" b="1" dirty="0">
-                <a:solidFill>
-                  <a:srgbClr val="E05BFF"/>
-                </a:solidFill>
-                <a:latin typeface="微软雅黑" panose="020B0503020204020204" pitchFamily="34" charset="-122"/>
-                <a:ea typeface="微软雅黑" panose="020B0503020204020204" pitchFamily="34" charset="-122"/>
-              </a:rPr>
-              <a:t>注册中心</a:t>
-            </a:r>
-            <a:endParaRPr lang="en-US" altLang="zh-CN" sz="1000" b="1" dirty="0">
-              <a:solidFill>
-                <a:srgbClr val="E05BFF"/>
-              </a:solidFill>
-              <a:latin typeface="微软雅黑" panose="020B0503020204020204" pitchFamily="34" charset="-122"/>
-              <a:ea typeface="微软雅黑" panose="020B0503020204020204" pitchFamily="34" charset="-122"/>
-            </a:endParaRPr>
-          </a:p>
-          <a:p>
-            <a:pPr algn="r"/>
-            <a:r>
-              <a:rPr lang="zh-CN" altLang="en-US" sz="1000" b="1" dirty="0">
-                <a:solidFill>
-                  <a:srgbClr val="E05BFF"/>
-                </a:solidFill>
-                <a:latin typeface="微软雅黑" panose="020B0503020204020204" pitchFamily="34" charset="-122"/>
-                <a:ea typeface="微软雅黑" panose="020B0503020204020204" pitchFamily="34" charset="-122"/>
-              </a:rPr>
-              <a:t>配置中心</a:t>
-            </a:r>
-            <a:endParaRPr lang="en-US" sz="1000" b="1" dirty="0">
-              <a:solidFill>
-                <a:srgbClr val="E05BFF"/>
-              </a:solidFill>
-              <a:latin typeface="微软雅黑" panose="020B0503020204020204" pitchFamily="34" charset="-122"/>
-              <a:ea typeface="微软雅黑" panose="020B0503020204020204" pitchFamily="34" charset="-122"/>
-            </a:endParaRPr>
-          </a:p>
-        </p:txBody>
-      </p:sp>
-      <p:sp>
-        <p:nvSpPr>
-          <p:cNvPr id="143" name="Rectangle: Rounded Corners 142"/>
-          <p:cNvSpPr/>
-          <p:nvPr/>
-        </p:nvSpPr>
-        <p:spPr>
-          <a:xfrm>
-            <a:off x="1851272" y="2682290"/>
-            <a:ext cx="914400" cy="347065"/>
-          </a:xfrm>
-          <a:prstGeom prst="roundRect">
-            <a:avLst/>
-          </a:prstGeom>
-          <a:solidFill>
-            <a:srgbClr val="9933FF">
-              <a:alpha val="70000"/>
-            </a:srgbClr>
-          </a:solidFill>
-          <a:ln>
-            <a:noFill/>
-          </a:ln>
-        </p:spPr>
-        <p:style>
-          <a:lnRef idx="2">
-            <a:schemeClr val="accent1">
-              <a:shade val="50000"/>
-            </a:schemeClr>
-          </a:lnRef>
-          <a:fillRef idx="1">
-            <a:schemeClr val="accent1"/>
-          </a:fillRef>
-          <a:effectRef idx="0">
-            <a:schemeClr val="accent1"/>
-          </a:effectRef>
-          <a:fontRef idx="minor">
-            <a:schemeClr val="lt1"/>
-          </a:fontRef>
-        </p:style>
-        <p:txBody>
-          <a:bodyPr rot="0" spcFirstLastPara="0" vertOverflow="overflow" horzOverflow="overflow" vert="horz" wrap="square" lIns="91440" tIns="45720" rIns="91440" bIns="45720" numCol="1" spcCol="0" rtlCol="0" fromWordArt="0" anchor="ctr" anchorCtr="0" forceAA="0" compatLnSpc="1">
-            <a:prstTxWarp prst="textNoShape">
-              <a:avLst/>
-            </a:prstTxWarp>
-            <a:noAutofit/>
-          </a:bodyPr>
-          <a:lstStyle/>
-          <a:p>
-            <a:pPr algn="ctr"/>
-            <a:r>
-              <a:rPr lang="en-US" sz="1000" b="1" dirty="0">
-                <a:solidFill>
-                  <a:schemeClr val="bg1"/>
-                </a:solidFill>
-                <a:latin typeface="微软雅黑" panose="020B0503020204020204" pitchFamily="34" charset="-122"/>
-                <a:ea typeface="微软雅黑" panose="020B0503020204020204" pitchFamily="34" charset="-122"/>
-              </a:rPr>
-              <a:t>Seata</a:t>
-            </a:r>
-          </a:p>
-        </p:txBody>
-      </p:sp>
-      <p:sp>
-        <p:nvSpPr>
-          <p:cNvPr id="144" name="TextBox 143"/>
-          <p:cNvSpPr txBox="1"/>
-          <p:nvPr/>
-        </p:nvSpPr>
-        <p:spPr>
-          <a:xfrm>
-            <a:off x="1175475" y="2654019"/>
-            <a:ext cx="697627" cy="400110"/>
-          </a:xfrm>
-          <a:prstGeom prst="rect">
-            <a:avLst/>
-          </a:prstGeom>
-          <a:noFill/>
-        </p:spPr>
-        <p:txBody>
-          <a:bodyPr wrap="none" rtlCol="0">
-            <a:spAutoFit/>
-          </a:bodyPr>
-          <a:lstStyle>
-            <a:defPPr>
-              <a:defRPr lang="zh-CN"/>
-            </a:defPPr>
-            <a:lvl1pPr algn="just">
-              <a:defRPr sz="1000" b="1">
-                <a:solidFill>
-                  <a:srgbClr val="E05BFF"/>
-                </a:solidFill>
-                <a:latin typeface="微软雅黑" panose="020B0503020204020204" pitchFamily="34" charset="-122"/>
-                <a:ea typeface="微软雅黑" panose="020B0503020204020204" pitchFamily="34" charset="-122"/>
-              </a:defRPr>
-            </a:lvl1pPr>
-          </a:lstStyle>
-          <a:p>
-            <a:pPr algn="r"/>
-            <a:r>
-              <a:rPr lang="zh-CN" altLang="en-US" dirty="0"/>
-              <a:t>分布式</a:t>
-            </a:r>
-            <a:endParaRPr lang="en-US" altLang="zh-CN" dirty="0"/>
-          </a:p>
-          <a:p>
-            <a:pPr algn="r"/>
-            <a:r>
-              <a:rPr lang="zh-CN" altLang="en-US" dirty="0"/>
-              <a:t>事务管理</a:t>
-            </a:r>
-            <a:endParaRPr lang="en-US" altLang="zh-CN" dirty="0"/>
-          </a:p>
-        </p:txBody>
-      </p:sp>
-      <p:cxnSp>
-        <p:nvCxnSpPr>
-          <p:cNvPr id="145" name="Connector: Elbow 144"/>
-          <p:cNvCxnSpPr>
-            <a:cxnSpLocks/>
-          </p:cNvCxnSpPr>
-          <p:nvPr/>
-        </p:nvCxnSpPr>
-        <p:spPr>
-          <a:xfrm rot="10800000" flipV="1">
-            <a:off x="2802313" y="2222870"/>
-            <a:ext cx="255870" cy="628"/>
-          </a:xfrm>
-          <a:prstGeom prst="bentConnector3">
-            <a:avLst>
-              <a:gd name="adj1" fmla="val 50000"/>
-            </a:avLst>
-          </a:prstGeom>
-          <a:ln w="12700">
-            <a:solidFill>
-              <a:schemeClr val="tx1">
-                <a:alpha val="70000"/>
-              </a:schemeClr>
-            </a:solidFill>
-            <a:headEnd type="stealth"/>
-            <a:tailEnd type="stealth"/>
-          </a:ln>
-          <a:scene3d>
-            <a:camera prst="orthographicFront">
-              <a:rot lat="0" lon="0" rev="10799999"/>
-            </a:camera>
-            <a:lightRig rig="threePt" dir="t"/>
-          </a:scene3d>
-        </p:spPr>
-        <p:style>
-          <a:lnRef idx="1">
-            <a:schemeClr val="accent1"/>
-          </a:lnRef>
-          <a:fillRef idx="0">
-            <a:schemeClr val="accent1"/>
-          </a:fillRef>
-          <a:effectRef idx="0">
-            <a:schemeClr val="accent1"/>
-          </a:effectRef>
-          <a:fontRef idx="minor">
-            <a:schemeClr val="tx1"/>
-          </a:fontRef>
-        </p:style>
-      </p:cxnSp>
-      <p:cxnSp>
-        <p:nvCxnSpPr>
-          <p:cNvPr id="146" name="Connector: Elbow 145"/>
-          <p:cNvCxnSpPr>
-            <a:cxnSpLocks/>
-          </p:cNvCxnSpPr>
-          <p:nvPr/>
-        </p:nvCxnSpPr>
-        <p:spPr>
-          <a:xfrm rot="10800000" flipV="1">
-            <a:off x="2798834" y="2863599"/>
-            <a:ext cx="255870" cy="628"/>
-          </a:xfrm>
-          <a:prstGeom prst="bentConnector3">
-            <a:avLst>
-              <a:gd name="adj1" fmla="val 50000"/>
-            </a:avLst>
-          </a:prstGeom>
-          <a:ln w="12700">
-            <a:solidFill>
-              <a:schemeClr val="tx1">
-                <a:alpha val="70000"/>
-              </a:schemeClr>
-            </a:solidFill>
-            <a:headEnd type="stealth"/>
-            <a:tailEnd type="stealth"/>
-          </a:ln>
-          <a:scene3d>
-            <a:camera prst="orthographicFront">
-              <a:rot lat="0" lon="0" rev="10799999"/>
-            </a:camera>
-            <a:lightRig rig="threePt" dir="t"/>
-          </a:scene3d>
-        </p:spPr>
-        <p:style>
-          <a:lnRef idx="1">
-            <a:schemeClr val="accent1"/>
-          </a:lnRef>
-          <a:fillRef idx="0">
-            <a:schemeClr val="accent1"/>
-          </a:fillRef>
-          <a:effectRef idx="0">
-            <a:schemeClr val="accent1"/>
-          </a:effectRef>
-          <a:fontRef idx="minor">
-            <a:schemeClr val="tx1"/>
-          </a:fontRef>
-        </p:style>
-      </p:cxnSp>
-      <p:cxnSp>
-        <p:nvCxnSpPr>
-          <p:cNvPr id="147" name="Connector: Elbow 146"/>
-          <p:cNvCxnSpPr/>
-          <p:nvPr/>
-        </p:nvCxnSpPr>
-        <p:spPr>
-          <a:xfrm rot="5400000">
-            <a:off x="2179013" y="2525363"/>
-            <a:ext cx="240267" cy="387"/>
-          </a:xfrm>
-          <a:prstGeom prst="bentConnector3">
-            <a:avLst/>
-          </a:prstGeom>
-          <a:ln w="12700">
-            <a:solidFill>
-              <a:schemeClr val="tx1">
-                <a:alpha val="70000"/>
-              </a:schemeClr>
-            </a:solidFill>
-            <a:headEnd type="stealth"/>
-            <a:tailEnd type="stealth"/>
-          </a:ln>
-        </p:spPr>
-        <p:style>
-          <a:lnRef idx="1">
-            <a:schemeClr val="accent1"/>
-          </a:lnRef>
-          <a:fillRef idx="0">
-            <a:schemeClr val="accent1"/>
-          </a:fillRef>
-          <a:effectRef idx="0">
-            <a:schemeClr val="accent1"/>
-          </a:effectRef>
-          <a:fontRef idx="minor">
-            <a:schemeClr val="tx1"/>
-          </a:fontRef>
-        </p:style>
-      </p:cxnSp>
+            <a:pPr algn="l"/>
+            <a:r>
+              <a:rPr lang="en-US" sz="900" dirty="0"/>
+              <a:t>4 shards</a:t>
+            </a:r>
+          </a:p>
+        </p:txBody>
+      </p:sp>
     </p:spTree>
     <p:extLst>
       <p:ext uri="{BB962C8B-B14F-4D97-AF65-F5344CB8AC3E}">
-        <p14:creationId xmlns:p14="http://schemas.microsoft.com/office/powerpoint/2010/main" val="234975821"/>
+        <p14:creationId xmlns:p14="http://schemas.microsoft.com/office/powerpoint/2010/main" val="536846504"/>
       </p:ext>
     </p:extLst>
   </p:cSld>

--- a/docs/source.pptx
+++ b/docs/source.pptx
@@ -202,7 +202,7 @@
           <a:p>
             <a:fld id="{F2AFE6A1-2F39-4B01-97AE-169630C5A3E5}" type="datetimeFigureOut">
               <a:rPr lang="zh-CN" altLang="en-US" smtClean="0"/>
-              <a:t>2020-3-4</a:t>
+              <a:t>2020-3-11</a:t>
             </a:fld>
             <a:endParaRPr lang="zh-CN" altLang="en-US"/>
           </a:p>
@@ -766,7 +766,7 @@
           <a:p>
             <a:fld id="{1371499B-6999-409F-9FD6-0E57C3931DBB}" type="datetimeFigureOut">
               <a:rPr lang="zh-CN" altLang="en-US" smtClean="0"/>
-              <a:t>2020-3-4</a:t>
+              <a:t>2020-3-11</a:t>
             </a:fld>
             <a:endParaRPr lang="zh-CN" altLang="en-US"/>
           </a:p>
@@ -934,7 +934,7 @@
           <a:p>
             <a:fld id="{1371499B-6999-409F-9FD6-0E57C3931DBB}" type="datetimeFigureOut">
               <a:rPr lang="zh-CN" altLang="en-US" smtClean="0"/>
-              <a:t>2020-3-4</a:t>
+              <a:t>2020-3-11</a:t>
             </a:fld>
             <a:endParaRPr lang="zh-CN" altLang="en-US"/>
           </a:p>
@@ -1112,7 +1112,7 @@
           <a:p>
             <a:fld id="{1371499B-6999-409F-9FD6-0E57C3931DBB}" type="datetimeFigureOut">
               <a:rPr lang="zh-CN" altLang="en-US" smtClean="0"/>
-              <a:t>2020-3-4</a:t>
+              <a:t>2020-3-11</a:t>
             </a:fld>
             <a:endParaRPr lang="zh-CN" altLang="en-US"/>
           </a:p>
@@ -1280,7 +1280,7 @@
           <a:p>
             <a:fld id="{1371499B-6999-409F-9FD6-0E57C3931DBB}" type="datetimeFigureOut">
               <a:rPr lang="zh-CN" altLang="en-US" smtClean="0"/>
-              <a:t>2020-3-4</a:t>
+              <a:t>2020-3-11</a:t>
             </a:fld>
             <a:endParaRPr lang="zh-CN" altLang="en-US"/>
           </a:p>
@@ -1525,7 +1525,7 @@
           <a:p>
             <a:fld id="{1371499B-6999-409F-9FD6-0E57C3931DBB}" type="datetimeFigureOut">
               <a:rPr lang="zh-CN" altLang="en-US" smtClean="0"/>
-              <a:t>2020-3-4</a:t>
+              <a:t>2020-3-11</a:t>
             </a:fld>
             <a:endParaRPr lang="zh-CN" altLang="en-US"/>
           </a:p>
@@ -1754,7 +1754,7 @@
           <a:p>
             <a:fld id="{1371499B-6999-409F-9FD6-0E57C3931DBB}" type="datetimeFigureOut">
               <a:rPr lang="zh-CN" altLang="en-US" smtClean="0"/>
-              <a:t>2020-3-4</a:t>
+              <a:t>2020-3-11</a:t>
             </a:fld>
             <a:endParaRPr lang="zh-CN" altLang="en-US"/>
           </a:p>
@@ -2118,7 +2118,7 @@
           <a:p>
             <a:fld id="{1371499B-6999-409F-9FD6-0E57C3931DBB}" type="datetimeFigureOut">
               <a:rPr lang="zh-CN" altLang="en-US" smtClean="0"/>
-              <a:t>2020-3-4</a:t>
+              <a:t>2020-3-11</a:t>
             </a:fld>
             <a:endParaRPr lang="zh-CN" altLang="en-US"/>
           </a:p>
@@ -2235,7 +2235,7 @@
           <a:p>
             <a:fld id="{1371499B-6999-409F-9FD6-0E57C3931DBB}" type="datetimeFigureOut">
               <a:rPr lang="zh-CN" altLang="en-US" smtClean="0"/>
-              <a:t>2020-3-4</a:t>
+              <a:t>2020-3-11</a:t>
             </a:fld>
             <a:endParaRPr lang="zh-CN" altLang="en-US"/>
           </a:p>
@@ -2330,7 +2330,7 @@
           <a:p>
             <a:fld id="{1371499B-6999-409F-9FD6-0E57C3931DBB}" type="datetimeFigureOut">
               <a:rPr lang="zh-CN" altLang="en-US" smtClean="0"/>
-              <a:t>2020-3-4</a:t>
+              <a:t>2020-3-11</a:t>
             </a:fld>
             <a:endParaRPr lang="zh-CN" altLang="en-US"/>
           </a:p>
@@ -2605,7 +2605,7 @@
           <a:p>
             <a:fld id="{1371499B-6999-409F-9FD6-0E57C3931DBB}" type="datetimeFigureOut">
               <a:rPr lang="zh-CN" altLang="en-US" smtClean="0"/>
-              <a:t>2020-3-4</a:t>
+              <a:t>2020-3-11</a:t>
             </a:fld>
             <a:endParaRPr lang="zh-CN" altLang="en-US"/>
           </a:p>
@@ -2857,7 +2857,7 @@
           <a:p>
             <a:fld id="{1371499B-6999-409F-9FD6-0E57C3931DBB}" type="datetimeFigureOut">
               <a:rPr lang="zh-CN" altLang="en-US" smtClean="0"/>
-              <a:t>2020-3-4</a:t>
+              <a:t>2020-3-11</a:t>
             </a:fld>
             <a:endParaRPr lang="zh-CN" altLang="en-US"/>
           </a:p>
@@ -3068,7 +3068,7 @@
           <a:p>
             <a:fld id="{1371499B-6999-409F-9FD6-0E57C3931DBB}" type="datetimeFigureOut">
               <a:rPr lang="zh-CN" altLang="en-US" smtClean="0"/>
-              <a:t>2020-3-4</a:t>
+              <a:t>2020-3-11</a:t>
             </a:fld>
             <a:endParaRPr lang="zh-CN" altLang="en-US"/>
           </a:p>
@@ -5138,56 +5138,30 @@
           </a:fontRef>
         </p:style>
       </p:cxnSp>
-      <p:grpSp>
-        <p:nvGrpSpPr>
-          <p:cNvPr id="29" name="Group 28"/>
-          <p:cNvGrpSpPr/>
-          <p:nvPr/>
-        </p:nvGrpSpPr>
-        <p:grpSpPr>
-          <a:xfrm>
-            <a:off x="3558005" y="4234898"/>
-            <a:ext cx="1515011" cy="541537"/>
-            <a:chOff x="4369044" y="5377654"/>
-            <a:chExt cx="1515011" cy="541537"/>
-          </a:xfrm>
-        </p:grpSpPr>
-        <p:sp>
-          <p:nvSpPr>
-            <p:cNvPr id="33" name="矩形 32"/>
-            <p:cNvSpPr/>
-            <p:nvPr/>
-          </p:nvSpPr>
-          <p:spPr>
-            <a:xfrm>
-              <a:off x="4405722" y="5698062"/>
-              <a:ext cx="587020" cy="215444"/>
-            </a:xfrm>
-            <a:prstGeom prst="rect">
-              <a:avLst/>
-            </a:prstGeom>
-          </p:spPr>
-          <p:txBody>
-            <a:bodyPr wrap="none">
-              <a:spAutoFit/>
-            </a:bodyPr>
-            <a:lstStyle/>
-            <a:p>
-              <a:pPr algn="ctr"/>
-              <a:r>
-                <a:rPr lang="en-US" altLang="zh-CN" sz="800" dirty="0">
-                  <a:solidFill>
-                    <a:schemeClr val="tx1">
-                      <a:lumMod val="65000"/>
-                      <a:lumOff val="35000"/>
-                    </a:schemeClr>
-                  </a:solidFill>
-                  <a:latin typeface="微软雅黑" panose="020B0503020204020204" pitchFamily="34" charset="-122"/>
-                  <a:ea typeface="微软雅黑" panose="020B0503020204020204" pitchFamily="34" charset="-122"/>
-                </a:rPr>
-                <a:t>usr_user</a:t>
-              </a:r>
-              <a:endParaRPr lang="zh-CN" altLang="en-US" sz="800" dirty="0">
+      <p:sp>
+        <p:nvSpPr>
+          <p:cNvPr id="33" name="矩形 32"/>
+          <p:cNvSpPr/>
+          <p:nvPr/>
+        </p:nvSpPr>
+        <p:spPr>
+          <a:xfrm>
+            <a:off x="3588821" y="4227058"/>
+            <a:ext cx="587020" cy="215444"/>
+          </a:xfrm>
+          <a:prstGeom prst="rect">
+            <a:avLst/>
+          </a:prstGeom>
+        </p:spPr>
+        <p:txBody>
+          <a:bodyPr wrap="none">
+            <a:spAutoFit/>
+          </a:bodyPr>
+          <a:lstStyle/>
+          <a:p>
+            <a:pPr algn="ctr"/>
+            <a:r>
+              <a:rPr lang="en-US" altLang="zh-CN" sz="800" dirty="0">
                 <a:solidFill>
                   <a:schemeClr val="tx1">
                     <a:lumMod val="65000"/>
@@ -5196,322 +5170,82 @@
                 </a:solidFill>
                 <a:latin typeface="微软雅黑" panose="020B0503020204020204" pitchFamily="34" charset="-122"/>
                 <a:ea typeface="微软雅黑" panose="020B0503020204020204" pitchFamily="34" charset="-122"/>
-              </a:endParaRPr>
-            </a:p>
-          </p:txBody>
-        </p:sp>
-        <p:grpSp>
-          <p:nvGrpSpPr>
-            <p:cNvPr id="34" name="组合 33"/>
-            <p:cNvGrpSpPr/>
-            <p:nvPr/>
-          </p:nvGrpSpPr>
-          <p:grpSpPr>
-            <a:xfrm>
-              <a:off x="4489406" y="5465574"/>
-              <a:ext cx="406569" cy="242211"/>
-              <a:chOff x="2857287" y="3434440"/>
-              <a:chExt cx="492645" cy="370115"/>
-            </a:xfrm>
-          </p:grpSpPr>
-          <p:sp>
-            <p:nvSpPr>
-              <p:cNvPr id="35" name="矩形 34"/>
-              <p:cNvSpPr/>
-              <p:nvPr/>
-            </p:nvSpPr>
-            <p:spPr>
-              <a:xfrm>
-                <a:off x="2857594" y="3434442"/>
-                <a:ext cx="246169" cy="185057"/>
-              </a:xfrm>
-              <a:prstGeom prst="rect">
-                <a:avLst/>
-              </a:prstGeom>
+              </a:rPr>
+              <a:t>usr_user</a:t>
+            </a:r>
+            <a:endParaRPr lang="zh-CN" altLang="en-US" sz="800" dirty="0">
               <a:solidFill>
-                <a:schemeClr val="tx2"/>
+                <a:schemeClr val="tx1">
+                  <a:lumMod val="65000"/>
+                  <a:lumOff val="35000"/>
+                </a:schemeClr>
               </a:solidFill>
-              <a:ln w="6350">
-                <a:solidFill>
-                  <a:schemeClr val="bg1"/>
-                </a:solidFill>
-                <a:prstDash val="solid"/>
-              </a:ln>
-            </p:spPr>
-            <p:style>
-              <a:lnRef idx="2">
-                <a:schemeClr val="accent1">
-                  <a:shade val="50000"/>
-                </a:schemeClr>
-              </a:lnRef>
-              <a:fillRef idx="1">
-                <a:schemeClr val="accent1"/>
-              </a:fillRef>
-              <a:effectRef idx="0">
-                <a:schemeClr val="accent1"/>
-              </a:effectRef>
-              <a:fontRef idx="minor">
-                <a:schemeClr val="lt1"/>
-              </a:fontRef>
-            </p:style>
-            <p:txBody>
-              <a:bodyPr rtlCol="0" anchor="ctr"/>
-              <a:lstStyle/>
-              <a:p>
-                <a:pPr algn="ctr"/>
-                <a:endParaRPr lang="zh-CN" altLang="en-US" sz="900" dirty="0">
-                  <a:latin typeface="微软雅黑" panose="020B0503020204020204" pitchFamily="34" charset="-122"/>
-                  <a:ea typeface="微软雅黑" panose="020B0503020204020204" pitchFamily="34" charset="-122"/>
-                </a:endParaRPr>
-              </a:p>
-            </p:txBody>
-          </p:sp>
-          <p:sp>
-            <p:nvSpPr>
-              <p:cNvPr id="36" name="矩形 35"/>
-              <p:cNvSpPr/>
-              <p:nvPr/>
-            </p:nvSpPr>
-            <p:spPr>
-              <a:xfrm>
-                <a:off x="3103761" y="3434442"/>
-                <a:ext cx="246169" cy="185057"/>
-              </a:xfrm>
-              <a:prstGeom prst="rect">
-                <a:avLst/>
-              </a:prstGeom>
-              <a:solidFill>
-                <a:schemeClr val="tx2"/>
-              </a:solidFill>
-              <a:ln w="6350">
-                <a:solidFill>
-                  <a:schemeClr val="bg1"/>
-                </a:solidFill>
-                <a:prstDash val="solid"/>
-              </a:ln>
-            </p:spPr>
-            <p:style>
-              <a:lnRef idx="2">
-                <a:schemeClr val="accent1">
-                  <a:shade val="50000"/>
-                </a:schemeClr>
-              </a:lnRef>
-              <a:fillRef idx="1">
-                <a:schemeClr val="accent1"/>
-              </a:fillRef>
-              <a:effectRef idx="0">
-                <a:schemeClr val="accent1"/>
-              </a:effectRef>
-              <a:fontRef idx="minor">
-                <a:schemeClr val="lt1"/>
-              </a:fontRef>
-            </p:style>
-            <p:txBody>
-              <a:bodyPr rtlCol="0" anchor="ctr"/>
-              <a:lstStyle/>
-              <a:p>
-                <a:pPr algn="ctr"/>
-                <a:endParaRPr lang="zh-CN" altLang="en-US" sz="900" dirty="0">
-                  <a:latin typeface="微软雅黑" panose="020B0503020204020204" pitchFamily="34" charset="-122"/>
-                  <a:ea typeface="微软雅黑" panose="020B0503020204020204" pitchFamily="34" charset="-122"/>
-                </a:endParaRPr>
-              </a:p>
-            </p:txBody>
-          </p:sp>
-          <p:sp>
-            <p:nvSpPr>
-              <p:cNvPr id="37" name="矩形 36"/>
-              <p:cNvSpPr/>
-              <p:nvPr/>
-            </p:nvSpPr>
-            <p:spPr>
-              <a:xfrm>
-                <a:off x="2857594" y="3619498"/>
-                <a:ext cx="246169" cy="185057"/>
-              </a:xfrm>
-              <a:prstGeom prst="rect">
-                <a:avLst/>
-              </a:prstGeom>
-              <a:solidFill>
-                <a:schemeClr val="tx2"/>
-              </a:solidFill>
-              <a:ln w="6350">
-                <a:solidFill>
-                  <a:schemeClr val="bg1"/>
-                </a:solidFill>
-                <a:prstDash val="solid"/>
-              </a:ln>
-            </p:spPr>
-            <p:style>
-              <a:lnRef idx="2">
-                <a:schemeClr val="accent1">
-                  <a:shade val="50000"/>
-                </a:schemeClr>
-              </a:lnRef>
-              <a:fillRef idx="1">
-                <a:schemeClr val="accent1"/>
-              </a:fillRef>
-              <a:effectRef idx="0">
-                <a:schemeClr val="accent1"/>
-              </a:effectRef>
-              <a:fontRef idx="minor">
-                <a:schemeClr val="lt1"/>
-              </a:fontRef>
-            </p:style>
-            <p:txBody>
-              <a:bodyPr rtlCol="0" anchor="ctr"/>
-              <a:lstStyle/>
-              <a:p>
-                <a:pPr algn="ctr"/>
-                <a:endParaRPr lang="zh-CN" altLang="en-US" sz="900">
-                  <a:latin typeface="微软雅黑" panose="020B0503020204020204" pitchFamily="34" charset="-122"/>
-                  <a:ea typeface="微软雅黑" panose="020B0503020204020204" pitchFamily="34" charset="-122"/>
-                </a:endParaRPr>
-              </a:p>
-            </p:txBody>
-          </p:sp>
-          <p:sp>
-            <p:nvSpPr>
-              <p:cNvPr id="38" name="矩形 37"/>
-              <p:cNvSpPr/>
-              <p:nvPr/>
-            </p:nvSpPr>
-            <p:spPr>
-              <a:xfrm>
-                <a:off x="3103763" y="3619498"/>
-                <a:ext cx="246169" cy="185057"/>
-              </a:xfrm>
-              <a:prstGeom prst="rect">
-                <a:avLst/>
-              </a:prstGeom>
-              <a:solidFill>
-                <a:schemeClr val="tx2"/>
-              </a:solidFill>
-              <a:ln w="6350">
-                <a:solidFill>
-                  <a:schemeClr val="bg1"/>
-                </a:solidFill>
-                <a:prstDash val="solid"/>
-              </a:ln>
-            </p:spPr>
-            <p:style>
-              <a:lnRef idx="2">
-                <a:schemeClr val="accent1">
-                  <a:shade val="50000"/>
-                </a:schemeClr>
-              </a:lnRef>
-              <a:fillRef idx="1">
-                <a:schemeClr val="accent1"/>
-              </a:fillRef>
-              <a:effectRef idx="0">
-                <a:schemeClr val="accent1"/>
-              </a:effectRef>
-              <a:fontRef idx="minor">
-                <a:schemeClr val="lt1"/>
-              </a:fontRef>
-            </p:style>
-            <p:txBody>
-              <a:bodyPr rtlCol="0" anchor="ctr"/>
-              <a:lstStyle/>
-              <a:p>
-                <a:pPr algn="ctr"/>
-                <a:endParaRPr lang="zh-CN" altLang="en-US" sz="900">
-                  <a:latin typeface="微软雅黑" panose="020B0503020204020204" pitchFamily="34" charset="-122"/>
-                  <a:ea typeface="微软雅黑" panose="020B0503020204020204" pitchFamily="34" charset="-122"/>
-                </a:endParaRPr>
-              </a:p>
-            </p:txBody>
-          </p:sp>
-          <p:sp>
-            <p:nvSpPr>
-              <p:cNvPr id="39" name="矩形 38"/>
-              <p:cNvSpPr/>
-              <p:nvPr/>
-            </p:nvSpPr>
-            <p:spPr>
-              <a:xfrm>
-                <a:off x="2857287" y="3434440"/>
-                <a:ext cx="492338" cy="370115"/>
-              </a:xfrm>
-              <a:prstGeom prst="rect">
-                <a:avLst/>
-              </a:prstGeom>
-              <a:noFill/>
-              <a:ln>
-                <a:noFill/>
-              </a:ln>
-            </p:spPr>
-            <p:style>
-              <a:lnRef idx="2">
-                <a:schemeClr val="accent1">
-                  <a:shade val="50000"/>
-                </a:schemeClr>
-              </a:lnRef>
-              <a:fillRef idx="1">
-                <a:schemeClr val="accent1"/>
-              </a:fillRef>
-              <a:effectRef idx="0">
-                <a:schemeClr val="accent1"/>
-              </a:effectRef>
-              <a:fontRef idx="minor">
-                <a:schemeClr val="lt1"/>
-              </a:fontRef>
-            </p:style>
-            <p:txBody>
-              <a:bodyPr rtlCol="0" anchor="ctr"/>
-              <a:lstStyle/>
-              <a:p>
-                <a:pPr algn="ctr"/>
-                <a:endParaRPr lang="zh-CN" altLang="en-US" sz="900">
-                  <a:latin typeface="微软雅黑" panose="020B0503020204020204" pitchFamily="34" charset="-122"/>
-                  <a:ea typeface="微软雅黑" panose="020B0503020204020204" pitchFamily="34" charset="-122"/>
-                </a:endParaRPr>
-              </a:p>
-            </p:txBody>
-          </p:sp>
-        </p:grpSp>
+              <a:latin typeface="微软雅黑" panose="020B0503020204020204" pitchFamily="34" charset="-122"/>
+              <a:ea typeface="微软雅黑" panose="020B0503020204020204" pitchFamily="34" charset="-122"/>
+            </a:endParaRPr>
+          </a:p>
+        </p:txBody>
+      </p:sp>
+      <p:grpSp>
+        <p:nvGrpSpPr>
+          <p:cNvPr id="34" name="组合 33"/>
+          <p:cNvGrpSpPr/>
+          <p:nvPr/>
+        </p:nvGrpSpPr>
+        <p:grpSpPr>
+          <a:xfrm>
+            <a:off x="3678367" y="4445917"/>
+            <a:ext cx="406569" cy="242211"/>
+            <a:chOff x="2857287" y="3434440"/>
+            <a:chExt cx="492645" cy="370115"/>
+          </a:xfrm>
+        </p:grpSpPr>
         <p:sp>
           <p:nvSpPr>
-            <p:cNvPr id="40" name="矩形 39"/>
+            <p:cNvPr id="35" name="矩形 34"/>
             <p:cNvSpPr/>
             <p:nvPr/>
           </p:nvSpPr>
           <p:spPr>
             <a:xfrm>
-              <a:off x="4862621" y="5698062"/>
-              <a:ext cx="1021434" cy="215444"/>
+              <a:off x="2857594" y="3434442"/>
+              <a:ext cx="246169" cy="185057"/>
             </a:xfrm>
             <a:prstGeom prst="rect">
               <a:avLst/>
             </a:prstGeom>
+            <a:solidFill>
+              <a:schemeClr val="tx2"/>
+            </a:solidFill>
+            <a:ln w="6350">
+              <a:solidFill>
+                <a:schemeClr val="bg1"/>
+              </a:solidFill>
+              <a:prstDash val="solid"/>
+            </a:ln>
           </p:spPr>
+          <p:style>
+            <a:lnRef idx="2">
+              <a:schemeClr val="accent1">
+                <a:shade val="50000"/>
+              </a:schemeClr>
+            </a:lnRef>
+            <a:fillRef idx="1">
+              <a:schemeClr val="accent1"/>
+            </a:fillRef>
+            <a:effectRef idx="0">
+              <a:schemeClr val="accent1"/>
+            </a:effectRef>
+            <a:fontRef idx="minor">
+              <a:schemeClr val="lt1"/>
+            </a:fontRef>
+          </p:style>
           <p:txBody>
-            <a:bodyPr wrap="none">
-              <a:spAutoFit/>
-            </a:bodyPr>
+            <a:bodyPr rtlCol="0" anchor="ctr"/>
             <a:lstStyle/>
             <a:p>
               <a:pPr algn="ctr"/>
-              <a:r>
-                <a:rPr lang="en-US" altLang="zh-CN" sz="800" dirty="0">
-                  <a:solidFill>
-                    <a:schemeClr val="tx1">
-                      <a:lumMod val="65000"/>
-                      <a:lumOff val="35000"/>
-                    </a:schemeClr>
-                  </a:solidFill>
-                  <a:latin typeface="微软雅黑" panose="020B0503020204020204" pitchFamily="34" charset="-122"/>
-                  <a:ea typeface="微软雅黑" panose="020B0503020204020204" pitchFamily="34" charset="-122"/>
-                </a:rPr>
-                <a:t>usr_user_account</a:t>
-              </a:r>
-              <a:endParaRPr lang="zh-CN" altLang="en-US" sz="800" dirty="0">
-                <a:solidFill>
-                  <a:schemeClr val="tx1">
-                    <a:lumMod val="65000"/>
-                    <a:lumOff val="35000"/>
-                  </a:schemeClr>
-                </a:solidFill>
+              <a:endParaRPr lang="zh-CN" altLang="en-US" sz="900" dirty="0">
                 <a:latin typeface="微软雅黑" panose="020B0503020204020204" pitchFamily="34" charset="-122"/>
                 <a:ea typeface="微软雅黑" panose="020B0503020204020204" pitchFamily="34" charset="-122"/>
               </a:endParaRPr>
@@ -5520,29 +5254,78 @@
         </p:sp>
         <p:sp>
           <p:nvSpPr>
-            <p:cNvPr id="54" name="圆角矩形 53"/>
+            <p:cNvPr id="36" name="矩形 35"/>
             <p:cNvSpPr/>
             <p:nvPr/>
           </p:nvSpPr>
           <p:spPr>
             <a:xfrm>
-              <a:off x="4369044" y="5377654"/>
-              <a:ext cx="1464952" cy="541537"/>
+              <a:off x="3103761" y="3434442"/>
+              <a:ext cx="246169" cy="185057"/>
             </a:xfrm>
-            <a:prstGeom prst="roundRect">
-              <a:avLst>
-                <a:gd name="adj" fmla="val 11085"/>
-              </a:avLst>
+            <a:prstGeom prst="rect">
+              <a:avLst/>
             </a:prstGeom>
-            <a:noFill/>
+            <a:solidFill>
+              <a:schemeClr val="tx2"/>
+            </a:solidFill>
             <a:ln w="6350">
               <a:solidFill>
-                <a:schemeClr val="bg1">
-                  <a:lumMod val="75000"/>
-                  <a:alpha val="90000"/>
-                </a:schemeClr>
+                <a:schemeClr val="bg1"/>
               </a:solidFill>
-              <a:prstDash val="dash"/>
+              <a:prstDash val="solid"/>
+            </a:ln>
+          </p:spPr>
+          <p:style>
+            <a:lnRef idx="2">
+              <a:schemeClr val="accent1">
+                <a:shade val="50000"/>
+              </a:schemeClr>
+            </a:lnRef>
+            <a:fillRef idx="1">
+              <a:schemeClr val="accent1"/>
+            </a:fillRef>
+            <a:effectRef idx="0">
+              <a:schemeClr val="accent1"/>
+            </a:effectRef>
+            <a:fontRef idx="minor">
+              <a:schemeClr val="lt1"/>
+            </a:fontRef>
+          </p:style>
+          <p:txBody>
+            <a:bodyPr rtlCol="0" anchor="ctr"/>
+            <a:lstStyle/>
+            <a:p>
+              <a:pPr algn="ctr"/>
+              <a:endParaRPr lang="zh-CN" altLang="en-US" sz="900" dirty="0">
+                <a:latin typeface="微软雅黑" panose="020B0503020204020204" pitchFamily="34" charset="-122"/>
+                <a:ea typeface="微软雅黑" panose="020B0503020204020204" pitchFamily="34" charset="-122"/>
+              </a:endParaRPr>
+            </a:p>
+          </p:txBody>
+        </p:sp>
+        <p:sp>
+          <p:nvSpPr>
+            <p:cNvPr id="37" name="矩形 36"/>
+            <p:cNvSpPr/>
+            <p:nvPr/>
+          </p:nvSpPr>
+          <p:spPr>
+            <a:xfrm>
+              <a:off x="2857594" y="3619498"/>
+              <a:ext cx="246169" cy="185057"/>
+            </a:xfrm>
+            <a:prstGeom prst="rect">
+              <a:avLst/>
+            </a:prstGeom>
+            <a:solidFill>
+              <a:schemeClr val="tx2"/>
+            </a:solidFill>
+            <a:ln w="6350">
+              <a:solidFill>
+                <a:schemeClr val="bg1"/>
+              </a:solidFill>
+              <a:prstDash val="solid"/>
             </a:ln>
           </p:spPr>
           <p:style>
@@ -5573,276 +5356,478 @@
             </a:p>
           </p:txBody>
         </p:sp>
-        <p:grpSp>
-          <p:nvGrpSpPr>
-            <p:cNvPr id="107" name="组合 33"/>
-            <p:cNvGrpSpPr/>
+        <p:sp>
+          <p:nvSpPr>
+            <p:cNvPr id="38" name="矩形 37"/>
+            <p:cNvSpPr/>
             <p:nvPr/>
-          </p:nvGrpSpPr>
-          <p:grpSpPr>
+          </p:nvSpPr>
+          <p:spPr>
             <a:xfrm>
-              <a:off x="5201767" y="5465817"/>
-              <a:ext cx="406569" cy="242211"/>
-              <a:chOff x="2857287" y="3434440"/>
-              <a:chExt cx="492645" cy="370115"/>
+              <a:off x="3103763" y="3619498"/>
+              <a:ext cx="246169" cy="185057"/>
             </a:xfrm>
-          </p:grpSpPr>
-          <p:sp>
-            <p:nvSpPr>
-              <p:cNvPr id="108" name="矩形 34"/>
-              <p:cNvSpPr/>
-              <p:nvPr/>
-            </p:nvSpPr>
-            <p:spPr>
-              <a:xfrm>
-                <a:off x="2857594" y="3434442"/>
-                <a:ext cx="246169" cy="185057"/>
-              </a:xfrm>
-              <a:prstGeom prst="rect">
-                <a:avLst/>
-              </a:prstGeom>
+            <a:prstGeom prst="rect">
+              <a:avLst/>
+            </a:prstGeom>
+            <a:solidFill>
+              <a:schemeClr val="tx2"/>
+            </a:solidFill>
+            <a:ln w="6350">
               <a:solidFill>
-                <a:schemeClr val="tx2"/>
+                <a:schemeClr val="bg1"/>
               </a:solidFill>
-              <a:ln w="6350">
+              <a:prstDash val="solid"/>
+            </a:ln>
+          </p:spPr>
+          <p:style>
+            <a:lnRef idx="2">
+              <a:schemeClr val="accent1">
+                <a:shade val="50000"/>
+              </a:schemeClr>
+            </a:lnRef>
+            <a:fillRef idx="1">
+              <a:schemeClr val="accent1"/>
+            </a:fillRef>
+            <a:effectRef idx="0">
+              <a:schemeClr val="accent1"/>
+            </a:effectRef>
+            <a:fontRef idx="minor">
+              <a:schemeClr val="lt1"/>
+            </a:fontRef>
+          </p:style>
+          <p:txBody>
+            <a:bodyPr rtlCol="0" anchor="ctr"/>
+            <a:lstStyle/>
+            <a:p>
+              <a:pPr algn="ctr"/>
+              <a:endParaRPr lang="zh-CN" altLang="en-US" sz="900">
+                <a:latin typeface="微软雅黑" panose="020B0503020204020204" pitchFamily="34" charset="-122"/>
+                <a:ea typeface="微软雅黑" panose="020B0503020204020204" pitchFamily="34" charset="-122"/>
+              </a:endParaRPr>
+            </a:p>
+          </p:txBody>
+        </p:sp>
+        <p:sp>
+          <p:nvSpPr>
+            <p:cNvPr id="39" name="矩形 38"/>
+            <p:cNvSpPr/>
+            <p:nvPr/>
+          </p:nvSpPr>
+          <p:spPr>
+            <a:xfrm>
+              <a:off x="2857287" y="3434440"/>
+              <a:ext cx="492338" cy="370115"/>
+            </a:xfrm>
+            <a:prstGeom prst="rect">
+              <a:avLst/>
+            </a:prstGeom>
+            <a:noFill/>
+            <a:ln>
+              <a:noFill/>
+            </a:ln>
+          </p:spPr>
+          <p:style>
+            <a:lnRef idx="2">
+              <a:schemeClr val="accent1">
+                <a:shade val="50000"/>
+              </a:schemeClr>
+            </a:lnRef>
+            <a:fillRef idx="1">
+              <a:schemeClr val="accent1"/>
+            </a:fillRef>
+            <a:effectRef idx="0">
+              <a:schemeClr val="accent1"/>
+            </a:effectRef>
+            <a:fontRef idx="minor">
+              <a:schemeClr val="lt1"/>
+            </a:fontRef>
+          </p:style>
+          <p:txBody>
+            <a:bodyPr rtlCol="0" anchor="ctr"/>
+            <a:lstStyle/>
+            <a:p>
+              <a:pPr algn="ctr"/>
+              <a:endParaRPr lang="zh-CN" altLang="en-US" sz="900">
+                <a:latin typeface="微软雅黑" panose="020B0503020204020204" pitchFamily="34" charset="-122"/>
+                <a:ea typeface="微软雅黑" panose="020B0503020204020204" pitchFamily="34" charset="-122"/>
+              </a:endParaRPr>
+            </a:p>
+          </p:txBody>
+        </p:sp>
+      </p:grpSp>
+      <p:sp>
+        <p:nvSpPr>
+          <p:cNvPr id="40" name="矩形 39"/>
+          <p:cNvSpPr/>
+          <p:nvPr/>
+        </p:nvSpPr>
+        <p:spPr>
+          <a:xfrm>
+            <a:off x="4080892" y="4227058"/>
+            <a:ext cx="1021434" cy="215444"/>
+          </a:xfrm>
+          <a:prstGeom prst="rect">
+            <a:avLst/>
+          </a:prstGeom>
+        </p:spPr>
+        <p:txBody>
+          <a:bodyPr wrap="none">
+            <a:spAutoFit/>
+          </a:bodyPr>
+          <a:lstStyle/>
+          <a:p>
+            <a:pPr algn="ctr"/>
+            <a:r>
+              <a:rPr lang="en-US" altLang="zh-CN" sz="800" dirty="0">
                 <a:solidFill>
-                  <a:schemeClr val="bg1"/>
+                  <a:schemeClr val="tx1">
+                    <a:lumMod val="65000"/>
+                    <a:lumOff val="35000"/>
+                  </a:schemeClr>
                 </a:solidFill>
-                <a:prstDash val="solid"/>
-              </a:ln>
-            </p:spPr>
-            <p:style>
-              <a:lnRef idx="2">
-                <a:schemeClr val="accent1">
-                  <a:shade val="50000"/>
+                <a:latin typeface="微软雅黑" panose="020B0503020204020204" pitchFamily="34" charset="-122"/>
+                <a:ea typeface="微软雅黑" panose="020B0503020204020204" pitchFamily="34" charset="-122"/>
+              </a:rPr>
+              <a:t>usr_user_account</a:t>
+            </a:r>
+            <a:endParaRPr lang="zh-CN" altLang="en-US" sz="800" dirty="0">
+              <a:solidFill>
+                <a:schemeClr val="tx1">
+                  <a:lumMod val="65000"/>
+                  <a:lumOff val="35000"/>
                 </a:schemeClr>
-              </a:lnRef>
-              <a:fillRef idx="1">
-                <a:schemeClr val="accent1"/>
-              </a:fillRef>
-              <a:effectRef idx="0">
-                <a:schemeClr val="accent1"/>
-              </a:effectRef>
-              <a:fontRef idx="minor">
-                <a:schemeClr val="lt1"/>
-              </a:fontRef>
-            </p:style>
-            <p:txBody>
-              <a:bodyPr rtlCol="0" anchor="ctr"/>
-              <a:lstStyle/>
-              <a:p>
-                <a:pPr algn="ctr"/>
-                <a:endParaRPr lang="zh-CN" altLang="en-US" sz="900" dirty="0">
-                  <a:latin typeface="微软雅黑" panose="020B0503020204020204" pitchFamily="34" charset="-122"/>
-                  <a:ea typeface="微软雅黑" panose="020B0503020204020204" pitchFamily="34" charset="-122"/>
-                </a:endParaRPr>
-              </a:p>
-            </p:txBody>
-          </p:sp>
-          <p:sp>
-            <p:nvSpPr>
-              <p:cNvPr id="109" name="矩形 35"/>
-              <p:cNvSpPr/>
-              <p:nvPr/>
-            </p:nvSpPr>
-            <p:spPr>
-              <a:xfrm>
-                <a:off x="3103761" y="3434442"/>
-                <a:ext cx="246169" cy="185057"/>
-              </a:xfrm>
-              <a:prstGeom prst="rect">
-                <a:avLst/>
-              </a:prstGeom>
+              </a:solidFill>
+              <a:latin typeface="微软雅黑" panose="020B0503020204020204" pitchFamily="34" charset="-122"/>
+              <a:ea typeface="微软雅黑" panose="020B0503020204020204" pitchFamily="34" charset="-122"/>
+            </a:endParaRPr>
+          </a:p>
+        </p:txBody>
+      </p:sp>
+      <p:sp>
+        <p:nvSpPr>
+          <p:cNvPr id="54" name="圆角矩形 53"/>
+          <p:cNvSpPr/>
+          <p:nvPr/>
+        </p:nvSpPr>
+        <p:spPr>
+          <a:xfrm>
+            <a:off x="3558005" y="4234898"/>
+            <a:ext cx="1464952" cy="541537"/>
+          </a:xfrm>
+          <a:prstGeom prst="roundRect">
+            <a:avLst>
+              <a:gd name="adj" fmla="val 11085"/>
+            </a:avLst>
+          </a:prstGeom>
+          <a:noFill/>
+          <a:ln w="6350">
+            <a:solidFill>
+              <a:schemeClr val="bg1">
+                <a:lumMod val="75000"/>
+                <a:alpha val="90000"/>
+              </a:schemeClr>
+            </a:solidFill>
+            <a:prstDash val="dash"/>
+          </a:ln>
+        </p:spPr>
+        <p:style>
+          <a:lnRef idx="2">
+            <a:schemeClr val="accent1">
+              <a:shade val="50000"/>
+            </a:schemeClr>
+          </a:lnRef>
+          <a:fillRef idx="1">
+            <a:schemeClr val="accent1"/>
+          </a:fillRef>
+          <a:effectRef idx="0">
+            <a:schemeClr val="accent1"/>
+          </a:effectRef>
+          <a:fontRef idx="minor">
+            <a:schemeClr val="lt1"/>
+          </a:fontRef>
+        </p:style>
+        <p:txBody>
+          <a:bodyPr rtlCol="0" anchor="ctr"/>
+          <a:lstStyle/>
+          <a:p>
+            <a:pPr algn="ctr"/>
+            <a:endParaRPr lang="zh-CN" altLang="en-US" sz="900">
+              <a:latin typeface="微软雅黑" panose="020B0503020204020204" pitchFamily="34" charset="-122"/>
+              <a:ea typeface="微软雅黑" panose="020B0503020204020204" pitchFamily="34" charset="-122"/>
+            </a:endParaRPr>
+          </a:p>
+        </p:txBody>
+      </p:sp>
+      <p:grpSp>
+        <p:nvGrpSpPr>
+          <p:cNvPr id="107" name="组合 33"/>
+          <p:cNvGrpSpPr/>
+          <p:nvPr/>
+        </p:nvGrpSpPr>
+        <p:grpSpPr>
+          <a:xfrm>
+            <a:off x="4390728" y="4446160"/>
+            <a:ext cx="406569" cy="242211"/>
+            <a:chOff x="2857287" y="3434440"/>
+            <a:chExt cx="492645" cy="370115"/>
+          </a:xfrm>
+        </p:grpSpPr>
+        <p:sp>
+          <p:nvSpPr>
+            <p:cNvPr id="108" name="矩形 34"/>
+            <p:cNvSpPr/>
+            <p:nvPr/>
+          </p:nvSpPr>
+          <p:spPr>
+            <a:xfrm>
+              <a:off x="2857594" y="3434442"/>
+              <a:ext cx="246169" cy="185057"/>
+            </a:xfrm>
+            <a:prstGeom prst="rect">
+              <a:avLst/>
+            </a:prstGeom>
+            <a:solidFill>
+              <a:schemeClr val="tx2"/>
+            </a:solidFill>
+            <a:ln w="6350">
               <a:solidFill>
-                <a:schemeClr val="tx2"/>
+                <a:schemeClr val="bg1"/>
               </a:solidFill>
-              <a:ln w="6350">
-                <a:solidFill>
-                  <a:schemeClr val="bg1"/>
-                </a:solidFill>
-                <a:prstDash val="solid"/>
-              </a:ln>
-            </p:spPr>
-            <p:style>
-              <a:lnRef idx="2">
-                <a:schemeClr val="accent1">
-                  <a:shade val="50000"/>
-                </a:schemeClr>
-              </a:lnRef>
-              <a:fillRef idx="1">
-                <a:schemeClr val="accent1"/>
-              </a:fillRef>
-              <a:effectRef idx="0">
-                <a:schemeClr val="accent1"/>
-              </a:effectRef>
-              <a:fontRef idx="minor">
-                <a:schemeClr val="lt1"/>
-              </a:fontRef>
-            </p:style>
-            <p:txBody>
-              <a:bodyPr rtlCol="0" anchor="ctr"/>
-              <a:lstStyle/>
-              <a:p>
-                <a:pPr algn="ctr"/>
-                <a:endParaRPr lang="zh-CN" altLang="en-US" sz="900" dirty="0">
-                  <a:latin typeface="微软雅黑" panose="020B0503020204020204" pitchFamily="34" charset="-122"/>
-                  <a:ea typeface="微软雅黑" panose="020B0503020204020204" pitchFamily="34" charset="-122"/>
-                </a:endParaRPr>
-              </a:p>
-            </p:txBody>
-          </p:sp>
-          <p:sp>
-            <p:nvSpPr>
-              <p:cNvPr id="110" name="矩形 36"/>
-              <p:cNvSpPr/>
-              <p:nvPr/>
-            </p:nvSpPr>
-            <p:spPr>
-              <a:xfrm>
-                <a:off x="2857594" y="3619498"/>
-                <a:ext cx="246169" cy="185057"/>
-              </a:xfrm>
-              <a:prstGeom prst="rect">
-                <a:avLst/>
-              </a:prstGeom>
+              <a:prstDash val="solid"/>
+            </a:ln>
+          </p:spPr>
+          <p:style>
+            <a:lnRef idx="2">
+              <a:schemeClr val="accent1">
+                <a:shade val="50000"/>
+              </a:schemeClr>
+            </a:lnRef>
+            <a:fillRef idx="1">
+              <a:schemeClr val="accent1"/>
+            </a:fillRef>
+            <a:effectRef idx="0">
+              <a:schemeClr val="accent1"/>
+            </a:effectRef>
+            <a:fontRef idx="minor">
+              <a:schemeClr val="lt1"/>
+            </a:fontRef>
+          </p:style>
+          <p:txBody>
+            <a:bodyPr rtlCol="0" anchor="ctr"/>
+            <a:lstStyle/>
+            <a:p>
+              <a:pPr algn="ctr"/>
+              <a:endParaRPr lang="zh-CN" altLang="en-US" sz="900" dirty="0">
+                <a:latin typeface="微软雅黑" panose="020B0503020204020204" pitchFamily="34" charset="-122"/>
+                <a:ea typeface="微软雅黑" panose="020B0503020204020204" pitchFamily="34" charset="-122"/>
+              </a:endParaRPr>
+            </a:p>
+          </p:txBody>
+        </p:sp>
+        <p:sp>
+          <p:nvSpPr>
+            <p:cNvPr id="109" name="矩形 35"/>
+            <p:cNvSpPr/>
+            <p:nvPr/>
+          </p:nvSpPr>
+          <p:spPr>
+            <a:xfrm>
+              <a:off x="3103761" y="3434442"/>
+              <a:ext cx="246169" cy="185057"/>
+            </a:xfrm>
+            <a:prstGeom prst="rect">
+              <a:avLst/>
+            </a:prstGeom>
+            <a:solidFill>
+              <a:schemeClr val="tx2"/>
+            </a:solidFill>
+            <a:ln w="6350">
               <a:solidFill>
-                <a:schemeClr val="tx2"/>
+                <a:schemeClr val="bg1"/>
               </a:solidFill>
-              <a:ln w="6350">
-                <a:solidFill>
-                  <a:schemeClr val="bg1"/>
-                </a:solidFill>
-                <a:prstDash val="solid"/>
-              </a:ln>
-            </p:spPr>
-            <p:style>
-              <a:lnRef idx="2">
-                <a:schemeClr val="accent1">
-                  <a:shade val="50000"/>
-                </a:schemeClr>
-              </a:lnRef>
-              <a:fillRef idx="1">
-                <a:schemeClr val="accent1"/>
-              </a:fillRef>
-              <a:effectRef idx="0">
-                <a:schemeClr val="accent1"/>
-              </a:effectRef>
-              <a:fontRef idx="minor">
-                <a:schemeClr val="lt1"/>
-              </a:fontRef>
-            </p:style>
-            <p:txBody>
-              <a:bodyPr rtlCol="0" anchor="ctr"/>
-              <a:lstStyle/>
-              <a:p>
-                <a:pPr algn="ctr"/>
-                <a:endParaRPr lang="zh-CN" altLang="en-US" sz="900">
-                  <a:latin typeface="微软雅黑" panose="020B0503020204020204" pitchFamily="34" charset="-122"/>
-                  <a:ea typeface="微软雅黑" panose="020B0503020204020204" pitchFamily="34" charset="-122"/>
-                </a:endParaRPr>
-              </a:p>
-            </p:txBody>
-          </p:sp>
-          <p:sp>
-            <p:nvSpPr>
-              <p:cNvPr id="111" name="矩形 37"/>
-              <p:cNvSpPr/>
-              <p:nvPr/>
-            </p:nvSpPr>
-            <p:spPr>
-              <a:xfrm>
-                <a:off x="3103763" y="3619498"/>
-                <a:ext cx="246169" cy="185057"/>
-              </a:xfrm>
-              <a:prstGeom prst="rect">
-                <a:avLst/>
-              </a:prstGeom>
+              <a:prstDash val="solid"/>
+            </a:ln>
+          </p:spPr>
+          <p:style>
+            <a:lnRef idx="2">
+              <a:schemeClr val="accent1">
+                <a:shade val="50000"/>
+              </a:schemeClr>
+            </a:lnRef>
+            <a:fillRef idx="1">
+              <a:schemeClr val="accent1"/>
+            </a:fillRef>
+            <a:effectRef idx="0">
+              <a:schemeClr val="accent1"/>
+            </a:effectRef>
+            <a:fontRef idx="minor">
+              <a:schemeClr val="lt1"/>
+            </a:fontRef>
+          </p:style>
+          <p:txBody>
+            <a:bodyPr rtlCol="0" anchor="ctr"/>
+            <a:lstStyle/>
+            <a:p>
+              <a:pPr algn="ctr"/>
+              <a:endParaRPr lang="zh-CN" altLang="en-US" sz="900" dirty="0">
+                <a:latin typeface="微软雅黑" panose="020B0503020204020204" pitchFamily="34" charset="-122"/>
+                <a:ea typeface="微软雅黑" panose="020B0503020204020204" pitchFamily="34" charset="-122"/>
+              </a:endParaRPr>
+            </a:p>
+          </p:txBody>
+        </p:sp>
+        <p:sp>
+          <p:nvSpPr>
+            <p:cNvPr id="110" name="矩形 36"/>
+            <p:cNvSpPr/>
+            <p:nvPr/>
+          </p:nvSpPr>
+          <p:spPr>
+            <a:xfrm>
+              <a:off x="2857594" y="3619498"/>
+              <a:ext cx="246169" cy="185057"/>
+            </a:xfrm>
+            <a:prstGeom prst="rect">
+              <a:avLst/>
+            </a:prstGeom>
+            <a:solidFill>
+              <a:schemeClr val="tx2"/>
+            </a:solidFill>
+            <a:ln w="6350">
               <a:solidFill>
-                <a:schemeClr val="tx2"/>
+                <a:schemeClr val="bg1"/>
               </a:solidFill>
-              <a:ln w="6350">
-                <a:solidFill>
-                  <a:schemeClr val="bg1"/>
-                </a:solidFill>
-                <a:prstDash val="solid"/>
-              </a:ln>
-            </p:spPr>
-            <p:style>
-              <a:lnRef idx="2">
-                <a:schemeClr val="accent1">
-                  <a:shade val="50000"/>
-                </a:schemeClr>
-              </a:lnRef>
-              <a:fillRef idx="1">
-                <a:schemeClr val="accent1"/>
-              </a:fillRef>
-              <a:effectRef idx="0">
-                <a:schemeClr val="accent1"/>
-              </a:effectRef>
-              <a:fontRef idx="minor">
-                <a:schemeClr val="lt1"/>
-              </a:fontRef>
-            </p:style>
-            <p:txBody>
-              <a:bodyPr rtlCol="0" anchor="ctr"/>
-              <a:lstStyle/>
-              <a:p>
-                <a:pPr algn="ctr"/>
-                <a:endParaRPr lang="zh-CN" altLang="en-US" sz="900">
-                  <a:latin typeface="微软雅黑" panose="020B0503020204020204" pitchFamily="34" charset="-122"/>
-                  <a:ea typeface="微软雅黑" panose="020B0503020204020204" pitchFamily="34" charset="-122"/>
-                </a:endParaRPr>
-              </a:p>
-            </p:txBody>
-          </p:sp>
-          <p:sp>
-            <p:nvSpPr>
-              <p:cNvPr id="112" name="矩形 38"/>
-              <p:cNvSpPr/>
-              <p:nvPr/>
-            </p:nvSpPr>
-            <p:spPr>
-              <a:xfrm>
-                <a:off x="2857287" y="3434440"/>
-                <a:ext cx="492338" cy="370115"/>
-              </a:xfrm>
-              <a:prstGeom prst="rect">
-                <a:avLst/>
-              </a:prstGeom>
+              <a:prstDash val="solid"/>
+            </a:ln>
+          </p:spPr>
+          <p:style>
+            <a:lnRef idx="2">
+              <a:schemeClr val="accent1">
+                <a:shade val="50000"/>
+              </a:schemeClr>
+            </a:lnRef>
+            <a:fillRef idx="1">
+              <a:schemeClr val="accent1"/>
+            </a:fillRef>
+            <a:effectRef idx="0">
+              <a:schemeClr val="accent1"/>
+            </a:effectRef>
+            <a:fontRef idx="minor">
+              <a:schemeClr val="lt1"/>
+            </a:fontRef>
+          </p:style>
+          <p:txBody>
+            <a:bodyPr rtlCol="0" anchor="ctr"/>
+            <a:lstStyle/>
+            <a:p>
+              <a:pPr algn="ctr"/>
+              <a:endParaRPr lang="zh-CN" altLang="en-US" sz="900">
+                <a:latin typeface="微软雅黑" panose="020B0503020204020204" pitchFamily="34" charset="-122"/>
+                <a:ea typeface="微软雅黑" panose="020B0503020204020204" pitchFamily="34" charset="-122"/>
+              </a:endParaRPr>
+            </a:p>
+          </p:txBody>
+        </p:sp>
+        <p:sp>
+          <p:nvSpPr>
+            <p:cNvPr id="111" name="矩形 37"/>
+            <p:cNvSpPr/>
+            <p:nvPr/>
+          </p:nvSpPr>
+          <p:spPr>
+            <a:xfrm>
+              <a:off x="3103763" y="3619498"/>
+              <a:ext cx="246169" cy="185057"/>
+            </a:xfrm>
+            <a:prstGeom prst="rect">
+              <a:avLst/>
+            </a:prstGeom>
+            <a:solidFill>
+              <a:schemeClr val="tx2"/>
+            </a:solidFill>
+            <a:ln w="6350">
+              <a:solidFill>
+                <a:schemeClr val="bg1"/>
+              </a:solidFill>
+              <a:prstDash val="solid"/>
+            </a:ln>
+          </p:spPr>
+          <p:style>
+            <a:lnRef idx="2">
+              <a:schemeClr val="accent1">
+                <a:shade val="50000"/>
+              </a:schemeClr>
+            </a:lnRef>
+            <a:fillRef idx="1">
+              <a:schemeClr val="accent1"/>
+            </a:fillRef>
+            <a:effectRef idx="0">
+              <a:schemeClr val="accent1"/>
+            </a:effectRef>
+            <a:fontRef idx="minor">
+              <a:schemeClr val="lt1"/>
+            </a:fontRef>
+          </p:style>
+          <p:txBody>
+            <a:bodyPr rtlCol="0" anchor="ctr"/>
+            <a:lstStyle/>
+            <a:p>
+              <a:pPr algn="ctr"/>
+              <a:endParaRPr lang="zh-CN" altLang="en-US" sz="900">
+                <a:latin typeface="微软雅黑" panose="020B0503020204020204" pitchFamily="34" charset="-122"/>
+                <a:ea typeface="微软雅黑" panose="020B0503020204020204" pitchFamily="34" charset="-122"/>
+              </a:endParaRPr>
+            </a:p>
+          </p:txBody>
+        </p:sp>
+        <p:sp>
+          <p:nvSpPr>
+            <p:cNvPr id="112" name="矩形 38"/>
+            <p:cNvSpPr/>
+            <p:nvPr/>
+          </p:nvSpPr>
+          <p:spPr>
+            <a:xfrm>
+              <a:off x="2857287" y="3434440"/>
+              <a:ext cx="492338" cy="370115"/>
+            </a:xfrm>
+            <a:prstGeom prst="rect">
+              <a:avLst/>
+            </a:prstGeom>
+            <a:noFill/>
+            <a:ln>
               <a:noFill/>
-              <a:ln>
-                <a:noFill/>
-              </a:ln>
-            </p:spPr>
-            <p:style>
-              <a:lnRef idx="2">
-                <a:schemeClr val="accent1">
-                  <a:shade val="50000"/>
-                </a:schemeClr>
-              </a:lnRef>
-              <a:fillRef idx="1">
-                <a:schemeClr val="accent1"/>
-              </a:fillRef>
-              <a:effectRef idx="0">
-                <a:schemeClr val="accent1"/>
-              </a:effectRef>
-              <a:fontRef idx="minor">
-                <a:schemeClr val="lt1"/>
-              </a:fontRef>
-            </p:style>
-            <p:txBody>
-              <a:bodyPr rtlCol="0" anchor="ctr"/>
-              <a:lstStyle/>
-              <a:p>
-                <a:pPr algn="ctr"/>
-                <a:endParaRPr lang="zh-CN" altLang="en-US" sz="900">
-                  <a:latin typeface="微软雅黑" panose="020B0503020204020204" pitchFamily="34" charset="-122"/>
-                  <a:ea typeface="微软雅黑" panose="020B0503020204020204" pitchFamily="34" charset="-122"/>
-                </a:endParaRPr>
-              </a:p>
-            </p:txBody>
-          </p:sp>
-        </p:grpSp>
+            </a:ln>
+          </p:spPr>
+          <p:style>
+            <a:lnRef idx="2">
+              <a:schemeClr val="accent1">
+                <a:shade val="50000"/>
+              </a:schemeClr>
+            </a:lnRef>
+            <a:fillRef idx="1">
+              <a:schemeClr val="accent1"/>
+            </a:fillRef>
+            <a:effectRef idx="0">
+              <a:schemeClr val="accent1"/>
+            </a:effectRef>
+            <a:fontRef idx="minor">
+              <a:schemeClr val="lt1"/>
+            </a:fontRef>
+          </p:style>
+          <p:txBody>
+            <a:bodyPr rtlCol="0" anchor="ctr"/>
+            <a:lstStyle/>
+            <a:p>
+              <a:pPr algn="ctr"/>
+              <a:endParaRPr lang="zh-CN" altLang="en-US" sz="900">
+                <a:latin typeface="微软雅黑" panose="020B0503020204020204" pitchFamily="34" charset="-122"/>
+                <a:ea typeface="微软雅黑" panose="020B0503020204020204" pitchFamily="34" charset="-122"/>
+              </a:endParaRPr>
+            </a:p>
+          </p:txBody>
+        </p:sp>
       </p:grpSp>
       <p:grpSp>
         <p:nvGrpSpPr>
